--- a/data/draft.pptx
+++ b/data/draft.pptx
@@ -7,9 +7,10 @@
   <p:sldIdLst>
     <p:sldId id="257" r:id="rId2"/>
     <p:sldId id="258" r:id="rId3"/>
+    <p:sldId id="259" r:id="rId4"/>
   </p:sldIdLst>
   <p:sldSz cx="12192000" cy="6858000"/>
-  <p:notesSz cx="6858000" cy="9144000"/>
+  <p:notesSz cx="6797675" cy="9926638"/>
   <p:defaultTextStyle>
     <a:defPPr>
       <a:defRPr lang="en-US"/>
@@ -273,7 +274,7 @@
           <a:p>
             <a:fld id="{8837BD83-C95D-452A-8A03-A9CBA33557B0}" type="datetimeFigureOut">
               <a:rPr lang="en-GB" smtClean="0"/>
-              <a:t>01/01/2022</a:t>
+              <a:t>21/07/2022</a:t>
             </a:fld>
             <a:endParaRPr lang="en-GB"/>
           </a:p>
@@ -473,7 +474,7 @@
           <a:p>
             <a:fld id="{8837BD83-C95D-452A-8A03-A9CBA33557B0}" type="datetimeFigureOut">
               <a:rPr lang="en-GB" smtClean="0"/>
-              <a:t>01/01/2022</a:t>
+              <a:t>21/07/2022</a:t>
             </a:fld>
             <a:endParaRPr lang="en-GB"/>
           </a:p>
@@ -683,7 +684,7 @@
           <a:p>
             <a:fld id="{8837BD83-C95D-452A-8A03-A9CBA33557B0}" type="datetimeFigureOut">
               <a:rPr lang="en-GB" smtClean="0"/>
-              <a:t>01/01/2022</a:t>
+              <a:t>21/07/2022</a:t>
             </a:fld>
             <a:endParaRPr lang="en-GB"/>
           </a:p>
@@ -883,7 +884,7 @@
           <a:p>
             <a:fld id="{8837BD83-C95D-452A-8A03-A9CBA33557B0}" type="datetimeFigureOut">
               <a:rPr lang="en-GB" smtClean="0"/>
-              <a:t>01/01/2022</a:t>
+              <a:t>21/07/2022</a:t>
             </a:fld>
             <a:endParaRPr lang="en-GB"/>
           </a:p>
@@ -1159,7 +1160,7 @@
           <a:p>
             <a:fld id="{8837BD83-C95D-452A-8A03-A9CBA33557B0}" type="datetimeFigureOut">
               <a:rPr lang="en-GB" smtClean="0"/>
-              <a:t>01/01/2022</a:t>
+              <a:t>21/07/2022</a:t>
             </a:fld>
             <a:endParaRPr lang="en-GB"/>
           </a:p>
@@ -1427,7 +1428,7 @@
           <a:p>
             <a:fld id="{8837BD83-C95D-452A-8A03-A9CBA33557B0}" type="datetimeFigureOut">
               <a:rPr lang="en-GB" smtClean="0"/>
-              <a:t>01/01/2022</a:t>
+              <a:t>21/07/2022</a:t>
             </a:fld>
             <a:endParaRPr lang="en-GB"/>
           </a:p>
@@ -1842,7 +1843,7 @@
           <a:p>
             <a:fld id="{8837BD83-C95D-452A-8A03-A9CBA33557B0}" type="datetimeFigureOut">
               <a:rPr lang="en-GB" smtClean="0"/>
-              <a:t>01/01/2022</a:t>
+              <a:t>21/07/2022</a:t>
             </a:fld>
             <a:endParaRPr lang="en-GB"/>
           </a:p>
@@ -1984,7 +1985,7 @@
           <a:p>
             <a:fld id="{8837BD83-C95D-452A-8A03-A9CBA33557B0}" type="datetimeFigureOut">
               <a:rPr lang="en-GB" smtClean="0"/>
-              <a:t>01/01/2022</a:t>
+              <a:t>21/07/2022</a:t>
             </a:fld>
             <a:endParaRPr lang="en-GB"/>
           </a:p>
@@ -2097,7 +2098,7 @@
           <a:p>
             <a:fld id="{8837BD83-C95D-452A-8A03-A9CBA33557B0}" type="datetimeFigureOut">
               <a:rPr lang="en-GB" smtClean="0"/>
-              <a:t>01/01/2022</a:t>
+              <a:t>21/07/2022</a:t>
             </a:fld>
             <a:endParaRPr lang="en-GB"/>
           </a:p>
@@ -2410,7 +2411,7 @@
           <a:p>
             <a:fld id="{8837BD83-C95D-452A-8A03-A9CBA33557B0}" type="datetimeFigureOut">
               <a:rPr lang="en-GB" smtClean="0"/>
-              <a:t>01/01/2022</a:t>
+              <a:t>21/07/2022</a:t>
             </a:fld>
             <a:endParaRPr lang="en-GB"/>
           </a:p>
@@ -2699,7 +2700,7 @@
           <a:p>
             <a:fld id="{8837BD83-C95D-452A-8A03-A9CBA33557B0}" type="datetimeFigureOut">
               <a:rPr lang="en-GB" smtClean="0"/>
-              <a:t>01/01/2022</a:t>
+              <a:t>21/07/2022</a:t>
             </a:fld>
             <a:endParaRPr lang="en-GB"/>
           </a:p>
@@ -2942,7 +2943,7 @@
           <a:p>
             <a:fld id="{8837BD83-C95D-452A-8A03-A9CBA33557B0}" type="datetimeFigureOut">
               <a:rPr lang="en-GB" smtClean="0"/>
-              <a:t>01/01/2022</a:t>
+              <a:t>21/07/2022</a:t>
             </a:fld>
             <a:endParaRPr lang="en-GB"/>
           </a:p>
@@ -4934,6 +4935,6325 @@
 </p:sld>
 </file>
 
+<file path=ppt/slides/slide3.xml><?xml version="1.0" encoding="utf-8"?>
+<p:sld xmlns:a="http://schemas.openxmlformats.org/drawingml/2006/main" xmlns:r="http://schemas.openxmlformats.org/officeDocument/2006/relationships" xmlns:p="http://schemas.openxmlformats.org/presentationml/2006/main">
+  <p:cSld>
+    <p:spTree>
+      <p:nvGrpSpPr>
+        <p:cNvPr id="1" name=""/>
+        <p:cNvGrpSpPr/>
+        <p:nvPr/>
+      </p:nvGrpSpPr>
+      <p:grpSpPr>
+        <a:xfrm>
+          <a:off x="0" y="0"/>
+          <a:ext cx="0" cy="0"/>
+          <a:chOff x="0" y="0"/>
+          <a:chExt cx="0" cy="0"/>
+        </a:xfrm>
+      </p:grpSpPr>
+      <p:cxnSp>
+        <p:nvCxnSpPr>
+          <p:cNvPr id="19" name="Straight Arrow Connector 18">
+            <a:extLst>
+              <a:ext uri="{FF2B5EF4-FFF2-40B4-BE49-F238E27FC236}">
+                <a16:creationId xmlns:a16="http://schemas.microsoft.com/office/drawing/2014/main" id="{F2BC8C96-DF6C-49EC-8B6B-08F5DDD47AED}"/>
+              </a:ext>
+            </a:extLst>
+          </p:cNvPr>
+          <p:cNvCxnSpPr>
+            <a:stCxn id="7" idx="2"/>
+            <a:endCxn id="17" idx="0"/>
+          </p:cNvCxnSpPr>
+          <p:nvPr/>
+        </p:nvCxnSpPr>
+        <p:spPr>
+          <a:xfrm flipH="1">
+            <a:off x="1839797" y="1649492"/>
+            <a:ext cx="541268" cy="1385020"/>
+          </a:xfrm>
+          <a:prstGeom prst="straightConnector1">
+            <a:avLst/>
+          </a:prstGeom>
+          <a:ln>
+            <a:tailEnd type="triangle"/>
+          </a:ln>
+        </p:spPr>
+        <p:style>
+          <a:lnRef idx="1">
+            <a:schemeClr val="accent1"/>
+          </a:lnRef>
+          <a:fillRef idx="0">
+            <a:schemeClr val="accent1"/>
+          </a:fillRef>
+          <a:effectRef idx="0">
+            <a:schemeClr val="accent1"/>
+          </a:effectRef>
+          <a:fontRef idx="minor">
+            <a:schemeClr val="tx1"/>
+          </a:fontRef>
+        </p:style>
+      </p:cxnSp>
+      <p:cxnSp>
+        <p:nvCxnSpPr>
+          <p:cNvPr id="42" name="Straight Arrow Connector 41">
+            <a:extLst>
+              <a:ext uri="{FF2B5EF4-FFF2-40B4-BE49-F238E27FC236}">
+                <a16:creationId xmlns:a16="http://schemas.microsoft.com/office/drawing/2014/main" id="{749310DE-E541-4A39-ADF3-6F415D7050B6}"/>
+              </a:ext>
+            </a:extLst>
+          </p:cNvPr>
+          <p:cNvCxnSpPr>
+            <a:cxnSpLocks/>
+            <a:stCxn id="11" idx="0"/>
+            <a:endCxn id="40" idx="3"/>
+          </p:cNvCxnSpPr>
+          <p:nvPr/>
+        </p:nvCxnSpPr>
+        <p:spPr>
+          <a:xfrm flipH="1" flipV="1">
+            <a:off x="1532709" y="4341435"/>
+            <a:ext cx="848356" cy="870645"/>
+          </a:xfrm>
+          <a:prstGeom prst="straightConnector1">
+            <a:avLst/>
+          </a:prstGeom>
+          <a:ln>
+            <a:tailEnd type="triangle"/>
+          </a:ln>
+        </p:spPr>
+        <p:style>
+          <a:lnRef idx="1">
+            <a:schemeClr val="accent1"/>
+          </a:lnRef>
+          <a:fillRef idx="0">
+            <a:schemeClr val="accent1"/>
+          </a:fillRef>
+          <a:effectRef idx="0">
+            <a:schemeClr val="accent1"/>
+          </a:effectRef>
+          <a:fontRef idx="minor">
+            <a:schemeClr val="tx1"/>
+          </a:fontRef>
+        </p:style>
+      </p:cxnSp>
+      <p:cxnSp>
+        <p:nvCxnSpPr>
+          <p:cNvPr id="54" name="Straight Arrow Connector 53">
+            <a:extLst>
+              <a:ext uri="{FF2B5EF4-FFF2-40B4-BE49-F238E27FC236}">
+                <a16:creationId xmlns:a16="http://schemas.microsoft.com/office/drawing/2014/main" id="{D1BA4ACD-5436-47C3-8EDE-5B0282484702}"/>
+              </a:ext>
+            </a:extLst>
+          </p:cNvPr>
+          <p:cNvCxnSpPr>
+            <a:stCxn id="9" idx="2"/>
+            <a:endCxn id="50" idx="0"/>
+          </p:cNvCxnSpPr>
+          <p:nvPr/>
+        </p:nvCxnSpPr>
+        <p:spPr>
+          <a:xfrm flipH="1">
+            <a:off x="2369296" y="1076290"/>
+            <a:ext cx="538019" cy="1807256"/>
+          </a:xfrm>
+          <a:prstGeom prst="straightConnector1">
+            <a:avLst/>
+          </a:prstGeom>
+          <a:ln>
+            <a:tailEnd type="triangle"/>
+          </a:ln>
+        </p:spPr>
+        <p:style>
+          <a:lnRef idx="1">
+            <a:schemeClr val="accent1"/>
+          </a:lnRef>
+          <a:fillRef idx="0">
+            <a:schemeClr val="accent1"/>
+          </a:fillRef>
+          <a:effectRef idx="0">
+            <a:schemeClr val="accent1"/>
+          </a:effectRef>
+          <a:fontRef idx="minor">
+            <a:schemeClr val="tx1"/>
+          </a:fontRef>
+        </p:style>
+      </p:cxnSp>
+      <p:cxnSp>
+        <p:nvCxnSpPr>
+          <p:cNvPr id="86" name="Straight Arrow Connector 85">
+            <a:extLst>
+              <a:ext uri="{FF2B5EF4-FFF2-40B4-BE49-F238E27FC236}">
+                <a16:creationId xmlns:a16="http://schemas.microsoft.com/office/drawing/2014/main" id="{BF923095-CFCE-49A0-8755-1ECBB2A7AA79}"/>
+              </a:ext>
+            </a:extLst>
+          </p:cNvPr>
+          <p:cNvCxnSpPr>
+            <a:stCxn id="84" idx="2"/>
+            <a:endCxn id="78" idx="0"/>
+          </p:cNvCxnSpPr>
+          <p:nvPr/>
+        </p:nvCxnSpPr>
+        <p:spPr>
+          <a:xfrm flipH="1">
+            <a:off x="3932941" y="3116882"/>
+            <a:ext cx="36617" cy="736566"/>
+          </a:xfrm>
+          <a:prstGeom prst="straightConnector1">
+            <a:avLst/>
+          </a:prstGeom>
+          <a:ln>
+            <a:tailEnd type="triangle"/>
+          </a:ln>
+        </p:spPr>
+        <p:style>
+          <a:lnRef idx="1">
+            <a:schemeClr val="accent1"/>
+          </a:lnRef>
+          <a:fillRef idx="0">
+            <a:schemeClr val="accent1"/>
+          </a:fillRef>
+          <a:effectRef idx="0">
+            <a:schemeClr val="accent1"/>
+          </a:effectRef>
+          <a:fontRef idx="minor">
+            <a:schemeClr val="tx1"/>
+          </a:fontRef>
+        </p:style>
+      </p:cxnSp>
+      <p:cxnSp>
+        <p:nvCxnSpPr>
+          <p:cNvPr id="88" name="Straight Arrow Connector 87">
+            <a:extLst>
+              <a:ext uri="{FF2B5EF4-FFF2-40B4-BE49-F238E27FC236}">
+                <a16:creationId xmlns:a16="http://schemas.microsoft.com/office/drawing/2014/main" id="{0B4DCAA9-2325-444D-99EA-B49C6266C16F}"/>
+              </a:ext>
+            </a:extLst>
+          </p:cNvPr>
+          <p:cNvCxnSpPr>
+            <a:stCxn id="9" idx="2"/>
+            <a:endCxn id="78" idx="0"/>
+          </p:cNvCxnSpPr>
+          <p:nvPr/>
+        </p:nvCxnSpPr>
+        <p:spPr>
+          <a:xfrm>
+            <a:off x="2907315" y="1076290"/>
+            <a:ext cx="1025626" cy="2777158"/>
+          </a:xfrm>
+          <a:prstGeom prst="straightConnector1">
+            <a:avLst/>
+          </a:prstGeom>
+          <a:ln>
+            <a:tailEnd type="triangle"/>
+          </a:ln>
+        </p:spPr>
+        <p:style>
+          <a:lnRef idx="1">
+            <a:schemeClr val="accent1"/>
+          </a:lnRef>
+          <a:fillRef idx="0">
+            <a:schemeClr val="accent1"/>
+          </a:fillRef>
+          <a:effectRef idx="0">
+            <a:schemeClr val="accent1"/>
+          </a:effectRef>
+          <a:fontRef idx="minor">
+            <a:schemeClr val="tx1"/>
+          </a:fontRef>
+        </p:style>
+      </p:cxnSp>
+      <p:cxnSp>
+        <p:nvCxnSpPr>
+          <p:cNvPr id="106" name="Straight Arrow Connector 105">
+            <a:extLst>
+              <a:ext uri="{FF2B5EF4-FFF2-40B4-BE49-F238E27FC236}">
+                <a16:creationId xmlns:a16="http://schemas.microsoft.com/office/drawing/2014/main" id="{549B4C94-1AD3-4D9B-B7F6-008D888507D2}"/>
+              </a:ext>
+            </a:extLst>
+          </p:cNvPr>
+          <p:cNvCxnSpPr>
+            <a:stCxn id="89" idx="2"/>
+            <a:endCxn id="84" idx="0"/>
+          </p:cNvCxnSpPr>
+          <p:nvPr/>
+        </p:nvCxnSpPr>
+        <p:spPr>
+          <a:xfrm flipH="1">
+            <a:off x="3969558" y="2504127"/>
+            <a:ext cx="153317" cy="243423"/>
+          </a:xfrm>
+          <a:prstGeom prst="straightConnector1">
+            <a:avLst/>
+          </a:prstGeom>
+          <a:ln>
+            <a:tailEnd type="triangle"/>
+          </a:ln>
+        </p:spPr>
+        <p:style>
+          <a:lnRef idx="1">
+            <a:schemeClr val="accent1"/>
+          </a:lnRef>
+          <a:fillRef idx="0">
+            <a:schemeClr val="accent1"/>
+          </a:fillRef>
+          <a:effectRef idx="0">
+            <a:schemeClr val="accent1"/>
+          </a:effectRef>
+          <a:fontRef idx="minor">
+            <a:schemeClr val="tx1"/>
+          </a:fontRef>
+        </p:style>
+      </p:cxnSp>
+      <p:cxnSp>
+        <p:nvCxnSpPr>
+          <p:cNvPr id="108" name="Straight Arrow Connector 107">
+            <a:extLst>
+              <a:ext uri="{FF2B5EF4-FFF2-40B4-BE49-F238E27FC236}">
+                <a16:creationId xmlns:a16="http://schemas.microsoft.com/office/drawing/2014/main" id="{856D827D-F0B2-4D87-A4EA-61859A963850}"/>
+              </a:ext>
+            </a:extLst>
+          </p:cNvPr>
+          <p:cNvCxnSpPr>
+            <a:stCxn id="89" idx="2"/>
+            <a:endCxn id="92" idx="0"/>
+          </p:cNvCxnSpPr>
+          <p:nvPr/>
+        </p:nvCxnSpPr>
+        <p:spPr>
+          <a:xfrm>
+            <a:off x="4122875" y="2504127"/>
+            <a:ext cx="206341" cy="243423"/>
+          </a:xfrm>
+          <a:prstGeom prst="straightConnector1">
+            <a:avLst/>
+          </a:prstGeom>
+          <a:ln>
+            <a:tailEnd type="triangle"/>
+          </a:ln>
+        </p:spPr>
+        <p:style>
+          <a:lnRef idx="1">
+            <a:schemeClr val="accent1"/>
+          </a:lnRef>
+          <a:fillRef idx="0">
+            <a:schemeClr val="accent1"/>
+          </a:fillRef>
+          <a:effectRef idx="0">
+            <a:schemeClr val="accent1"/>
+          </a:effectRef>
+          <a:fontRef idx="minor">
+            <a:schemeClr val="tx1"/>
+          </a:fontRef>
+        </p:style>
+      </p:cxnSp>
+      <p:cxnSp>
+        <p:nvCxnSpPr>
+          <p:cNvPr id="112" name="Straight Arrow Connector 111">
+            <a:extLst>
+              <a:ext uri="{FF2B5EF4-FFF2-40B4-BE49-F238E27FC236}">
+                <a16:creationId xmlns:a16="http://schemas.microsoft.com/office/drawing/2014/main" id="{5413B813-1459-4A3C-AFF1-D31924138BD5}"/>
+              </a:ext>
+            </a:extLst>
+          </p:cNvPr>
+          <p:cNvCxnSpPr>
+            <a:cxnSpLocks/>
+            <a:stCxn id="7" idx="2"/>
+            <a:endCxn id="89" idx="0"/>
+          </p:cNvCxnSpPr>
+          <p:nvPr/>
+        </p:nvCxnSpPr>
+        <p:spPr>
+          <a:xfrm>
+            <a:off x="2381065" y="1649492"/>
+            <a:ext cx="1741810" cy="485303"/>
+          </a:xfrm>
+          <a:prstGeom prst="straightConnector1">
+            <a:avLst/>
+          </a:prstGeom>
+          <a:ln>
+            <a:tailEnd type="triangle"/>
+          </a:ln>
+        </p:spPr>
+        <p:style>
+          <a:lnRef idx="1">
+            <a:schemeClr val="accent1"/>
+          </a:lnRef>
+          <a:fillRef idx="0">
+            <a:schemeClr val="accent1"/>
+          </a:fillRef>
+          <a:effectRef idx="0">
+            <a:schemeClr val="accent1"/>
+          </a:effectRef>
+          <a:fontRef idx="minor">
+            <a:schemeClr val="tx1"/>
+          </a:fontRef>
+        </p:style>
+      </p:cxnSp>
+      <p:cxnSp>
+        <p:nvCxnSpPr>
+          <p:cNvPr id="126" name="Straight Arrow Connector 125">
+            <a:extLst>
+              <a:ext uri="{FF2B5EF4-FFF2-40B4-BE49-F238E27FC236}">
+                <a16:creationId xmlns:a16="http://schemas.microsoft.com/office/drawing/2014/main" id="{2CC10B81-296E-499E-A17B-E1652A908B5B}"/>
+              </a:ext>
+            </a:extLst>
+          </p:cNvPr>
+          <p:cNvCxnSpPr>
+            <a:stCxn id="7" idx="2"/>
+            <a:endCxn id="79" idx="0"/>
+          </p:cNvCxnSpPr>
+          <p:nvPr/>
+        </p:nvCxnSpPr>
+        <p:spPr>
+          <a:xfrm>
+            <a:off x="2381065" y="1649492"/>
+            <a:ext cx="2254527" cy="2203956"/>
+          </a:xfrm>
+          <a:prstGeom prst="straightConnector1">
+            <a:avLst/>
+          </a:prstGeom>
+          <a:ln>
+            <a:tailEnd type="triangle"/>
+          </a:ln>
+        </p:spPr>
+        <p:style>
+          <a:lnRef idx="1">
+            <a:schemeClr val="accent1"/>
+          </a:lnRef>
+          <a:fillRef idx="0">
+            <a:schemeClr val="accent1"/>
+          </a:fillRef>
+          <a:effectRef idx="0">
+            <a:schemeClr val="accent1"/>
+          </a:effectRef>
+          <a:fontRef idx="minor">
+            <a:schemeClr val="tx1"/>
+          </a:fontRef>
+        </p:style>
+      </p:cxnSp>
+      <p:cxnSp>
+        <p:nvCxnSpPr>
+          <p:cNvPr id="128" name="Straight Arrow Connector 127">
+            <a:extLst>
+              <a:ext uri="{FF2B5EF4-FFF2-40B4-BE49-F238E27FC236}">
+                <a16:creationId xmlns:a16="http://schemas.microsoft.com/office/drawing/2014/main" id="{09BAC710-253B-4600-9125-B7074C3A46AD}"/>
+              </a:ext>
+            </a:extLst>
+          </p:cNvPr>
+          <p:cNvCxnSpPr>
+            <a:stCxn id="71" idx="2"/>
+            <a:endCxn id="79" idx="0"/>
+          </p:cNvCxnSpPr>
+          <p:nvPr/>
+        </p:nvCxnSpPr>
+        <p:spPr>
+          <a:xfrm flipH="1">
+            <a:off x="4635592" y="1483763"/>
+            <a:ext cx="3098032" cy="2369685"/>
+          </a:xfrm>
+          <a:prstGeom prst="straightConnector1">
+            <a:avLst/>
+          </a:prstGeom>
+          <a:ln>
+            <a:tailEnd type="triangle"/>
+          </a:ln>
+        </p:spPr>
+        <p:style>
+          <a:lnRef idx="1">
+            <a:schemeClr val="accent1"/>
+          </a:lnRef>
+          <a:fillRef idx="0">
+            <a:schemeClr val="accent1"/>
+          </a:fillRef>
+          <a:effectRef idx="0">
+            <a:schemeClr val="accent1"/>
+          </a:effectRef>
+          <a:fontRef idx="minor">
+            <a:schemeClr val="tx1"/>
+          </a:fontRef>
+        </p:style>
+      </p:cxnSp>
+      <p:cxnSp>
+        <p:nvCxnSpPr>
+          <p:cNvPr id="138" name="Straight Arrow Connector 137">
+            <a:extLst>
+              <a:ext uri="{FF2B5EF4-FFF2-40B4-BE49-F238E27FC236}">
+                <a16:creationId xmlns:a16="http://schemas.microsoft.com/office/drawing/2014/main" id="{73998117-745E-48EB-A8F9-777DCBAFEBC3}"/>
+              </a:ext>
+            </a:extLst>
+          </p:cNvPr>
+          <p:cNvCxnSpPr>
+            <a:stCxn id="136" idx="2"/>
+            <a:endCxn id="80" idx="0"/>
+          </p:cNvCxnSpPr>
+          <p:nvPr/>
+        </p:nvCxnSpPr>
+        <p:spPr>
+          <a:xfrm flipH="1">
+            <a:off x="5576755" y="3062292"/>
+            <a:ext cx="416500" cy="791156"/>
+          </a:xfrm>
+          <a:prstGeom prst="straightConnector1">
+            <a:avLst/>
+          </a:prstGeom>
+          <a:ln>
+            <a:tailEnd type="triangle"/>
+          </a:ln>
+        </p:spPr>
+        <p:style>
+          <a:lnRef idx="1">
+            <a:schemeClr val="accent1"/>
+          </a:lnRef>
+          <a:fillRef idx="0">
+            <a:schemeClr val="accent1"/>
+          </a:fillRef>
+          <a:effectRef idx="0">
+            <a:schemeClr val="accent1"/>
+          </a:effectRef>
+          <a:fontRef idx="minor">
+            <a:schemeClr val="tx1"/>
+          </a:fontRef>
+        </p:style>
+      </p:cxnSp>
+      <p:cxnSp>
+        <p:nvCxnSpPr>
+          <p:cNvPr id="141" name="Straight Arrow Connector 140">
+            <a:extLst>
+              <a:ext uri="{FF2B5EF4-FFF2-40B4-BE49-F238E27FC236}">
+                <a16:creationId xmlns:a16="http://schemas.microsoft.com/office/drawing/2014/main" id="{54AFE7F4-0C62-401D-A288-63FA7848EF16}"/>
+              </a:ext>
+            </a:extLst>
+          </p:cNvPr>
+          <p:cNvCxnSpPr>
+            <a:stCxn id="69" idx="2"/>
+            <a:endCxn id="80" idx="0"/>
+          </p:cNvCxnSpPr>
+          <p:nvPr/>
+        </p:nvCxnSpPr>
+        <p:spPr>
+          <a:xfrm flipH="1">
+            <a:off x="5576755" y="1436453"/>
+            <a:ext cx="2485153" cy="2416995"/>
+          </a:xfrm>
+          <a:prstGeom prst="straightConnector1">
+            <a:avLst/>
+          </a:prstGeom>
+          <a:ln>
+            <a:tailEnd type="triangle"/>
+          </a:ln>
+        </p:spPr>
+        <p:style>
+          <a:lnRef idx="1">
+            <a:schemeClr val="accent1"/>
+          </a:lnRef>
+          <a:fillRef idx="0">
+            <a:schemeClr val="accent1"/>
+          </a:fillRef>
+          <a:effectRef idx="0">
+            <a:schemeClr val="accent1"/>
+          </a:effectRef>
+          <a:fontRef idx="minor">
+            <a:schemeClr val="tx1"/>
+          </a:fontRef>
+        </p:style>
+      </p:cxnSp>
+      <p:cxnSp>
+        <p:nvCxnSpPr>
+          <p:cNvPr id="151" name="Straight Arrow Connector 150">
+            <a:extLst>
+              <a:ext uri="{FF2B5EF4-FFF2-40B4-BE49-F238E27FC236}">
+                <a16:creationId xmlns:a16="http://schemas.microsoft.com/office/drawing/2014/main" id="{65D7CA1D-E089-43C8-9BC6-D1C46EE60726}"/>
+              </a:ext>
+            </a:extLst>
+          </p:cNvPr>
+          <p:cNvCxnSpPr>
+            <a:stCxn id="9" idx="3"/>
+            <a:endCxn id="149" idx="1"/>
+          </p:cNvCxnSpPr>
+          <p:nvPr/>
+        </p:nvCxnSpPr>
+        <p:spPr>
+          <a:xfrm>
+            <a:off x="3070180" y="891624"/>
+            <a:ext cx="1909498" cy="413539"/>
+          </a:xfrm>
+          <a:prstGeom prst="straightConnector1">
+            <a:avLst/>
+          </a:prstGeom>
+          <a:ln>
+            <a:tailEnd type="triangle"/>
+          </a:ln>
+        </p:spPr>
+        <p:style>
+          <a:lnRef idx="1">
+            <a:schemeClr val="accent1"/>
+          </a:lnRef>
+          <a:fillRef idx="0">
+            <a:schemeClr val="accent1"/>
+          </a:fillRef>
+          <a:effectRef idx="0">
+            <a:schemeClr val="accent1"/>
+          </a:effectRef>
+          <a:fontRef idx="minor">
+            <a:schemeClr val="tx1"/>
+          </a:fontRef>
+        </p:style>
+      </p:cxnSp>
+      <p:cxnSp>
+        <p:nvCxnSpPr>
+          <p:cNvPr id="154" name="Straight Arrow Connector 153">
+            <a:extLst>
+              <a:ext uri="{FF2B5EF4-FFF2-40B4-BE49-F238E27FC236}">
+                <a16:creationId xmlns:a16="http://schemas.microsoft.com/office/drawing/2014/main" id="{6F5F5096-72E2-4F11-AB71-9986408BB00F}"/>
+              </a:ext>
+            </a:extLst>
+          </p:cNvPr>
+          <p:cNvCxnSpPr>
+            <a:stCxn id="9" idx="3"/>
+            <a:endCxn id="152" idx="1"/>
+          </p:cNvCxnSpPr>
+          <p:nvPr/>
+        </p:nvCxnSpPr>
+        <p:spPr>
+          <a:xfrm flipV="1">
+            <a:off x="3070180" y="884028"/>
+            <a:ext cx="1037010" cy="7596"/>
+          </a:xfrm>
+          <a:prstGeom prst="straightConnector1">
+            <a:avLst/>
+          </a:prstGeom>
+          <a:ln>
+            <a:tailEnd type="triangle"/>
+          </a:ln>
+        </p:spPr>
+        <p:style>
+          <a:lnRef idx="1">
+            <a:schemeClr val="accent1"/>
+          </a:lnRef>
+          <a:fillRef idx="0">
+            <a:schemeClr val="accent1"/>
+          </a:fillRef>
+          <a:effectRef idx="0">
+            <a:schemeClr val="accent1"/>
+          </a:effectRef>
+          <a:fontRef idx="minor">
+            <a:schemeClr val="tx1"/>
+          </a:fontRef>
+        </p:style>
+      </p:cxnSp>
+      <p:cxnSp>
+        <p:nvCxnSpPr>
+          <p:cNvPr id="157" name="Straight Arrow Connector 156">
+            <a:extLst>
+              <a:ext uri="{FF2B5EF4-FFF2-40B4-BE49-F238E27FC236}">
+                <a16:creationId xmlns:a16="http://schemas.microsoft.com/office/drawing/2014/main" id="{957FA7B0-13F4-40E5-BB8C-81C661997E38}"/>
+              </a:ext>
+            </a:extLst>
+          </p:cNvPr>
+          <p:cNvCxnSpPr>
+            <a:stCxn id="152" idx="3"/>
+            <a:endCxn id="149" idx="1"/>
+          </p:cNvCxnSpPr>
+          <p:nvPr/>
+        </p:nvCxnSpPr>
+        <p:spPr>
+          <a:xfrm>
+            <a:off x="4522688" y="884028"/>
+            <a:ext cx="456990" cy="421135"/>
+          </a:xfrm>
+          <a:prstGeom prst="straightConnector1">
+            <a:avLst/>
+          </a:prstGeom>
+          <a:ln>
+            <a:tailEnd type="triangle"/>
+          </a:ln>
+        </p:spPr>
+        <p:style>
+          <a:lnRef idx="1">
+            <a:schemeClr val="accent1"/>
+          </a:lnRef>
+          <a:fillRef idx="0">
+            <a:schemeClr val="accent1"/>
+          </a:fillRef>
+          <a:effectRef idx="0">
+            <a:schemeClr val="accent1"/>
+          </a:effectRef>
+          <a:fontRef idx="minor">
+            <a:schemeClr val="tx1"/>
+          </a:fontRef>
+        </p:style>
+      </p:cxnSp>
+      <p:cxnSp>
+        <p:nvCxnSpPr>
+          <p:cNvPr id="159" name="Straight Arrow Connector 158">
+            <a:extLst>
+              <a:ext uri="{FF2B5EF4-FFF2-40B4-BE49-F238E27FC236}">
+                <a16:creationId xmlns:a16="http://schemas.microsoft.com/office/drawing/2014/main" id="{67B827C7-7F29-4437-B118-E0AEF8676D10}"/>
+              </a:ext>
+            </a:extLst>
+          </p:cNvPr>
+          <p:cNvCxnSpPr>
+            <a:cxnSpLocks/>
+            <a:stCxn id="9" idx="3"/>
+            <a:endCxn id="143" idx="0"/>
+          </p:cNvCxnSpPr>
+          <p:nvPr/>
+        </p:nvCxnSpPr>
+        <p:spPr>
+          <a:xfrm>
+            <a:off x="3070180" y="891624"/>
+            <a:ext cx="1565412" cy="901401"/>
+          </a:xfrm>
+          <a:prstGeom prst="straightConnector1">
+            <a:avLst/>
+          </a:prstGeom>
+          <a:ln>
+            <a:tailEnd type="triangle"/>
+          </a:ln>
+        </p:spPr>
+        <p:style>
+          <a:lnRef idx="1">
+            <a:schemeClr val="accent1"/>
+          </a:lnRef>
+          <a:fillRef idx="0">
+            <a:schemeClr val="accent1"/>
+          </a:fillRef>
+          <a:effectRef idx="0">
+            <a:schemeClr val="accent1"/>
+          </a:effectRef>
+          <a:fontRef idx="minor">
+            <a:schemeClr val="tx1"/>
+          </a:fontRef>
+        </p:style>
+      </p:cxnSp>
+      <p:cxnSp>
+        <p:nvCxnSpPr>
+          <p:cNvPr id="161" name="Straight Arrow Connector 160">
+            <a:extLst>
+              <a:ext uri="{FF2B5EF4-FFF2-40B4-BE49-F238E27FC236}">
+                <a16:creationId xmlns:a16="http://schemas.microsoft.com/office/drawing/2014/main" id="{1574C2E0-FD9D-4FE9-A41C-047F9A471DD9}"/>
+              </a:ext>
+            </a:extLst>
+          </p:cNvPr>
+          <p:cNvCxnSpPr>
+            <a:cxnSpLocks/>
+            <a:stCxn id="149" idx="2"/>
+            <a:endCxn id="142" idx="0"/>
+          </p:cNvCxnSpPr>
+          <p:nvPr/>
+        </p:nvCxnSpPr>
+        <p:spPr>
+          <a:xfrm>
+            <a:off x="5123307" y="1489829"/>
+            <a:ext cx="653876" cy="66668"/>
+          </a:xfrm>
+          <a:prstGeom prst="straightConnector1">
+            <a:avLst/>
+          </a:prstGeom>
+          <a:ln>
+            <a:tailEnd type="triangle"/>
+          </a:ln>
+        </p:spPr>
+        <p:style>
+          <a:lnRef idx="1">
+            <a:schemeClr val="accent1"/>
+          </a:lnRef>
+          <a:fillRef idx="0">
+            <a:schemeClr val="accent1"/>
+          </a:fillRef>
+          <a:effectRef idx="0">
+            <a:schemeClr val="accent1"/>
+          </a:effectRef>
+          <a:fontRef idx="minor">
+            <a:schemeClr val="tx1"/>
+          </a:fontRef>
+        </p:style>
+      </p:cxnSp>
+      <p:cxnSp>
+        <p:nvCxnSpPr>
+          <p:cNvPr id="167" name="Straight Arrow Connector 166">
+            <a:extLst>
+              <a:ext uri="{FF2B5EF4-FFF2-40B4-BE49-F238E27FC236}">
+                <a16:creationId xmlns:a16="http://schemas.microsoft.com/office/drawing/2014/main" id="{9F78F9BE-CA63-4D9E-8BE1-16E40FC8346F}"/>
+              </a:ext>
+            </a:extLst>
+          </p:cNvPr>
+          <p:cNvCxnSpPr>
+            <a:stCxn id="149" idx="2"/>
+            <a:endCxn id="80" idx="0"/>
+          </p:cNvCxnSpPr>
+          <p:nvPr/>
+        </p:nvCxnSpPr>
+        <p:spPr>
+          <a:xfrm>
+            <a:off x="5123307" y="1489829"/>
+            <a:ext cx="453448" cy="2363619"/>
+          </a:xfrm>
+          <a:prstGeom prst="straightConnector1">
+            <a:avLst/>
+          </a:prstGeom>
+          <a:ln>
+            <a:tailEnd type="triangle"/>
+          </a:ln>
+        </p:spPr>
+        <p:style>
+          <a:lnRef idx="1">
+            <a:schemeClr val="accent1"/>
+          </a:lnRef>
+          <a:fillRef idx="0">
+            <a:schemeClr val="accent1"/>
+          </a:fillRef>
+          <a:effectRef idx="0">
+            <a:schemeClr val="accent1"/>
+          </a:effectRef>
+          <a:fontRef idx="minor">
+            <a:schemeClr val="tx1"/>
+          </a:fontRef>
+        </p:style>
+      </p:cxnSp>
+      <p:cxnSp>
+        <p:nvCxnSpPr>
+          <p:cNvPr id="169" name="Straight Arrow Connector 168">
+            <a:extLst>
+              <a:ext uri="{FF2B5EF4-FFF2-40B4-BE49-F238E27FC236}">
+                <a16:creationId xmlns:a16="http://schemas.microsoft.com/office/drawing/2014/main" id="{FABE34DA-3EA5-4BAD-A01C-FF26DABB869E}"/>
+              </a:ext>
+            </a:extLst>
+          </p:cNvPr>
+          <p:cNvCxnSpPr>
+            <a:stCxn id="142" idx="2"/>
+            <a:endCxn id="80" idx="0"/>
+          </p:cNvCxnSpPr>
+          <p:nvPr/>
+        </p:nvCxnSpPr>
+        <p:spPr>
+          <a:xfrm flipH="1">
+            <a:off x="5576755" y="1946989"/>
+            <a:ext cx="200428" cy="1906459"/>
+          </a:xfrm>
+          <a:prstGeom prst="straightConnector1">
+            <a:avLst/>
+          </a:prstGeom>
+          <a:ln>
+            <a:tailEnd type="triangle"/>
+          </a:ln>
+        </p:spPr>
+        <p:style>
+          <a:lnRef idx="1">
+            <a:schemeClr val="accent1"/>
+          </a:lnRef>
+          <a:fillRef idx="0">
+            <a:schemeClr val="accent1"/>
+          </a:fillRef>
+          <a:effectRef idx="0">
+            <a:schemeClr val="accent1"/>
+          </a:effectRef>
+          <a:fontRef idx="minor">
+            <a:schemeClr val="tx1"/>
+          </a:fontRef>
+        </p:style>
+      </p:cxnSp>
+      <p:cxnSp>
+        <p:nvCxnSpPr>
+          <p:cNvPr id="172" name="Straight Arrow Connector 171">
+            <a:extLst>
+              <a:ext uri="{FF2B5EF4-FFF2-40B4-BE49-F238E27FC236}">
+                <a16:creationId xmlns:a16="http://schemas.microsoft.com/office/drawing/2014/main" id="{7E659AC1-0FA1-4D17-B5D5-6443E03C57C5}"/>
+              </a:ext>
+            </a:extLst>
+          </p:cNvPr>
+          <p:cNvCxnSpPr>
+            <a:stCxn id="67" idx="2"/>
+            <a:endCxn id="136" idx="0"/>
+          </p:cNvCxnSpPr>
+          <p:nvPr/>
+        </p:nvCxnSpPr>
+        <p:spPr>
+          <a:xfrm flipH="1">
+            <a:off x="5993255" y="1436453"/>
+            <a:ext cx="775224" cy="1239579"/>
+          </a:xfrm>
+          <a:prstGeom prst="straightConnector1">
+            <a:avLst/>
+          </a:prstGeom>
+          <a:ln>
+            <a:tailEnd type="triangle"/>
+          </a:ln>
+        </p:spPr>
+        <p:style>
+          <a:lnRef idx="1">
+            <a:schemeClr val="accent1"/>
+          </a:lnRef>
+          <a:fillRef idx="0">
+            <a:schemeClr val="accent1"/>
+          </a:fillRef>
+          <a:effectRef idx="0">
+            <a:schemeClr val="accent1"/>
+          </a:effectRef>
+          <a:fontRef idx="minor">
+            <a:schemeClr val="tx1"/>
+          </a:fontRef>
+        </p:style>
+      </p:cxnSp>
+      <p:cxnSp>
+        <p:nvCxnSpPr>
+          <p:cNvPr id="174" name="Straight Arrow Connector 173">
+            <a:extLst>
+              <a:ext uri="{FF2B5EF4-FFF2-40B4-BE49-F238E27FC236}">
+                <a16:creationId xmlns:a16="http://schemas.microsoft.com/office/drawing/2014/main" id="{ADEA130F-1370-4410-A261-1751AC2AE3FA}"/>
+              </a:ext>
+            </a:extLst>
+          </p:cNvPr>
+          <p:cNvCxnSpPr>
+            <a:stCxn id="92" idx="3"/>
+            <a:endCxn id="136" idx="0"/>
+          </p:cNvCxnSpPr>
+          <p:nvPr/>
+        </p:nvCxnSpPr>
+        <p:spPr>
+          <a:xfrm flipV="1">
+            <a:off x="4503302" y="2676032"/>
+            <a:ext cx="1489953" cy="256184"/>
+          </a:xfrm>
+          <a:prstGeom prst="straightConnector1">
+            <a:avLst/>
+          </a:prstGeom>
+          <a:ln>
+            <a:tailEnd type="triangle"/>
+          </a:ln>
+        </p:spPr>
+        <p:style>
+          <a:lnRef idx="1">
+            <a:schemeClr val="accent1"/>
+          </a:lnRef>
+          <a:fillRef idx="0">
+            <a:schemeClr val="accent1"/>
+          </a:fillRef>
+          <a:effectRef idx="0">
+            <a:schemeClr val="accent1"/>
+          </a:effectRef>
+          <a:fontRef idx="minor">
+            <a:schemeClr val="tx1"/>
+          </a:fontRef>
+        </p:style>
+      </p:cxnSp>
+      <p:cxnSp>
+        <p:nvCxnSpPr>
+          <p:cNvPr id="183" name="Straight Arrow Connector 182">
+            <a:extLst>
+              <a:ext uri="{FF2B5EF4-FFF2-40B4-BE49-F238E27FC236}">
+                <a16:creationId xmlns:a16="http://schemas.microsoft.com/office/drawing/2014/main" id="{EE0CEAE0-55A5-4056-9919-60D6075ED818}"/>
+              </a:ext>
+            </a:extLst>
+          </p:cNvPr>
+          <p:cNvCxnSpPr>
+            <a:stCxn id="69" idx="2"/>
+            <a:endCxn id="136" idx="0"/>
+          </p:cNvCxnSpPr>
+          <p:nvPr/>
+        </p:nvCxnSpPr>
+        <p:spPr>
+          <a:xfrm flipH="1">
+            <a:off x="5993255" y="1436453"/>
+            <a:ext cx="2068653" cy="1239579"/>
+          </a:xfrm>
+          <a:prstGeom prst="straightConnector1">
+            <a:avLst/>
+          </a:prstGeom>
+          <a:ln>
+            <a:tailEnd type="triangle"/>
+          </a:ln>
+        </p:spPr>
+        <p:style>
+          <a:lnRef idx="1">
+            <a:schemeClr val="accent1"/>
+          </a:lnRef>
+          <a:fillRef idx="0">
+            <a:schemeClr val="accent1"/>
+          </a:fillRef>
+          <a:effectRef idx="0">
+            <a:schemeClr val="accent1"/>
+          </a:effectRef>
+          <a:fontRef idx="minor">
+            <a:schemeClr val="tx1"/>
+          </a:fontRef>
+        </p:style>
+      </p:cxnSp>
+      <p:cxnSp>
+        <p:nvCxnSpPr>
+          <p:cNvPr id="185" name="Straight Arrow Connector 184">
+            <a:extLst>
+              <a:ext uri="{FF2B5EF4-FFF2-40B4-BE49-F238E27FC236}">
+                <a16:creationId xmlns:a16="http://schemas.microsoft.com/office/drawing/2014/main" id="{7F0FE925-129C-42E4-A636-9B8AF91A74EF}"/>
+              </a:ext>
+            </a:extLst>
+          </p:cNvPr>
+          <p:cNvCxnSpPr>
+            <a:stCxn id="142" idx="2"/>
+            <a:endCxn id="136" idx="0"/>
+          </p:cNvCxnSpPr>
+          <p:nvPr/>
+        </p:nvCxnSpPr>
+        <p:spPr>
+          <a:xfrm>
+            <a:off x="5777183" y="1946989"/>
+            <a:ext cx="216072" cy="729043"/>
+          </a:xfrm>
+          <a:prstGeom prst="straightConnector1">
+            <a:avLst/>
+          </a:prstGeom>
+          <a:ln>
+            <a:tailEnd type="triangle"/>
+          </a:ln>
+        </p:spPr>
+        <p:style>
+          <a:lnRef idx="1">
+            <a:schemeClr val="accent1"/>
+          </a:lnRef>
+          <a:fillRef idx="0">
+            <a:schemeClr val="accent1"/>
+          </a:fillRef>
+          <a:effectRef idx="0">
+            <a:schemeClr val="accent1"/>
+          </a:effectRef>
+          <a:fontRef idx="minor">
+            <a:schemeClr val="tx1"/>
+          </a:fontRef>
+        </p:style>
+      </p:cxnSp>
+      <p:cxnSp>
+        <p:nvCxnSpPr>
+          <p:cNvPr id="187" name="Straight Arrow Connector 186">
+            <a:extLst>
+              <a:ext uri="{FF2B5EF4-FFF2-40B4-BE49-F238E27FC236}">
+                <a16:creationId xmlns:a16="http://schemas.microsoft.com/office/drawing/2014/main" id="{622EEFC4-E4A5-4900-AB5D-5184349260A8}"/>
+              </a:ext>
+            </a:extLst>
+          </p:cNvPr>
+          <p:cNvCxnSpPr>
+            <a:stCxn id="149" idx="2"/>
+            <a:endCxn id="136" idx="0"/>
+          </p:cNvCxnSpPr>
+          <p:nvPr/>
+        </p:nvCxnSpPr>
+        <p:spPr>
+          <a:xfrm>
+            <a:off x="5123307" y="1489829"/>
+            <a:ext cx="869948" cy="1186203"/>
+          </a:xfrm>
+          <a:prstGeom prst="straightConnector1">
+            <a:avLst/>
+          </a:prstGeom>
+          <a:ln>
+            <a:tailEnd type="triangle"/>
+          </a:ln>
+        </p:spPr>
+        <p:style>
+          <a:lnRef idx="1">
+            <a:schemeClr val="accent1"/>
+          </a:lnRef>
+          <a:fillRef idx="0">
+            <a:schemeClr val="accent1"/>
+          </a:fillRef>
+          <a:effectRef idx="0">
+            <a:schemeClr val="accent1"/>
+          </a:effectRef>
+          <a:fontRef idx="minor">
+            <a:schemeClr val="tx1"/>
+          </a:fontRef>
+        </p:style>
+      </p:cxnSp>
+      <p:cxnSp>
+        <p:nvCxnSpPr>
+          <p:cNvPr id="191" name="Straight Arrow Connector 190">
+            <a:extLst>
+              <a:ext uri="{FF2B5EF4-FFF2-40B4-BE49-F238E27FC236}">
+                <a16:creationId xmlns:a16="http://schemas.microsoft.com/office/drawing/2014/main" id="{885BF18C-23BB-4B32-9964-19809425325D}"/>
+              </a:ext>
+            </a:extLst>
+          </p:cNvPr>
+          <p:cNvCxnSpPr>
+            <a:cxnSpLocks/>
+            <a:stCxn id="92" idx="3"/>
+            <a:endCxn id="189" idx="0"/>
+          </p:cNvCxnSpPr>
+          <p:nvPr/>
+        </p:nvCxnSpPr>
+        <p:spPr>
+          <a:xfrm>
+            <a:off x="4503302" y="2932216"/>
+            <a:ext cx="255157" cy="204592"/>
+          </a:xfrm>
+          <a:prstGeom prst="straightConnector1">
+            <a:avLst/>
+          </a:prstGeom>
+          <a:ln>
+            <a:tailEnd type="triangle"/>
+          </a:ln>
+        </p:spPr>
+        <p:style>
+          <a:lnRef idx="1">
+            <a:schemeClr val="accent1"/>
+          </a:lnRef>
+          <a:fillRef idx="0">
+            <a:schemeClr val="accent1"/>
+          </a:fillRef>
+          <a:effectRef idx="0">
+            <a:schemeClr val="accent1"/>
+          </a:effectRef>
+          <a:fontRef idx="minor">
+            <a:schemeClr val="tx1"/>
+          </a:fontRef>
+        </p:style>
+      </p:cxnSp>
+      <p:cxnSp>
+        <p:nvCxnSpPr>
+          <p:cNvPr id="205" name="Straight Arrow Connector 204">
+            <a:extLst>
+              <a:ext uri="{FF2B5EF4-FFF2-40B4-BE49-F238E27FC236}">
+                <a16:creationId xmlns:a16="http://schemas.microsoft.com/office/drawing/2014/main" id="{8A8E8B72-BE58-4D78-BFEE-C3FD15E898C9}"/>
+              </a:ext>
+            </a:extLst>
+          </p:cNvPr>
+          <p:cNvCxnSpPr>
+            <a:stCxn id="189" idx="3"/>
+            <a:endCxn id="136" idx="0"/>
+          </p:cNvCxnSpPr>
+          <p:nvPr/>
+        </p:nvCxnSpPr>
+        <p:spPr>
+          <a:xfrm flipV="1">
+            <a:off x="5049564" y="2676032"/>
+            <a:ext cx="943691" cy="642268"/>
+          </a:xfrm>
+          <a:prstGeom prst="straightConnector1">
+            <a:avLst/>
+          </a:prstGeom>
+          <a:ln>
+            <a:tailEnd type="triangle"/>
+          </a:ln>
+        </p:spPr>
+        <p:style>
+          <a:lnRef idx="1">
+            <a:schemeClr val="accent1"/>
+          </a:lnRef>
+          <a:fillRef idx="0">
+            <a:schemeClr val="accent1"/>
+          </a:fillRef>
+          <a:effectRef idx="0">
+            <a:schemeClr val="accent1"/>
+          </a:effectRef>
+          <a:fontRef idx="minor">
+            <a:schemeClr val="tx1"/>
+          </a:fontRef>
+        </p:style>
+      </p:cxnSp>
+      <p:cxnSp>
+        <p:nvCxnSpPr>
+          <p:cNvPr id="207" name="Straight Arrow Connector 206">
+            <a:extLst>
+              <a:ext uri="{FF2B5EF4-FFF2-40B4-BE49-F238E27FC236}">
+                <a16:creationId xmlns:a16="http://schemas.microsoft.com/office/drawing/2014/main" id="{557C56D7-39FD-426A-A398-72C83154DF4F}"/>
+              </a:ext>
+            </a:extLst>
+          </p:cNvPr>
+          <p:cNvCxnSpPr>
+            <a:stCxn id="70" idx="2"/>
+            <a:endCxn id="136" idx="0"/>
+          </p:cNvCxnSpPr>
+          <p:nvPr/>
+        </p:nvCxnSpPr>
+        <p:spPr>
+          <a:xfrm flipH="1">
+            <a:off x="5993255" y="1436453"/>
+            <a:ext cx="2492971" cy="1239579"/>
+          </a:xfrm>
+          <a:prstGeom prst="straightConnector1">
+            <a:avLst/>
+          </a:prstGeom>
+          <a:ln>
+            <a:tailEnd type="triangle"/>
+          </a:ln>
+        </p:spPr>
+        <p:style>
+          <a:lnRef idx="1">
+            <a:schemeClr val="accent1"/>
+          </a:lnRef>
+          <a:fillRef idx="0">
+            <a:schemeClr val="accent1"/>
+          </a:fillRef>
+          <a:effectRef idx="0">
+            <a:schemeClr val="accent1"/>
+          </a:effectRef>
+          <a:fontRef idx="minor">
+            <a:schemeClr val="tx1"/>
+          </a:fontRef>
+        </p:style>
+      </p:cxnSp>
+      <p:cxnSp>
+        <p:nvCxnSpPr>
+          <p:cNvPr id="209" name="Straight Arrow Connector 208">
+            <a:extLst>
+              <a:ext uri="{FF2B5EF4-FFF2-40B4-BE49-F238E27FC236}">
+                <a16:creationId xmlns:a16="http://schemas.microsoft.com/office/drawing/2014/main" id="{62129317-9BC8-4445-8AD0-430A38841298}"/>
+              </a:ext>
+            </a:extLst>
+          </p:cNvPr>
+          <p:cNvCxnSpPr>
+            <a:stCxn id="66" idx="2"/>
+            <a:endCxn id="136" idx="0"/>
+          </p:cNvCxnSpPr>
+          <p:nvPr/>
+        </p:nvCxnSpPr>
+        <p:spPr>
+          <a:xfrm flipH="1">
+            <a:off x="5993255" y="1443375"/>
+            <a:ext cx="2927709" cy="1232657"/>
+          </a:xfrm>
+          <a:prstGeom prst="straightConnector1">
+            <a:avLst/>
+          </a:prstGeom>
+          <a:ln>
+            <a:tailEnd type="triangle"/>
+          </a:ln>
+        </p:spPr>
+        <p:style>
+          <a:lnRef idx="1">
+            <a:schemeClr val="accent1"/>
+          </a:lnRef>
+          <a:fillRef idx="0">
+            <a:schemeClr val="accent1"/>
+          </a:fillRef>
+          <a:effectRef idx="0">
+            <a:schemeClr val="accent1"/>
+          </a:effectRef>
+          <a:fontRef idx="minor">
+            <a:schemeClr val="tx1"/>
+          </a:fontRef>
+        </p:style>
+      </p:cxnSp>
+      <p:cxnSp>
+        <p:nvCxnSpPr>
+          <p:cNvPr id="211" name="Straight Arrow Connector 210">
+            <a:extLst>
+              <a:ext uri="{FF2B5EF4-FFF2-40B4-BE49-F238E27FC236}">
+                <a16:creationId xmlns:a16="http://schemas.microsoft.com/office/drawing/2014/main" id="{9D1F4961-85FF-4387-948C-57E2236F718E}"/>
+              </a:ext>
+            </a:extLst>
+          </p:cNvPr>
+          <p:cNvCxnSpPr>
+            <a:stCxn id="62" idx="2"/>
+            <a:endCxn id="68" idx="0"/>
+          </p:cNvCxnSpPr>
+          <p:nvPr/>
+        </p:nvCxnSpPr>
+        <p:spPr>
+          <a:xfrm flipH="1">
+            <a:off x="7261823" y="809436"/>
+            <a:ext cx="9240" cy="257685"/>
+          </a:xfrm>
+          <a:prstGeom prst="straightConnector1">
+            <a:avLst/>
+          </a:prstGeom>
+          <a:ln>
+            <a:tailEnd type="triangle"/>
+          </a:ln>
+        </p:spPr>
+        <p:style>
+          <a:lnRef idx="1">
+            <a:schemeClr val="accent1"/>
+          </a:lnRef>
+          <a:fillRef idx="0">
+            <a:schemeClr val="accent1"/>
+          </a:fillRef>
+          <a:effectRef idx="0">
+            <a:schemeClr val="accent1"/>
+          </a:effectRef>
+          <a:fontRef idx="minor">
+            <a:schemeClr val="tx1"/>
+          </a:fontRef>
+        </p:style>
+      </p:cxnSp>
+      <p:cxnSp>
+        <p:nvCxnSpPr>
+          <p:cNvPr id="213" name="Straight Arrow Connector 212">
+            <a:extLst>
+              <a:ext uri="{FF2B5EF4-FFF2-40B4-BE49-F238E27FC236}">
+                <a16:creationId xmlns:a16="http://schemas.microsoft.com/office/drawing/2014/main" id="{0336109B-9941-49E5-AD88-7A3F105998A8}"/>
+              </a:ext>
+            </a:extLst>
+          </p:cNvPr>
+          <p:cNvCxnSpPr>
+            <a:stCxn id="63" idx="2"/>
+            <a:endCxn id="68" idx="0"/>
+          </p:cNvCxnSpPr>
+          <p:nvPr/>
+        </p:nvCxnSpPr>
+        <p:spPr>
+          <a:xfrm>
+            <a:off x="6874762" y="809436"/>
+            <a:ext cx="387061" cy="257685"/>
+          </a:xfrm>
+          <a:prstGeom prst="straightConnector1">
+            <a:avLst/>
+          </a:prstGeom>
+          <a:ln>
+            <a:tailEnd type="triangle"/>
+          </a:ln>
+        </p:spPr>
+        <p:style>
+          <a:lnRef idx="1">
+            <a:schemeClr val="accent1"/>
+          </a:lnRef>
+          <a:fillRef idx="0">
+            <a:schemeClr val="accent1"/>
+          </a:fillRef>
+          <a:effectRef idx="0">
+            <a:schemeClr val="accent1"/>
+          </a:effectRef>
+          <a:fontRef idx="minor">
+            <a:schemeClr val="tx1"/>
+          </a:fontRef>
+        </p:style>
+      </p:cxnSp>
+      <p:cxnSp>
+        <p:nvCxnSpPr>
+          <p:cNvPr id="215" name="Straight Arrow Connector 214">
+            <a:extLst>
+              <a:ext uri="{FF2B5EF4-FFF2-40B4-BE49-F238E27FC236}">
+                <a16:creationId xmlns:a16="http://schemas.microsoft.com/office/drawing/2014/main" id="{E83D3F22-DB39-4C07-87A7-8FC949B849BF}"/>
+              </a:ext>
+            </a:extLst>
+          </p:cNvPr>
+          <p:cNvCxnSpPr>
+            <a:stCxn id="63" idx="2"/>
+            <a:endCxn id="67" idx="0"/>
+          </p:cNvCxnSpPr>
+          <p:nvPr/>
+        </p:nvCxnSpPr>
+        <p:spPr>
+          <a:xfrm flipH="1">
+            <a:off x="6768479" y="809436"/>
+            <a:ext cx="106283" cy="257685"/>
+          </a:xfrm>
+          <a:prstGeom prst="straightConnector1">
+            <a:avLst/>
+          </a:prstGeom>
+          <a:ln>
+            <a:tailEnd type="triangle"/>
+          </a:ln>
+        </p:spPr>
+        <p:style>
+          <a:lnRef idx="1">
+            <a:schemeClr val="accent1"/>
+          </a:lnRef>
+          <a:fillRef idx="0">
+            <a:schemeClr val="accent1"/>
+          </a:fillRef>
+          <a:effectRef idx="0">
+            <a:schemeClr val="accent1"/>
+          </a:effectRef>
+          <a:fontRef idx="minor">
+            <a:schemeClr val="tx1"/>
+          </a:fontRef>
+        </p:style>
+      </p:cxnSp>
+      <p:cxnSp>
+        <p:nvCxnSpPr>
+          <p:cNvPr id="224" name="Straight Arrow Connector 223">
+            <a:extLst>
+              <a:ext uri="{FF2B5EF4-FFF2-40B4-BE49-F238E27FC236}">
+                <a16:creationId xmlns:a16="http://schemas.microsoft.com/office/drawing/2014/main" id="{591D860D-3F9E-4B71-BCE7-5258C56A018B}"/>
+              </a:ext>
+            </a:extLst>
+          </p:cNvPr>
+          <p:cNvCxnSpPr>
+            <a:stCxn id="64" idx="2"/>
+            <a:endCxn id="69" idx="0"/>
+          </p:cNvCxnSpPr>
+          <p:nvPr/>
+        </p:nvCxnSpPr>
+        <p:spPr>
+          <a:xfrm>
+            <a:off x="8060305" y="809436"/>
+            <a:ext cx="1603" cy="257685"/>
+          </a:xfrm>
+          <a:prstGeom prst="straightConnector1">
+            <a:avLst/>
+          </a:prstGeom>
+          <a:ln>
+            <a:tailEnd type="triangle"/>
+          </a:ln>
+        </p:spPr>
+        <p:style>
+          <a:lnRef idx="1">
+            <a:schemeClr val="accent1"/>
+          </a:lnRef>
+          <a:fillRef idx="0">
+            <a:schemeClr val="accent1"/>
+          </a:fillRef>
+          <a:effectRef idx="0">
+            <a:schemeClr val="accent1"/>
+          </a:effectRef>
+          <a:fontRef idx="minor">
+            <a:schemeClr val="tx1"/>
+          </a:fontRef>
+        </p:style>
+      </p:cxnSp>
+      <p:cxnSp>
+        <p:nvCxnSpPr>
+          <p:cNvPr id="226" name="Straight Arrow Connector 225">
+            <a:extLst>
+              <a:ext uri="{FF2B5EF4-FFF2-40B4-BE49-F238E27FC236}">
+                <a16:creationId xmlns:a16="http://schemas.microsoft.com/office/drawing/2014/main" id="{4CC2D30B-5FFC-45E6-AEF9-37FA905D93A0}"/>
+              </a:ext>
+            </a:extLst>
+          </p:cNvPr>
+          <p:cNvCxnSpPr>
+            <a:stCxn id="64" idx="2"/>
+            <a:endCxn id="70" idx="0"/>
+          </p:cNvCxnSpPr>
+          <p:nvPr/>
+        </p:nvCxnSpPr>
+        <p:spPr>
+          <a:xfrm>
+            <a:off x="8060305" y="809436"/>
+            <a:ext cx="425921" cy="257685"/>
+          </a:xfrm>
+          <a:prstGeom prst="straightConnector1">
+            <a:avLst/>
+          </a:prstGeom>
+          <a:ln>
+            <a:tailEnd type="triangle"/>
+          </a:ln>
+        </p:spPr>
+        <p:style>
+          <a:lnRef idx="1">
+            <a:schemeClr val="accent1"/>
+          </a:lnRef>
+          <a:fillRef idx="0">
+            <a:schemeClr val="accent1"/>
+          </a:fillRef>
+          <a:effectRef idx="0">
+            <a:schemeClr val="accent1"/>
+          </a:effectRef>
+          <a:fontRef idx="minor">
+            <a:schemeClr val="tx1"/>
+          </a:fontRef>
+        </p:style>
+      </p:cxnSp>
+      <p:cxnSp>
+        <p:nvCxnSpPr>
+          <p:cNvPr id="228" name="Straight Arrow Connector 227">
+            <a:extLst>
+              <a:ext uri="{FF2B5EF4-FFF2-40B4-BE49-F238E27FC236}">
+                <a16:creationId xmlns:a16="http://schemas.microsoft.com/office/drawing/2014/main" id="{6C6B7C7A-68AA-4AB4-BE97-6F21F2AF3E07}"/>
+              </a:ext>
+            </a:extLst>
+          </p:cNvPr>
+          <p:cNvCxnSpPr>
+            <a:stCxn id="65" idx="2"/>
+            <a:endCxn id="69" idx="0"/>
+          </p:cNvCxnSpPr>
+          <p:nvPr/>
+        </p:nvCxnSpPr>
+        <p:spPr>
+          <a:xfrm flipH="1">
+            <a:off x="8061908" y="809436"/>
+            <a:ext cx="391683" cy="257685"/>
+          </a:xfrm>
+          <a:prstGeom prst="straightConnector1">
+            <a:avLst/>
+          </a:prstGeom>
+          <a:ln>
+            <a:tailEnd type="triangle"/>
+          </a:ln>
+        </p:spPr>
+        <p:style>
+          <a:lnRef idx="1">
+            <a:schemeClr val="accent1"/>
+          </a:lnRef>
+          <a:fillRef idx="0">
+            <a:schemeClr val="accent1"/>
+          </a:fillRef>
+          <a:effectRef idx="0">
+            <a:schemeClr val="accent1"/>
+          </a:effectRef>
+          <a:fontRef idx="minor">
+            <a:schemeClr val="tx1"/>
+          </a:fontRef>
+        </p:style>
+      </p:cxnSp>
+      <p:cxnSp>
+        <p:nvCxnSpPr>
+          <p:cNvPr id="230" name="Straight Arrow Connector 229">
+            <a:extLst>
+              <a:ext uri="{FF2B5EF4-FFF2-40B4-BE49-F238E27FC236}">
+                <a16:creationId xmlns:a16="http://schemas.microsoft.com/office/drawing/2014/main" id="{3FAC16CA-8FD6-4E83-9CC2-640761DA2DCC}"/>
+              </a:ext>
+            </a:extLst>
+          </p:cNvPr>
+          <p:cNvCxnSpPr>
+            <a:stCxn id="65" idx="2"/>
+            <a:endCxn id="70" idx="0"/>
+          </p:cNvCxnSpPr>
+          <p:nvPr/>
+        </p:nvCxnSpPr>
+        <p:spPr>
+          <a:xfrm>
+            <a:off x="8453591" y="809436"/>
+            <a:ext cx="32635" cy="257685"/>
+          </a:xfrm>
+          <a:prstGeom prst="straightConnector1">
+            <a:avLst/>
+          </a:prstGeom>
+          <a:ln>
+            <a:tailEnd type="triangle"/>
+          </a:ln>
+        </p:spPr>
+        <p:style>
+          <a:lnRef idx="1">
+            <a:schemeClr val="accent1"/>
+          </a:lnRef>
+          <a:fillRef idx="0">
+            <a:schemeClr val="accent1"/>
+          </a:fillRef>
+          <a:effectRef idx="0">
+            <a:schemeClr val="accent1"/>
+          </a:effectRef>
+          <a:fontRef idx="minor">
+            <a:schemeClr val="tx1"/>
+          </a:fontRef>
+        </p:style>
+      </p:cxnSp>
+      <p:cxnSp>
+        <p:nvCxnSpPr>
+          <p:cNvPr id="238" name="Straight Arrow Connector 237">
+            <a:extLst>
+              <a:ext uri="{FF2B5EF4-FFF2-40B4-BE49-F238E27FC236}">
+                <a16:creationId xmlns:a16="http://schemas.microsoft.com/office/drawing/2014/main" id="{5990F3DE-9578-4457-BE1F-A1A63E46F6E4}"/>
+              </a:ext>
+            </a:extLst>
+          </p:cNvPr>
+          <p:cNvCxnSpPr>
+            <a:stCxn id="64" idx="2"/>
+            <a:endCxn id="71" idx="0"/>
+          </p:cNvCxnSpPr>
+          <p:nvPr/>
+        </p:nvCxnSpPr>
+        <p:spPr>
+          <a:xfrm flipH="1">
+            <a:off x="7733624" y="809436"/>
+            <a:ext cx="326681" cy="304995"/>
+          </a:xfrm>
+          <a:prstGeom prst="straightConnector1">
+            <a:avLst/>
+          </a:prstGeom>
+          <a:ln>
+            <a:tailEnd type="triangle"/>
+          </a:ln>
+        </p:spPr>
+        <p:style>
+          <a:lnRef idx="1">
+            <a:schemeClr val="accent1"/>
+          </a:lnRef>
+          <a:fillRef idx="0">
+            <a:schemeClr val="accent1"/>
+          </a:fillRef>
+          <a:effectRef idx="0">
+            <a:schemeClr val="accent1"/>
+          </a:effectRef>
+          <a:fontRef idx="minor">
+            <a:schemeClr val="tx1"/>
+          </a:fontRef>
+        </p:style>
+      </p:cxnSp>
+      <p:cxnSp>
+        <p:nvCxnSpPr>
+          <p:cNvPr id="240" name="Straight Arrow Connector 239">
+            <a:extLst>
+              <a:ext uri="{FF2B5EF4-FFF2-40B4-BE49-F238E27FC236}">
+                <a16:creationId xmlns:a16="http://schemas.microsoft.com/office/drawing/2014/main" id="{155F520F-8AD3-488F-BC41-9F1AF157563C}"/>
+              </a:ext>
+            </a:extLst>
+          </p:cNvPr>
+          <p:cNvCxnSpPr>
+            <a:stCxn id="65" idx="2"/>
+            <a:endCxn id="71" idx="0"/>
+          </p:cNvCxnSpPr>
+          <p:nvPr/>
+        </p:nvCxnSpPr>
+        <p:spPr>
+          <a:xfrm flipH="1">
+            <a:off x="7733624" y="809436"/>
+            <a:ext cx="719967" cy="304995"/>
+          </a:xfrm>
+          <a:prstGeom prst="straightConnector1">
+            <a:avLst/>
+          </a:prstGeom>
+          <a:ln>
+            <a:tailEnd type="triangle"/>
+          </a:ln>
+        </p:spPr>
+        <p:style>
+          <a:lnRef idx="1">
+            <a:schemeClr val="accent1"/>
+          </a:lnRef>
+          <a:fillRef idx="0">
+            <a:schemeClr val="accent1"/>
+          </a:fillRef>
+          <a:effectRef idx="0">
+            <a:schemeClr val="accent1"/>
+          </a:effectRef>
+          <a:fontRef idx="minor">
+            <a:schemeClr val="tx1"/>
+          </a:fontRef>
+        </p:style>
+      </p:cxnSp>
+      <p:cxnSp>
+        <p:nvCxnSpPr>
+          <p:cNvPr id="245" name="Straight Arrow Connector 244">
+            <a:extLst>
+              <a:ext uri="{FF2B5EF4-FFF2-40B4-BE49-F238E27FC236}">
+                <a16:creationId xmlns:a16="http://schemas.microsoft.com/office/drawing/2014/main" id="{EFFEFE52-6095-445E-A99A-7C3D6BCA7A1F}"/>
+              </a:ext>
+            </a:extLst>
+          </p:cNvPr>
+          <p:cNvCxnSpPr>
+            <a:stCxn id="57" idx="2"/>
+            <a:endCxn id="243" idx="0"/>
+          </p:cNvCxnSpPr>
+          <p:nvPr/>
+        </p:nvCxnSpPr>
+        <p:spPr>
+          <a:xfrm flipH="1">
+            <a:off x="3199222" y="4227718"/>
+            <a:ext cx="40359" cy="507236"/>
+          </a:xfrm>
+          <a:prstGeom prst="straightConnector1">
+            <a:avLst/>
+          </a:prstGeom>
+          <a:ln>
+            <a:tailEnd type="triangle"/>
+          </a:ln>
+        </p:spPr>
+        <p:style>
+          <a:lnRef idx="1">
+            <a:schemeClr val="dk1"/>
+          </a:lnRef>
+          <a:fillRef idx="0">
+            <a:schemeClr val="dk1"/>
+          </a:fillRef>
+          <a:effectRef idx="0">
+            <a:schemeClr val="dk1"/>
+          </a:effectRef>
+          <a:fontRef idx="minor">
+            <a:schemeClr val="tx1"/>
+          </a:fontRef>
+        </p:style>
+      </p:cxnSp>
+      <p:cxnSp>
+        <p:nvCxnSpPr>
+          <p:cNvPr id="263" name="Straight Arrow Connector 262">
+            <a:extLst>
+              <a:ext uri="{FF2B5EF4-FFF2-40B4-BE49-F238E27FC236}">
+                <a16:creationId xmlns:a16="http://schemas.microsoft.com/office/drawing/2014/main" id="{C9FC866D-7A20-4CF0-A7D1-D41E24C18FF5}"/>
+              </a:ext>
+            </a:extLst>
+          </p:cNvPr>
+          <p:cNvCxnSpPr>
+            <a:stCxn id="143" idx="2"/>
+            <a:endCxn id="250" idx="0"/>
+          </p:cNvCxnSpPr>
+          <p:nvPr/>
+        </p:nvCxnSpPr>
+        <p:spPr>
+          <a:xfrm>
+            <a:off x="4635592" y="2162357"/>
+            <a:ext cx="2982578" cy="625614"/>
+          </a:xfrm>
+          <a:prstGeom prst="straightConnector1">
+            <a:avLst/>
+          </a:prstGeom>
+          <a:ln>
+            <a:tailEnd type="triangle"/>
+          </a:ln>
+        </p:spPr>
+        <p:style>
+          <a:lnRef idx="1">
+            <a:schemeClr val="accent1"/>
+          </a:lnRef>
+          <a:fillRef idx="0">
+            <a:schemeClr val="accent1"/>
+          </a:fillRef>
+          <a:effectRef idx="0">
+            <a:schemeClr val="accent1"/>
+          </a:effectRef>
+          <a:fontRef idx="minor">
+            <a:schemeClr val="tx1"/>
+          </a:fontRef>
+        </p:style>
+      </p:cxnSp>
+      <p:cxnSp>
+        <p:nvCxnSpPr>
+          <p:cNvPr id="265" name="Straight Arrow Connector 264">
+            <a:extLst>
+              <a:ext uri="{FF2B5EF4-FFF2-40B4-BE49-F238E27FC236}">
+                <a16:creationId xmlns:a16="http://schemas.microsoft.com/office/drawing/2014/main" id="{635E98A5-4697-436B-9660-C926CB531AFE}"/>
+              </a:ext>
+            </a:extLst>
+          </p:cNvPr>
+          <p:cNvCxnSpPr>
+            <a:stCxn id="142" idx="2"/>
+            <a:endCxn id="250" idx="0"/>
+          </p:cNvCxnSpPr>
+          <p:nvPr/>
+        </p:nvCxnSpPr>
+        <p:spPr>
+          <a:xfrm>
+            <a:off x="5777183" y="1946989"/>
+            <a:ext cx="1840987" cy="840982"/>
+          </a:xfrm>
+          <a:prstGeom prst="straightConnector1">
+            <a:avLst/>
+          </a:prstGeom>
+          <a:ln>
+            <a:tailEnd type="triangle"/>
+          </a:ln>
+        </p:spPr>
+        <p:style>
+          <a:lnRef idx="1">
+            <a:schemeClr val="accent1"/>
+          </a:lnRef>
+          <a:fillRef idx="0">
+            <a:schemeClr val="accent1"/>
+          </a:fillRef>
+          <a:effectRef idx="0">
+            <a:schemeClr val="accent1"/>
+          </a:effectRef>
+          <a:fontRef idx="minor">
+            <a:schemeClr val="tx1"/>
+          </a:fontRef>
+        </p:style>
+      </p:cxnSp>
+      <p:cxnSp>
+        <p:nvCxnSpPr>
+          <p:cNvPr id="269" name="Straight Arrow Connector 268">
+            <a:extLst>
+              <a:ext uri="{FF2B5EF4-FFF2-40B4-BE49-F238E27FC236}">
+                <a16:creationId xmlns:a16="http://schemas.microsoft.com/office/drawing/2014/main" id="{AC62E682-11AA-4D04-90FD-D950E4250812}"/>
+              </a:ext>
+            </a:extLst>
+          </p:cNvPr>
+          <p:cNvCxnSpPr>
+            <a:stCxn id="67" idx="2"/>
+            <a:endCxn id="250" idx="0"/>
+          </p:cNvCxnSpPr>
+          <p:nvPr/>
+        </p:nvCxnSpPr>
+        <p:spPr>
+          <a:xfrm>
+            <a:off x="6768479" y="1436453"/>
+            <a:ext cx="849691" cy="1351518"/>
+          </a:xfrm>
+          <a:prstGeom prst="straightConnector1">
+            <a:avLst/>
+          </a:prstGeom>
+          <a:ln>
+            <a:tailEnd type="triangle"/>
+          </a:ln>
+        </p:spPr>
+        <p:style>
+          <a:lnRef idx="1">
+            <a:schemeClr val="accent1"/>
+          </a:lnRef>
+          <a:fillRef idx="0">
+            <a:schemeClr val="accent1"/>
+          </a:fillRef>
+          <a:effectRef idx="0">
+            <a:schemeClr val="accent1"/>
+          </a:effectRef>
+          <a:fontRef idx="minor">
+            <a:schemeClr val="tx1"/>
+          </a:fontRef>
+        </p:style>
+      </p:cxnSp>
+      <p:cxnSp>
+        <p:nvCxnSpPr>
+          <p:cNvPr id="271" name="Straight Arrow Connector 270">
+            <a:extLst>
+              <a:ext uri="{FF2B5EF4-FFF2-40B4-BE49-F238E27FC236}">
+                <a16:creationId xmlns:a16="http://schemas.microsoft.com/office/drawing/2014/main" id="{542C03B8-A1FE-4007-A09D-4F8D791D7C08}"/>
+              </a:ext>
+            </a:extLst>
+          </p:cNvPr>
+          <p:cNvCxnSpPr>
+            <a:stCxn id="68" idx="2"/>
+            <a:endCxn id="250" idx="0"/>
+          </p:cNvCxnSpPr>
+          <p:nvPr/>
+        </p:nvCxnSpPr>
+        <p:spPr>
+          <a:xfrm>
+            <a:off x="7261823" y="1436453"/>
+            <a:ext cx="356347" cy="1351518"/>
+          </a:xfrm>
+          <a:prstGeom prst="straightConnector1">
+            <a:avLst/>
+          </a:prstGeom>
+          <a:ln>
+            <a:tailEnd type="triangle"/>
+          </a:ln>
+        </p:spPr>
+        <p:style>
+          <a:lnRef idx="1">
+            <a:schemeClr val="accent1"/>
+          </a:lnRef>
+          <a:fillRef idx="0">
+            <a:schemeClr val="accent1"/>
+          </a:fillRef>
+          <a:effectRef idx="0">
+            <a:schemeClr val="accent1"/>
+          </a:effectRef>
+          <a:fontRef idx="minor">
+            <a:schemeClr val="tx1"/>
+          </a:fontRef>
+        </p:style>
+      </p:cxnSp>
+      <p:cxnSp>
+        <p:nvCxnSpPr>
+          <p:cNvPr id="285" name="Straight Arrow Connector 284">
+            <a:extLst>
+              <a:ext uri="{FF2B5EF4-FFF2-40B4-BE49-F238E27FC236}">
+                <a16:creationId xmlns:a16="http://schemas.microsoft.com/office/drawing/2014/main" id="{E3603259-4FAF-4529-9C04-F49920762B55}"/>
+              </a:ext>
+            </a:extLst>
+          </p:cNvPr>
+          <p:cNvCxnSpPr>
+            <a:stCxn id="243" idx="3"/>
+            <a:endCxn id="283" idx="1"/>
+          </p:cNvCxnSpPr>
+          <p:nvPr/>
+        </p:nvCxnSpPr>
+        <p:spPr>
+          <a:xfrm flipV="1">
+            <a:off x="3491129" y="4505296"/>
+            <a:ext cx="434417" cy="414324"/>
+          </a:xfrm>
+          <a:prstGeom prst="straightConnector1">
+            <a:avLst/>
+          </a:prstGeom>
+          <a:ln>
+            <a:tailEnd type="triangle"/>
+          </a:ln>
+        </p:spPr>
+        <p:style>
+          <a:lnRef idx="1">
+            <a:schemeClr val="accent1"/>
+          </a:lnRef>
+          <a:fillRef idx="0">
+            <a:schemeClr val="accent1"/>
+          </a:fillRef>
+          <a:effectRef idx="0">
+            <a:schemeClr val="accent1"/>
+          </a:effectRef>
+          <a:fontRef idx="minor">
+            <a:schemeClr val="tx1"/>
+          </a:fontRef>
+        </p:style>
+      </p:cxnSp>
+      <p:cxnSp>
+        <p:nvCxnSpPr>
+          <p:cNvPr id="288" name="Straight Arrow Connector 287">
+            <a:extLst>
+              <a:ext uri="{FF2B5EF4-FFF2-40B4-BE49-F238E27FC236}">
+                <a16:creationId xmlns:a16="http://schemas.microsoft.com/office/drawing/2014/main" id="{E51BB6C8-1CFD-48FC-9C0C-13DCEAFEE1A6}"/>
+              </a:ext>
+            </a:extLst>
+          </p:cNvPr>
+          <p:cNvCxnSpPr>
+            <a:cxnSpLocks/>
+            <a:stCxn id="283" idx="3"/>
+            <a:endCxn id="282" idx="1"/>
+          </p:cNvCxnSpPr>
+          <p:nvPr/>
+        </p:nvCxnSpPr>
+        <p:spPr>
+          <a:xfrm>
+            <a:off x="4341044" y="4505296"/>
+            <a:ext cx="121500" cy="390137"/>
+          </a:xfrm>
+          <a:prstGeom prst="straightConnector1">
+            <a:avLst/>
+          </a:prstGeom>
+          <a:ln>
+            <a:tailEnd type="triangle"/>
+          </a:ln>
+        </p:spPr>
+        <p:style>
+          <a:lnRef idx="1">
+            <a:schemeClr val="accent1"/>
+          </a:lnRef>
+          <a:fillRef idx="0">
+            <a:schemeClr val="accent1"/>
+          </a:fillRef>
+          <a:effectRef idx="0">
+            <a:schemeClr val="accent1"/>
+          </a:effectRef>
+          <a:fontRef idx="minor">
+            <a:schemeClr val="tx1"/>
+          </a:fontRef>
+        </p:style>
+      </p:cxnSp>
+      <p:cxnSp>
+        <p:nvCxnSpPr>
+          <p:cNvPr id="290" name="Straight Arrow Connector 289">
+            <a:extLst>
+              <a:ext uri="{FF2B5EF4-FFF2-40B4-BE49-F238E27FC236}">
+                <a16:creationId xmlns:a16="http://schemas.microsoft.com/office/drawing/2014/main" id="{7FDA63E0-BE9B-4657-956A-F2DBD7C7B4C1}"/>
+              </a:ext>
+            </a:extLst>
+          </p:cNvPr>
+          <p:cNvCxnSpPr>
+            <a:stCxn id="243" idx="3"/>
+            <a:endCxn id="282" idx="1"/>
+          </p:cNvCxnSpPr>
+          <p:nvPr/>
+        </p:nvCxnSpPr>
+        <p:spPr>
+          <a:xfrm flipV="1">
+            <a:off x="3491129" y="4895433"/>
+            <a:ext cx="971415" cy="24187"/>
+          </a:xfrm>
+          <a:prstGeom prst="straightConnector1">
+            <a:avLst/>
+          </a:prstGeom>
+          <a:ln>
+            <a:tailEnd type="triangle"/>
+          </a:ln>
+        </p:spPr>
+        <p:style>
+          <a:lnRef idx="1">
+            <a:schemeClr val="accent1"/>
+          </a:lnRef>
+          <a:fillRef idx="0">
+            <a:schemeClr val="accent1"/>
+          </a:fillRef>
+          <a:effectRef idx="0">
+            <a:schemeClr val="accent1"/>
+          </a:effectRef>
+          <a:fontRef idx="minor">
+            <a:schemeClr val="tx1"/>
+          </a:fontRef>
+        </p:style>
+      </p:cxnSp>
+      <p:cxnSp>
+        <p:nvCxnSpPr>
+          <p:cNvPr id="295" name="Straight Arrow Connector 294">
+            <a:extLst>
+              <a:ext uri="{FF2B5EF4-FFF2-40B4-BE49-F238E27FC236}">
+                <a16:creationId xmlns:a16="http://schemas.microsoft.com/office/drawing/2014/main" id="{7ED7A524-B102-4574-9367-FB67F5D0E5D8}"/>
+              </a:ext>
+            </a:extLst>
+          </p:cNvPr>
+          <p:cNvCxnSpPr>
+            <a:stCxn id="282" idx="3"/>
+            <a:endCxn id="280" idx="1"/>
+          </p:cNvCxnSpPr>
+          <p:nvPr/>
+        </p:nvCxnSpPr>
+        <p:spPr>
+          <a:xfrm>
+            <a:off x="4749802" y="4895433"/>
+            <a:ext cx="207957" cy="1986"/>
+          </a:xfrm>
+          <a:prstGeom prst="straightConnector1">
+            <a:avLst/>
+          </a:prstGeom>
+          <a:ln>
+            <a:tailEnd type="triangle"/>
+          </a:ln>
+        </p:spPr>
+        <p:style>
+          <a:lnRef idx="1">
+            <a:schemeClr val="accent1"/>
+          </a:lnRef>
+          <a:fillRef idx="0">
+            <a:schemeClr val="accent1"/>
+          </a:fillRef>
+          <a:effectRef idx="0">
+            <a:schemeClr val="accent1"/>
+          </a:effectRef>
+          <a:fontRef idx="minor">
+            <a:schemeClr val="tx1"/>
+          </a:fontRef>
+        </p:style>
+      </p:cxnSp>
+      <p:cxnSp>
+        <p:nvCxnSpPr>
+          <p:cNvPr id="298" name="Straight Arrow Connector 297">
+            <a:extLst>
+              <a:ext uri="{FF2B5EF4-FFF2-40B4-BE49-F238E27FC236}">
+                <a16:creationId xmlns:a16="http://schemas.microsoft.com/office/drawing/2014/main" id="{FE36D99A-40B3-435C-A888-60D0598AEB2A}"/>
+              </a:ext>
+            </a:extLst>
+          </p:cNvPr>
+          <p:cNvCxnSpPr>
+            <a:stCxn id="243" idx="3"/>
+            <a:endCxn id="281" idx="0"/>
+          </p:cNvCxnSpPr>
+          <p:nvPr/>
+        </p:nvCxnSpPr>
+        <p:spPr>
+          <a:xfrm>
+            <a:off x="3491129" y="4919620"/>
+            <a:ext cx="483956" cy="272698"/>
+          </a:xfrm>
+          <a:prstGeom prst="straightConnector1">
+            <a:avLst/>
+          </a:prstGeom>
+          <a:ln>
+            <a:tailEnd type="triangle"/>
+          </a:ln>
+        </p:spPr>
+        <p:style>
+          <a:lnRef idx="1">
+            <a:schemeClr val="accent1"/>
+          </a:lnRef>
+          <a:fillRef idx="0">
+            <a:schemeClr val="accent1"/>
+          </a:fillRef>
+          <a:effectRef idx="0">
+            <a:schemeClr val="accent1"/>
+          </a:effectRef>
+          <a:fontRef idx="minor">
+            <a:schemeClr val="tx1"/>
+          </a:fontRef>
+        </p:style>
+      </p:cxnSp>
+      <p:cxnSp>
+        <p:nvCxnSpPr>
+          <p:cNvPr id="302" name="Straight Arrow Connector 301">
+            <a:extLst>
+              <a:ext uri="{FF2B5EF4-FFF2-40B4-BE49-F238E27FC236}">
+                <a16:creationId xmlns:a16="http://schemas.microsoft.com/office/drawing/2014/main" id="{DB0ABB74-56FD-43EF-B1DA-FD4480D5D0D2}"/>
+              </a:ext>
+            </a:extLst>
+          </p:cNvPr>
+          <p:cNvCxnSpPr>
+            <a:cxnSpLocks/>
+            <a:stCxn id="281" idx="3"/>
+            <a:endCxn id="252" idx="1"/>
+          </p:cNvCxnSpPr>
+          <p:nvPr/>
+        </p:nvCxnSpPr>
+        <p:spPr>
+          <a:xfrm flipV="1">
+            <a:off x="4161868" y="4155034"/>
+            <a:ext cx="2460973" cy="1221950"/>
+          </a:xfrm>
+          <a:prstGeom prst="straightConnector1">
+            <a:avLst/>
+          </a:prstGeom>
+          <a:ln>
+            <a:tailEnd type="triangle"/>
+          </a:ln>
+        </p:spPr>
+        <p:style>
+          <a:lnRef idx="1">
+            <a:schemeClr val="accent1"/>
+          </a:lnRef>
+          <a:fillRef idx="0">
+            <a:schemeClr val="accent1"/>
+          </a:fillRef>
+          <a:effectRef idx="0">
+            <a:schemeClr val="accent1"/>
+          </a:effectRef>
+          <a:fontRef idx="minor">
+            <a:schemeClr val="tx1"/>
+          </a:fontRef>
+        </p:style>
+      </p:cxnSp>
+      <p:cxnSp>
+        <p:nvCxnSpPr>
+          <p:cNvPr id="304" name="Straight Arrow Connector 303">
+            <a:extLst>
+              <a:ext uri="{FF2B5EF4-FFF2-40B4-BE49-F238E27FC236}">
+                <a16:creationId xmlns:a16="http://schemas.microsoft.com/office/drawing/2014/main" id="{B3E2AE63-3B20-4B82-9916-3568DC0B9407}"/>
+              </a:ext>
+            </a:extLst>
+          </p:cNvPr>
+          <p:cNvCxnSpPr>
+            <a:cxnSpLocks/>
+            <a:stCxn id="280" idx="3"/>
+            <a:endCxn id="252" idx="1"/>
+          </p:cNvCxnSpPr>
+          <p:nvPr/>
+        </p:nvCxnSpPr>
+        <p:spPr>
+          <a:xfrm flipV="1">
+            <a:off x="5502972" y="4155034"/>
+            <a:ext cx="1119869" cy="742385"/>
+          </a:xfrm>
+          <a:prstGeom prst="straightConnector1">
+            <a:avLst/>
+          </a:prstGeom>
+          <a:ln>
+            <a:tailEnd type="triangle"/>
+          </a:ln>
+        </p:spPr>
+        <p:style>
+          <a:lnRef idx="1">
+            <a:schemeClr val="accent1"/>
+          </a:lnRef>
+          <a:fillRef idx="0">
+            <a:schemeClr val="accent1"/>
+          </a:fillRef>
+          <a:effectRef idx="0">
+            <a:schemeClr val="accent1"/>
+          </a:effectRef>
+          <a:fontRef idx="minor">
+            <a:schemeClr val="tx1"/>
+          </a:fontRef>
+        </p:style>
+      </p:cxnSp>
+      <p:cxnSp>
+        <p:nvCxnSpPr>
+          <p:cNvPr id="306" name="Straight Arrow Connector 305">
+            <a:extLst>
+              <a:ext uri="{FF2B5EF4-FFF2-40B4-BE49-F238E27FC236}">
+                <a16:creationId xmlns:a16="http://schemas.microsoft.com/office/drawing/2014/main" id="{4B0A454A-738E-4AAB-9432-50357E8D7DD5}"/>
+              </a:ext>
+            </a:extLst>
+          </p:cNvPr>
+          <p:cNvCxnSpPr>
+            <a:stCxn id="67" idx="2"/>
+            <a:endCxn id="252" idx="0"/>
+          </p:cNvCxnSpPr>
+          <p:nvPr/>
+        </p:nvCxnSpPr>
+        <p:spPr>
+          <a:xfrm>
+            <a:off x="6768479" y="1436453"/>
+            <a:ext cx="221610" cy="2533915"/>
+          </a:xfrm>
+          <a:prstGeom prst="straightConnector1">
+            <a:avLst/>
+          </a:prstGeom>
+          <a:ln>
+            <a:tailEnd type="triangle"/>
+          </a:ln>
+        </p:spPr>
+        <p:style>
+          <a:lnRef idx="1">
+            <a:schemeClr val="accent1"/>
+          </a:lnRef>
+          <a:fillRef idx="0">
+            <a:schemeClr val="accent1"/>
+          </a:fillRef>
+          <a:effectRef idx="0">
+            <a:schemeClr val="accent1"/>
+          </a:effectRef>
+          <a:fontRef idx="minor">
+            <a:schemeClr val="tx1"/>
+          </a:fontRef>
+        </p:style>
+      </p:cxnSp>
+      <p:cxnSp>
+        <p:nvCxnSpPr>
+          <p:cNvPr id="308" name="Straight Arrow Connector 307">
+            <a:extLst>
+              <a:ext uri="{FF2B5EF4-FFF2-40B4-BE49-F238E27FC236}">
+                <a16:creationId xmlns:a16="http://schemas.microsoft.com/office/drawing/2014/main" id="{4AF4E2B6-F67C-4BEB-BD83-53326FB8CC21}"/>
+              </a:ext>
+            </a:extLst>
+          </p:cNvPr>
+          <p:cNvCxnSpPr>
+            <a:stCxn id="68" idx="2"/>
+            <a:endCxn id="252" idx="0"/>
+          </p:cNvCxnSpPr>
+          <p:nvPr/>
+        </p:nvCxnSpPr>
+        <p:spPr>
+          <a:xfrm flipH="1">
+            <a:off x="6990089" y="1436453"/>
+            <a:ext cx="271734" cy="2533915"/>
+          </a:xfrm>
+          <a:prstGeom prst="straightConnector1">
+            <a:avLst/>
+          </a:prstGeom>
+          <a:ln>
+            <a:tailEnd type="triangle"/>
+          </a:ln>
+        </p:spPr>
+        <p:style>
+          <a:lnRef idx="1">
+            <a:schemeClr val="accent1"/>
+          </a:lnRef>
+          <a:fillRef idx="0">
+            <a:schemeClr val="accent1"/>
+          </a:fillRef>
+          <a:effectRef idx="0">
+            <a:schemeClr val="accent1"/>
+          </a:effectRef>
+          <a:fontRef idx="minor">
+            <a:schemeClr val="tx1"/>
+          </a:fontRef>
+        </p:style>
+      </p:cxnSp>
+      <p:cxnSp>
+        <p:nvCxnSpPr>
+          <p:cNvPr id="310" name="Straight Arrow Connector 309">
+            <a:extLst>
+              <a:ext uri="{FF2B5EF4-FFF2-40B4-BE49-F238E27FC236}">
+                <a16:creationId xmlns:a16="http://schemas.microsoft.com/office/drawing/2014/main" id="{FEAD6526-97DA-469B-8666-7DE5F66483E2}"/>
+              </a:ext>
+            </a:extLst>
+          </p:cNvPr>
+          <p:cNvCxnSpPr>
+            <a:cxnSpLocks/>
+            <a:stCxn id="250" idx="2"/>
+            <a:endCxn id="251" idx="1"/>
+          </p:cNvCxnSpPr>
+          <p:nvPr/>
+        </p:nvCxnSpPr>
+        <p:spPr>
+          <a:xfrm>
+            <a:off x="7618170" y="3157303"/>
+            <a:ext cx="264368" cy="527155"/>
+          </a:xfrm>
+          <a:prstGeom prst="straightConnector1">
+            <a:avLst/>
+          </a:prstGeom>
+          <a:ln>
+            <a:tailEnd type="triangle"/>
+          </a:ln>
+        </p:spPr>
+        <p:style>
+          <a:lnRef idx="1">
+            <a:schemeClr val="accent1"/>
+          </a:lnRef>
+          <a:fillRef idx="0">
+            <a:schemeClr val="accent1"/>
+          </a:fillRef>
+          <a:effectRef idx="0">
+            <a:schemeClr val="accent1"/>
+          </a:effectRef>
+          <a:fontRef idx="minor">
+            <a:schemeClr val="tx1"/>
+          </a:fontRef>
+        </p:style>
+      </p:cxnSp>
+      <p:cxnSp>
+        <p:nvCxnSpPr>
+          <p:cNvPr id="312" name="Straight Arrow Connector 311">
+            <a:extLst>
+              <a:ext uri="{FF2B5EF4-FFF2-40B4-BE49-F238E27FC236}">
+                <a16:creationId xmlns:a16="http://schemas.microsoft.com/office/drawing/2014/main" id="{266C6A1A-7040-47F0-AA5C-D12865EBAF31}"/>
+              </a:ext>
+            </a:extLst>
+          </p:cNvPr>
+          <p:cNvCxnSpPr>
+            <a:cxnSpLocks/>
+            <a:stCxn id="252" idx="3"/>
+            <a:endCxn id="251" idx="1"/>
+          </p:cNvCxnSpPr>
+          <p:nvPr/>
+        </p:nvCxnSpPr>
+        <p:spPr>
+          <a:xfrm flipV="1">
+            <a:off x="7357337" y="3684458"/>
+            <a:ext cx="525201" cy="470576"/>
+          </a:xfrm>
+          <a:prstGeom prst="straightConnector1">
+            <a:avLst/>
+          </a:prstGeom>
+          <a:ln>
+            <a:tailEnd type="triangle"/>
+          </a:ln>
+        </p:spPr>
+        <p:style>
+          <a:lnRef idx="1">
+            <a:schemeClr val="accent1"/>
+          </a:lnRef>
+          <a:fillRef idx="0">
+            <a:schemeClr val="accent1"/>
+          </a:fillRef>
+          <a:effectRef idx="0">
+            <a:schemeClr val="accent1"/>
+          </a:effectRef>
+          <a:fontRef idx="minor">
+            <a:schemeClr val="tx1"/>
+          </a:fontRef>
+        </p:style>
+      </p:cxnSp>
+      <p:cxnSp>
+        <p:nvCxnSpPr>
+          <p:cNvPr id="321" name="Straight Arrow Connector 320">
+            <a:extLst>
+              <a:ext uri="{FF2B5EF4-FFF2-40B4-BE49-F238E27FC236}">
+                <a16:creationId xmlns:a16="http://schemas.microsoft.com/office/drawing/2014/main" id="{A89990D3-92FA-47D3-BA12-A3A883BD0962}"/>
+              </a:ext>
+            </a:extLst>
+          </p:cNvPr>
+          <p:cNvCxnSpPr>
+            <a:cxnSpLocks/>
+            <a:stCxn id="252" idx="3"/>
+            <a:endCxn id="319" idx="0"/>
+          </p:cNvCxnSpPr>
+          <p:nvPr/>
+        </p:nvCxnSpPr>
+        <p:spPr>
+          <a:xfrm>
+            <a:off x="7357337" y="4155034"/>
+            <a:ext cx="807490" cy="56579"/>
+          </a:xfrm>
+          <a:prstGeom prst="straightConnector1">
+            <a:avLst/>
+          </a:prstGeom>
+          <a:ln>
+            <a:tailEnd type="triangle"/>
+          </a:ln>
+        </p:spPr>
+        <p:style>
+          <a:lnRef idx="1">
+            <a:schemeClr val="accent1"/>
+          </a:lnRef>
+          <a:fillRef idx="0">
+            <a:schemeClr val="accent1"/>
+          </a:fillRef>
+          <a:effectRef idx="0">
+            <a:schemeClr val="accent1"/>
+          </a:effectRef>
+          <a:fontRef idx="minor">
+            <a:schemeClr val="tx1"/>
+          </a:fontRef>
+        </p:style>
+      </p:cxnSp>
+      <p:cxnSp>
+        <p:nvCxnSpPr>
+          <p:cNvPr id="323" name="Straight Arrow Connector 322">
+            <a:extLst>
+              <a:ext uri="{FF2B5EF4-FFF2-40B4-BE49-F238E27FC236}">
+                <a16:creationId xmlns:a16="http://schemas.microsoft.com/office/drawing/2014/main" id="{70DF6783-7E23-4066-9B0D-7C67FC8A6E69}"/>
+              </a:ext>
+            </a:extLst>
+          </p:cNvPr>
+          <p:cNvCxnSpPr>
+            <a:stCxn id="251" idx="2"/>
+            <a:endCxn id="319" idx="0"/>
+          </p:cNvCxnSpPr>
+          <p:nvPr/>
+        </p:nvCxnSpPr>
+        <p:spPr>
+          <a:xfrm>
+            <a:off x="8164827" y="3869124"/>
+            <a:ext cx="0" cy="342489"/>
+          </a:xfrm>
+          <a:prstGeom prst="straightConnector1">
+            <a:avLst/>
+          </a:prstGeom>
+          <a:ln>
+            <a:tailEnd type="triangle"/>
+          </a:ln>
+        </p:spPr>
+        <p:style>
+          <a:lnRef idx="1">
+            <a:schemeClr val="accent1"/>
+          </a:lnRef>
+          <a:fillRef idx="0">
+            <a:schemeClr val="accent1"/>
+          </a:fillRef>
+          <a:effectRef idx="0">
+            <a:schemeClr val="accent1"/>
+          </a:effectRef>
+          <a:fontRef idx="minor">
+            <a:schemeClr val="tx1"/>
+          </a:fontRef>
+        </p:style>
+      </p:cxnSp>
+      <p:cxnSp>
+        <p:nvCxnSpPr>
+          <p:cNvPr id="327" name="Straight Arrow Connector 326">
+            <a:extLst>
+              <a:ext uri="{FF2B5EF4-FFF2-40B4-BE49-F238E27FC236}">
+                <a16:creationId xmlns:a16="http://schemas.microsoft.com/office/drawing/2014/main" id="{8991B51A-ECAB-47FE-8697-23F79C8F94B4}"/>
+              </a:ext>
+            </a:extLst>
+          </p:cNvPr>
+          <p:cNvCxnSpPr>
+            <a:cxnSpLocks/>
+            <a:stCxn id="280" idx="3"/>
+            <a:endCxn id="319" idx="0"/>
+          </p:cNvCxnSpPr>
+          <p:nvPr/>
+        </p:nvCxnSpPr>
+        <p:spPr>
+          <a:xfrm flipV="1">
+            <a:off x="5502972" y="4211613"/>
+            <a:ext cx="2661855" cy="685806"/>
+          </a:xfrm>
+          <a:prstGeom prst="straightConnector1">
+            <a:avLst/>
+          </a:prstGeom>
+          <a:ln>
+            <a:tailEnd type="triangle"/>
+          </a:ln>
+        </p:spPr>
+        <p:style>
+          <a:lnRef idx="1">
+            <a:schemeClr val="accent1"/>
+          </a:lnRef>
+          <a:fillRef idx="0">
+            <a:schemeClr val="accent1"/>
+          </a:fillRef>
+          <a:effectRef idx="0">
+            <a:schemeClr val="accent1"/>
+          </a:effectRef>
+          <a:fontRef idx="minor">
+            <a:schemeClr val="tx1"/>
+          </a:fontRef>
+        </p:style>
+      </p:cxnSp>
+      <p:cxnSp>
+        <p:nvCxnSpPr>
+          <p:cNvPr id="353" name="Straight Arrow Connector 352">
+            <a:extLst>
+              <a:ext uri="{FF2B5EF4-FFF2-40B4-BE49-F238E27FC236}">
+                <a16:creationId xmlns:a16="http://schemas.microsoft.com/office/drawing/2014/main" id="{C4B39F0A-4DAE-4EEA-BAF6-A215C981D1FF}"/>
+              </a:ext>
+            </a:extLst>
+          </p:cNvPr>
+          <p:cNvCxnSpPr>
+            <a:stCxn id="319" idx="2"/>
+            <a:endCxn id="350" idx="0"/>
+          </p:cNvCxnSpPr>
+          <p:nvPr/>
+        </p:nvCxnSpPr>
+        <p:spPr>
+          <a:xfrm flipH="1">
+            <a:off x="7045642" y="4580945"/>
+            <a:ext cx="1119185" cy="829390"/>
+          </a:xfrm>
+          <a:prstGeom prst="straightConnector1">
+            <a:avLst/>
+          </a:prstGeom>
+          <a:ln>
+            <a:tailEnd type="triangle"/>
+          </a:ln>
+        </p:spPr>
+        <p:style>
+          <a:lnRef idx="1">
+            <a:schemeClr val="accent1"/>
+          </a:lnRef>
+          <a:fillRef idx="0">
+            <a:schemeClr val="accent1"/>
+          </a:fillRef>
+          <a:effectRef idx="0">
+            <a:schemeClr val="accent1"/>
+          </a:effectRef>
+          <a:fontRef idx="minor">
+            <a:schemeClr val="tx1"/>
+          </a:fontRef>
+        </p:style>
+      </p:cxnSp>
+      <p:cxnSp>
+        <p:nvCxnSpPr>
+          <p:cNvPr id="355" name="Straight Arrow Connector 354">
+            <a:extLst>
+              <a:ext uri="{FF2B5EF4-FFF2-40B4-BE49-F238E27FC236}">
+                <a16:creationId xmlns:a16="http://schemas.microsoft.com/office/drawing/2014/main" id="{9283BF97-DD00-4A7C-B0CD-2C955ED891E5}"/>
+              </a:ext>
+            </a:extLst>
+          </p:cNvPr>
+          <p:cNvCxnSpPr>
+            <a:stCxn id="319" idx="2"/>
+            <a:endCxn id="351" idx="0"/>
+          </p:cNvCxnSpPr>
+          <p:nvPr/>
+        </p:nvCxnSpPr>
+        <p:spPr>
+          <a:xfrm>
+            <a:off x="8164827" y="4580945"/>
+            <a:ext cx="189123" cy="572932"/>
+          </a:xfrm>
+          <a:prstGeom prst="straightConnector1">
+            <a:avLst/>
+          </a:prstGeom>
+          <a:ln>
+            <a:tailEnd type="triangle"/>
+          </a:ln>
+        </p:spPr>
+        <p:style>
+          <a:lnRef idx="1">
+            <a:schemeClr val="accent1"/>
+          </a:lnRef>
+          <a:fillRef idx="0">
+            <a:schemeClr val="accent1"/>
+          </a:fillRef>
+          <a:effectRef idx="0">
+            <a:schemeClr val="accent1"/>
+          </a:effectRef>
+          <a:fontRef idx="minor">
+            <a:schemeClr val="tx1"/>
+          </a:fontRef>
+        </p:style>
+      </p:cxnSp>
+      <p:cxnSp>
+        <p:nvCxnSpPr>
+          <p:cNvPr id="357" name="Straight Arrow Connector 356">
+            <a:extLst>
+              <a:ext uri="{FF2B5EF4-FFF2-40B4-BE49-F238E27FC236}">
+                <a16:creationId xmlns:a16="http://schemas.microsoft.com/office/drawing/2014/main" id="{D8F63F42-B4C0-4141-977C-140770E21F78}"/>
+              </a:ext>
+            </a:extLst>
+          </p:cNvPr>
+          <p:cNvCxnSpPr>
+            <a:cxnSpLocks/>
+            <a:stCxn id="319" idx="2"/>
+            <a:endCxn id="13" idx="0"/>
+          </p:cNvCxnSpPr>
+          <p:nvPr/>
+        </p:nvCxnSpPr>
+        <p:spPr>
+          <a:xfrm>
+            <a:off x="8164827" y="4580945"/>
+            <a:ext cx="1483458" cy="1293621"/>
+          </a:xfrm>
+          <a:prstGeom prst="straightConnector1">
+            <a:avLst/>
+          </a:prstGeom>
+          <a:ln>
+            <a:tailEnd type="triangle"/>
+          </a:ln>
+        </p:spPr>
+        <p:style>
+          <a:lnRef idx="1">
+            <a:schemeClr val="dk1"/>
+          </a:lnRef>
+          <a:fillRef idx="0">
+            <a:schemeClr val="dk1"/>
+          </a:fillRef>
+          <a:effectRef idx="0">
+            <a:schemeClr val="dk1"/>
+          </a:effectRef>
+          <a:fontRef idx="minor">
+            <a:schemeClr val="tx1"/>
+          </a:fontRef>
+        </p:style>
+      </p:cxnSp>
+      <p:cxnSp>
+        <p:nvCxnSpPr>
+          <p:cNvPr id="361" name="Straight Arrow Connector 360">
+            <a:extLst>
+              <a:ext uri="{FF2B5EF4-FFF2-40B4-BE49-F238E27FC236}">
+                <a16:creationId xmlns:a16="http://schemas.microsoft.com/office/drawing/2014/main" id="{BC93CBC0-E8ED-4B0D-8581-1181BD0FCE20}"/>
+              </a:ext>
+            </a:extLst>
+          </p:cNvPr>
+          <p:cNvCxnSpPr>
+            <a:cxnSpLocks/>
+            <a:stCxn id="243" idx="3"/>
+            <a:endCxn id="350" idx="1"/>
+          </p:cNvCxnSpPr>
+          <p:nvPr/>
+        </p:nvCxnSpPr>
+        <p:spPr>
+          <a:xfrm>
+            <a:off x="3491129" y="4919620"/>
+            <a:ext cx="3089481" cy="675381"/>
+          </a:xfrm>
+          <a:prstGeom prst="straightConnector1">
+            <a:avLst/>
+          </a:prstGeom>
+          <a:ln>
+            <a:tailEnd type="triangle"/>
+          </a:ln>
+        </p:spPr>
+        <p:style>
+          <a:lnRef idx="1">
+            <a:schemeClr val="accent1"/>
+          </a:lnRef>
+          <a:fillRef idx="0">
+            <a:schemeClr val="accent1"/>
+          </a:fillRef>
+          <a:effectRef idx="0">
+            <a:schemeClr val="accent1"/>
+          </a:effectRef>
+          <a:fontRef idx="minor">
+            <a:schemeClr val="tx1"/>
+          </a:fontRef>
+        </p:style>
+      </p:cxnSp>
+      <p:cxnSp>
+        <p:nvCxnSpPr>
+          <p:cNvPr id="363" name="Straight Arrow Connector 362">
+            <a:extLst>
+              <a:ext uri="{FF2B5EF4-FFF2-40B4-BE49-F238E27FC236}">
+                <a16:creationId xmlns:a16="http://schemas.microsoft.com/office/drawing/2014/main" id="{79682514-26CC-4BAE-B77A-7265A77A6D2E}"/>
+              </a:ext>
+            </a:extLst>
+          </p:cNvPr>
+          <p:cNvCxnSpPr>
+            <a:stCxn id="281" idx="3"/>
+            <a:endCxn id="350" idx="1"/>
+          </p:cNvCxnSpPr>
+          <p:nvPr/>
+        </p:nvCxnSpPr>
+        <p:spPr>
+          <a:xfrm>
+            <a:off x="4161868" y="5376984"/>
+            <a:ext cx="2418742" cy="218017"/>
+          </a:xfrm>
+          <a:prstGeom prst="straightConnector1">
+            <a:avLst/>
+          </a:prstGeom>
+          <a:ln>
+            <a:tailEnd type="triangle"/>
+          </a:ln>
+        </p:spPr>
+        <p:style>
+          <a:lnRef idx="1">
+            <a:schemeClr val="accent1"/>
+          </a:lnRef>
+          <a:fillRef idx="0">
+            <a:schemeClr val="accent1"/>
+          </a:fillRef>
+          <a:effectRef idx="0">
+            <a:schemeClr val="accent1"/>
+          </a:effectRef>
+          <a:fontRef idx="minor">
+            <a:schemeClr val="tx1"/>
+          </a:fontRef>
+        </p:style>
+      </p:cxnSp>
+      <p:cxnSp>
+        <p:nvCxnSpPr>
+          <p:cNvPr id="365" name="Straight Arrow Connector 364">
+            <a:extLst>
+              <a:ext uri="{FF2B5EF4-FFF2-40B4-BE49-F238E27FC236}">
+                <a16:creationId xmlns:a16="http://schemas.microsoft.com/office/drawing/2014/main" id="{FA9009FB-DA51-47B9-833C-A7E065436130}"/>
+              </a:ext>
+            </a:extLst>
+          </p:cNvPr>
+          <p:cNvCxnSpPr>
+            <a:stCxn id="67" idx="2"/>
+            <a:endCxn id="350" idx="1"/>
+          </p:cNvCxnSpPr>
+          <p:nvPr/>
+        </p:nvCxnSpPr>
+        <p:spPr>
+          <a:xfrm flipH="1">
+            <a:off x="6580610" y="1436453"/>
+            <a:ext cx="187869" cy="4158548"/>
+          </a:xfrm>
+          <a:prstGeom prst="straightConnector1">
+            <a:avLst/>
+          </a:prstGeom>
+          <a:ln>
+            <a:tailEnd type="triangle"/>
+          </a:ln>
+        </p:spPr>
+        <p:style>
+          <a:lnRef idx="1">
+            <a:schemeClr val="accent1"/>
+          </a:lnRef>
+          <a:fillRef idx="0">
+            <a:schemeClr val="accent1"/>
+          </a:fillRef>
+          <a:effectRef idx="0">
+            <a:schemeClr val="accent1"/>
+          </a:effectRef>
+          <a:fontRef idx="minor">
+            <a:schemeClr val="tx1"/>
+          </a:fontRef>
+        </p:style>
+      </p:cxnSp>
+      <p:cxnSp>
+        <p:nvCxnSpPr>
+          <p:cNvPr id="367" name="Straight Arrow Connector 366">
+            <a:extLst>
+              <a:ext uri="{FF2B5EF4-FFF2-40B4-BE49-F238E27FC236}">
+                <a16:creationId xmlns:a16="http://schemas.microsoft.com/office/drawing/2014/main" id="{DC7E69F2-768E-4BCA-A30B-27D01520E7C6}"/>
+              </a:ext>
+            </a:extLst>
+          </p:cNvPr>
+          <p:cNvCxnSpPr>
+            <a:stCxn id="68" idx="2"/>
+            <a:endCxn id="350" idx="1"/>
+          </p:cNvCxnSpPr>
+          <p:nvPr/>
+        </p:nvCxnSpPr>
+        <p:spPr>
+          <a:xfrm flipH="1">
+            <a:off x="6580610" y="1436453"/>
+            <a:ext cx="681213" cy="4158548"/>
+          </a:xfrm>
+          <a:prstGeom prst="straightConnector1">
+            <a:avLst/>
+          </a:prstGeom>
+          <a:ln>
+            <a:tailEnd type="triangle"/>
+          </a:ln>
+        </p:spPr>
+        <p:style>
+          <a:lnRef idx="1">
+            <a:schemeClr val="accent1"/>
+          </a:lnRef>
+          <a:fillRef idx="0">
+            <a:schemeClr val="accent1"/>
+          </a:fillRef>
+          <a:effectRef idx="0">
+            <a:schemeClr val="accent1"/>
+          </a:effectRef>
+          <a:fontRef idx="minor">
+            <a:schemeClr val="tx1"/>
+          </a:fontRef>
+        </p:style>
+      </p:cxnSp>
+      <p:cxnSp>
+        <p:nvCxnSpPr>
+          <p:cNvPr id="369" name="Straight Arrow Connector 368">
+            <a:extLst>
+              <a:ext uri="{FF2B5EF4-FFF2-40B4-BE49-F238E27FC236}">
+                <a16:creationId xmlns:a16="http://schemas.microsoft.com/office/drawing/2014/main" id="{6A420498-5BAF-4D16-916F-23F167ED4D39}"/>
+              </a:ext>
+            </a:extLst>
+          </p:cNvPr>
+          <p:cNvCxnSpPr>
+            <a:cxnSpLocks/>
+            <a:stCxn id="281" idx="3"/>
+            <a:endCxn id="351" idx="1"/>
+          </p:cNvCxnSpPr>
+          <p:nvPr/>
+        </p:nvCxnSpPr>
+        <p:spPr>
+          <a:xfrm flipV="1">
+            <a:off x="4161868" y="5338543"/>
+            <a:ext cx="3727050" cy="38441"/>
+          </a:xfrm>
+          <a:prstGeom prst="straightConnector1">
+            <a:avLst/>
+          </a:prstGeom>
+          <a:ln>
+            <a:tailEnd type="triangle"/>
+          </a:ln>
+        </p:spPr>
+        <p:style>
+          <a:lnRef idx="1">
+            <a:schemeClr val="accent1"/>
+          </a:lnRef>
+          <a:fillRef idx="0">
+            <a:schemeClr val="accent1"/>
+          </a:fillRef>
+          <a:effectRef idx="0">
+            <a:schemeClr val="accent1"/>
+          </a:effectRef>
+          <a:fontRef idx="minor">
+            <a:schemeClr val="tx1"/>
+          </a:fontRef>
+        </p:style>
+      </p:cxnSp>
+      <p:cxnSp>
+        <p:nvCxnSpPr>
+          <p:cNvPr id="372" name="Straight Arrow Connector 371">
+            <a:extLst>
+              <a:ext uri="{FF2B5EF4-FFF2-40B4-BE49-F238E27FC236}">
+                <a16:creationId xmlns:a16="http://schemas.microsoft.com/office/drawing/2014/main" id="{113ABF6A-6D0A-4E51-9C51-0DFDD4F60DF8}"/>
+              </a:ext>
+            </a:extLst>
+          </p:cNvPr>
+          <p:cNvCxnSpPr>
+            <a:stCxn id="280" idx="3"/>
+            <a:endCxn id="351" idx="1"/>
+          </p:cNvCxnSpPr>
+          <p:nvPr/>
+        </p:nvCxnSpPr>
+        <p:spPr>
+          <a:xfrm>
+            <a:off x="5502972" y="4897419"/>
+            <a:ext cx="2385946" cy="441124"/>
+          </a:xfrm>
+          <a:prstGeom prst="straightConnector1">
+            <a:avLst/>
+          </a:prstGeom>
+          <a:ln>
+            <a:tailEnd type="triangle"/>
+          </a:ln>
+        </p:spPr>
+        <p:style>
+          <a:lnRef idx="1">
+            <a:schemeClr val="accent1"/>
+          </a:lnRef>
+          <a:fillRef idx="0">
+            <a:schemeClr val="accent1"/>
+          </a:fillRef>
+          <a:effectRef idx="0">
+            <a:schemeClr val="accent1"/>
+          </a:effectRef>
+          <a:fontRef idx="minor">
+            <a:schemeClr val="tx1"/>
+          </a:fontRef>
+        </p:style>
+      </p:cxnSp>
+      <p:cxnSp>
+        <p:nvCxnSpPr>
+          <p:cNvPr id="374" name="Straight Arrow Connector 373">
+            <a:extLst>
+              <a:ext uri="{FF2B5EF4-FFF2-40B4-BE49-F238E27FC236}">
+                <a16:creationId xmlns:a16="http://schemas.microsoft.com/office/drawing/2014/main" id="{DB18CCF8-AAD3-436E-A047-3A04B3D3DE10}"/>
+              </a:ext>
+            </a:extLst>
+          </p:cNvPr>
+          <p:cNvCxnSpPr>
+            <a:stCxn id="282" idx="3"/>
+            <a:endCxn id="351" idx="1"/>
+          </p:cNvCxnSpPr>
+          <p:nvPr/>
+        </p:nvCxnSpPr>
+        <p:spPr>
+          <a:xfrm>
+            <a:off x="4749802" y="4895433"/>
+            <a:ext cx="3139116" cy="443110"/>
+          </a:xfrm>
+          <a:prstGeom prst="straightConnector1">
+            <a:avLst/>
+          </a:prstGeom>
+          <a:ln>
+            <a:tailEnd type="triangle"/>
+          </a:ln>
+        </p:spPr>
+        <p:style>
+          <a:lnRef idx="1">
+            <a:schemeClr val="accent1"/>
+          </a:lnRef>
+          <a:fillRef idx="0">
+            <a:schemeClr val="accent1"/>
+          </a:fillRef>
+          <a:effectRef idx="0">
+            <a:schemeClr val="accent1"/>
+          </a:effectRef>
+          <a:fontRef idx="minor">
+            <a:schemeClr val="tx1"/>
+          </a:fontRef>
+        </p:style>
+      </p:cxnSp>
+      <p:cxnSp>
+        <p:nvCxnSpPr>
+          <p:cNvPr id="376" name="Straight Arrow Connector 375">
+            <a:extLst>
+              <a:ext uri="{FF2B5EF4-FFF2-40B4-BE49-F238E27FC236}">
+                <a16:creationId xmlns:a16="http://schemas.microsoft.com/office/drawing/2014/main" id="{22DB04EB-D0DA-4545-BAA1-7C7156280D6C}"/>
+              </a:ext>
+            </a:extLst>
+          </p:cNvPr>
+          <p:cNvCxnSpPr>
+            <a:stCxn id="67" idx="2"/>
+            <a:endCxn id="351" idx="1"/>
+          </p:cNvCxnSpPr>
+          <p:nvPr/>
+        </p:nvCxnSpPr>
+        <p:spPr>
+          <a:xfrm>
+            <a:off x="6768479" y="1436453"/>
+            <a:ext cx="1120439" cy="3902090"/>
+          </a:xfrm>
+          <a:prstGeom prst="straightConnector1">
+            <a:avLst/>
+          </a:prstGeom>
+          <a:ln>
+            <a:tailEnd type="triangle"/>
+          </a:ln>
+        </p:spPr>
+        <p:style>
+          <a:lnRef idx="1">
+            <a:schemeClr val="accent1"/>
+          </a:lnRef>
+          <a:fillRef idx="0">
+            <a:schemeClr val="accent1"/>
+          </a:fillRef>
+          <a:effectRef idx="0">
+            <a:schemeClr val="accent1"/>
+          </a:effectRef>
+          <a:fontRef idx="minor">
+            <a:schemeClr val="tx1"/>
+          </a:fontRef>
+        </p:style>
+      </p:cxnSp>
+      <p:cxnSp>
+        <p:nvCxnSpPr>
+          <p:cNvPr id="378" name="Straight Arrow Connector 377">
+            <a:extLst>
+              <a:ext uri="{FF2B5EF4-FFF2-40B4-BE49-F238E27FC236}">
+                <a16:creationId xmlns:a16="http://schemas.microsoft.com/office/drawing/2014/main" id="{09918FF6-B1BD-431D-AC52-C1055EE8C530}"/>
+              </a:ext>
+            </a:extLst>
+          </p:cNvPr>
+          <p:cNvCxnSpPr>
+            <a:stCxn id="68" idx="2"/>
+            <a:endCxn id="351" idx="1"/>
+          </p:cNvCxnSpPr>
+          <p:nvPr/>
+        </p:nvCxnSpPr>
+        <p:spPr>
+          <a:xfrm>
+            <a:off x="7261823" y="1436453"/>
+            <a:ext cx="627095" cy="3902090"/>
+          </a:xfrm>
+          <a:prstGeom prst="straightConnector1">
+            <a:avLst/>
+          </a:prstGeom>
+          <a:ln>
+            <a:tailEnd type="triangle"/>
+          </a:ln>
+        </p:spPr>
+        <p:style>
+          <a:lnRef idx="1">
+            <a:schemeClr val="accent1"/>
+          </a:lnRef>
+          <a:fillRef idx="0">
+            <a:schemeClr val="accent1"/>
+          </a:fillRef>
+          <a:effectRef idx="0">
+            <a:schemeClr val="accent1"/>
+          </a:effectRef>
+          <a:fontRef idx="minor">
+            <a:schemeClr val="tx1"/>
+          </a:fontRef>
+        </p:style>
+      </p:cxnSp>
+      <p:cxnSp>
+        <p:nvCxnSpPr>
+          <p:cNvPr id="399" name="Straight Arrow Connector 398">
+            <a:extLst>
+              <a:ext uri="{FF2B5EF4-FFF2-40B4-BE49-F238E27FC236}">
+                <a16:creationId xmlns:a16="http://schemas.microsoft.com/office/drawing/2014/main" id="{DDB7A168-C4F4-4EB5-9B89-5258D0B6B17B}"/>
+              </a:ext>
+            </a:extLst>
+          </p:cNvPr>
+          <p:cNvCxnSpPr>
+            <a:cxnSpLocks/>
+            <a:stCxn id="350" idx="2"/>
+            <a:endCxn id="13" idx="0"/>
+          </p:cNvCxnSpPr>
+          <p:nvPr/>
+        </p:nvCxnSpPr>
+        <p:spPr>
+          <a:xfrm>
+            <a:off x="7045642" y="5779667"/>
+            <a:ext cx="2602643" cy="94899"/>
+          </a:xfrm>
+          <a:prstGeom prst="straightConnector1">
+            <a:avLst/>
+          </a:prstGeom>
+          <a:ln>
+            <a:tailEnd type="triangle"/>
+          </a:ln>
+        </p:spPr>
+        <p:style>
+          <a:lnRef idx="1">
+            <a:schemeClr val="dk1"/>
+          </a:lnRef>
+          <a:fillRef idx="0">
+            <a:schemeClr val="dk1"/>
+          </a:fillRef>
+          <a:effectRef idx="0">
+            <a:schemeClr val="dk1"/>
+          </a:effectRef>
+          <a:fontRef idx="minor">
+            <a:schemeClr val="tx1"/>
+          </a:fontRef>
+        </p:style>
+      </p:cxnSp>
+      <p:cxnSp>
+        <p:nvCxnSpPr>
+          <p:cNvPr id="401" name="Straight Arrow Connector 400">
+            <a:extLst>
+              <a:ext uri="{FF2B5EF4-FFF2-40B4-BE49-F238E27FC236}">
+                <a16:creationId xmlns:a16="http://schemas.microsoft.com/office/drawing/2014/main" id="{F5A03FE7-DB8D-4747-B0C0-49974E9CCF0B}"/>
+              </a:ext>
+            </a:extLst>
+          </p:cNvPr>
+          <p:cNvCxnSpPr>
+            <a:cxnSpLocks/>
+            <a:stCxn id="351" idx="2"/>
+            <a:endCxn id="13" idx="0"/>
+          </p:cNvCxnSpPr>
+          <p:nvPr/>
+        </p:nvCxnSpPr>
+        <p:spPr>
+          <a:xfrm>
+            <a:off x="8353950" y="5523209"/>
+            <a:ext cx="1294335" cy="351357"/>
+          </a:xfrm>
+          <a:prstGeom prst="straightConnector1">
+            <a:avLst/>
+          </a:prstGeom>
+          <a:ln>
+            <a:tailEnd type="triangle"/>
+          </a:ln>
+        </p:spPr>
+        <p:style>
+          <a:lnRef idx="1">
+            <a:schemeClr val="dk1"/>
+          </a:lnRef>
+          <a:fillRef idx="0">
+            <a:schemeClr val="dk1"/>
+          </a:fillRef>
+          <a:effectRef idx="0">
+            <a:schemeClr val="dk1"/>
+          </a:effectRef>
+          <a:fontRef idx="minor">
+            <a:schemeClr val="tx1"/>
+          </a:fontRef>
+        </p:style>
+      </p:cxnSp>
+      <p:cxnSp>
+        <p:nvCxnSpPr>
+          <p:cNvPr id="418" name="Straight Arrow Connector 417">
+            <a:extLst>
+              <a:ext uri="{FF2B5EF4-FFF2-40B4-BE49-F238E27FC236}">
+                <a16:creationId xmlns:a16="http://schemas.microsoft.com/office/drawing/2014/main" id="{35C92B05-B51B-4588-8C6B-9B076E4F624A}"/>
+              </a:ext>
+            </a:extLst>
+          </p:cNvPr>
+          <p:cNvCxnSpPr>
+            <a:stCxn id="8" idx="2"/>
+            <a:endCxn id="40" idx="0"/>
+          </p:cNvCxnSpPr>
+          <p:nvPr/>
+        </p:nvCxnSpPr>
+        <p:spPr>
+          <a:xfrm>
+            <a:off x="1313494" y="1649492"/>
+            <a:ext cx="6657" cy="2507277"/>
+          </a:xfrm>
+          <a:prstGeom prst="straightConnector1">
+            <a:avLst/>
+          </a:prstGeom>
+          <a:ln>
+            <a:tailEnd type="triangle"/>
+          </a:ln>
+        </p:spPr>
+        <p:style>
+          <a:lnRef idx="1">
+            <a:schemeClr val="dk1"/>
+          </a:lnRef>
+          <a:fillRef idx="0">
+            <a:schemeClr val="dk1"/>
+          </a:fillRef>
+          <a:effectRef idx="0">
+            <a:schemeClr val="dk1"/>
+          </a:effectRef>
+          <a:fontRef idx="minor">
+            <a:schemeClr val="tx1"/>
+          </a:fontRef>
+        </p:style>
+      </p:cxnSp>
+      <p:cxnSp>
+        <p:nvCxnSpPr>
+          <p:cNvPr id="420" name="Straight Arrow Connector 419">
+            <a:extLst>
+              <a:ext uri="{FF2B5EF4-FFF2-40B4-BE49-F238E27FC236}">
+                <a16:creationId xmlns:a16="http://schemas.microsoft.com/office/drawing/2014/main" id="{D7EBDFD1-D28C-4F04-B78C-63B71FF8D377}"/>
+              </a:ext>
+            </a:extLst>
+          </p:cNvPr>
+          <p:cNvCxnSpPr>
+            <a:stCxn id="40" idx="2"/>
+            <a:endCxn id="12" idx="0"/>
+          </p:cNvCxnSpPr>
+          <p:nvPr/>
+        </p:nvCxnSpPr>
+        <p:spPr>
+          <a:xfrm flipH="1">
+            <a:off x="1313494" y="4526101"/>
+            <a:ext cx="6657" cy="685979"/>
+          </a:xfrm>
+          <a:prstGeom prst="straightConnector1">
+            <a:avLst/>
+          </a:prstGeom>
+          <a:ln>
+            <a:tailEnd type="triangle"/>
+          </a:ln>
+        </p:spPr>
+        <p:style>
+          <a:lnRef idx="1">
+            <a:schemeClr val="dk1"/>
+          </a:lnRef>
+          <a:fillRef idx="0">
+            <a:schemeClr val="dk1"/>
+          </a:fillRef>
+          <a:effectRef idx="0">
+            <a:schemeClr val="dk1"/>
+          </a:effectRef>
+          <a:fontRef idx="minor">
+            <a:schemeClr val="tx1"/>
+          </a:fontRef>
+        </p:style>
+      </p:cxnSp>
+      <p:cxnSp>
+        <p:nvCxnSpPr>
+          <p:cNvPr id="422" name="Straight Arrow Connector 421">
+            <a:extLst>
+              <a:ext uri="{FF2B5EF4-FFF2-40B4-BE49-F238E27FC236}">
+                <a16:creationId xmlns:a16="http://schemas.microsoft.com/office/drawing/2014/main" id="{327578BA-F4F0-4575-8F7F-AF013FE669D7}"/>
+              </a:ext>
+            </a:extLst>
+          </p:cNvPr>
+          <p:cNvCxnSpPr>
+            <a:stCxn id="6" idx="2"/>
+            <a:endCxn id="17" idx="0"/>
+          </p:cNvCxnSpPr>
+          <p:nvPr/>
+        </p:nvCxnSpPr>
+        <p:spPr>
+          <a:xfrm>
+            <a:off x="1836278" y="2149414"/>
+            <a:ext cx="3519" cy="885098"/>
+          </a:xfrm>
+          <a:prstGeom prst="straightConnector1">
+            <a:avLst/>
+          </a:prstGeom>
+          <a:ln>
+            <a:tailEnd type="triangle"/>
+          </a:ln>
+        </p:spPr>
+        <p:style>
+          <a:lnRef idx="1">
+            <a:schemeClr val="dk1"/>
+          </a:lnRef>
+          <a:fillRef idx="0">
+            <a:schemeClr val="dk1"/>
+          </a:fillRef>
+          <a:effectRef idx="0">
+            <a:schemeClr val="dk1"/>
+          </a:effectRef>
+          <a:fontRef idx="minor">
+            <a:schemeClr val="tx1"/>
+          </a:fontRef>
+        </p:style>
+      </p:cxnSp>
+      <p:cxnSp>
+        <p:nvCxnSpPr>
+          <p:cNvPr id="424" name="Straight Arrow Connector 423">
+            <a:extLst>
+              <a:ext uri="{FF2B5EF4-FFF2-40B4-BE49-F238E27FC236}">
+                <a16:creationId xmlns:a16="http://schemas.microsoft.com/office/drawing/2014/main" id="{97249FC2-ADDC-4CB0-93F7-E77A427D6517}"/>
+              </a:ext>
+            </a:extLst>
+          </p:cNvPr>
+          <p:cNvCxnSpPr>
+            <a:stCxn id="17" idx="2"/>
+            <a:endCxn id="10" idx="0"/>
+          </p:cNvCxnSpPr>
+          <p:nvPr/>
+        </p:nvCxnSpPr>
+        <p:spPr>
+          <a:xfrm flipH="1">
+            <a:off x="1836278" y="3403844"/>
+            <a:ext cx="3519" cy="1808236"/>
+          </a:xfrm>
+          <a:prstGeom prst="straightConnector1">
+            <a:avLst/>
+          </a:prstGeom>
+          <a:ln>
+            <a:tailEnd type="triangle"/>
+          </a:ln>
+        </p:spPr>
+        <p:style>
+          <a:lnRef idx="1">
+            <a:schemeClr val="dk1"/>
+          </a:lnRef>
+          <a:fillRef idx="0">
+            <a:schemeClr val="dk1"/>
+          </a:fillRef>
+          <a:effectRef idx="0">
+            <a:schemeClr val="dk1"/>
+          </a:effectRef>
+          <a:fontRef idx="minor">
+            <a:schemeClr val="tx1"/>
+          </a:fontRef>
+        </p:style>
+      </p:cxnSp>
+      <p:cxnSp>
+        <p:nvCxnSpPr>
+          <p:cNvPr id="426" name="Straight Arrow Connector 425">
+            <a:extLst>
+              <a:ext uri="{FF2B5EF4-FFF2-40B4-BE49-F238E27FC236}">
+                <a16:creationId xmlns:a16="http://schemas.microsoft.com/office/drawing/2014/main" id="{920CB37F-3981-4237-8AC2-732DC5AE1837}"/>
+              </a:ext>
+            </a:extLst>
+          </p:cNvPr>
+          <p:cNvCxnSpPr>
+            <a:stCxn id="7" idx="2"/>
+            <a:endCxn id="50" idx="0"/>
+          </p:cNvCxnSpPr>
+          <p:nvPr/>
+        </p:nvCxnSpPr>
+        <p:spPr>
+          <a:xfrm flipH="1">
+            <a:off x="2369296" y="1649492"/>
+            <a:ext cx="11769" cy="1234054"/>
+          </a:xfrm>
+          <a:prstGeom prst="straightConnector1">
+            <a:avLst/>
+          </a:prstGeom>
+          <a:ln>
+            <a:tailEnd type="triangle"/>
+          </a:ln>
+        </p:spPr>
+        <p:style>
+          <a:lnRef idx="1">
+            <a:schemeClr val="dk1"/>
+          </a:lnRef>
+          <a:fillRef idx="0">
+            <a:schemeClr val="dk1"/>
+          </a:fillRef>
+          <a:effectRef idx="0">
+            <a:schemeClr val="dk1"/>
+          </a:effectRef>
+          <a:fontRef idx="minor">
+            <a:schemeClr val="tx1"/>
+          </a:fontRef>
+        </p:style>
+      </p:cxnSp>
+      <p:cxnSp>
+        <p:nvCxnSpPr>
+          <p:cNvPr id="428" name="Straight Arrow Connector 427">
+            <a:extLst>
+              <a:ext uri="{FF2B5EF4-FFF2-40B4-BE49-F238E27FC236}">
+                <a16:creationId xmlns:a16="http://schemas.microsoft.com/office/drawing/2014/main" id="{47E618EB-61A9-41D6-9500-250B324FF70B}"/>
+              </a:ext>
+            </a:extLst>
+          </p:cNvPr>
+          <p:cNvCxnSpPr>
+            <a:stCxn id="50" idx="2"/>
+            <a:endCxn id="11" idx="0"/>
+          </p:cNvCxnSpPr>
+          <p:nvPr/>
+        </p:nvCxnSpPr>
+        <p:spPr>
+          <a:xfrm>
+            <a:off x="2369296" y="3252878"/>
+            <a:ext cx="11769" cy="1959202"/>
+          </a:xfrm>
+          <a:prstGeom prst="straightConnector1">
+            <a:avLst/>
+          </a:prstGeom>
+          <a:ln>
+            <a:tailEnd type="triangle"/>
+          </a:ln>
+        </p:spPr>
+        <p:style>
+          <a:lnRef idx="1">
+            <a:schemeClr val="dk1"/>
+          </a:lnRef>
+          <a:fillRef idx="0">
+            <a:schemeClr val="dk1"/>
+          </a:fillRef>
+          <a:effectRef idx="0">
+            <a:schemeClr val="dk1"/>
+          </a:effectRef>
+          <a:fontRef idx="minor">
+            <a:schemeClr val="tx1"/>
+          </a:fontRef>
+        </p:style>
+      </p:cxnSp>
+      <p:cxnSp>
+        <p:nvCxnSpPr>
+          <p:cNvPr id="430" name="Straight Arrow Connector 429">
+            <a:extLst>
+              <a:ext uri="{FF2B5EF4-FFF2-40B4-BE49-F238E27FC236}">
+                <a16:creationId xmlns:a16="http://schemas.microsoft.com/office/drawing/2014/main" id="{986A9A8F-2577-49ED-9D2B-981CA46C03C5}"/>
+              </a:ext>
+            </a:extLst>
+          </p:cNvPr>
+          <p:cNvCxnSpPr>
+            <a:stCxn id="9" idx="2"/>
+            <a:endCxn id="57" idx="0"/>
+          </p:cNvCxnSpPr>
+          <p:nvPr/>
+        </p:nvCxnSpPr>
+        <p:spPr>
+          <a:xfrm>
+            <a:off x="2907315" y="1076290"/>
+            <a:ext cx="332266" cy="2782096"/>
+          </a:xfrm>
+          <a:prstGeom prst="straightConnector1">
+            <a:avLst/>
+          </a:prstGeom>
+          <a:ln>
+            <a:tailEnd type="triangle"/>
+          </a:ln>
+        </p:spPr>
+        <p:style>
+          <a:lnRef idx="1">
+            <a:schemeClr val="dk1"/>
+          </a:lnRef>
+          <a:fillRef idx="0">
+            <a:schemeClr val="dk1"/>
+          </a:fillRef>
+          <a:effectRef idx="0">
+            <a:schemeClr val="dk1"/>
+          </a:effectRef>
+          <a:fontRef idx="minor">
+            <a:schemeClr val="tx1"/>
+          </a:fontRef>
+        </p:style>
+      </p:cxnSp>
+      <p:sp>
+        <p:nvSpPr>
+          <p:cNvPr id="4" name="TextBox 3">
+            <a:extLst>
+              <a:ext uri="{FF2B5EF4-FFF2-40B4-BE49-F238E27FC236}">
+                <a16:creationId xmlns:a16="http://schemas.microsoft.com/office/drawing/2014/main" id="{361304F2-9528-4EAC-B217-6C30AEE5389E}"/>
+              </a:ext>
+            </a:extLst>
+          </p:cNvPr>
+          <p:cNvSpPr txBox="1"/>
+          <p:nvPr/>
+        </p:nvSpPr>
+        <p:spPr>
+          <a:xfrm>
+            <a:off x="762000" y="1280160"/>
+            <a:ext cx="324128" cy="369332"/>
+          </a:xfrm>
+          <a:prstGeom prst="rect">
+            <a:avLst/>
+          </a:prstGeom>
+          <a:noFill/>
+        </p:spPr>
+        <p:txBody>
+          <a:bodyPr wrap="square" rtlCol="0">
+            <a:spAutoFit/>
+          </a:bodyPr>
+          <a:lstStyle/>
+          <a:p>
+            <a:r>
+              <a:rPr lang="en-US" dirty="0">
+                <a:latin typeface="Cambria" panose="02040503050406030204" pitchFamily="18" charset="0"/>
+                <a:ea typeface="Cambria" panose="02040503050406030204" pitchFamily="18" charset="0"/>
+              </a:rPr>
+              <a:t>t:</a:t>
+            </a:r>
+          </a:p>
+        </p:txBody>
+      </p:sp>
+      <p:sp>
+        <p:nvSpPr>
+          <p:cNvPr id="5" name="TextBox 4">
+            <a:extLst>
+              <a:ext uri="{FF2B5EF4-FFF2-40B4-BE49-F238E27FC236}">
+                <a16:creationId xmlns:a16="http://schemas.microsoft.com/office/drawing/2014/main" id="{8323C445-6D3E-48B3-A938-C3C02B6DBB3D}"/>
+              </a:ext>
+            </a:extLst>
+          </p:cNvPr>
+          <p:cNvSpPr txBox="1"/>
+          <p:nvPr/>
+        </p:nvSpPr>
+        <p:spPr>
+          <a:xfrm>
+            <a:off x="530865" y="5212080"/>
+            <a:ext cx="668773" cy="369332"/>
+          </a:xfrm>
+          <a:prstGeom prst="rect">
+            <a:avLst/>
+          </a:prstGeom>
+          <a:noFill/>
+        </p:spPr>
+        <p:txBody>
+          <a:bodyPr wrap="none" rtlCol="0">
+            <a:spAutoFit/>
+          </a:bodyPr>
+          <a:lstStyle/>
+          <a:p>
+            <a:r>
+              <a:rPr lang="en-US" dirty="0" err="1">
+                <a:latin typeface="Cambria" panose="02040503050406030204" pitchFamily="18" charset="0"/>
+                <a:ea typeface="Cambria" panose="02040503050406030204" pitchFamily="18" charset="0"/>
+              </a:rPr>
+              <a:t>t+Δt</a:t>
+            </a:r>
+            <a:r>
+              <a:rPr lang="en-US" dirty="0">
+                <a:latin typeface="Cambria" panose="02040503050406030204" pitchFamily="18" charset="0"/>
+                <a:ea typeface="Cambria" panose="02040503050406030204" pitchFamily="18" charset="0"/>
+              </a:rPr>
+              <a:t>:</a:t>
+            </a:r>
+          </a:p>
+        </p:txBody>
+      </p:sp>
+      <p:sp>
+        <p:nvSpPr>
+          <p:cNvPr id="6" name="Rectangle 5">
+            <a:extLst>
+              <a:ext uri="{FF2B5EF4-FFF2-40B4-BE49-F238E27FC236}">
+                <a16:creationId xmlns:a16="http://schemas.microsoft.com/office/drawing/2014/main" id="{47AFF572-8B97-4744-AA8B-F2E10A7E9C03}"/>
+              </a:ext>
+            </a:extLst>
+          </p:cNvPr>
+          <p:cNvSpPr/>
+          <p:nvPr/>
+        </p:nvSpPr>
+        <p:spPr>
+          <a:xfrm>
+            <a:off x="1682229" y="1780082"/>
+            <a:ext cx="308098" cy="369332"/>
+          </a:xfrm>
+          <a:prstGeom prst="rect">
+            <a:avLst/>
+          </a:prstGeom>
+        </p:spPr>
+        <p:txBody>
+          <a:bodyPr wrap="none">
+            <a:spAutoFit/>
+          </a:bodyPr>
+          <a:lstStyle/>
+          <a:p>
+            <a:r>
+              <a:rPr lang="en-US" i="1" dirty="0">
+                <a:latin typeface="Cambria" panose="02040503050406030204" pitchFamily="18" charset="0"/>
+                <a:ea typeface="Cambria" panose="02040503050406030204" pitchFamily="18" charset="0"/>
+              </a:rPr>
+              <a:t>ρ</a:t>
+            </a:r>
+          </a:p>
+        </p:txBody>
+      </p:sp>
+      <p:sp>
+        <p:nvSpPr>
+          <p:cNvPr id="7" name="TextBox 6">
+            <a:extLst>
+              <a:ext uri="{FF2B5EF4-FFF2-40B4-BE49-F238E27FC236}">
+                <a16:creationId xmlns:a16="http://schemas.microsoft.com/office/drawing/2014/main" id="{612F9474-D40A-4560-89E1-AF62BCD2BD8F}"/>
+              </a:ext>
+            </a:extLst>
+          </p:cNvPr>
+          <p:cNvSpPr txBox="1"/>
+          <p:nvPr/>
+        </p:nvSpPr>
+        <p:spPr>
+          <a:xfrm>
+            <a:off x="2231024" y="1280160"/>
+            <a:ext cx="300082" cy="369332"/>
+          </a:xfrm>
+          <a:prstGeom prst="rect">
+            <a:avLst/>
+          </a:prstGeom>
+          <a:noFill/>
+        </p:spPr>
+        <p:txBody>
+          <a:bodyPr wrap="none" rtlCol="0">
+            <a:spAutoFit/>
+          </a:bodyPr>
+          <a:lstStyle/>
+          <a:p>
+            <a:r>
+              <a:rPr lang="en-US" b="1" i="1" dirty="0">
+                <a:latin typeface="Cambria" panose="02040503050406030204" pitchFamily="18" charset="0"/>
+                <a:ea typeface="Cambria" panose="02040503050406030204" pitchFamily="18" charset="0"/>
+              </a:rPr>
+              <a:t>v</a:t>
+            </a:r>
+          </a:p>
+        </p:txBody>
+      </p:sp>
+      <p:sp>
+        <p:nvSpPr>
+          <p:cNvPr id="8" name="TextBox 7">
+            <a:extLst>
+              <a:ext uri="{FF2B5EF4-FFF2-40B4-BE49-F238E27FC236}">
+                <a16:creationId xmlns:a16="http://schemas.microsoft.com/office/drawing/2014/main" id="{952782EA-CAD7-44CF-A4DE-D4F2B32872DF}"/>
+              </a:ext>
+            </a:extLst>
+          </p:cNvPr>
+          <p:cNvSpPr txBox="1"/>
+          <p:nvPr/>
+        </p:nvSpPr>
+        <p:spPr>
+          <a:xfrm>
+            <a:off x="1165056" y="1280160"/>
+            <a:ext cx="296876" cy="369332"/>
+          </a:xfrm>
+          <a:prstGeom prst="rect">
+            <a:avLst/>
+          </a:prstGeom>
+          <a:noFill/>
+        </p:spPr>
+        <p:txBody>
+          <a:bodyPr wrap="none" rtlCol="0">
+            <a:spAutoFit/>
+          </a:bodyPr>
+          <a:lstStyle/>
+          <a:p>
+            <a:r>
+              <a:rPr lang="en-US" b="1" i="1" dirty="0">
+                <a:latin typeface="Cambria" panose="02040503050406030204" pitchFamily="18" charset="0"/>
+                <a:ea typeface="Cambria" panose="02040503050406030204" pitchFamily="18" charset="0"/>
+              </a:rPr>
+              <a:t>x</a:t>
+            </a:r>
+          </a:p>
+        </p:txBody>
+      </p:sp>
+      <p:sp>
+        <p:nvSpPr>
+          <p:cNvPr id="9" name="TextBox 8">
+            <a:extLst>
+              <a:ext uri="{FF2B5EF4-FFF2-40B4-BE49-F238E27FC236}">
+                <a16:creationId xmlns:a16="http://schemas.microsoft.com/office/drawing/2014/main" id="{76AECF90-1AD6-46D4-9227-2DDC9AA59E96}"/>
+              </a:ext>
+            </a:extLst>
+          </p:cNvPr>
+          <p:cNvSpPr txBox="1"/>
+          <p:nvPr/>
+        </p:nvSpPr>
+        <p:spPr>
+          <a:xfrm>
+            <a:off x="2744450" y="706958"/>
+            <a:ext cx="325730" cy="369332"/>
+          </a:xfrm>
+          <a:prstGeom prst="rect">
+            <a:avLst/>
+          </a:prstGeom>
+          <a:noFill/>
+        </p:spPr>
+        <p:txBody>
+          <a:bodyPr wrap="none" rtlCol="0">
+            <a:spAutoFit/>
+          </a:bodyPr>
+          <a:lstStyle/>
+          <a:p>
+            <a:r>
+              <a:rPr lang="en-US" b="1" i="1" dirty="0">
+                <a:latin typeface="Cambria" panose="02040503050406030204" pitchFamily="18" charset="0"/>
+                <a:ea typeface="Cambria" panose="02040503050406030204" pitchFamily="18" charset="0"/>
+              </a:rPr>
+              <a:t>σ</a:t>
+            </a:r>
+          </a:p>
+        </p:txBody>
+      </p:sp>
+      <p:sp>
+        <p:nvSpPr>
+          <p:cNvPr id="10" name="Rectangle 9">
+            <a:extLst>
+              <a:ext uri="{FF2B5EF4-FFF2-40B4-BE49-F238E27FC236}">
+                <a16:creationId xmlns:a16="http://schemas.microsoft.com/office/drawing/2014/main" id="{5EDC0ADF-29CF-4B81-81A9-BAB39C7F752D}"/>
+              </a:ext>
+            </a:extLst>
+          </p:cNvPr>
+          <p:cNvSpPr/>
+          <p:nvPr/>
+        </p:nvSpPr>
+        <p:spPr>
+          <a:xfrm>
+            <a:off x="1682229" y="5212080"/>
+            <a:ext cx="308098" cy="369332"/>
+          </a:xfrm>
+          <a:prstGeom prst="rect">
+            <a:avLst/>
+          </a:prstGeom>
+        </p:spPr>
+        <p:txBody>
+          <a:bodyPr wrap="none">
+            <a:spAutoFit/>
+          </a:bodyPr>
+          <a:lstStyle/>
+          <a:p>
+            <a:r>
+              <a:rPr lang="en-US" i="1" dirty="0">
+                <a:latin typeface="Cambria" panose="02040503050406030204" pitchFamily="18" charset="0"/>
+                <a:ea typeface="Cambria" panose="02040503050406030204" pitchFamily="18" charset="0"/>
+              </a:rPr>
+              <a:t>ρ</a:t>
+            </a:r>
+          </a:p>
+        </p:txBody>
+      </p:sp>
+      <p:sp>
+        <p:nvSpPr>
+          <p:cNvPr id="11" name="TextBox 10">
+            <a:extLst>
+              <a:ext uri="{FF2B5EF4-FFF2-40B4-BE49-F238E27FC236}">
+                <a16:creationId xmlns:a16="http://schemas.microsoft.com/office/drawing/2014/main" id="{C07782D2-CB12-407B-9946-2B78202BDCEC}"/>
+              </a:ext>
+            </a:extLst>
+          </p:cNvPr>
+          <p:cNvSpPr txBox="1"/>
+          <p:nvPr/>
+        </p:nvSpPr>
+        <p:spPr>
+          <a:xfrm>
+            <a:off x="2231024" y="5212080"/>
+            <a:ext cx="300082" cy="369332"/>
+          </a:xfrm>
+          <a:prstGeom prst="rect">
+            <a:avLst/>
+          </a:prstGeom>
+          <a:noFill/>
+        </p:spPr>
+        <p:txBody>
+          <a:bodyPr wrap="none" rtlCol="0">
+            <a:spAutoFit/>
+          </a:bodyPr>
+          <a:lstStyle/>
+          <a:p>
+            <a:r>
+              <a:rPr lang="en-US" b="1" i="1" dirty="0">
+                <a:latin typeface="Cambria" panose="02040503050406030204" pitchFamily="18" charset="0"/>
+                <a:ea typeface="Cambria" panose="02040503050406030204" pitchFamily="18" charset="0"/>
+              </a:rPr>
+              <a:t>v</a:t>
+            </a:r>
+          </a:p>
+        </p:txBody>
+      </p:sp>
+      <p:sp>
+        <p:nvSpPr>
+          <p:cNvPr id="12" name="TextBox 11">
+            <a:extLst>
+              <a:ext uri="{FF2B5EF4-FFF2-40B4-BE49-F238E27FC236}">
+                <a16:creationId xmlns:a16="http://schemas.microsoft.com/office/drawing/2014/main" id="{0D1AB1A4-DBE1-4435-A268-024D14A38A32}"/>
+              </a:ext>
+            </a:extLst>
+          </p:cNvPr>
+          <p:cNvSpPr txBox="1"/>
+          <p:nvPr/>
+        </p:nvSpPr>
+        <p:spPr>
+          <a:xfrm>
+            <a:off x="1165056" y="5212080"/>
+            <a:ext cx="296876" cy="369332"/>
+          </a:xfrm>
+          <a:prstGeom prst="rect">
+            <a:avLst/>
+          </a:prstGeom>
+          <a:noFill/>
+        </p:spPr>
+        <p:txBody>
+          <a:bodyPr wrap="none" rtlCol="0">
+            <a:spAutoFit/>
+          </a:bodyPr>
+          <a:lstStyle/>
+          <a:p>
+            <a:r>
+              <a:rPr lang="en-US" b="1" i="1" dirty="0">
+                <a:latin typeface="Cambria" panose="02040503050406030204" pitchFamily="18" charset="0"/>
+                <a:ea typeface="Cambria" panose="02040503050406030204" pitchFamily="18" charset="0"/>
+              </a:rPr>
+              <a:t>x</a:t>
+            </a:r>
+          </a:p>
+        </p:txBody>
+      </p:sp>
+      <p:sp>
+        <p:nvSpPr>
+          <p:cNvPr id="13" name="TextBox 12">
+            <a:extLst>
+              <a:ext uri="{FF2B5EF4-FFF2-40B4-BE49-F238E27FC236}">
+                <a16:creationId xmlns:a16="http://schemas.microsoft.com/office/drawing/2014/main" id="{45004BAD-378B-44E6-AC11-E2DF61ABB302}"/>
+              </a:ext>
+            </a:extLst>
+          </p:cNvPr>
+          <p:cNvSpPr txBox="1"/>
+          <p:nvPr/>
+        </p:nvSpPr>
+        <p:spPr>
+          <a:xfrm>
+            <a:off x="9485420" y="5874566"/>
+            <a:ext cx="325730" cy="369332"/>
+          </a:xfrm>
+          <a:prstGeom prst="rect">
+            <a:avLst/>
+          </a:prstGeom>
+          <a:noFill/>
+        </p:spPr>
+        <p:txBody>
+          <a:bodyPr wrap="none" rtlCol="0">
+            <a:spAutoFit/>
+          </a:bodyPr>
+          <a:lstStyle/>
+          <a:p>
+            <a:r>
+              <a:rPr lang="en-US" b="1" i="1" dirty="0">
+                <a:latin typeface="Cambria" panose="02040503050406030204" pitchFamily="18" charset="0"/>
+                <a:ea typeface="Cambria" panose="02040503050406030204" pitchFamily="18" charset="0"/>
+              </a:rPr>
+              <a:t>σ</a:t>
+            </a:r>
+          </a:p>
+        </p:txBody>
+      </p:sp>
+      <p:sp>
+        <p:nvSpPr>
+          <p:cNvPr id="17" name="Rectangle 16">
+            <a:extLst>
+              <a:ext uri="{FF2B5EF4-FFF2-40B4-BE49-F238E27FC236}">
+                <a16:creationId xmlns:a16="http://schemas.microsoft.com/office/drawing/2014/main" id="{C06B339A-6963-4638-91CD-3DA73D07CE54}"/>
+              </a:ext>
+            </a:extLst>
+          </p:cNvPr>
+          <p:cNvSpPr/>
+          <p:nvPr/>
+        </p:nvSpPr>
+        <p:spPr>
+          <a:xfrm>
+            <a:off x="1622430" y="3034512"/>
+            <a:ext cx="434734" cy="369332"/>
+          </a:xfrm>
+          <a:prstGeom prst="rect">
+            <a:avLst/>
+          </a:prstGeom>
+        </p:spPr>
+        <p:txBody>
+          <a:bodyPr wrap="none">
+            <a:spAutoFit/>
+          </a:bodyPr>
+          <a:lstStyle/>
+          <a:p>
+            <a:r>
+              <a:rPr lang="en-US" dirty="0" err="1">
+                <a:latin typeface="Cambria" panose="02040503050406030204" pitchFamily="18" charset="0"/>
+                <a:ea typeface="Cambria" panose="02040503050406030204" pitchFamily="18" charset="0"/>
+              </a:rPr>
+              <a:t>d</a:t>
+            </a:r>
+            <a:r>
+              <a:rPr lang="en-US" i="1" dirty="0" err="1">
+                <a:latin typeface="Cambria" panose="02040503050406030204" pitchFamily="18" charset="0"/>
+                <a:ea typeface="Cambria" panose="02040503050406030204" pitchFamily="18" charset="0"/>
+              </a:rPr>
+              <a:t>ρ</a:t>
+            </a:r>
+            <a:endParaRPr lang="en-US" i="1" dirty="0">
+              <a:latin typeface="Cambria" panose="02040503050406030204" pitchFamily="18" charset="0"/>
+              <a:ea typeface="Cambria" panose="02040503050406030204" pitchFamily="18" charset="0"/>
+            </a:endParaRPr>
+          </a:p>
+        </p:txBody>
+      </p:sp>
+      <p:sp>
+        <p:nvSpPr>
+          <p:cNvPr id="40" name="Rectangle 39">
+            <a:extLst>
+              <a:ext uri="{FF2B5EF4-FFF2-40B4-BE49-F238E27FC236}">
+                <a16:creationId xmlns:a16="http://schemas.microsoft.com/office/drawing/2014/main" id="{23E5F68C-F824-49EB-B470-25B7DE19FE8C}"/>
+              </a:ext>
+            </a:extLst>
+          </p:cNvPr>
+          <p:cNvSpPr/>
+          <p:nvPr/>
+        </p:nvSpPr>
+        <p:spPr>
+          <a:xfrm>
+            <a:off x="1107593" y="4156769"/>
+            <a:ext cx="425116" cy="369332"/>
+          </a:xfrm>
+          <a:prstGeom prst="rect">
+            <a:avLst/>
+          </a:prstGeom>
+        </p:spPr>
+        <p:txBody>
+          <a:bodyPr wrap="none">
+            <a:spAutoFit/>
+          </a:bodyPr>
+          <a:lstStyle/>
+          <a:p>
+            <a:r>
+              <a:rPr lang="en-US" dirty="0">
+                <a:latin typeface="Cambria" panose="02040503050406030204" pitchFamily="18" charset="0"/>
+                <a:ea typeface="Cambria" panose="02040503050406030204" pitchFamily="18" charset="0"/>
+              </a:rPr>
+              <a:t>d</a:t>
+            </a:r>
+            <a:r>
+              <a:rPr lang="en-US" b="1" i="1" dirty="0">
+                <a:latin typeface="Cambria" panose="02040503050406030204" pitchFamily="18" charset="0"/>
+                <a:ea typeface="Cambria" panose="02040503050406030204" pitchFamily="18" charset="0"/>
+              </a:rPr>
+              <a:t>x</a:t>
+            </a:r>
+          </a:p>
+        </p:txBody>
+      </p:sp>
+      <p:sp>
+        <p:nvSpPr>
+          <p:cNvPr id="50" name="Rectangle 49">
+            <a:extLst>
+              <a:ext uri="{FF2B5EF4-FFF2-40B4-BE49-F238E27FC236}">
+                <a16:creationId xmlns:a16="http://schemas.microsoft.com/office/drawing/2014/main" id="{6447A191-067B-4901-9814-1BC5855D180B}"/>
+              </a:ext>
+            </a:extLst>
+          </p:cNvPr>
+          <p:cNvSpPr/>
+          <p:nvPr/>
+        </p:nvSpPr>
+        <p:spPr>
+          <a:xfrm>
+            <a:off x="2155135" y="2883546"/>
+            <a:ext cx="428322" cy="369332"/>
+          </a:xfrm>
+          <a:prstGeom prst="rect">
+            <a:avLst/>
+          </a:prstGeom>
+        </p:spPr>
+        <p:txBody>
+          <a:bodyPr wrap="none">
+            <a:spAutoFit/>
+          </a:bodyPr>
+          <a:lstStyle/>
+          <a:p>
+            <a:r>
+              <a:rPr lang="en-US" dirty="0">
+                <a:latin typeface="Cambria" panose="02040503050406030204" pitchFamily="18" charset="0"/>
+                <a:ea typeface="Cambria" panose="02040503050406030204" pitchFamily="18" charset="0"/>
+              </a:rPr>
+              <a:t>d</a:t>
+            </a:r>
+            <a:r>
+              <a:rPr lang="en-US" b="1" i="1" dirty="0">
+                <a:latin typeface="Cambria" panose="02040503050406030204" pitchFamily="18" charset="0"/>
+                <a:ea typeface="Cambria" panose="02040503050406030204" pitchFamily="18" charset="0"/>
+              </a:rPr>
+              <a:t>v</a:t>
+            </a:r>
+          </a:p>
+        </p:txBody>
+      </p:sp>
+      <p:sp>
+        <p:nvSpPr>
+          <p:cNvPr id="57" name="Rectangle 56">
+            <a:extLst>
+              <a:ext uri="{FF2B5EF4-FFF2-40B4-BE49-F238E27FC236}">
+                <a16:creationId xmlns:a16="http://schemas.microsoft.com/office/drawing/2014/main" id="{403B6D03-93D3-44B0-9CEF-F1D3B20B3741}"/>
+              </a:ext>
+            </a:extLst>
+          </p:cNvPr>
+          <p:cNvSpPr/>
+          <p:nvPr/>
+        </p:nvSpPr>
+        <p:spPr>
+          <a:xfrm>
+            <a:off x="2978131" y="3858386"/>
+            <a:ext cx="522900" cy="369332"/>
+          </a:xfrm>
+          <a:prstGeom prst="rect">
+            <a:avLst/>
+          </a:prstGeom>
+        </p:spPr>
+        <p:txBody>
+          <a:bodyPr wrap="none">
+            <a:spAutoFit/>
+          </a:bodyPr>
+          <a:lstStyle/>
+          <a:p>
+            <a:r>
+              <a:rPr lang="en-US" dirty="0">
+                <a:latin typeface="Cambria" panose="02040503050406030204" pitchFamily="18" charset="0"/>
+                <a:ea typeface="Cambria" panose="02040503050406030204" pitchFamily="18" charset="0"/>
+              </a:rPr>
+              <a:t>d</a:t>
+            </a:r>
+            <a:r>
+              <a:rPr lang="en-US" b="1" i="1" dirty="0">
+                <a:latin typeface="Cambria" panose="02040503050406030204" pitchFamily="18" charset="0"/>
+                <a:ea typeface="Cambria" panose="02040503050406030204" pitchFamily="18" charset="0"/>
+              </a:rPr>
+              <a:t>f </a:t>
+            </a:r>
+            <a:r>
+              <a:rPr lang="en-US" i="1" baseline="30000" dirty="0">
+                <a:latin typeface="Cambria" panose="02040503050406030204" pitchFamily="18" charset="0"/>
+                <a:ea typeface="Cambria" panose="02040503050406030204" pitchFamily="18" charset="0"/>
+              </a:rPr>
+              <a:t>σ</a:t>
+            </a:r>
+          </a:p>
+        </p:txBody>
+      </p:sp>
+      <p:sp>
+        <p:nvSpPr>
+          <p:cNvPr id="62" name="Rectangle 61">
+            <a:extLst>
+              <a:ext uri="{FF2B5EF4-FFF2-40B4-BE49-F238E27FC236}">
+                <a16:creationId xmlns:a16="http://schemas.microsoft.com/office/drawing/2014/main" id="{85990D99-B2AF-4E9B-A4DE-0484908A50F8}"/>
+              </a:ext>
+            </a:extLst>
+          </p:cNvPr>
+          <p:cNvSpPr/>
+          <p:nvPr/>
+        </p:nvSpPr>
+        <p:spPr>
+          <a:xfrm>
+            <a:off x="7129037" y="440104"/>
+            <a:ext cx="284052" cy="369332"/>
+          </a:xfrm>
+          <a:prstGeom prst="rect">
+            <a:avLst/>
+          </a:prstGeom>
+        </p:spPr>
+        <p:txBody>
+          <a:bodyPr wrap="none">
+            <a:spAutoFit/>
+          </a:bodyPr>
+          <a:lstStyle/>
+          <a:p>
+            <a:r>
+              <a:rPr lang="en-US" i="1" dirty="0">
+                <a:latin typeface="Cambria" panose="02040503050406030204" pitchFamily="18" charset="0"/>
+                <a:ea typeface="Cambria" panose="02040503050406030204" pitchFamily="18" charset="0"/>
+              </a:rPr>
+              <a:t>c</a:t>
+            </a:r>
+          </a:p>
+        </p:txBody>
+      </p:sp>
+      <p:sp>
+        <p:nvSpPr>
+          <p:cNvPr id="63" name="Rectangle 62">
+            <a:extLst>
+              <a:ext uri="{FF2B5EF4-FFF2-40B4-BE49-F238E27FC236}">
+                <a16:creationId xmlns:a16="http://schemas.microsoft.com/office/drawing/2014/main" id="{9CFAA789-4383-4070-B052-F5DD9B2C0224}"/>
+              </a:ext>
+            </a:extLst>
+          </p:cNvPr>
+          <p:cNvSpPr/>
+          <p:nvPr/>
+        </p:nvSpPr>
+        <p:spPr>
+          <a:xfrm>
+            <a:off x="6703882" y="440104"/>
+            <a:ext cx="341760" cy="369332"/>
+          </a:xfrm>
+          <a:prstGeom prst="rect">
+            <a:avLst/>
+          </a:prstGeom>
+        </p:spPr>
+        <p:txBody>
+          <a:bodyPr wrap="none">
+            <a:spAutoFit/>
+          </a:bodyPr>
+          <a:lstStyle/>
+          <a:p>
+            <a:r>
+              <a:rPr lang="en-US" i="1" dirty="0">
+                <a:latin typeface="Cambria" panose="02040503050406030204" pitchFamily="18" charset="0"/>
+                <a:ea typeface="Cambria" panose="02040503050406030204" pitchFamily="18" charset="0"/>
+              </a:rPr>
+              <a:t>φ</a:t>
+            </a:r>
+          </a:p>
+        </p:txBody>
+      </p:sp>
+      <p:sp>
+        <p:nvSpPr>
+          <p:cNvPr id="64" name="Rectangle 63">
+            <a:extLst>
+              <a:ext uri="{FF2B5EF4-FFF2-40B4-BE49-F238E27FC236}">
+                <a16:creationId xmlns:a16="http://schemas.microsoft.com/office/drawing/2014/main" id="{9FAE4990-ACC4-4F6B-8366-38D85AF8A82D}"/>
+              </a:ext>
+            </a:extLst>
+          </p:cNvPr>
+          <p:cNvSpPr/>
+          <p:nvPr/>
+        </p:nvSpPr>
+        <p:spPr>
+          <a:xfrm>
+            <a:off x="7902249" y="440104"/>
+            <a:ext cx="316112" cy="369332"/>
+          </a:xfrm>
+          <a:prstGeom prst="rect">
+            <a:avLst/>
+          </a:prstGeom>
+        </p:spPr>
+        <p:txBody>
+          <a:bodyPr wrap="none">
+            <a:spAutoFit/>
+          </a:bodyPr>
+          <a:lstStyle/>
+          <a:p>
+            <a:r>
+              <a:rPr lang="en-US" i="1" dirty="0">
+                <a:latin typeface="Cambria" panose="02040503050406030204" pitchFamily="18" charset="0"/>
+                <a:ea typeface="Cambria" panose="02040503050406030204" pitchFamily="18" charset="0"/>
+              </a:rPr>
+              <a:t>E</a:t>
+            </a:r>
+          </a:p>
+        </p:txBody>
+      </p:sp>
+      <p:sp>
+        <p:nvSpPr>
+          <p:cNvPr id="65" name="Rectangle 64">
+            <a:extLst>
+              <a:ext uri="{FF2B5EF4-FFF2-40B4-BE49-F238E27FC236}">
+                <a16:creationId xmlns:a16="http://schemas.microsoft.com/office/drawing/2014/main" id="{FF5BB0A9-0603-419F-ABE7-C2B18BB17426}"/>
+              </a:ext>
+            </a:extLst>
+          </p:cNvPr>
+          <p:cNvSpPr/>
+          <p:nvPr/>
+        </p:nvSpPr>
+        <p:spPr>
+          <a:xfrm>
+            <a:off x="8305954" y="440104"/>
+            <a:ext cx="295274" cy="369332"/>
+          </a:xfrm>
+          <a:prstGeom prst="rect">
+            <a:avLst/>
+          </a:prstGeom>
+        </p:spPr>
+        <p:txBody>
+          <a:bodyPr wrap="none">
+            <a:spAutoFit/>
+          </a:bodyPr>
+          <a:lstStyle/>
+          <a:p>
+            <a:r>
+              <a:rPr lang="en-US" i="1" dirty="0">
+                <a:latin typeface="Cambria" panose="02040503050406030204" pitchFamily="18" charset="0"/>
+                <a:ea typeface="Cambria" panose="02040503050406030204" pitchFamily="18" charset="0"/>
+              </a:rPr>
+              <a:t>ν</a:t>
+            </a:r>
+          </a:p>
+        </p:txBody>
+      </p:sp>
+      <p:sp>
+        <p:nvSpPr>
+          <p:cNvPr id="66" name="Rectangle 65">
+            <a:extLst>
+              <a:ext uri="{FF2B5EF4-FFF2-40B4-BE49-F238E27FC236}">
+                <a16:creationId xmlns:a16="http://schemas.microsoft.com/office/drawing/2014/main" id="{0C7F6B90-0003-4BCE-9339-418928E1B0B7}"/>
+              </a:ext>
+            </a:extLst>
+          </p:cNvPr>
+          <p:cNvSpPr/>
+          <p:nvPr/>
+        </p:nvSpPr>
+        <p:spPr>
+          <a:xfrm>
+            <a:off x="8750885" y="1074043"/>
+            <a:ext cx="340158" cy="369332"/>
+          </a:xfrm>
+          <a:prstGeom prst="rect">
+            <a:avLst/>
+          </a:prstGeom>
+        </p:spPr>
+        <p:txBody>
+          <a:bodyPr wrap="none">
+            <a:spAutoFit/>
+          </a:bodyPr>
+          <a:lstStyle/>
+          <a:p>
+            <a:r>
+              <a:rPr lang="en-US" i="1" dirty="0">
+                <a:latin typeface="Cambria" panose="02040503050406030204" pitchFamily="18" charset="0"/>
+                <a:ea typeface="Cambria" panose="02040503050406030204" pitchFamily="18" charset="0"/>
+              </a:rPr>
+              <a:t>ψ</a:t>
+            </a:r>
+          </a:p>
+        </p:txBody>
+      </p:sp>
+      <p:sp>
+        <p:nvSpPr>
+          <p:cNvPr id="67" name="Rectangle 66">
+            <a:extLst>
+              <a:ext uri="{FF2B5EF4-FFF2-40B4-BE49-F238E27FC236}">
+                <a16:creationId xmlns:a16="http://schemas.microsoft.com/office/drawing/2014/main" id="{F6C2F8EF-4E14-45ED-BA20-306F8246DB42}"/>
+              </a:ext>
+            </a:extLst>
+          </p:cNvPr>
+          <p:cNvSpPr/>
+          <p:nvPr/>
+        </p:nvSpPr>
+        <p:spPr>
+          <a:xfrm>
+            <a:off x="6559800" y="1067121"/>
+            <a:ext cx="417358" cy="369332"/>
+          </a:xfrm>
+          <a:prstGeom prst="rect">
+            <a:avLst/>
+          </a:prstGeom>
+        </p:spPr>
+        <p:txBody>
+          <a:bodyPr wrap="none">
+            <a:spAutoFit/>
+          </a:bodyPr>
+          <a:lstStyle/>
+          <a:p>
+            <a:r>
+              <a:rPr lang="en-US" i="1" dirty="0">
+                <a:latin typeface="Cambria" panose="02040503050406030204" pitchFamily="18" charset="0"/>
+                <a:ea typeface="Cambria" panose="02040503050406030204" pitchFamily="18" charset="0"/>
+              </a:rPr>
+              <a:t>α</a:t>
+            </a:r>
+            <a:r>
+              <a:rPr lang="en-US" i="1" baseline="-25000" dirty="0">
+                <a:latin typeface="Cambria" panose="02040503050406030204" pitchFamily="18" charset="0"/>
+                <a:ea typeface="Cambria" panose="02040503050406030204" pitchFamily="18" charset="0"/>
+              </a:rPr>
+              <a:t>φ</a:t>
+            </a:r>
+          </a:p>
+        </p:txBody>
+      </p:sp>
+      <p:sp>
+        <p:nvSpPr>
+          <p:cNvPr id="68" name="Rectangle 67">
+            <a:extLst>
+              <a:ext uri="{FF2B5EF4-FFF2-40B4-BE49-F238E27FC236}">
+                <a16:creationId xmlns:a16="http://schemas.microsoft.com/office/drawing/2014/main" id="{3564A030-5FA3-4CFA-9549-522DA51221DC}"/>
+              </a:ext>
+            </a:extLst>
+          </p:cNvPr>
+          <p:cNvSpPr/>
+          <p:nvPr/>
+        </p:nvSpPr>
+        <p:spPr>
+          <a:xfrm>
+            <a:off x="7079753" y="1067121"/>
+            <a:ext cx="364139" cy="369332"/>
+          </a:xfrm>
+          <a:prstGeom prst="rect">
+            <a:avLst/>
+          </a:prstGeom>
+        </p:spPr>
+        <p:txBody>
+          <a:bodyPr wrap="none">
+            <a:spAutoFit/>
+          </a:bodyPr>
+          <a:lstStyle/>
+          <a:p>
+            <a:r>
+              <a:rPr lang="en-US" i="1" dirty="0">
+                <a:latin typeface="Cambria" panose="02040503050406030204" pitchFamily="18" charset="0"/>
+                <a:ea typeface="Cambria" panose="02040503050406030204" pitchFamily="18" charset="0"/>
+              </a:rPr>
+              <a:t>k</a:t>
+            </a:r>
+            <a:r>
+              <a:rPr lang="en-US" i="1" baseline="-25000" dirty="0">
+                <a:latin typeface="Cambria" panose="02040503050406030204" pitchFamily="18" charset="0"/>
+                <a:ea typeface="Cambria" panose="02040503050406030204" pitchFamily="18" charset="0"/>
+              </a:rPr>
+              <a:t>c</a:t>
+            </a:r>
+          </a:p>
+        </p:txBody>
+      </p:sp>
+      <p:sp>
+        <p:nvSpPr>
+          <p:cNvPr id="69" name="Rectangle 68">
+            <a:extLst>
+              <a:ext uri="{FF2B5EF4-FFF2-40B4-BE49-F238E27FC236}">
+                <a16:creationId xmlns:a16="http://schemas.microsoft.com/office/drawing/2014/main" id="{0F133C79-61B7-4644-84F4-58ED10907CB5}"/>
+              </a:ext>
+            </a:extLst>
+          </p:cNvPr>
+          <p:cNvSpPr/>
+          <p:nvPr/>
+        </p:nvSpPr>
+        <p:spPr>
+          <a:xfrm>
+            <a:off x="7902249" y="1067121"/>
+            <a:ext cx="319318" cy="369332"/>
+          </a:xfrm>
+          <a:prstGeom prst="rect">
+            <a:avLst/>
+          </a:prstGeom>
+        </p:spPr>
+        <p:txBody>
+          <a:bodyPr wrap="none">
+            <a:spAutoFit/>
+          </a:bodyPr>
+          <a:lstStyle/>
+          <a:p>
+            <a:r>
+              <a:rPr lang="en-US" i="1" dirty="0">
+                <a:latin typeface="Cambria" panose="02040503050406030204" pitchFamily="18" charset="0"/>
+                <a:ea typeface="Cambria" panose="02040503050406030204" pitchFamily="18" charset="0"/>
+              </a:rPr>
+              <a:t>G</a:t>
+            </a:r>
+          </a:p>
+        </p:txBody>
+      </p:sp>
+      <p:sp>
+        <p:nvSpPr>
+          <p:cNvPr id="70" name="Rectangle 69">
+            <a:extLst>
+              <a:ext uri="{FF2B5EF4-FFF2-40B4-BE49-F238E27FC236}">
+                <a16:creationId xmlns:a16="http://schemas.microsoft.com/office/drawing/2014/main" id="{C8475B9A-3D8B-4AE6-A3B6-C3AAF9C1668B}"/>
+              </a:ext>
+            </a:extLst>
+          </p:cNvPr>
+          <p:cNvSpPr/>
+          <p:nvPr/>
+        </p:nvSpPr>
+        <p:spPr>
+          <a:xfrm>
+            <a:off x="8324162" y="1067121"/>
+            <a:ext cx="324128" cy="369332"/>
+          </a:xfrm>
+          <a:prstGeom prst="rect">
+            <a:avLst/>
+          </a:prstGeom>
+        </p:spPr>
+        <p:txBody>
+          <a:bodyPr wrap="none">
+            <a:spAutoFit/>
+          </a:bodyPr>
+          <a:lstStyle/>
+          <a:p>
+            <a:r>
+              <a:rPr lang="en-US" i="1" dirty="0">
+                <a:latin typeface="Cambria" panose="02040503050406030204" pitchFamily="18" charset="0"/>
+                <a:ea typeface="Cambria" panose="02040503050406030204" pitchFamily="18" charset="0"/>
+              </a:rPr>
+              <a:t>K</a:t>
+            </a:r>
+          </a:p>
+        </p:txBody>
+      </p:sp>
+      <p:sp>
+        <p:nvSpPr>
+          <p:cNvPr id="71" name="Rectangle 70">
+            <a:extLst>
+              <a:ext uri="{FF2B5EF4-FFF2-40B4-BE49-F238E27FC236}">
+                <a16:creationId xmlns:a16="http://schemas.microsoft.com/office/drawing/2014/main" id="{6B812C7D-024D-404B-A805-113F9C816DE1}"/>
+              </a:ext>
+            </a:extLst>
+          </p:cNvPr>
+          <p:cNvSpPr/>
+          <p:nvPr/>
+        </p:nvSpPr>
+        <p:spPr>
+          <a:xfrm>
+            <a:off x="7531485" y="1114431"/>
+            <a:ext cx="404278" cy="369332"/>
+          </a:xfrm>
+          <a:prstGeom prst="rect">
+            <a:avLst/>
+          </a:prstGeom>
+        </p:spPr>
+        <p:txBody>
+          <a:bodyPr wrap="none">
+            <a:spAutoFit/>
+          </a:bodyPr>
+          <a:lstStyle/>
+          <a:p>
+            <a:r>
+              <a:rPr lang="en-US" i="1" dirty="0">
+                <a:latin typeface="Cambria" panose="02040503050406030204" pitchFamily="18" charset="0"/>
+                <a:ea typeface="Cambria" panose="02040503050406030204" pitchFamily="18" charset="0"/>
+              </a:rPr>
+              <a:t>D</a:t>
+            </a:r>
+            <a:r>
+              <a:rPr lang="en-US" i="1" baseline="30000" dirty="0">
+                <a:latin typeface="Cambria" panose="02040503050406030204" pitchFamily="18" charset="0"/>
+                <a:ea typeface="Cambria" panose="02040503050406030204" pitchFamily="18" charset="0"/>
+              </a:rPr>
+              <a:t>e</a:t>
+            </a:r>
+          </a:p>
+        </p:txBody>
+      </p:sp>
+      <mc:AlternateContent xmlns:mc="http://schemas.openxmlformats.org/markup-compatibility/2006" xmlns:a14="http://schemas.microsoft.com/office/drawing/2010/main">
+        <mc:Choice Requires="a14">
+          <p:sp>
+            <p:nvSpPr>
+              <p:cNvPr id="78" name="TextBox 77">
+                <a:extLst>
+                  <a:ext uri="{FF2B5EF4-FFF2-40B4-BE49-F238E27FC236}">
+                    <a16:creationId xmlns:a16="http://schemas.microsoft.com/office/drawing/2014/main" id="{943C9CB9-1F38-43CE-965B-7BFD1627A61C}"/>
+                  </a:ext>
+                </a:extLst>
+              </p:cNvPr>
+              <p:cNvSpPr txBox="1"/>
+              <p:nvPr/>
+            </p:nvSpPr>
+            <p:spPr>
+              <a:xfrm>
+                <a:off x="3702461" y="3853448"/>
+                <a:ext cx="460959" cy="368627"/>
+              </a:xfrm>
+              <a:prstGeom prst="rect">
+                <a:avLst/>
+              </a:prstGeom>
+              <a:noFill/>
+            </p:spPr>
+            <p:txBody>
+              <a:bodyPr wrap="none" rtlCol="0">
+                <a:spAutoFit/>
+              </a:bodyPr>
+              <a:lstStyle/>
+              <a:p>
+                <a:pPr/>
+                <a14:m>
+                  <m:oMathPara xmlns:m="http://schemas.openxmlformats.org/officeDocument/2006/math">
+                    <m:oMathParaPr>
+                      <m:jc m:val="centerGroup"/>
+                    </m:oMathParaPr>
+                    <m:oMath xmlns:m="http://schemas.openxmlformats.org/officeDocument/2006/math">
+                      <m:sSup>
+                        <m:sSupPr>
+                          <m:ctrlPr>
+                            <a:rPr lang="en-US" i="1" dirty="0" smtClean="0">
+                              <a:latin typeface="Cambria Math" panose="02040503050406030204" pitchFamily="18" charset="0"/>
+                              <a:ea typeface="Cambria" panose="02040503050406030204" pitchFamily="18" charset="0"/>
+                            </a:rPr>
+                          </m:ctrlPr>
+                        </m:sSupPr>
+                        <m:e>
+                          <m:acc>
+                            <m:accPr>
+                              <m:chr m:val="̇"/>
+                              <m:ctrlPr>
+                                <a:rPr lang="en-US" i="1" dirty="0" smtClean="0">
+                                  <a:latin typeface="Cambria Math" panose="02040503050406030204" pitchFamily="18" charset="0"/>
+                                  <a:ea typeface="Cambria" panose="02040503050406030204" pitchFamily="18" charset="0"/>
+                                </a:rPr>
+                              </m:ctrlPr>
+                            </m:accPr>
+                            <m:e>
+                              <m:r>
+                                <m:rPr>
+                                  <m:nor/>
+                                </m:rPr>
+                                <a:rPr lang="en-US" b="1" i="1" dirty="0">
+                                  <a:latin typeface="Cambria" panose="02040503050406030204" pitchFamily="18" charset="0"/>
+                                  <a:ea typeface="Cambria" panose="02040503050406030204" pitchFamily="18" charset="0"/>
+                                </a:rPr>
+                                <m:t>σ</m:t>
+                              </m:r>
+                            </m:e>
+                          </m:acc>
+                        </m:e>
+                        <m:sup>
+                          <m:r>
+                            <a:rPr lang="en-US" b="0" i="1" dirty="0" smtClean="0">
+                              <a:latin typeface="Cambria Math" panose="02040503050406030204" pitchFamily="18" charset="0"/>
+                              <a:ea typeface="Cambria" panose="02040503050406030204" pitchFamily="18" charset="0"/>
+                            </a:rPr>
+                            <m:t>𝐽</m:t>
+                          </m:r>
+                        </m:sup>
+                      </m:sSup>
+                    </m:oMath>
+                  </m:oMathPara>
+                </a14:m>
+                <a:endParaRPr lang="en-US" i="1" baseline="30000" dirty="0">
+                  <a:latin typeface="Cambria" panose="02040503050406030204" pitchFamily="18" charset="0"/>
+                  <a:ea typeface="Cambria" panose="02040503050406030204" pitchFamily="18" charset="0"/>
+                </a:endParaRPr>
+              </a:p>
+            </p:txBody>
+          </p:sp>
+        </mc:Choice>
+        <mc:Fallback xmlns="">
+          <p:sp>
+            <p:nvSpPr>
+              <p:cNvPr id="78" name="TextBox 77">
+                <a:extLst>
+                  <a:ext uri="{FF2B5EF4-FFF2-40B4-BE49-F238E27FC236}">
+                    <a16:creationId xmlns:a16="http://schemas.microsoft.com/office/drawing/2014/main" id="{943C9CB9-1F38-43CE-965B-7BFD1627A61C}"/>
+                  </a:ext>
+                </a:extLst>
+              </p:cNvPr>
+              <p:cNvSpPr txBox="1">
+                <a:spLocks noRot="1" noChangeAspect="1" noMove="1" noResize="1" noEditPoints="1" noAdjustHandles="1" noChangeArrowheads="1" noChangeShapeType="1" noTextEdit="1"/>
+              </p:cNvSpPr>
+              <p:nvPr/>
+            </p:nvSpPr>
+            <p:spPr>
+              <a:xfrm>
+                <a:off x="3702461" y="3853448"/>
+                <a:ext cx="460959" cy="368627"/>
+              </a:xfrm>
+              <a:prstGeom prst="rect">
+                <a:avLst/>
+              </a:prstGeom>
+              <a:blipFill>
+                <a:blip r:embed="rId2"/>
+                <a:stretch>
+                  <a:fillRect/>
+                </a:stretch>
+              </a:blipFill>
+            </p:spPr>
+            <p:txBody>
+              <a:bodyPr/>
+              <a:lstStyle/>
+              <a:p>
+                <a:r>
+                  <a:rPr lang="en-US">
+                    <a:noFill/>
+                  </a:rPr>
+                  <a:t> </a:t>
+                </a:r>
+              </a:p>
+            </p:txBody>
+          </p:sp>
+        </mc:Fallback>
+      </mc:AlternateContent>
+      <mc:AlternateContent xmlns:mc="http://schemas.openxmlformats.org/markup-compatibility/2006" xmlns:a14="http://schemas.microsoft.com/office/drawing/2010/main">
+        <mc:Choice Requires="a14">
+          <p:sp>
+            <p:nvSpPr>
+              <p:cNvPr id="79" name="TextBox 78">
+                <a:extLst>
+                  <a:ext uri="{FF2B5EF4-FFF2-40B4-BE49-F238E27FC236}">
+                    <a16:creationId xmlns:a16="http://schemas.microsoft.com/office/drawing/2014/main" id="{B7D6EB11-1BCC-498F-8E7D-A95175F1C3E2}"/>
+                  </a:ext>
+                </a:extLst>
+              </p:cNvPr>
+              <p:cNvSpPr txBox="1"/>
+              <p:nvPr/>
+            </p:nvSpPr>
+            <p:spPr>
+              <a:xfrm>
+                <a:off x="4239233" y="3853448"/>
+                <a:ext cx="792717" cy="369332"/>
+              </a:xfrm>
+              <a:prstGeom prst="rect">
+                <a:avLst/>
+              </a:prstGeom>
+              <a:noFill/>
+            </p:spPr>
+            <p:txBody>
+              <a:bodyPr wrap="none" rtlCol="0">
+                <a:spAutoFit/>
+              </a:bodyPr>
+              <a:lstStyle/>
+              <a:p>
+                <a:pPr/>
+                <a14:m>
+                  <m:oMathPara xmlns:m="http://schemas.openxmlformats.org/officeDocument/2006/math">
+                    <m:oMathParaPr>
+                      <m:jc m:val="centerGroup"/>
+                    </m:oMathParaPr>
+                    <m:oMath xmlns:m="http://schemas.openxmlformats.org/officeDocument/2006/math">
+                      <m:r>
+                        <m:rPr>
+                          <m:sty m:val="p"/>
+                        </m:rPr>
+                        <a:rPr lang="en-US" b="0" i="0" smtClean="0">
+                          <a:latin typeface="Cambria Math" panose="02040503050406030204" pitchFamily="18" charset="0"/>
+                          <a:ea typeface="Cambria Math" panose="02040503050406030204" pitchFamily="18" charset="0"/>
+                        </a:rPr>
+                        <m:t>∇</m:t>
+                      </m:r>
+                      <m:r>
+                        <a:rPr lang="en-US" b="0" i="0" smtClean="0">
+                          <a:latin typeface="Cambria Math" panose="02040503050406030204" pitchFamily="18" charset="0"/>
+                          <a:ea typeface="Cambria Math" panose="02040503050406030204" pitchFamily="18" charset="0"/>
+                        </a:rPr>
+                        <m:t>∙</m:t>
+                      </m:r>
+                      <m:sSup>
+                        <m:sSupPr>
+                          <m:ctrlPr>
+                            <a:rPr lang="en-US" b="1" i="1" smtClean="0">
+                              <a:latin typeface="Cambria Math" panose="02040503050406030204" pitchFamily="18" charset="0"/>
+                              <a:ea typeface="Cambria Math" panose="02040503050406030204" pitchFamily="18" charset="0"/>
+                            </a:rPr>
+                          </m:ctrlPr>
+                        </m:sSupPr>
+                        <m:e>
+                          <m:r>
+                            <a:rPr lang="en-US" b="1" i="1" smtClean="0">
+                              <a:latin typeface="Cambria Math" panose="02040503050406030204" pitchFamily="18" charset="0"/>
+                              <a:ea typeface="Cambria Math" panose="02040503050406030204" pitchFamily="18" charset="0"/>
+                            </a:rPr>
+                            <m:t>𝒇</m:t>
+                          </m:r>
+                        </m:e>
+                        <m:sup>
+                          <m:r>
+                            <a:rPr lang="en-US" b="0" i="1" smtClean="0">
+                              <a:latin typeface="Cambria Math" panose="02040503050406030204" pitchFamily="18" charset="0"/>
+                              <a:ea typeface="Cambria Math" panose="02040503050406030204" pitchFamily="18" charset="0"/>
+                            </a:rPr>
+                            <m:t>𝑣</m:t>
+                          </m:r>
+                        </m:sup>
+                      </m:sSup>
+                    </m:oMath>
+                  </m:oMathPara>
+                </a14:m>
+                <a:endParaRPr lang="en-US" b="1" i="1" dirty="0">
+                  <a:latin typeface="Cambria" panose="02040503050406030204" pitchFamily="18" charset="0"/>
+                  <a:ea typeface="Cambria" panose="02040503050406030204" pitchFamily="18" charset="0"/>
+                </a:endParaRPr>
+              </a:p>
+            </p:txBody>
+          </p:sp>
+        </mc:Choice>
+        <mc:Fallback xmlns="">
+          <p:sp>
+            <p:nvSpPr>
+              <p:cNvPr id="79" name="TextBox 78">
+                <a:extLst>
+                  <a:ext uri="{FF2B5EF4-FFF2-40B4-BE49-F238E27FC236}">
+                    <a16:creationId xmlns:a16="http://schemas.microsoft.com/office/drawing/2014/main" id="{B7D6EB11-1BCC-498F-8E7D-A95175F1C3E2}"/>
+                  </a:ext>
+                </a:extLst>
+              </p:cNvPr>
+              <p:cNvSpPr txBox="1">
+                <a:spLocks noRot="1" noChangeAspect="1" noMove="1" noResize="1" noEditPoints="1" noAdjustHandles="1" noChangeArrowheads="1" noChangeShapeType="1" noTextEdit="1"/>
+              </p:cNvSpPr>
+              <p:nvPr/>
+            </p:nvSpPr>
+            <p:spPr>
+              <a:xfrm>
+                <a:off x="4239233" y="3853448"/>
+                <a:ext cx="792717" cy="369332"/>
+              </a:xfrm>
+              <a:prstGeom prst="rect">
+                <a:avLst/>
+              </a:prstGeom>
+              <a:blipFill>
+                <a:blip r:embed="rId3"/>
+                <a:stretch>
+                  <a:fillRect b="-14754"/>
+                </a:stretch>
+              </a:blipFill>
+            </p:spPr>
+            <p:txBody>
+              <a:bodyPr/>
+              <a:lstStyle/>
+              <a:p>
+                <a:r>
+                  <a:rPr lang="en-US">
+                    <a:noFill/>
+                  </a:rPr>
+                  <a:t> </a:t>
+                </a:r>
+              </a:p>
+            </p:txBody>
+          </p:sp>
+        </mc:Fallback>
+      </mc:AlternateContent>
+      <mc:AlternateContent xmlns:mc="http://schemas.openxmlformats.org/markup-compatibility/2006" xmlns:a14="http://schemas.microsoft.com/office/drawing/2010/main">
+        <mc:Choice Requires="a14">
+          <p:sp>
+            <p:nvSpPr>
+              <p:cNvPr id="80" name="TextBox 79">
+                <a:extLst>
+                  <a:ext uri="{FF2B5EF4-FFF2-40B4-BE49-F238E27FC236}">
+                    <a16:creationId xmlns:a16="http://schemas.microsoft.com/office/drawing/2014/main" id="{611AE466-11C3-4CF7-9A76-D79CA61989D7}"/>
+                  </a:ext>
+                </a:extLst>
+              </p:cNvPr>
+              <p:cNvSpPr txBox="1"/>
+              <p:nvPr/>
+            </p:nvSpPr>
+            <p:spPr>
+              <a:xfrm>
+                <a:off x="5284591" y="3853448"/>
+                <a:ext cx="584327" cy="394595"/>
+              </a:xfrm>
+              <a:prstGeom prst="rect">
+                <a:avLst/>
+              </a:prstGeom>
+              <a:noFill/>
+            </p:spPr>
+            <p:txBody>
+              <a:bodyPr wrap="none" rtlCol="0">
+                <a:spAutoFit/>
+              </a:bodyPr>
+              <a:lstStyle/>
+              <a:p>
+                <a:pPr/>
+                <a14:m>
+                  <m:oMathPara xmlns:m="http://schemas.openxmlformats.org/officeDocument/2006/math">
+                    <m:oMathParaPr>
+                      <m:jc m:val="centerGroup"/>
+                    </m:oMathParaPr>
+                    <m:oMath xmlns:m="http://schemas.openxmlformats.org/officeDocument/2006/math">
+                      <m:sSup>
+                        <m:sSupPr>
+                          <m:ctrlPr>
+                            <a:rPr lang="en-US" i="1" dirty="0" smtClean="0">
+                              <a:latin typeface="Cambria Math" panose="02040503050406030204" pitchFamily="18" charset="0"/>
+                              <a:ea typeface="Cambria" panose="02040503050406030204" pitchFamily="18" charset="0"/>
+                            </a:rPr>
+                          </m:ctrlPr>
+                        </m:sSupPr>
+                        <m:e>
+                          <m:r>
+                            <a:rPr lang="en-US" b="1" i="1" dirty="0" smtClean="0">
+                              <a:latin typeface="Cambria Math" panose="02040503050406030204" pitchFamily="18" charset="0"/>
+                              <a:ea typeface="Cambria" panose="02040503050406030204" pitchFamily="18" charset="0"/>
+                            </a:rPr>
+                            <m:t>𝒈</m:t>
+                          </m:r>
+                        </m:e>
+                        <m:sup>
+                          <m:sSup>
+                            <m:sSupPr>
+                              <m:ctrlPr>
+                                <a:rPr lang="en-US" i="1" dirty="0" smtClean="0">
+                                  <a:latin typeface="Cambria Math" panose="02040503050406030204" pitchFamily="18" charset="0"/>
+                                  <a:ea typeface="Cambria" panose="02040503050406030204" pitchFamily="18" charset="0"/>
+                                </a:rPr>
+                              </m:ctrlPr>
+                            </m:sSupPr>
+                            <m:e>
+                              <m:r>
+                                <m:rPr>
+                                  <m:nor/>
+                                </m:rPr>
+                                <a:rPr lang="en-US" i="1" dirty="0">
+                                  <a:latin typeface="Cambria" panose="02040503050406030204" pitchFamily="18" charset="0"/>
+                                  <a:ea typeface="Cambria" panose="02040503050406030204" pitchFamily="18" charset="0"/>
+                                </a:rPr>
+                                <m:t>ε</m:t>
+                              </m:r>
+                            </m:e>
+                            <m:sup>
+                              <m:r>
+                                <a:rPr lang="en-US" b="0" i="1" dirty="0" smtClean="0">
+                                  <a:latin typeface="Cambria Math" panose="02040503050406030204" pitchFamily="18" charset="0"/>
+                                  <a:ea typeface="Cambria" panose="02040503050406030204" pitchFamily="18" charset="0"/>
+                                </a:rPr>
+                                <m:t>𝑝</m:t>
+                              </m:r>
+                            </m:sup>
+                          </m:sSup>
+                        </m:sup>
+                      </m:sSup>
+                    </m:oMath>
+                  </m:oMathPara>
+                </a14:m>
+                <a:endParaRPr lang="en-US" i="1" baseline="30000" dirty="0">
+                  <a:latin typeface="Cambria" panose="02040503050406030204" pitchFamily="18" charset="0"/>
+                  <a:ea typeface="Cambria" panose="02040503050406030204" pitchFamily="18" charset="0"/>
+                </a:endParaRPr>
+              </a:p>
+            </p:txBody>
+          </p:sp>
+        </mc:Choice>
+        <mc:Fallback xmlns="">
+          <p:sp>
+            <p:nvSpPr>
+              <p:cNvPr id="80" name="TextBox 79">
+                <a:extLst>
+                  <a:ext uri="{FF2B5EF4-FFF2-40B4-BE49-F238E27FC236}">
+                    <a16:creationId xmlns:a16="http://schemas.microsoft.com/office/drawing/2014/main" id="{611AE466-11C3-4CF7-9A76-D79CA61989D7}"/>
+                  </a:ext>
+                </a:extLst>
+              </p:cNvPr>
+              <p:cNvSpPr txBox="1">
+                <a:spLocks noRot="1" noChangeAspect="1" noMove="1" noResize="1" noEditPoints="1" noAdjustHandles="1" noChangeArrowheads="1" noChangeShapeType="1" noTextEdit="1"/>
+              </p:cNvSpPr>
+              <p:nvPr/>
+            </p:nvSpPr>
+            <p:spPr>
+              <a:xfrm>
+                <a:off x="5284591" y="3853448"/>
+                <a:ext cx="584327" cy="394595"/>
+              </a:xfrm>
+              <a:prstGeom prst="rect">
+                <a:avLst/>
+              </a:prstGeom>
+              <a:blipFill>
+                <a:blip r:embed="rId4"/>
+                <a:stretch>
+                  <a:fillRect b="-9231"/>
+                </a:stretch>
+              </a:blipFill>
+            </p:spPr>
+            <p:txBody>
+              <a:bodyPr/>
+              <a:lstStyle/>
+              <a:p>
+                <a:r>
+                  <a:rPr lang="en-US">
+                    <a:noFill/>
+                  </a:rPr>
+                  <a:t> </a:t>
+                </a:r>
+              </a:p>
+            </p:txBody>
+          </p:sp>
+        </mc:Fallback>
+      </mc:AlternateContent>
+      <mc:AlternateContent xmlns:mc="http://schemas.openxmlformats.org/markup-compatibility/2006" xmlns:a14="http://schemas.microsoft.com/office/drawing/2010/main">
+        <mc:Choice Requires="a14">
+          <p:sp>
+            <p:nvSpPr>
+              <p:cNvPr id="84" name="Rectangle 83">
+                <a:extLst>
+                  <a:ext uri="{FF2B5EF4-FFF2-40B4-BE49-F238E27FC236}">
+                    <a16:creationId xmlns:a16="http://schemas.microsoft.com/office/drawing/2014/main" id="{FB978C6D-477E-4572-85BA-1B12F4FB3622}"/>
+                  </a:ext>
+                </a:extLst>
+              </p:cNvPr>
+              <p:cNvSpPr/>
+              <p:nvPr/>
+            </p:nvSpPr>
+            <p:spPr>
+              <a:xfrm>
+                <a:off x="3762610" y="2747550"/>
+                <a:ext cx="413895" cy="369332"/>
+              </a:xfrm>
+              <a:prstGeom prst="rect">
+                <a:avLst/>
+              </a:prstGeom>
+            </p:spPr>
+            <p:txBody>
+              <a:bodyPr wrap="none">
+                <a:spAutoFit/>
+              </a:bodyPr>
+              <a:lstStyle/>
+              <a:p>
+                <a:pPr/>
+                <a14:m>
+                  <m:oMathPara xmlns:m="http://schemas.openxmlformats.org/officeDocument/2006/math">
+                    <m:oMathParaPr>
+                      <m:jc m:val="centerGroup"/>
+                    </m:oMathParaPr>
+                    <m:oMath xmlns:m="http://schemas.openxmlformats.org/officeDocument/2006/math">
+                      <m:acc>
+                        <m:accPr>
+                          <m:chr m:val="̇"/>
+                          <m:ctrlPr>
+                            <a:rPr lang="en-US" b="1" i="1" smtClean="0">
+                              <a:latin typeface="Cambria Math" panose="02040503050406030204" pitchFamily="18" charset="0"/>
+                              <a:ea typeface="Cambria" panose="02040503050406030204" pitchFamily="18" charset="0"/>
+                            </a:rPr>
+                          </m:ctrlPr>
+                        </m:accPr>
+                        <m:e>
+                          <m:r>
+                            <m:rPr>
+                              <m:nor/>
+                            </m:rPr>
+                            <a:rPr lang="en-US" b="1" i="1" dirty="0">
+                              <a:latin typeface="Cambria" panose="02040503050406030204" pitchFamily="18" charset="0"/>
+                              <a:ea typeface="Cambria" panose="02040503050406030204" pitchFamily="18" charset="0"/>
+                            </a:rPr>
+                            <m:t>ω</m:t>
+                          </m:r>
+                        </m:e>
+                      </m:acc>
+                    </m:oMath>
+                  </m:oMathPara>
+                </a14:m>
+                <a:endParaRPr lang="en-US" b="1" dirty="0"/>
+              </a:p>
+            </p:txBody>
+          </p:sp>
+        </mc:Choice>
+        <mc:Fallback xmlns="">
+          <p:sp>
+            <p:nvSpPr>
+              <p:cNvPr id="84" name="Rectangle 83">
+                <a:extLst>
+                  <a:ext uri="{FF2B5EF4-FFF2-40B4-BE49-F238E27FC236}">
+                    <a16:creationId xmlns:a16="http://schemas.microsoft.com/office/drawing/2014/main" id="{FB978C6D-477E-4572-85BA-1B12F4FB3622}"/>
+                  </a:ext>
+                </a:extLst>
+              </p:cNvPr>
+              <p:cNvSpPr>
+                <a:spLocks noRot="1" noChangeAspect="1" noMove="1" noResize="1" noEditPoints="1" noAdjustHandles="1" noChangeArrowheads="1" noChangeShapeType="1" noTextEdit="1"/>
+              </p:cNvSpPr>
+              <p:nvPr/>
+            </p:nvSpPr>
+            <p:spPr>
+              <a:xfrm>
+                <a:off x="3762610" y="2747550"/>
+                <a:ext cx="413895" cy="369332"/>
+              </a:xfrm>
+              <a:prstGeom prst="rect">
+                <a:avLst/>
+              </a:prstGeom>
+              <a:blipFill>
+                <a:blip r:embed="rId5"/>
+                <a:stretch>
+                  <a:fillRect/>
+                </a:stretch>
+              </a:blipFill>
+            </p:spPr>
+            <p:txBody>
+              <a:bodyPr/>
+              <a:lstStyle/>
+              <a:p>
+                <a:r>
+                  <a:rPr lang="en-US">
+                    <a:noFill/>
+                  </a:rPr>
+                  <a:t> </a:t>
+                </a:r>
+              </a:p>
+            </p:txBody>
+          </p:sp>
+        </mc:Fallback>
+      </mc:AlternateContent>
+      <mc:AlternateContent xmlns:mc="http://schemas.openxmlformats.org/markup-compatibility/2006" xmlns:a14="http://schemas.microsoft.com/office/drawing/2010/main">
+        <mc:Choice Requires="a14">
+          <p:sp>
+            <p:nvSpPr>
+              <p:cNvPr id="89" name="Rectangle 88">
+                <a:extLst>
+                  <a:ext uri="{FF2B5EF4-FFF2-40B4-BE49-F238E27FC236}">
+                    <a16:creationId xmlns:a16="http://schemas.microsoft.com/office/drawing/2014/main" id="{F2E41186-66F9-42D5-937B-6D88FD918399}"/>
+                  </a:ext>
+                </a:extLst>
+              </p:cNvPr>
+              <p:cNvSpPr/>
+              <p:nvPr/>
+            </p:nvSpPr>
+            <p:spPr>
+              <a:xfrm>
+                <a:off x="3898005" y="2134795"/>
+                <a:ext cx="449739" cy="369332"/>
+              </a:xfrm>
+              <a:prstGeom prst="rect">
+                <a:avLst/>
+              </a:prstGeom>
+            </p:spPr>
+            <p:txBody>
+              <a:bodyPr wrap="none">
+                <a:spAutoFit/>
+              </a:bodyPr>
+              <a:lstStyle/>
+              <a:p>
+                <a14:m>
+                  <m:oMath xmlns:m="http://schemas.openxmlformats.org/officeDocument/2006/math">
+                    <m:r>
+                      <m:rPr>
+                        <m:sty m:val="p"/>
+                      </m:rPr>
+                      <a:rPr lang="en-US" i="0">
+                        <a:latin typeface="Cambria Math" panose="02040503050406030204" pitchFamily="18" charset="0"/>
+                        <a:ea typeface="Cambria Math" panose="02040503050406030204" pitchFamily="18" charset="0"/>
+                      </a:rPr>
+                      <m:t>∇</m:t>
+                    </m:r>
+                  </m:oMath>
+                </a14:m>
+                <a:r>
+                  <a:rPr lang="en-US" b="1" i="1" dirty="0">
+                    <a:latin typeface="Cambria" panose="02040503050406030204" pitchFamily="18" charset="0"/>
+                    <a:ea typeface="Cambria" panose="02040503050406030204" pitchFamily="18" charset="0"/>
+                  </a:rPr>
+                  <a:t>v</a:t>
+                </a:r>
+              </a:p>
+            </p:txBody>
+          </p:sp>
+        </mc:Choice>
+        <mc:Fallback xmlns="">
+          <p:sp>
+            <p:nvSpPr>
+              <p:cNvPr id="89" name="Rectangle 88">
+                <a:extLst>
+                  <a:ext uri="{FF2B5EF4-FFF2-40B4-BE49-F238E27FC236}">
+                    <a16:creationId xmlns:a16="http://schemas.microsoft.com/office/drawing/2014/main" id="{F2E41186-66F9-42D5-937B-6D88FD918399}"/>
+                  </a:ext>
+                </a:extLst>
+              </p:cNvPr>
+              <p:cNvSpPr>
+                <a:spLocks noRot="1" noChangeAspect="1" noMove="1" noResize="1" noEditPoints="1" noAdjustHandles="1" noChangeArrowheads="1" noChangeShapeType="1" noTextEdit="1"/>
+              </p:cNvSpPr>
+              <p:nvPr/>
+            </p:nvSpPr>
+            <p:spPr>
+              <a:xfrm>
+                <a:off x="3898005" y="2134795"/>
+                <a:ext cx="449739" cy="369332"/>
+              </a:xfrm>
+              <a:prstGeom prst="rect">
+                <a:avLst/>
+              </a:prstGeom>
+              <a:blipFill>
+                <a:blip r:embed="rId6"/>
+                <a:stretch>
+                  <a:fillRect t="-9836" r="-8108" b="-22951"/>
+                </a:stretch>
+              </a:blipFill>
+            </p:spPr>
+            <p:txBody>
+              <a:bodyPr/>
+              <a:lstStyle/>
+              <a:p>
+                <a:r>
+                  <a:rPr lang="en-US">
+                    <a:noFill/>
+                  </a:rPr>
+                  <a:t> </a:t>
+                </a:r>
+              </a:p>
+            </p:txBody>
+          </p:sp>
+        </mc:Fallback>
+      </mc:AlternateContent>
+      <mc:AlternateContent xmlns:mc="http://schemas.openxmlformats.org/markup-compatibility/2006" xmlns:a14="http://schemas.microsoft.com/office/drawing/2010/main">
+        <mc:Choice Requires="a14">
+          <p:sp>
+            <p:nvSpPr>
+              <p:cNvPr id="92" name="Rectangle 91">
+                <a:extLst>
+                  <a:ext uri="{FF2B5EF4-FFF2-40B4-BE49-F238E27FC236}">
+                    <a16:creationId xmlns:a16="http://schemas.microsoft.com/office/drawing/2014/main" id="{E58BF1D5-A9C7-465F-80E6-AA73BA16EF8E}"/>
+                  </a:ext>
+                </a:extLst>
+              </p:cNvPr>
+              <p:cNvSpPr/>
+              <p:nvPr/>
+            </p:nvSpPr>
+            <p:spPr>
+              <a:xfrm>
+                <a:off x="4155130" y="2747550"/>
+                <a:ext cx="348172" cy="369332"/>
+              </a:xfrm>
+              <a:prstGeom prst="rect">
+                <a:avLst/>
+              </a:prstGeom>
+            </p:spPr>
+            <p:txBody>
+              <a:bodyPr wrap="none">
+                <a:spAutoFit/>
+              </a:bodyPr>
+              <a:lstStyle/>
+              <a:p>
+                <a:pPr/>
+                <a14:m>
+                  <m:oMathPara xmlns:m="http://schemas.openxmlformats.org/officeDocument/2006/math">
+                    <m:oMathParaPr>
+                      <m:jc m:val="centerGroup"/>
+                    </m:oMathParaPr>
+                    <m:oMath xmlns:m="http://schemas.openxmlformats.org/officeDocument/2006/math">
+                      <m:acc>
+                        <m:accPr>
+                          <m:chr m:val="̇"/>
+                          <m:ctrlPr>
+                            <a:rPr lang="en-US" b="1" i="1" smtClean="0">
+                              <a:latin typeface="Cambria Math" panose="02040503050406030204" pitchFamily="18" charset="0"/>
+                              <a:ea typeface="Cambria" panose="02040503050406030204" pitchFamily="18" charset="0"/>
+                            </a:rPr>
+                          </m:ctrlPr>
+                        </m:accPr>
+                        <m:e>
+                          <m:r>
+                            <m:rPr>
+                              <m:nor/>
+                            </m:rPr>
+                            <a:rPr lang="en-US" b="1" i="1" dirty="0">
+                              <a:latin typeface="Cambria" panose="02040503050406030204" pitchFamily="18" charset="0"/>
+                              <a:ea typeface="Cambria" panose="02040503050406030204" pitchFamily="18" charset="0"/>
+                            </a:rPr>
+                            <m:t>ε</m:t>
+                          </m:r>
+                        </m:e>
+                      </m:acc>
+                    </m:oMath>
+                  </m:oMathPara>
+                </a14:m>
+                <a:endParaRPr lang="en-US" b="1" dirty="0"/>
+              </a:p>
+            </p:txBody>
+          </p:sp>
+        </mc:Choice>
+        <mc:Fallback xmlns="">
+          <p:sp>
+            <p:nvSpPr>
+              <p:cNvPr id="92" name="Rectangle 91">
+                <a:extLst>
+                  <a:ext uri="{FF2B5EF4-FFF2-40B4-BE49-F238E27FC236}">
+                    <a16:creationId xmlns:a16="http://schemas.microsoft.com/office/drawing/2014/main" id="{E58BF1D5-A9C7-465F-80E6-AA73BA16EF8E}"/>
+                  </a:ext>
+                </a:extLst>
+              </p:cNvPr>
+              <p:cNvSpPr>
+                <a:spLocks noRot="1" noChangeAspect="1" noMove="1" noResize="1" noEditPoints="1" noAdjustHandles="1" noChangeArrowheads="1" noChangeShapeType="1" noTextEdit="1"/>
+              </p:cNvSpPr>
+              <p:nvPr/>
+            </p:nvSpPr>
+            <p:spPr>
+              <a:xfrm>
+                <a:off x="4155130" y="2747550"/>
+                <a:ext cx="348172" cy="369332"/>
+              </a:xfrm>
+              <a:prstGeom prst="rect">
+                <a:avLst/>
+              </a:prstGeom>
+              <a:blipFill>
+                <a:blip r:embed="rId7"/>
+                <a:stretch>
+                  <a:fillRect r="-1754"/>
+                </a:stretch>
+              </a:blipFill>
+            </p:spPr>
+            <p:txBody>
+              <a:bodyPr/>
+              <a:lstStyle/>
+              <a:p>
+                <a:r>
+                  <a:rPr lang="en-US">
+                    <a:noFill/>
+                  </a:rPr>
+                  <a:t> </a:t>
+                </a:r>
+              </a:p>
+            </p:txBody>
+          </p:sp>
+        </mc:Fallback>
+      </mc:AlternateContent>
+      <mc:AlternateContent xmlns:mc="http://schemas.openxmlformats.org/markup-compatibility/2006" xmlns:a14="http://schemas.microsoft.com/office/drawing/2010/main">
+        <mc:Choice Requires="a14">
+          <p:sp>
+            <p:nvSpPr>
+              <p:cNvPr id="136" name="Rectangle 135">
+                <a:extLst>
+                  <a:ext uri="{FF2B5EF4-FFF2-40B4-BE49-F238E27FC236}">
+                    <a16:creationId xmlns:a16="http://schemas.microsoft.com/office/drawing/2014/main" id="{BB75F147-B610-49C8-BA2F-860694EFB8C8}"/>
+                  </a:ext>
+                </a:extLst>
+              </p:cNvPr>
+              <p:cNvSpPr/>
+              <p:nvPr/>
+            </p:nvSpPr>
+            <p:spPr>
+              <a:xfrm>
+                <a:off x="5813558" y="2676032"/>
+                <a:ext cx="359393" cy="386260"/>
+              </a:xfrm>
+              <a:prstGeom prst="rect">
+                <a:avLst/>
+              </a:prstGeom>
+            </p:spPr>
+            <p:txBody>
+              <a:bodyPr wrap="none">
+                <a:spAutoFit/>
+              </a:bodyPr>
+              <a:lstStyle/>
+              <a:p>
+                <a:pPr/>
+                <a14:m>
+                  <m:oMathPara xmlns:m="http://schemas.openxmlformats.org/officeDocument/2006/math">
+                    <m:oMathParaPr>
+                      <m:jc m:val="centerGroup"/>
+                    </m:oMathParaPr>
+                    <m:oMath xmlns:m="http://schemas.openxmlformats.org/officeDocument/2006/math">
+                      <m:acc>
+                        <m:accPr>
+                          <m:chr m:val="̇"/>
+                          <m:ctrlPr>
+                            <a:rPr lang="en-US" b="1" i="1" smtClean="0">
+                              <a:latin typeface="Cambria Math" panose="02040503050406030204" pitchFamily="18" charset="0"/>
+                              <a:ea typeface="Cambria" panose="02040503050406030204" pitchFamily="18" charset="0"/>
+                            </a:rPr>
+                          </m:ctrlPr>
+                        </m:accPr>
+                        <m:e>
+                          <m:r>
+                            <m:rPr>
+                              <m:nor/>
+                            </m:rPr>
+                            <a:rPr lang="en-US" b="1" i="1" dirty="0">
+                              <a:latin typeface="Cambria" panose="02040503050406030204" pitchFamily="18" charset="0"/>
+                              <a:ea typeface="Cambria" panose="02040503050406030204" pitchFamily="18" charset="0"/>
+                            </a:rPr>
+                            <m:t>λ</m:t>
+                          </m:r>
+                        </m:e>
+                      </m:acc>
+                    </m:oMath>
+                  </m:oMathPara>
+                </a14:m>
+                <a:endParaRPr lang="en-US" b="1" dirty="0"/>
+              </a:p>
+            </p:txBody>
+          </p:sp>
+        </mc:Choice>
+        <mc:Fallback xmlns="">
+          <p:sp>
+            <p:nvSpPr>
+              <p:cNvPr id="136" name="Rectangle 135">
+                <a:extLst>
+                  <a:ext uri="{FF2B5EF4-FFF2-40B4-BE49-F238E27FC236}">
+                    <a16:creationId xmlns:a16="http://schemas.microsoft.com/office/drawing/2014/main" id="{BB75F147-B610-49C8-BA2F-860694EFB8C8}"/>
+                  </a:ext>
+                </a:extLst>
+              </p:cNvPr>
+              <p:cNvSpPr>
+                <a:spLocks noRot="1" noChangeAspect="1" noMove="1" noResize="1" noEditPoints="1" noAdjustHandles="1" noChangeArrowheads="1" noChangeShapeType="1" noTextEdit="1"/>
+              </p:cNvSpPr>
+              <p:nvPr/>
+            </p:nvSpPr>
+            <p:spPr>
+              <a:xfrm>
+                <a:off x="5813558" y="2676032"/>
+                <a:ext cx="359393" cy="386260"/>
+              </a:xfrm>
+              <a:prstGeom prst="rect">
+                <a:avLst/>
+              </a:prstGeom>
+              <a:blipFill>
+                <a:blip r:embed="rId8"/>
+                <a:stretch>
+                  <a:fillRect/>
+                </a:stretch>
+              </a:blipFill>
+            </p:spPr>
+            <p:txBody>
+              <a:bodyPr/>
+              <a:lstStyle/>
+              <a:p>
+                <a:r>
+                  <a:rPr lang="en-US">
+                    <a:noFill/>
+                  </a:rPr>
+                  <a:t> </a:t>
+                </a:r>
+              </a:p>
+            </p:txBody>
+          </p:sp>
+        </mc:Fallback>
+      </mc:AlternateContent>
+      <mc:AlternateContent xmlns:mc="http://schemas.openxmlformats.org/markup-compatibility/2006" xmlns:a14="http://schemas.microsoft.com/office/drawing/2010/main">
+        <mc:Choice Requires="a14">
+          <p:sp>
+            <p:nvSpPr>
+              <p:cNvPr id="142" name="Rectangle 141">
+                <a:extLst>
+                  <a:ext uri="{FF2B5EF4-FFF2-40B4-BE49-F238E27FC236}">
+                    <a16:creationId xmlns:a16="http://schemas.microsoft.com/office/drawing/2014/main" id="{9488A3C2-5F5D-4D33-918B-9B8A2DB5DCED}"/>
+                  </a:ext>
+                </a:extLst>
+              </p:cNvPr>
+              <p:cNvSpPr/>
+              <p:nvPr/>
+            </p:nvSpPr>
+            <p:spPr>
+              <a:xfrm>
+                <a:off x="5504576" y="1556497"/>
+                <a:ext cx="545213" cy="390492"/>
+              </a:xfrm>
+              <a:prstGeom prst="rect">
+                <a:avLst/>
+              </a:prstGeom>
+            </p:spPr>
+            <p:txBody>
+              <a:bodyPr wrap="none">
+                <a:spAutoFit/>
+              </a:bodyPr>
+              <a:lstStyle/>
+              <a:p>
+                <a:pPr/>
+                <a14:m>
+                  <m:oMathPara xmlns:m="http://schemas.openxmlformats.org/officeDocument/2006/math">
+                    <m:oMathParaPr>
+                      <m:jc m:val="centerGroup"/>
+                    </m:oMathParaPr>
+                    <m:oMath xmlns:m="http://schemas.openxmlformats.org/officeDocument/2006/math">
+                      <m:rad>
+                        <m:radPr>
+                          <m:degHide m:val="on"/>
+                          <m:ctrlPr>
+                            <a:rPr lang="en-US" sz="1600" i="1" smtClean="0">
+                              <a:latin typeface="Cambria Math" panose="02040503050406030204" pitchFamily="18" charset="0"/>
+                              <a:ea typeface="Cambria Math" panose="02040503050406030204" pitchFamily="18" charset="0"/>
+                            </a:rPr>
+                          </m:ctrlPr>
+                        </m:radPr>
+                        <m:deg/>
+                        <m:e>
+                          <m:sSub>
+                            <m:sSubPr>
+                              <m:ctrlPr>
+                                <a:rPr lang="en-US" sz="1600" i="1" smtClean="0">
+                                  <a:latin typeface="Cambria Math" panose="02040503050406030204" pitchFamily="18" charset="0"/>
+                                  <a:ea typeface="Cambria Math" panose="02040503050406030204" pitchFamily="18" charset="0"/>
+                                </a:rPr>
+                              </m:ctrlPr>
+                            </m:sSubPr>
+                            <m:e>
+                              <m:r>
+                                <a:rPr lang="en-US" sz="1600" b="0" i="1" smtClean="0">
+                                  <a:latin typeface="Cambria Math" panose="02040503050406030204" pitchFamily="18" charset="0"/>
+                                  <a:ea typeface="Cambria Math" panose="02040503050406030204" pitchFamily="18" charset="0"/>
+                                </a:rPr>
+                                <m:t>𝐽</m:t>
+                              </m:r>
+                            </m:e>
+                            <m:sub>
+                              <m:r>
+                                <a:rPr lang="en-US" sz="1600" b="0" i="1" smtClean="0">
+                                  <a:latin typeface="Cambria Math" panose="02040503050406030204" pitchFamily="18" charset="0"/>
+                                  <a:ea typeface="Cambria Math" panose="02040503050406030204" pitchFamily="18" charset="0"/>
+                                </a:rPr>
+                                <m:t>2</m:t>
+                              </m:r>
+                            </m:sub>
+                          </m:sSub>
+                        </m:e>
+                      </m:rad>
+                    </m:oMath>
+                  </m:oMathPara>
+                </a14:m>
+                <a:endParaRPr lang="en-US" sz="1600" dirty="0"/>
+              </a:p>
+            </p:txBody>
+          </p:sp>
+        </mc:Choice>
+        <mc:Fallback xmlns="">
+          <p:sp>
+            <p:nvSpPr>
+              <p:cNvPr id="142" name="Rectangle 141">
+                <a:extLst>
+                  <a:ext uri="{FF2B5EF4-FFF2-40B4-BE49-F238E27FC236}">
+                    <a16:creationId xmlns:a16="http://schemas.microsoft.com/office/drawing/2014/main" id="{9488A3C2-5F5D-4D33-918B-9B8A2DB5DCED}"/>
+                  </a:ext>
+                </a:extLst>
+              </p:cNvPr>
+              <p:cNvSpPr>
+                <a:spLocks noRot="1" noChangeAspect="1" noMove="1" noResize="1" noEditPoints="1" noAdjustHandles="1" noChangeArrowheads="1" noChangeShapeType="1" noTextEdit="1"/>
+              </p:cNvSpPr>
+              <p:nvPr/>
+            </p:nvSpPr>
+            <p:spPr>
+              <a:xfrm>
+                <a:off x="5504576" y="1556497"/>
+                <a:ext cx="545213" cy="390492"/>
+              </a:xfrm>
+              <a:prstGeom prst="rect">
+                <a:avLst/>
+              </a:prstGeom>
+              <a:blipFill>
+                <a:blip r:embed="rId9"/>
+                <a:stretch>
+                  <a:fillRect b="-6250"/>
+                </a:stretch>
+              </a:blipFill>
+            </p:spPr>
+            <p:txBody>
+              <a:bodyPr/>
+              <a:lstStyle/>
+              <a:p>
+                <a:r>
+                  <a:rPr lang="en-US">
+                    <a:noFill/>
+                  </a:rPr>
+                  <a:t> </a:t>
+                </a:r>
+              </a:p>
+            </p:txBody>
+          </p:sp>
+        </mc:Fallback>
+      </mc:AlternateContent>
+      <mc:AlternateContent xmlns:mc="http://schemas.openxmlformats.org/markup-compatibility/2006" xmlns:a14="http://schemas.microsoft.com/office/drawing/2010/main">
+        <mc:Choice Requires="a14">
+          <p:sp>
+            <p:nvSpPr>
+              <p:cNvPr id="143" name="Rectangle 142">
+                <a:extLst>
+                  <a:ext uri="{FF2B5EF4-FFF2-40B4-BE49-F238E27FC236}">
+                    <a16:creationId xmlns:a16="http://schemas.microsoft.com/office/drawing/2014/main" id="{BE23AA02-F410-4031-BB71-F26F572B2639}"/>
+                  </a:ext>
+                </a:extLst>
+              </p:cNvPr>
+              <p:cNvSpPr/>
+              <p:nvPr/>
+            </p:nvSpPr>
+            <p:spPr>
+              <a:xfrm>
+                <a:off x="4428484" y="1793025"/>
+                <a:ext cx="414216" cy="369332"/>
+              </a:xfrm>
+              <a:prstGeom prst="rect">
+                <a:avLst/>
+              </a:prstGeom>
+            </p:spPr>
+            <p:txBody>
+              <a:bodyPr wrap="none">
+                <a:spAutoFit/>
+              </a:bodyPr>
+              <a:lstStyle/>
+              <a:p>
+                <a:pPr/>
+                <a14:m>
+                  <m:oMathPara xmlns:m="http://schemas.openxmlformats.org/officeDocument/2006/math">
+                    <m:oMathParaPr>
+                      <m:jc m:val="centerGroup"/>
+                    </m:oMathParaPr>
+                    <m:oMath xmlns:m="http://schemas.openxmlformats.org/officeDocument/2006/math">
+                      <m:sSub>
+                        <m:sSubPr>
+                          <m:ctrlPr>
+                            <a:rPr lang="en-US" i="1" smtClean="0">
+                              <a:latin typeface="Cambria Math" panose="02040503050406030204" pitchFamily="18" charset="0"/>
+                              <a:ea typeface="Cambria Math" panose="02040503050406030204" pitchFamily="18" charset="0"/>
+                            </a:rPr>
+                          </m:ctrlPr>
+                        </m:sSubPr>
+                        <m:e>
+                          <m:r>
+                            <a:rPr lang="en-US" b="0" i="1" smtClean="0">
+                              <a:latin typeface="Cambria Math" panose="02040503050406030204" pitchFamily="18" charset="0"/>
+                              <a:ea typeface="Cambria Math" panose="02040503050406030204" pitchFamily="18" charset="0"/>
+                            </a:rPr>
+                            <m:t>𝐼</m:t>
+                          </m:r>
+                        </m:e>
+                        <m:sub>
+                          <m:r>
+                            <a:rPr lang="en-US" b="0" i="1" smtClean="0">
+                              <a:latin typeface="Cambria Math" panose="02040503050406030204" pitchFamily="18" charset="0"/>
+                              <a:ea typeface="Cambria Math" panose="02040503050406030204" pitchFamily="18" charset="0"/>
+                            </a:rPr>
+                            <m:t>1</m:t>
+                          </m:r>
+                        </m:sub>
+                      </m:sSub>
+                    </m:oMath>
+                  </m:oMathPara>
+                </a14:m>
+                <a:endParaRPr lang="en-US" dirty="0"/>
+              </a:p>
+            </p:txBody>
+          </p:sp>
+        </mc:Choice>
+        <mc:Fallback xmlns="">
+          <p:sp>
+            <p:nvSpPr>
+              <p:cNvPr id="143" name="Rectangle 142">
+                <a:extLst>
+                  <a:ext uri="{FF2B5EF4-FFF2-40B4-BE49-F238E27FC236}">
+                    <a16:creationId xmlns:a16="http://schemas.microsoft.com/office/drawing/2014/main" id="{BE23AA02-F410-4031-BB71-F26F572B2639}"/>
+                  </a:ext>
+                </a:extLst>
+              </p:cNvPr>
+              <p:cNvSpPr>
+                <a:spLocks noRot="1" noChangeAspect="1" noMove="1" noResize="1" noEditPoints="1" noAdjustHandles="1" noChangeArrowheads="1" noChangeShapeType="1" noTextEdit="1"/>
+              </p:cNvSpPr>
+              <p:nvPr/>
+            </p:nvSpPr>
+            <p:spPr>
+              <a:xfrm>
+                <a:off x="4428484" y="1793025"/>
+                <a:ext cx="414216" cy="369332"/>
+              </a:xfrm>
+              <a:prstGeom prst="rect">
+                <a:avLst/>
+              </a:prstGeom>
+              <a:blipFill>
+                <a:blip r:embed="rId10"/>
+                <a:stretch>
+                  <a:fillRect/>
+                </a:stretch>
+              </a:blipFill>
+            </p:spPr>
+            <p:txBody>
+              <a:bodyPr/>
+              <a:lstStyle/>
+              <a:p>
+                <a:r>
+                  <a:rPr lang="en-US">
+                    <a:noFill/>
+                  </a:rPr>
+                  <a:t> </a:t>
+                </a:r>
+              </a:p>
+            </p:txBody>
+          </p:sp>
+        </mc:Fallback>
+      </mc:AlternateContent>
+      <p:sp>
+        <p:nvSpPr>
+          <p:cNvPr id="149" name="Rectangle 148">
+            <a:extLst>
+              <a:ext uri="{FF2B5EF4-FFF2-40B4-BE49-F238E27FC236}">
+                <a16:creationId xmlns:a16="http://schemas.microsoft.com/office/drawing/2014/main" id="{FD8AF883-E463-4949-B5F7-43EA6310DBA9}"/>
+              </a:ext>
+            </a:extLst>
+          </p:cNvPr>
+          <p:cNvSpPr/>
+          <p:nvPr/>
+        </p:nvSpPr>
+        <p:spPr>
+          <a:xfrm>
+            <a:off x="4979678" y="1120497"/>
+            <a:ext cx="287258" cy="369332"/>
+          </a:xfrm>
+          <a:prstGeom prst="rect">
+            <a:avLst/>
+          </a:prstGeom>
+        </p:spPr>
+        <p:txBody>
+          <a:bodyPr wrap="none">
+            <a:spAutoFit/>
+          </a:bodyPr>
+          <a:lstStyle/>
+          <a:p>
+            <a:r>
+              <a:rPr lang="en-US" b="1" i="1" dirty="0">
+                <a:latin typeface="Cambria" panose="02040503050406030204" pitchFamily="18" charset="0"/>
+                <a:ea typeface="Cambria" panose="02040503050406030204" pitchFamily="18" charset="0"/>
+              </a:rPr>
+              <a:t>s</a:t>
+            </a:r>
+          </a:p>
+        </p:txBody>
+      </p:sp>
+      <p:sp>
+        <p:nvSpPr>
+          <p:cNvPr id="152" name="Rectangle 151">
+            <a:extLst>
+              <a:ext uri="{FF2B5EF4-FFF2-40B4-BE49-F238E27FC236}">
+                <a16:creationId xmlns:a16="http://schemas.microsoft.com/office/drawing/2014/main" id="{8E2C8027-4128-4098-AC3E-87375E70B0BB}"/>
+              </a:ext>
+            </a:extLst>
+          </p:cNvPr>
+          <p:cNvSpPr/>
+          <p:nvPr/>
+        </p:nvSpPr>
+        <p:spPr>
+          <a:xfrm>
+            <a:off x="4107190" y="699362"/>
+            <a:ext cx="415498" cy="369332"/>
+          </a:xfrm>
+          <a:prstGeom prst="rect">
+            <a:avLst/>
+          </a:prstGeom>
+        </p:spPr>
+        <p:txBody>
+          <a:bodyPr wrap="none">
+            <a:spAutoFit/>
+          </a:bodyPr>
+          <a:lstStyle/>
+          <a:p>
+            <a:r>
+              <a:rPr lang="en-US" i="1" dirty="0" err="1">
+                <a:latin typeface="Cambria" panose="02040503050406030204" pitchFamily="18" charset="0"/>
+                <a:ea typeface="Cambria" panose="02040503050406030204" pitchFamily="18" charset="0"/>
+              </a:rPr>
+              <a:t>σ</a:t>
+            </a:r>
+            <a:r>
+              <a:rPr lang="en-US" i="1" baseline="-25000" dirty="0" err="1">
+                <a:latin typeface="Cambria" panose="02040503050406030204" pitchFamily="18" charset="0"/>
+                <a:ea typeface="Cambria" panose="02040503050406030204" pitchFamily="18" charset="0"/>
+              </a:rPr>
+              <a:t>H</a:t>
+            </a:r>
+            <a:endParaRPr lang="en-US" baseline="-25000" dirty="0"/>
+          </a:p>
+        </p:txBody>
+      </p:sp>
+      <p:sp>
+        <p:nvSpPr>
+          <p:cNvPr id="176" name="TextBox 175">
+            <a:extLst>
+              <a:ext uri="{FF2B5EF4-FFF2-40B4-BE49-F238E27FC236}">
+                <a16:creationId xmlns:a16="http://schemas.microsoft.com/office/drawing/2014/main" id="{08D16888-BA1D-4C08-AC77-07FD22A4B590}"/>
+              </a:ext>
+            </a:extLst>
+          </p:cNvPr>
+          <p:cNvSpPr txBox="1"/>
+          <p:nvPr/>
+        </p:nvSpPr>
+        <p:spPr>
+          <a:xfrm>
+            <a:off x="3400300" y="3849434"/>
+            <a:ext cx="324128" cy="369332"/>
+          </a:xfrm>
+          <a:prstGeom prst="rect">
+            <a:avLst/>
+          </a:prstGeom>
+          <a:noFill/>
+        </p:spPr>
+        <p:txBody>
+          <a:bodyPr wrap="square" rtlCol="0">
+            <a:spAutoFit/>
+          </a:bodyPr>
+          <a:lstStyle/>
+          <a:p>
+            <a:r>
+              <a:rPr lang="en-US" dirty="0">
+                <a:latin typeface="Cambria" panose="02040503050406030204" pitchFamily="18" charset="0"/>
+                <a:ea typeface="Cambria" panose="02040503050406030204" pitchFamily="18" charset="0"/>
+              </a:rPr>
+              <a:t>=</a:t>
+            </a:r>
+          </a:p>
+        </p:txBody>
+      </p:sp>
+      <p:sp>
+        <p:nvSpPr>
+          <p:cNvPr id="177" name="TextBox 176">
+            <a:extLst>
+              <a:ext uri="{FF2B5EF4-FFF2-40B4-BE49-F238E27FC236}">
+                <a16:creationId xmlns:a16="http://schemas.microsoft.com/office/drawing/2014/main" id="{9C61A02E-D7B7-41C6-8B66-F7A23EC57E04}"/>
+              </a:ext>
+            </a:extLst>
+          </p:cNvPr>
+          <p:cNvSpPr txBox="1"/>
+          <p:nvPr/>
+        </p:nvSpPr>
+        <p:spPr>
+          <a:xfrm>
+            <a:off x="4035393" y="3849434"/>
+            <a:ext cx="324128" cy="369332"/>
+          </a:xfrm>
+          <a:prstGeom prst="rect">
+            <a:avLst/>
+          </a:prstGeom>
+          <a:noFill/>
+        </p:spPr>
+        <p:txBody>
+          <a:bodyPr wrap="square" rtlCol="0">
+            <a:spAutoFit/>
+          </a:bodyPr>
+          <a:lstStyle/>
+          <a:p>
+            <a:r>
+              <a:rPr lang="en-US" dirty="0">
+                <a:latin typeface="Cambria" panose="02040503050406030204" pitchFamily="18" charset="0"/>
+                <a:ea typeface="Cambria" panose="02040503050406030204" pitchFamily="18" charset="0"/>
+              </a:rPr>
+              <a:t>+</a:t>
+            </a:r>
+          </a:p>
+        </p:txBody>
+      </p:sp>
+      <p:sp>
+        <p:nvSpPr>
+          <p:cNvPr id="178" name="TextBox 177">
+            <a:extLst>
+              <a:ext uri="{FF2B5EF4-FFF2-40B4-BE49-F238E27FC236}">
+                <a16:creationId xmlns:a16="http://schemas.microsoft.com/office/drawing/2014/main" id="{A5F2995C-0BF7-4D28-AE9A-CC23F043AC1B}"/>
+              </a:ext>
+            </a:extLst>
+          </p:cNvPr>
+          <p:cNvSpPr txBox="1"/>
+          <p:nvPr/>
+        </p:nvSpPr>
+        <p:spPr>
+          <a:xfrm>
+            <a:off x="5003927" y="3857462"/>
+            <a:ext cx="324128" cy="369332"/>
+          </a:xfrm>
+          <a:prstGeom prst="rect">
+            <a:avLst/>
+          </a:prstGeom>
+          <a:noFill/>
+        </p:spPr>
+        <p:txBody>
+          <a:bodyPr wrap="square" rtlCol="0">
+            <a:spAutoFit/>
+          </a:bodyPr>
+          <a:lstStyle/>
+          <a:p>
+            <a:r>
+              <a:rPr lang="en-US" dirty="0">
+                <a:latin typeface="Cambria" panose="02040503050406030204" pitchFamily="18" charset="0"/>
+                <a:ea typeface="Cambria" panose="02040503050406030204" pitchFamily="18" charset="0"/>
+              </a:rPr>
+              <a:t>-</a:t>
+            </a:r>
+          </a:p>
+        </p:txBody>
+      </p:sp>
+      <mc:AlternateContent xmlns:mc="http://schemas.openxmlformats.org/markup-compatibility/2006" xmlns:a14="http://schemas.microsoft.com/office/drawing/2010/main">
+        <mc:Choice Requires="a14">
+          <p:sp>
+            <p:nvSpPr>
+              <p:cNvPr id="189" name="Rectangle 188">
+                <a:extLst>
+                  <a:ext uri="{FF2B5EF4-FFF2-40B4-BE49-F238E27FC236}">
+                    <a16:creationId xmlns:a16="http://schemas.microsoft.com/office/drawing/2014/main" id="{EACAF4E4-3A8A-490E-AF3A-96251641BE5A}"/>
+                  </a:ext>
+                </a:extLst>
+              </p:cNvPr>
+              <p:cNvSpPr/>
+              <p:nvPr/>
+            </p:nvSpPr>
+            <p:spPr>
+              <a:xfrm>
+                <a:off x="4467353" y="3136808"/>
+                <a:ext cx="582211" cy="362984"/>
+              </a:xfrm>
+              <a:prstGeom prst="rect">
+                <a:avLst/>
+              </a:prstGeom>
+            </p:spPr>
+            <p:txBody>
+              <a:bodyPr wrap="none">
+                <a:spAutoFit/>
+              </a:bodyPr>
+              <a:lstStyle/>
+              <a:p>
+                <a14:m>
+                  <m:oMath xmlns:m="http://schemas.openxmlformats.org/officeDocument/2006/math">
+                    <m:acc>
+                      <m:accPr>
+                        <m:chr m:val="̇"/>
+                        <m:ctrlPr>
+                          <a:rPr lang="en-US" i="1">
+                            <a:latin typeface="Cambria Math" panose="02040503050406030204" pitchFamily="18" charset="0"/>
+                            <a:ea typeface="Cambria" panose="02040503050406030204" pitchFamily="18" charset="0"/>
+                          </a:rPr>
+                        </m:ctrlPr>
+                      </m:accPr>
+                      <m:e>
+                        <m:r>
+                          <m:rPr>
+                            <m:nor/>
+                          </m:rPr>
+                          <a:rPr lang="en-US" i="1" dirty="0">
+                            <a:latin typeface="Cambria" panose="02040503050406030204" pitchFamily="18" charset="0"/>
+                            <a:ea typeface="Cambria" panose="02040503050406030204" pitchFamily="18" charset="0"/>
+                          </a:rPr>
+                          <m:t>ε</m:t>
+                        </m:r>
+                      </m:e>
+                    </m:acc>
+                    <m:r>
+                      <a:rPr lang="en-US" b="0" i="1" dirty="0">
+                        <a:latin typeface="Cambria Math" panose="02040503050406030204" pitchFamily="18" charset="0"/>
+                        <a:ea typeface="Cambria" panose="02040503050406030204" pitchFamily="18" charset="0"/>
+                      </a:rPr>
+                      <m:t> </m:t>
+                    </m:r>
+                  </m:oMath>
+                </a14:m>
+                <a:r>
+                  <a:rPr lang="en-US" i="1" baseline="-25000" dirty="0">
+                    <a:latin typeface="Cambria" panose="02040503050406030204" pitchFamily="18" charset="0"/>
+                    <a:ea typeface="Cambria" panose="02040503050406030204" pitchFamily="18" charset="0"/>
+                  </a:rPr>
+                  <a:t>mm</a:t>
+                </a:r>
+                <a:endParaRPr lang="en-US" baseline="-25000" dirty="0"/>
+              </a:p>
+            </p:txBody>
+          </p:sp>
+        </mc:Choice>
+        <mc:Fallback xmlns="">
+          <p:sp>
+            <p:nvSpPr>
+              <p:cNvPr id="189" name="Rectangle 188">
+                <a:extLst>
+                  <a:ext uri="{FF2B5EF4-FFF2-40B4-BE49-F238E27FC236}">
+                    <a16:creationId xmlns:a16="http://schemas.microsoft.com/office/drawing/2014/main" id="{EACAF4E4-3A8A-490E-AF3A-96251641BE5A}"/>
+                  </a:ext>
+                </a:extLst>
+              </p:cNvPr>
+              <p:cNvSpPr>
+                <a:spLocks noRot="1" noChangeAspect="1" noMove="1" noResize="1" noEditPoints="1" noAdjustHandles="1" noChangeArrowheads="1" noChangeShapeType="1" noTextEdit="1"/>
+              </p:cNvSpPr>
+              <p:nvPr/>
+            </p:nvSpPr>
+            <p:spPr>
+              <a:xfrm>
+                <a:off x="4467353" y="3136808"/>
+                <a:ext cx="582211" cy="362984"/>
+              </a:xfrm>
+              <a:prstGeom prst="rect">
+                <a:avLst/>
+              </a:prstGeom>
+              <a:blipFill>
+                <a:blip r:embed="rId11"/>
+                <a:stretch>
+                  <a:fillRect b="-23729"/>
+                </a:stretch>
+              </a:blipFill>
+            </p:spPr>
+            <p:txBody>
+              <a:bodyPr/>
+              <a:lstStyle/>
+              <a:p>
+                <a:r>
+                  <a:rPr lang="en-US">
+                    <a:noFill/>
+                  </a:rPr>
+                  <a:t> </a:t>
+                </a:r>
+              </a:p>
+            </p:txBody>
+          </p:sp>
+        </mc:Fallback>
+      </mc:AlternateContent>
+      <p:sp>
+        <p:nvSpPr>
+          <p:cNvPr id="243" name="Rectangle 242">
+            <a:extLst>
+              <a:ext uri="{FF2B5EF4-FFF2-40B4-BE49-F238E27FC236}">
+                <a16:creationId xmlns:a16="http://schemas.microsoft.com/office/drawing/2014/main" id="{44DE7901-53D2-4885-8FD5-6E4843D42591}"/>
+              </a:ext>
+            </a:extLst>
+          </p:cNvPr>
+          <p:cNvSpPr/>
+          <p:nvPr/>
+        </p:nvSpPr>
+        <p:spPr>
+          <a:xfrm>
+            <a:off x="2907315" y="4734954"/>
+            <a:ext cx="583814" cy="369332"/>
+          </a:xfrm>
+          <a:prstGeom prst="rect">
+            <a:avLst/>
+          </a:prstGeom>
+        </p:spPr>
+        <p:txBody>
+          <a:bodyPr wrap="none">
+            <a:spAutoFit/>
+          </a:bodyPr>
+          <a:lstStyle/>
+          <a:p>
+            <a:r>
+              <a:rPr lang="en-US" b="1" i="1" dirty="0" err="1">
+                <a:latin typeface="Cambria" panose="02040503050406030204" pitchFamily="18" charset="0"/>
+                <a:ea typeface="Cambria" panose="02040503050406030204" pitchFamily="18" charset="0"/>
+              </a:rPr>
+              <a:t>σ</a:t>
+            </a:r>
+            <a:r>
+              <a:rPr lang="en-US" i="1" baseline="-25000" dirty="0" err="1">
+                <a:latin typeface="Cambria" panose="02040503050406030204" pitchFamily="18" charset="0"/>
+                <a:ea typeface="Cambria" panose="02040503050406030204" pitchFamily="18" charset="0"/>
+              </a:rPr>
+              <a:t>tmp</a:t>
+            </a:r>
+            <a:endParaRPr lang="en-US" baseline="-25000" dirty="0"/>
+          </a:p>
+        </p:txBody>
+      </p:sp>
+      <p:sp>
+        <p:nvSpPr>
+          <p:cNvPr id="250" name="Rectangle 249">
+            <a:extLst>
+              <a:ext uri="{FF2B5EF4-FFF2-40B4-BE49-F238E27FC236}">
+                <a16:creationId xmlns:a16="http://schemas.microsoft.com/office/drawing/2014/main" id="{38EB5F4E-188B-4ED8-8C8E-F0E59F2E6797}"/>
+              </a:ext>
+            </a:extLst>
+          </p:cNvPr>
+          <p:cNvSpPr/>
+          <p:nvPr/>
+        </p:nvSpPr>
+        <p:spPr>
+          <a:xfrm>
+            <a:off x="7282982" y="2787971"/>
+            <a:ext cx="670376" cy="369332"/>
+          </a:xfrm>
+          <a:prstGeom prst="rect">
+            <a:avLst/>
+          </a:prstGeom>
+        </p:spPr>
+        <p:txBody>
+          <a:bodyPr wrap="none">
+            <a:spAutoFit/>
+          </a:bodyPr>
+          <a:lstStyle/>
+          <a:p>
+            <a:r>
+              <a:rPr lang="en-US" i="1" dirty="0" err="1">
+                <a:latin typeface="Cambria" panose="02040503050406030204" pitchFamily="18" charset="0"/>
+                <a:ea typeface="Cambria" panose="02040503050406030204" pitchFamily="18" charset="0"/>
+              </a:rPr>
+              <a:t>f</a:t>
+            </a:r>
+            <a:r>
+              <a:rPr lang="en-US" i="1" baseline="-25000" dirty="0" err="1">
+                <a:latin typeface="Cambria" panose="02040503050406030204" pitchFamily="18" charset="0"/>
+                <a:ea typeface="Cambria" panose="02040503050406030204" pitchFamily="18" charset="0"/>
+              </a:rPr>
+              <a:t>DP</a:t>
+            </a:r>
+            <a:r>
+              <a:rPr lang="en-US" i="1" baseline="-25000" dirty="0">
+                <a:latin typeface="Cambria" panose="02040503050406030204" pitchFamily="18" charset="0"/>
+                <a:ea typeface="Cambria" panose="02040503050406030204" pitchFamily="18" charset="0"/>
+              </a:rPr>
+              <a:t> old</a:t>
+            </a:r>
+            <a:endParaRPr lang="en-US" baseline="-25000" dirty="0"/>
+          </a:p>
+        </p:txBody>
+      </p:sp>
+      <p:sp>
+        <p:nvSpPr>
+          <p:cNvPr id="251" name="Rectangle 250">
+            <a:extLst>
+              <a:ext uri="{FF2B5EF4-FFF2-40B4-BE49-F238E27FC236}">
+                <a16:creationId xmlns:a16="http://schemas.microsoft.com/office/drawing/2014/main" id="{ADBFAFCC-0396-4988-904D-B079F7444A46}"/>
+              </a:ext>
+            </a:extLst>
+          </p:cNvPr>
+          <p:cNvSpPr/>
+          <p:nvPr/>
+        </p:nvSpPr>
+        <p:spPr>
+          <a:xfrm>
+            <a:off x="7882538" y="3499792"/>
+            <a:ext cx="564578" cy="369332"/>
+          </a:xfrm>
+          <a:prstGeom prst="rect">
+            <a:avLst/>
+          </a:prstGeom>
+        </p:spPr>
+        <p:txBody>
+          <a:bodyPr wrap="none">
+            <a:spAutoFit/>
+          </a:bodyPr>
+          <a:lstStyle/>
+          <a:p>
+            <a:r>
+              <a:rPr lang="en-US" dirty="0" err="1">
+                <a:latin typeface="Cambria" panose="02040503050406030204" pitchFamily="18" charset="0"/>
+                <a:ea typeface="Cambria" panose="02040503050406030204" pitchFamily="18" charset="0"/>
+              </a:rPr>
+              <a:t>d</a:t>
+            </a:r>
+            <a:r>
+              <a:rPr lang="en-US" i="1" dirty="0" err="1">
+                <a:latin typeface="Cambria" panose="02040503050406030204" pitchFamily="18" charset="0"/>
+                <a:ea typeface="Cambria" panose="02040503050406030204" pitchFamily="18" charset="0"/>
+              </a:rPr>
+              <a:t>f</a:t>
+            </a:r>
+            <a:r>
+              <a:rPr lang="en-US" i="1" baseline="-25000" dirty="0" err="1">
+                <a:latin typeface="Cambria" panose="02040503050406030204" pitchFamily="18" charset="0"/>
+                <a:ea typeface="Cambria" panose="02040503050406030204" pitchFamily="18" charset="0"/>
+              </a:rPr>
+              <a:t>DP</a:t>
+            </a:r>
+            <a:endParaRPr lang="en-US" baseline="-25000" dirty="0"/>
+          </a:p>
+        </p:txBody>
+      </p:sp>
+      <p:sp>
+        <p:nvSpPr>
+          <p:cNvPr id="252" name="Rectangle 251">
+            <a:extLst>
+              <a:ext uri="{FF2B5EF4-FFF2-40B4-BE49-F238E27FC236}">
+                <a16:creationId xmlns:a16="http://schemas.microsoft.com/office/drawing/2014/main" id="{22FE3A25-7155-4BB4-9742-60AD3B6A0EA2}"/>
+              </a:ext>
+            </a:extLst>
+          </p:cNvPr>
+          <p:cNvSpPr/>
+          <p:nvPr/>
+        </p:nvSpPr>
+        <p:spPr>
+          <a:xfrm>
+            <a:off x="6622841" y="3970368"/>
+            <a:ext cx="734496" cy="369332"/>
+          </a:xfrm>
+          <a:prstGeom prst="rect">
+            <a:avLst/>
+          </a:prstGeom>
+        </p:spPr>
+        <p:txBody>
+          <a:bodyPr wrap="none">
+            <a:spAutoFit/>
+          </a:bodyPr>
+          <a:lstStyle/>
+          <a:p>
+            <a:r>
+              <a:rPr lang="en-US" i="1" dirty="0" err="1">
+                <a:latin typeface="Cambria" panose="02040503050406030204" pitchFamily="18" charset="0"/>
+                <a:ea typeface="Cambria" panose="02040503050406030204" pitchFamily="18" charset="0"/>
+              </a:rPr>
+              <a:t>f</a:t>
+            </a:r>
+            <a:r>
+              <a:rPr lang="en-US" i="1" baseline="-25000" dirty="0" err="1">
+                <a:latin typeface="Cambria" panose="02040503050406030204" pitchFamily="18" charset="0"/>
+                <a:ea typeface="Cambria" panose="02040503050406030204" pitchFamily="18" charset="0"/>
+              </a:rPr>
+              <a:t>DP</a:t>
+            </a:r>
+            <a:r>
+              <a:rPr lang="en-US" i="1" baseline="-25000" dirty="0">
+                <a:latin typeface="Cambria" panose="02040503050406030204" pitchFamily="18" charset="0"/>
+                <a:ea typeface="Cambria" panose="02040503050406030204" pitchFamily="18" charset="0"/>
+              </a:rPr>
+              <a:t> new</a:t>
+            </a:r>
+            <a:endParaRPr lang="en-US" baseline="-25000" dirty="0"/>
+          </a:p>
+        </p:txBody>
+      </p:sp>
+      <mc:AlternateContent xmlns:mc="http://schemas.openxmlformats.org/markup-compatibility/2006" xmlns:a14="http://schemas.microsoft.com/office/drawing/2010/main">
+        <mc:Choice Requires="a14">
+          <p:sp>
+            <p:nvSpPr>
+              <p:cNvPr id="280" name="Rectangle 279">
+                <a:extLst>
+                  <a:ext uri="{FF2B5EF4-FFF2-40B4-BE49-F238E27FC236}">
+                    <a16:creationId xmlns:a16="http://schemas.microsoft.com/office/drawing/2014/main" id="{0F329BA3-AA0D-471F-9979-7EBAA45F76CB}"/>
+                  </a:ext>
+                </a:extLst>
+              </p:cNvPr>
+              <p:cNvSpPr/>
+              <p:nvPr/>
+            </p:nvSpPr>
+            <p:spPr>
+              <a:xfrm>
+                <a:off x="4957759" y="4702173"/>
+                <a:ext cx="545213" cy="390492"/>
+              </a:xfrm>
+              <a:prstGeom prst="rect">
+                <a:avLst/>
+              </a:prstGeom>
+            </p:spPr>
+            <p:txBody>
+              <a:bodyPr wrap="none">
+                <a:spAutoFit/>
+              </a:bodyPr>
+              <a:lstStyle/>
+              <a:p>
+                <a:pPr/>
+                <a14:m>
+                  <m:oMathPara xmlns:m="http://schemas.openxmlformats.org/officeDocument/2006/math">
+                    <m:oMathParaPr>
+                      <m:jc m:val="centerGroup"/>
+                    </m:oMathParaPr>
+                    <m:oMath xmlns:m="http://schemas.openxmlformats.org/officeDocument/2006/math">
+                      <m:rad>
+                        <m:radPr>
+                          <m:degHide m:val="on"/>
+                          <m:ctrlPr>
+                            <a:rPr lang="en-US" sz="1600" i="1" smtClean="0">
+                              <a:latin typeface="Cambria Math" panose="02040503050406030204" pitchFamily="18" charset="0"/>
+                              <a:ea typeface="Cambria Math" panose="02040503050406030204" pitchFamily="18" charset="0"/>
+                            </a:rPr>
+                          </m:ctrlPr>
+                        </m:radPr>
+                        <m:deg/>
+                        <m:e>
+                          <m:sSub>
+                            <m:sSubPr>
+                              <m:ctrlPr>
+                                <a:rPr lang="en-US" sz="1600" i="1" smtClean="0">
+                                  <a:latin typeface="Cambria Math" panose="02040503050406030204" pitchFamily="18" charset="0"/>
+                                  <a:ea typeface="Cambria Math" panose="02040503050406030204" pitchFamily="18" charset="0"/>
+                                </a:rPr>
+                              </m:ctrlPr>
+                            </m:sSubPr>
+                            <m:e>
+                              <m:r>
+                                <a:rPr lang="en-US" sz="1600" b="0" i="1" smtClean="0">
+                                  <a:latin typeface="Cambria Math" panose="02040503050406030204" pitchFamily="18" charset="0"/>
+                                  <a:ea typeface="Cambria Math" panose="02040503050406030204" pitchFamily="18" charset="0"/>
+                                </a:rPr>
+                                <m:t>𝐽</m:t>
+                              </m:r>
+                            </m:e>
+                            <m:sub>
+                              <m:r>
+                                <a:rPr lang="en-US" sz="1600" b="0" i="1" smtClean="0">
+                                  <a:latin typeface="Cambria Math" panose="02040503050406030204" pitchFamily="18" charset="0"/>
+                                  <a:ea typeface="Cambria Math" panose="02040503050406030204" pitchFamily="18" charset="0"/>
+                                </a:rPr>
+                                <m:t>2</m:t>
+                              </m:r>
+                            </m:sub>
+                          </m:sSub>
+                        </m:e>
+                      </m:rad>
+                    </m:oMath>
+                  </m:oMathPara>
+                </a14:m>
+                <a:endParaRPr lang="en-US" sz="1600" dirty="0"/>
+              </a:p>
+            </p:txBody>
+          </p:sp>
+        </mc:Choice>
+        <mc:Fallback xmlns="">
+          <p:sp>
+            <p:nvSpPr>
+              <p:cNvPr id="280" name="Rectangle 279">
+                <a:extLst>
+                  <a:ext uri="{FF2B5EF4-FFF2-40B4-BE49-F238E27FC236}">
+                    <a16:creationId xmlns:a16="http://schemas.microsoft.com/office/drawing/2014/main" id="{0F329BA3-AA0D-471F-9979-7EBAA45F76CB}"/>
+                  </a:ext>
+                </a:extLst>
+              </p:cNvPr>
+              <p:cNvSpPr>
+                <a:spLocks noRot="1" noChangeAspect="1" noMove="1" noResize="1" noEditPoints="1" noAdjustHandles="1" noChangeArrowheads="1" noChangeShapeType="1" noTextEdit="1"/>
+              </p:cNvSpPr>
+              <p:nvPr/>
+            </p:nvSpPr>
+            <p:spPr>
+              <a:xfrm>
+                <a:off x="4957759" y="4702173"/>
+                <a:ext cx="545213" cy="390492"/>
+              </a:xfrm>
+              <a:prstGeom prst="rect">
+                <a:avLst/>
+              </a:prstGeom>
+              <a:blipFill>
+                <a:blip r:embed="rId12"/>
+                <a:stretch>
+                  <a:fillRect b="-6250"/>
+                </a:stretch>
+              </a:blipFill>
+            </p:spPr>
+            <p:txBody>
+              <a:bodyPr/>
+              <a:lstStyle/>
+              <a:p>
+                <a:r>
+                  <a:rPr lang="en-US">
+                    <a:noFill/>
+                  </a:rPr>
+                  <a:t> </a:t>
+                </a:r>
+              </a:p>
+            </p:txBody>
+          </p:sp>
+        </mc:Fallback>
+      </mc:AlternateContent>
+      <mc:AlternateContent xmlns:mc="http://schemas.openxmlformats.org/markup-compatibility/2006" xmlns:a14="http://schemas.microsoft.com/office/drawing/2010/main">
+        <mc:Choice Requires="a14">
+          <p:sp>
+            <p:nvSpPr>
+              <p:cNvPr id="281" name="Rectangle 280">
+                <a:extLst>
+                  <a:ext uri="{FF2B5EF4-FFF2-40B4-BE49-F238E27FC236}">
+                    <a16:creationId xmlns:a16="http://schemas.microsoft.com/office/drawing/2014/main" id="{F56BB474-DA7B-4885-BFB7-02DA3B10A1EB}"/>
+                  </a:ext>
+                </a:extLst>
+              </p:cNvPr>
+              <p:cNvSpPr/>
+              <p:nvPr/>
+            </p:nvSpPr>
+            <p:spPr>
+              <a:xfrm>
+                <a:off x="3788301" y="5192318"/>
+                <a:ext cx="373567" cy="369332"/>
+              </a:xfrm>
+              <a:prstGeom prst="rect">
+                <a:avLst/>
+              </a:prstGeom>
+            </p:spPr>
+            <p:txBody>
+              <a:bodyPr wrap="square">
+                <a:spAutoFit/>
+              </a:bodyPr>
+              <a:lstStyle/>
+              <a:p>
+                <a:pPr/>
+                <a14:m>
+                  <m:oMathPara xmlns:m="http://schemas.openxmlformats.org/officeDocument/2006/math">
+                    <m:oMathParaPr>
+                      <m:jc m:val="centerGroup"/>
+                    </m:oMathParaPr>
+                    <m:oMath xmlns:m="http://schemas.openxmlformats.org/officeDocument/2006/math">
+                      <m:sSub>
+                        <m:sSubPr>
+                          <m:ctrlPr>
+                            <a:rPr lang="en-US" i="1" smtClean="0">
+                              <a:latin typeface="Cambria Math" panose="02040503050406030204" pitchFamily="18" charset="0"/>
+                              <a:ea typeface="Cambria Math" panose="02040503050406030204" pitchFamily="18" charset="0"/>
+                            </a:rPr>
+                          </m:ctrlPr>
+                        </m:sSubPr>
+                        <m:e>
+                          <m:r>
+                            <a:rPr lang="en-US" b="0" i="1" smtClean="0">
+                              <a:latin typeface="Cambria Math" panose="02040503050406030204" pitchFamily="18" charset="0"/>
+                              <a:ea typeface="Cambria Math" panose="02040503050406030204" pitchFamily="18" charset="0"/>
+                            </a:rPr>
+                            <m:t>𝐼</m:t>
+                          </m:r>
+                        </m:e>
+                        <m:sub>
+                          <m:r>
+                            <a:rPr lang="en-US" b="0" i="1" smtClean="0">
+                              <a:latin typeface="Cambria Math" panose="02040503050406030204" pitchFamily="18" charset="0"/>
+                              <a:ea typeface="Cambria Math" panose="02040503050406030204" pitchFamily="18" charset="0"/>
+                            </a:rPr>
+                            <m:t>1</m:t>
+                          </m:r>
+                        </m:sub>
+                      </m:sSub>
+                    </m:oMath>
+                  </m:oMathPara>
+                </a14:m>
+                <a:endParaRPr lang="en-US" dirty="0"/>
+              </a:p>
+            </p:txBody>
+          </p:sp>
+        </mc:Choice>
+        <mc:Fallback xmlns="">
+          <p:sp>
+            <p:nvSpPr>
+              <p:cNvPr id="281" name="Rectangle 280">
+                <a:extLst>
+                  <a:ext uri="{FF2B5EF4-FFF2-40B4-BE49-F238E27FC236}">
+                    <a16:creationId xmlns:a16="http://schemas.microsoft.com/office/drawing/2014/main" id="{F56BB474-DA7B-4885-BFB7-02DA3B10A1EB}"/>
+                  </a:ext>
+                </a:extLst>
+              </p:cNvPr>
+              <p:cNvSpPr>
+                <a:spLocks noRot="1" noChangeAspect="1" noMove="1" noResize="1" noEditPoints="1" noAdjustHandles="1" noChangeArrowheads="1" noChangeShapeType="1" noTextEdit="1"/>
+              </p:cNvSpPr>
+              <p:nvPr/>
+            </p:nvSpPr>
+            <p:spPr>
+              <a:xfrm>
+                <a:off x="3788301" y="5192318"/>
+                <a:ext cx="373567" cy="369332"/>
+              </a:xfrm>
+              <a:prstGeom prst="rect">
+                <a:avLst/>
+              </a:prstGeom>
+              <a:blipFill>
+                <a:blip r:embed="rId13"/>
+                <a:stretch>
+                  <a:fillRect/>
+                </a:stretch>
+              </a:blipFill>
+            </p:spPr>
+            <p:txBody>
+              <a:bodyPr/>
+              <a:lstStyle/>
+              <a:p>
+                <a:r>
+                  <a:rPr lang="en-US">
+                    <a:noFill/>
+                  </a:rPr>
+                  <a:t> </a:t>
+                </a:r>
+              </a:p>
+            </p:txBody>
+          </p:sp>
+        </mc:Fallback>
+      </mc:AlternateContent>
+      <p:sp>
+        <p:nvSpPr>
+          <p:cNvPr id="282" name="Rectangle 281">
+            <a:extLst>
+              <a:ext uri="{FF2B5EF4-FFF2-40B4-BE49-F238E27FC236}">
+                <a16:creationId xmlns:a16="http://schemas.microsoft.com/office/drawing/2014/main" id="{32135F23-C21F-4ABC-8C2F-60E013685CB7}"/>
+              </a:ext>
+            </a:extLst>
+          </p:cNvPr>
+          <p:cNvSpPr/>
+          <p:nvPr/>
+        </p:nvSpPr>
+        <p:spPr>
+          <a:xfrm>
+            <a:off x="4462544" y="4710767"/>
+            <a:ext cx="287258" cy="369332"/>
+          </a:xfrm>
+          <a:prstGeom prst="rect">
+            <a:avLst/>
+          </a:prstGeom>
+        </p:spPr>
+        <p:txBody>
+          <a:bodyPr wrap="none">
+            <a:spAutoFit/>
+          </a:bodyPr>
+          <a:lstStyle/>
+          <a:p>
+            <a:r>
+              <a:rPr lang="en-US" b="1" i="1" dirty="0">
+                <a:latin typeface="Cambria" panose="02040503050406030204" pitchFamily="18" charset="0"/>
+                <a:ea typeface="Cambria" panose="02040503050406030204" pitchFamily="18" charset="0"/>
+              </a:rPr>
+              <a:t>s</a:t>
+            </a:r>
+          </a:p>
+        </p:txBody>
+      </p:sp>
+      <p:sp>
+        <p:nvSpPr>
+          <p:cNvPr id="283" name="Rectangle 282">
+            <a:extLst>
+              <a:ext uri="{FF2B5EF4-FFF2-40B4-BE49-F238E27FC236}">
+                <a16:creationId xmlns:a16="http://schemas.microsoft.com/office/drawing/2014/main" id="{E745FBB3-4C12-4FC9-A70C-DC376F5FA49A}"/>
+              </a:ext>
+            </a:extLst>
+          </p:cNvPr>
+          <p:cNvSpPr/>
+          <p:nvPr/>
+        </p:nvSpPr>
+        <p:spPr>
+          <a:xfrm>
+            <a:off x="3925546" y="4320630"/>
+            <a:ext cx="415498" cy="369332"/>
+          </a:xfrm>
+          <a:prstGeom prst="rect">
+            <a:avLst/>
+          </a:prstGeom>
+        </p:spPr>
+        <p:txBody>
+          <a:bodyPr wrap="none">
+            <a:spAutoFit/>
+          </a:bodyPr>
+          <a:lstStyle/>
+          <a:p>
+            <a:r>
+              <a:rPr lang="en-US" i="1" dirty="0" err="1">
+                <a:latin typeface="Cambria" panose="02040503050406030204" pitchFamily="18" charset="0"/>
+                <a:ea typeface="Cambria" panose="02040503050406030204" pitchFamily="18" charset="0"/>
+              </a:rPr>
+              <a:t>σ</a:t>
+            </a:r>
+            <a:r>
+              <a:rPr lang="en-US" i="1" baseline="-25000" dirty="0" err="1">
+                <a:latin typeface="Cambria" panose="02040503050406030204" pitchFamily="18" charset="0"/>
+                <a:ea typeface="Cambria" panose="02040503050406030204" pitchFamily="18" charset="0"/>
+              </a:rPr>
+              <a:t>H</a:t>
+            </a:r>
+            <a:endParaRPr lang="en-US" baseline="-25000" dirty="0"/>
+          </a:p>
+        </p:txBody>
+      </p:sp>
+      <p:sp>
+        <p:nvSpPr>
+          <p:cNvPr id="319" name="Rectangle 318">
+            <a:extLst>
+              <a:ext uri="{FF2B5EF4-FFF2-40B4-BE49-F238E27FC236}">
+                <a16:creationId xmlns:a16="http://schemas.microsoft.com/office/drawing/2014/main" id="{B4D276C3-998A-497E-A378-160C81D34947}"/>
+              </a:ext>
+            </a:extLst>
+          </p:cNvPr>
+          <p:cNvSpPr/>
+          <p:nvPr/>
+        </p:nvSpPr>
+        <p:spPr>
+          <a:xfrm>
+            <a:off x="7578769" y="4211613"/>
+            <a:ext cx="1172116" cy="369332"/>
+          </a:xfrm>
+          <a:prstGeom prst="rect">
+            <a:avLst/>
+          </a:prstGeom>
+        </p:spPr>
+        <p:txBody>
+          <a:bodyPr wrap="none">
+            <a:spAutoFit/>
+          </a:bodyPr>
+          <a:lstStyle/>
+          <a:p>
+            <a:r>
+              <a:rPr lang="en-US" i="1" dirty="0">
+                <a:latin typeface="Cambria" panose="02040503050406030204" pitchFamily="18" charset="0"/>
+                <a:ea typeface="Cambria" panose="02040503050406030204" pitchFamily="18" charset="0"/>
+              </a:rPr>
+              <a:t>flag adapt</a:t>
+            </a:r>
+          </a:p>
+        </p:txBody>
+      </p:sp>
+      <p:sp>
+        <p:nvSpPr>
+          <p:cNvPr id="350" name="Rectangle 349">
+            <a:extLst>
+              <a:ext uri="{FF2B5EF4-FFF2-40B4-BE49-F238E27FC236}">
+                <a16:creationId xmlns:a16="http://schemas.microsoft.com/office/drawing/2014/main" id="{65C84B42-D1F2-4D16-8F55-962782FC5115}"/>
+              </a:ext>
+            </a:extLst>
+          </p:cNvPr>
+          <p:cNvSpPr/>
+          <p:nvPr/>
+        </p:nvSpPr>
+        <p:spPr>
+          <a:xfrm>
+            <a:off x="6580610" y="5410335"/>
+            <a:ext cx="930063" cy="369332"/>
+          </a:xfrm>
+          <a:prstGeom prst="rect">
+            <a:avLst/>
+          </a:prstGeom>
+        </p:spPr>
+        <p:txBody>
+          <a:bodyPr wrap="none">
+            <a:spAutoFit/>
+          </a:bodyPr>
+          <a:lstStyle/>
+          <a:p>
+            <a:r>
+              <a:rPr lang="en-US" i="1" dirty="0">
+                <a:latin typeface="Cambria" panose="02040503050406030204" pitchFamily="18" charset="0"/>
+                <a:ea typeface="Cambria" panose="02040503050406030204" pitchFamily="18" charset="0"/>
+              </a:rPr>
+              <a:t>adapt </a:t>
+            </a:r>
+            <a:r>
+              <a:rPr lang="en-US" dirty="0">
+                <a:latin typeface="Cambria" panose="02040503050406030204" pitchFamily="18" charset="0"/>
+                <a:ea typeface="Cambria" panose="02040503050406030204" pitchFamily="18" charset="0"/>
+              </a:rPr>
+              <a:t>1</a:t>
+            </a:r>
+          </a:p>
+        </p:txBody>
+      </p:sp>
+      <p:sp>
+        <p:nvSpPr>
+          <p:cNvPr id="351" name="Rectangle 350">
+            <a:extLst>
+              <a:ext uri="{FF2B5EF4-FFF2-40B4-BE49-F238E27FC236}">
+                <a16:creationId xmlns:a16="http://schemas.microsoft.com/office/drawing/2014/main" id="{C4F43517-87D1-4389-BACC-17FB7C0EFFB9}"/>
+              </a:ext>
+            </a:extLst>
+          </p:cNvPr>
+          <p:cNvSpPr/>
+          <p:nvPr/>
+        </p:nvSpPr>
+        <p:spPr>
+          <a:xfrm>
+            <a:off x="7888918" y="5153877"/>
+            <a:ext cx="930063" cy="369332"/>
+          </a:xfrm>
+          <a:prstGeom prst="rect">
+            <a:avLst/>
+          </a:prstGeom>
+        </p:spPr>
+        <p:txBody>
+          <a:bodyPr wrap="none">
+            <a:spAutoFit/>
+          </a:bodyPr>
+          <a:lstStyle/>
+          <a:p>
+            <a:r>
+              <a:rPr lang="en-US" i="1" dirty="0">
+                <a:latin typeface="Cambria" panose="02040503050406030204" pitchFamily="18" charset="0"/>
+                <a:ea typeface="Cambria" panose="02040503050406030204" pitchFamily="18" charset="0"/>
+              </a:rPr>
+              <a:t>adapt </a:t>
+            </a:r>
+            <a:r>
+              <a:rPr lang="en-US" dirty="0">
+                <a:latin typeface="Cambria" panose="02040503050406030204" pitchFamily="18" charset="0"/>
+                <a:ea typeface="Cambria" panose="02040503050406030204" pitchFamily="18" charset="0"/>
+              </a:rPr>
+              <a:t>2</a:t>
+            </a:r>
+          </a:p>
+        </p:txBody>
+      </p:sp>
+    </p:spTree>
+    <p:extLst>
+      <p:ext uri="{BB962C8B-B14F-4D97-AF65-F5344CB8AC3E}">
+        <p14:creationId xmlns:p14="http://schemas.microsoft.com/office/powerpoint/2010/main" val="2463537279"/>
+      </p:ext>
+    </p:extLst>
+  </p:cSld>
+  <p:clrMapOvr>
+    <a:masterClrMapping/>
+  </p:clrMapOvr>
+</p:sld>
+</file>
+
 <file path=ppt/theme/theme1.xml><?xml version="1.0" encoding="utf-8"?>
 <a:theme xmlns:a="http://schemas.openxmlformats.org/drawingml/2006/main" name="Office Theme">
   <a:themeElements>

--- a/data/draft.pptx
+++ b/data/draft.pptx
@@ -8,6 +8,7 @@
     <p:sldId id="257" r:id="rId2"/>
     <p:sldId id="258" r:id="rId3"/>
     <p:sldId id="259" r:id="rId4"/>
+    <p:sldId id="260" r:id="rId5"/>
   </p:sldIdLst>
   <p:sldSz cx="12192000" cy="6858000"/>
   <p:notesSz cx="6797675" cy="9926638"/>
@@ -274,7 +275,7 @@
           <a:p>
             <a:fld id="{8837BD83-C95D-452A-8A03-A9CBA33557B0}" type="datetimeFigureOut">
               <a:rPr lang="en-GB" smtClean="0"/>
-              <a:t>21/07/2022</a:t>
+              <a:t>05/08/2022</a:t>
             </a:fld>
             <a:endParaRPr lang="en-GB"/>
           </a:p>
@@ -474,7 +475,7 @@
           <a:p>
             <a:fld id="{8837BD83-C95D-452A-8A03-A9CBA33557B0}" type="datetimeFigureOut">
               <a:rPr lang="en-GB" smtClean="0"/>
-              <a:t>21/07/2022</a:t>
+              <a:t>05/08/2022</a:t>
             </a:fld>
             <a:endParaRPr lang="en-GB"/>
           </a:p>
@@ -684,7 +685,7 @@
           <a:p>
             <a:fld id="{8837BD83-C95D-452A-8A03-A9CBA33557B0}" type="datetimeFigureOut">
               <a:rPr lang="en-GB" smtClean="0"/>
-              <a:t>21/07/2022</a:t>
+              <a:t>05/08/2022</a:t>
             </a:fld>
             <a:endParaRPr lang="en-GB"/>
           </a:p>
@@ -884,7 +885,7 @@
           <a:p>
             <a:fld id="{8837BD83-C95D-452A-8A03-A9CBA33557B0}" type="datetimeFigureOut">
               <a:rPr lang="en-GB" smtClean="0"/>
-              <a:t>21/07/2022</a:t>
+              <a:t>05/08/2022</a:t>
             </a:fld>
             <a:endParaRPr lang="en-GB"/>
           </a:p>
@@ -1160,7 +1161,7 @@
           <a:p>
             <a:fld id="{8837BD83-C95D-452A-8A03-A9CBA33557B0}" type="datetimeFigureOut">
               <a:rPr lang="en-GB" smtClean="0"/>
-              <a:t>21/07/2022</a:t>
+              <a:t>05/08/2022</a:t>
             </a:fld>
             <a:endParaRPr lang="en-GB"/>
           </a:p>
@@ -1428,7 +1429,7 @@
           <a:p>
             <a:fld id="{8837BD83-C95D-452A-8A03-A9CBA33557B0}" type="datetimeFigureOut">
               <a:rPr lang="en-GB" smtClean="0"/>
-              <a:t>21/07/2022</a:t>
+              <a:t>05/08/2022</a:t>
             </a:fld>
             <a:endParaRPr lang="en-GB"/>
           </a:p>
@@ -1843,7 +1844,7 @@
           <a:p>
             <a:fld id="{8837BD83-C95D-452A-8A03-A9CBA33557B0}" type="datetimeFigureOut">
               <a:rPr lang="en-GB" smtClean="0"/>
-              <a:t>21/07/2022</a:t>
+              <a:t>05/08/2022</a:t>
             </a:fld>
             <a:endParaRPr lang="en-GB"/>
           </a:p>
@@ -1985,7 +1986,7 @@
           <a:p>
             <a:fld id="{8837BD83-C95D-452A-8A03-A9CBA33557B0}" type="datetimeFigureOut">
               <a:rPr lang="en-GB" smtClean="0"/>
-              <a:t>21/07/2022</a:t>
+              <a:t>05/08/2022</a:t>
             </a:fld>
             <a:endParaRPr lang="en-GB"/>
           </a:p>
@@ -2098,7 +2099,7 @@
           <a:p>
             <a:fld id="{8837BD83-C95D-452A-8A03-A9CBA33557B0}" type="datetimeFigureOut">
               <a:rPr lang="en-GB" smtClean="0"/>
-              <a:t>21/07/2022</a:t>
+              <a:t>05/08/2022</a:t>
             </a:fld>
             <a:endParaRPr lang="en-GB"/>
           </a:p>
@@ -2411,7 +2412,7 @@
           <a:p>
             <a:fld id="{8837BD83-C95D-452A-8A03-A9CBA33557B0}" type="datetimeFigureOut">
               <a:rPr lang="en-GB" smtClean="0"/>
-              <a:t>21/07/2022</a:t>
+              <a:t>05/08/2022</a:t>
             </a:fld>
             <a:endParaRPr lang="en-GB"/>
           </a:p>
@@ -2700,7 +2701,7 @@
           <a:p>
             <a:fld id="{8837BD83-C95D-452A-8A03-A9CBA33557B0}" type="datetimeFigureOut">
               <a:rPr lang="en-GB" smtClean="0"/>
-              <a:t>21/07/2022</a:t>
+              <a:t>05/08/2022</a:t>
             </a:fld>
             <a:endParaRPr lang="en-GB"/>
           </a:p>
@@ -2943,7 +2944,7 @@
           <a:p>
             <a:fld id="{8837BD83-C95D-452A-8A03-A9CBA33557B0}" type="datetimeFigureOut">
               <a:rPr lang="en-GB" smtClean="0"/>
-              <a:t>21/07/2022</a:t>
+              <a:t>05/08/2022</a:t>
             </a:fld>
             <a:endParaRPr lang="en-GB"/>
           </a:p>
@@ -11254,6 +11255,1788 @@
 </p:sld>
 </file>
 
+<file path=ppt/slides/slide4.xml><?xml version="1.0" encoding="utf-8"?>
+<p:sld xmlns:a="http://schemas.openxmlformats.org/drawingml/2006/main" xmlns:r="http://schemas.openxmlformats.org/officeDocument/2006/relationships" xmlns:p="http://schemas.openxmlformats.org/presentationml/2006/main">
+  <p:cSld>
+    <p:spTree>
+      <p:nvGrpSpPr>
+        <p:cNvPr id="1" name=""/>
+        <p:cNvGrpSpPr/>
+        <p:nvPr/>
+      </p:nvGrpSpPr>
+      <p:grpSpPr>
+        <a:xfrm>
+          <a:off x="0" y="0"/>
+          <a:ext cx="0" cy="0"/>
+          <a:chOff x="0" y="0"/>
+          <a:chExt cx="0" cy="0"/>
+        </a:xfrm>
+      </p:grpSpPr>
+      <p:cxnSp>
+        <p:nvCxnSpPr>
+          <p:cNvPr id="5" name="Straight Arrow Connector 4">
+            <a:extLst>
+              <a:ext uri="{FF2B5EF4-FFF2-40B4-BE49-F238E27FC236}">
+                <a16:creationId xmlns:a16="http://schemas.microsoft.com/office/drawing/2014/main" id="{25678131-EFC3-4457-9F70-BED9F66DDAE7}"/>
+              </a:ext>
+            </a:extLst>
+          </p:cNvPr>
+          <p:cNvCxnSpPr>
+            <a:cxnSpLocks/>
+          </p:cNvCxnSpPr>
+          <p:nvPr/>
+        </p:nvCxnSpPr>
+        <p:spPr>
+          <a:xfrm>
+            <a:off x="1584959" y="966643"/>
+            <a:ext cx="1465279" cy="2306431"/>
+          </a:xfrm>
+          <a:prstGeom prst="straightConnector1">
+            <a:avLst/>
+          </a:prstGeom>
+          <a:ln>
+            <a:tailEnd type="triangle"/>
+          </a:ln>
+        </p:spPr>
+        <p:style>
+          <a:lnRef idx="1">
+            <a:schemeClr val="accent1"/>
+          </a:lnRef>
+          <a:fillRef idx="0">
+            <a:schemeClr val="accent1"/>
+          </a:fillRef>
+          <a:effectRef idx="0">
+            <a:schemeClr val="accent1"/>
+          </a:effectRef>
+          <a:fontRef idx="minor">
+            <a:schemeClr val="tx1"/>
+          </a:fontRef>
+        </p:style>
+      </p:cxnSp>
+      <p:cxnSp>
+        <p:nvCxnSpPr>
+          <p:cNvPr id="7" name="Straight Arrow Connector 6">
+            <a:extLst>
+              <a:ext uri="{FF2B5EF4-FFF2-40B4-BE49-F238E27FC236}">
+                <a16:creationId xmlns:a16="http://schemas.microsoft.com/office/drawing/2014/main" id="{F2DF2B7A-94D9-4B39-9E24-A0964FC4B1DB}"/>
+              </a:ext>
+            </a:extLst>
+          </p:cNvPr>
+          <p:cNvCxnSpPr>
+            <a:cxnSpLocks/>
+          </p:cNvCxnSpPr>
+          <p:nvPr/>
+        </p:nvCxnSpPr>
+        <p:spPr>
+          <a:xfrm>
+            <a:off x="3049118" y="3273074"/>
+            <a:ext cx="3299431" cy="2013577"/>
+          </a:xfrm>
+          <a:prstGeom prst="straightConnector1">
+            <a:avLst/>
+          </a:prstGeom>
+          <a:ln>
+            <a:tailEnd type="triangle"/>
+          </a:ln>
+        </p:spPr>
+        <p:style>
+          <a:lnRef idx="1">
+            <a:schemeClr val="accent1"/>
+          </a:lnRef>
+          <a:fillRef idx="0">
+            <a:schemeClr val="accent1"/>
+          </a:fillRef>
+          <a:effectRef idx="0">
+            <a:schemeClr val="accent1"/>
+          </a:effectRef>
+          <a:fontRef idx="minor">
+            <a:schemeClr val="tx1"/>
+          </a:fontRef>
+        </p:style>
+      </p:cxnSp>
+      <p:cxnSp>
+        <p:nvCxnSpPr>
+          <p:cNvPr id="9" name="Straight Arrow Connector 8">
+            <a:extLst>
+              <a:ext uri="{FF2B5EF4-FFF2-40B4-BE49-F238E27FC236}">
+                <a16:creationId xmlns:a16="http://schemas.microsoft.com/office/drawing/2014/main" id="{DD16E2E7-5454-4B1F-BD77-C50191E488D7}"/>
+              </a:ext>
+            </a:extLst>
+          </p:cNvPr>
+          <p:cNvCxnSpPr>
+            <a:cxnSpLocks/>
+            <a:endCxn id="20" idx="3"/>
+          </p:cNvCxnSpPr>
+          <p:nvPr/>
+        </p:nvCxnSpPr>
+        <p:spPr>
+          <a:xfrm flipV="1">
+            <a:off x="6348549" y="3126651"/>
+            <a:ext cx="3156411" cy="2160002"/>
+          </a:xfrm>
+          <a:prstGeom prst="straightConnector1">
+            <a:avLst/>
+          </a:prstGeom>
+          <a:ln>
+            <a:tailEnd type="triangle"/>
+          </a:ln>
+        </p:spPr>
+        <p:style>
+          <a:lnRef idx="1">
+            <a:schemeClr val="accent1"/>
+          </a:lnRef>
+          <a:fillRef idx="0">
+            <a:schemeClr val="accent1"/>
+          </a:fillRef>
+          <a:effectRef idx="0">
+            <a:schemeClr val="accent1"/>
+          </a:effectRef>
+          <a:fontRef idx="minor">
+            <a:schemeClr val="tx1"/>
+          </a:fontRef>
+        </p:style>
+      </p:cxnSp>
+      <p:sp>
+        <p:nvSpPr>
+          <p:cNvPr id="16" name="Arrow: Right 15">
+            <a:extLst>
+              <a:ext uri="{FF2B5EF4-FFF2-40B4-BE49-F238E27FC236}">
+                <a16:creationId xmlns:a16="http://schemas.microsoft.com/office/drawing/2014/main" id="{EC3E02F7-C911-4B15-986D-BECEDA976AA0}"/>
+              </a:ext>
+            </a:extLst>
+          </p:cNvPr>
+          <p:cNvSpPr/>
+          <p:nvPr/>
+        </p:nvSpPr>
+        <p:spPr>
+          <a:xfrm rot="19647253">
+            <a:off x="2375524" y="1859630"/>
+            <a:ext cx="514352" cy="365486"/>
+          </a:xfrm>
+          <a:prstGeom prst="rightArrow">
+            <a:avLst/>
+          </a:prstGeom>
+        </p:spPr>
+        <p:style>
+          <a:lnRef idx="2">
+            <a:schemeClr val="accent1">
+              <a:shade val="50000"/>
+            </a:schemeClr>
+          </a:lnRef>
+          <a:fillRef idx="1">
+            <a:schemeClr val="accent1"/>
+          </a:fillRef>
+          <a:effectRef idx="0">
+            <a:schemeClr val="accent1"/>
+          </a:effectRef>
+          <a:fontRef idx="minor">
+            <a:schemeClr val="lt1"/>
+          </a:fontRef>
+        </p:style>
+        <p:txBody>
+          <a:bodyPr rtlCol="0" anchor="ctr"/>
+          <a:lstStyle/>
+          <a:p>
+            <a:pPr algn="ctr"/>
+            <a:endParaRPr lang="en-US"/>
+          </a:p>
+        </p:txBody>
+      </p:sp>
+      <p:sp>
+        <p:nvSpPr>
+          <p:cNvPr id="17" name="Arrow: Right 16">
+            <a:extLst>
+              <a:ext uri="{FF2B5EF4-FFF2-40B4-BE49-F238E27FC236}">
+                <a16:creationId xmlns:a16="http://schemas.microsoft.com/office/drawing/2014/main" id="{B0E3604C-14B9-4E54-A115-E8792CF3F40D}"/>
+              </a:ext>
+            </a:extLst>
+          </p:cNvPr>
+          <p:cNvSpPr/>
+          <p:nvPr/>
+        </p:nvSpPr>
+        <p:spPr>
+          <a:xfrm rot="18123071">
+            <a:off x="4523322" y="3787366"/>
+            <a:ext cx="565443" cy="332462"/>
+          </a:xfrm>
+          <a:prstGeom prst="rightArrow">
+            <a:avLst/>
+          </a:prstGeom>
+        </p:spPr>
+        <p:style>
+          <a:lnRef idx="2">
+            <a:schemeClr val="accent1">
+              <a:shade val="50000"/>
+            </a:schemeClr>
+          </a:lnRef>
+          <a:fillRef idx="1">
+            <a:schemeClr val="accent1"/>
+          </a:fillRef>
+          <a:effectRef idx="0">
+            <a:schemeClr val="accent1"/>
+          </a:effectRef>
+          <a:fontRef idx="minor">
+            <a:schemeClr val="lt1"/>
+          </a:fontRef>
+        </p:style>
+        <p:txBody>
+          <a:bodyPr rtlCol="0" anchor="ctr"/>
+          <a:lstStyle/>
+          <a:p>
+            <a:pPr algn="ctr"/>
+            <a:endParaRPr lang="en-US"/>
+          </a:p>
+        </p:txBody>
+      </p:sp>
+      <p:sp>
+        <p:nvSpPr>
+          <p:cNvPr id="18" name="Arrow: Right 17">
+            <a:extLst>
+              <a:ext uri="{FF2B5EF4-FFF2-40B4-BE49-F238E27FC236}">
+                <a16:creationId xmlns:a16="http://schemas.microsoft.com/office/drawing/2014/main" id="{8398161B-15AD-43F9-BEC2-A5A2D4A07053}"/>
+              </a:ext>
+            </a:extLst>
+          </p:cNvPr>
+          <p:cNvSpPr/>
+          <p:nvPr/>
+        </p:nvSpPr>
+        <p:spPr>
+          <a:xfrm rot="14130488">
+            <a:off x="7464032" y="3729697"/>
+            <a:ext cx="565443" cy="332462"/>
+          </a:xfrm>
+          <a:prstGeom prst="rightArrow">
+            <a:avLst/>
+          </a:prstGeom>
+        </p:spPr>
+        <p:style>
+          <a:lnRef idx="2">
+            <a:schemeClr val="accent1">
+              <a:shade val="50000"/>
+            </a:schemeClr>
+          </a:lnRef>
+          <a:fillRef idx="1">
+            <a:schemeClr val="accent1"/>
+          </a:fillRef>
+          <a:effectRef idx="0">
+            <a:schemeClr val="accent1"/>
+          </a:effectRef>
+          <a:fontRef idx="minor">
+            <a:schemeClr val="lt1"/>
+          </a:fontRef>
+        </p:style>
+        <p:txBody>
+          <a:bodyPr rtlCol="0" anchor="ctr"/>
+          <a:lstStyle/>
+          <a:p>
+            <a:pPr algn="ctr"/>
+            <a:endParaRPr lang="en-US"/>
+          </a:p>
+        </p:txBody>
+      </p:sp>
+      <p:sp>
+        <p:nvSpPr>
+          <p:cNvPr id="20" name="Rectangle 19">
+            <a:extLst>
+              <a:ext uri="{FF2B5EF4-FFF2-40B4-BE49-F238E27FC236}">
+                <a16:creationId xmlns:a16="http://schemas.microsoft.com/office/drawing/2014/main" id="{B3BDF3B1-C08C-4982-8549-0EF07AA5B511}"/>
+              </a:ext>
+            </a:extLst>
+          </p:cNvPr>
+          <p:cNvSpPr/>
+          <p:nvPr/>
+        </p:nvSpPr>
+        <p:spPr>
+          <a:xfrm>
+            <a:off x="1584960" y="966651"/>
+            <a:ext cx="7920000" cy="4320000"/>
+          </a:xfrm>
+          <a:prstGeom prst="rect">
+            <a:avLst/>
+          </a:prstGeom>
+          <a:noFill/>
+        </p:spPr>
+        <p:style>
+          <a:lnRef idx="2">
+            <a:schemeClr val="dk1"/>
+          </a:lnRef>
+          <a:fillRef idx="1">
+            <a:schemeClr val="lt1"/>
+          </a:fillRef>
+          <a:effectRef idx="0">
+            <a:schemeClr val="dk1"/>
+          </a:effectRef>
+          <a:fontRef idx="minor">
+            <a:schemeClr val="dk1"/>
+          </a:fontRef>
+        </p:style>
+        <p:txBody>
+          <a:bodyPr rtlCol="0" anchor="ctr"/>
+          <a:lstStyle/>
+          <a:p>
+            <a:pPr algn="ctr"/>
+            <a:endParaRPr lang="en-US" dirty="0"/>
+          </a:p>
+        </p:txBody>
+      </p:sp>
+      <p:sp>
+        <p:nvSpPr>
+          <p:cNvPr id="32" name="Rectangle 31">
+            <a:extLst>
+              <a:ext uri="{FF2B5EF4-FFF2-40B4-BE49-F238E27FC236}">
+                <a16:creationId xmlns:a16="http://schemas.microsoft.com/office/drawing/2014/main" id="{096D94FD-2A43-4838-97AF-C2377D7C3843}"/>
+              </a:ext>
+            </a:extLst>
+          </p:cNvPr>
+          <p:cNvSpPr/>
+          <p:nvPr/>
+        </p:nvSpPr>
+        <p:spPr>
+          <a:xfrm>
+            <a:off x="1224960" y="606651"/>
+            <a:ext cx="8640000" cy="5040000"/>
+          </a:xfrm>
+          <a:prstGeom prst="rect">
+            <a:avLst/>
+          </a:prstGeom>
+          <a:noFill/>
+        </p:spPr>
+        <p:style>
+          <a:lnRef idx="2">
+            <a:schemeClr val="dk1"/>
+          </a:lnRef>
+          <a:fillRef idx="1">
+            <a:schemeClr val="lt1"/>
+          </a:fillRef>
+          <a:effectRef idx="0">
+            <a:schemeClr val="dk1"/>
+          </a:effectRef>
+          <a:fontRef idx="minor">
+            <a:schemeClr val="dk1"/>
+          </a:fontRef>
+        </p:style>
+        <p:txBody>
+          <a:bodyPr rtlCol="0" anchor="ctr"/>
+          <a:lstStyle/>
+          <a:p>
+            <a:pPr algn="ctr"/>
+            <a:endParaRPr lang="en-US" dirty="0"/>
+          </a:p>
+        </p:txBody>
+      </p:sp>
+      <p:sp>
+        <p:nvSpPr>
+          <p:cNvPr id="33" name="Oval 32">
+            <a:extLst>
+              <a:ext uri="{FF2B5EF4-FFF2-40B4-BE49-F238E27FC236}">
+                <a16:creationId xmlns:a16="http://schemas.microsoft.com/office/drawing/2014/main" id="{2BB3B1B4-C170-4496-A088-9124FE173539}"/>
+              </a:ext>
+            </a:extLst>
+          </p:cNvPr>
+          <p:cNvSpPr>
+            <a:spLocks noChangeAspect="1"/>
+          </p:cNvSpPr>
+          <p:nvPr/>
+        </p:nvSpPr>
+        <p:spPr>
+          <a:xfrm>
+            <a:off x="468858" y="736395"/>
+            <a:ext cx="180000" cy="180000"/>
+          </a:xfrm>
+          <a:prstGeom prst="ellipse">
+            <a:avLst/>
+          </a:prstGeom>
+          <a:solidFill>
+            <a:srgbClr val="9999FF"/>
+          </a:solidFill>
+          <a:ln>
+            <a:noFill/>
+          </a:ln>
+        </p:spPr>
+        <p:style>
+          <a:lnRef idx="2">
+            <a:schemeClr val="accent1">
+              <a:shade val="50000"/>
+            </a:schemeClr>
+          </a:lnRef>
+          <a:fillRef idx="1">
+            <a:schemeClr val="accent1"/>
+          </a:fillRef>
+          <a:effectRef idx="0">
+            <a:schemeClr val="accent1"/>
+          </a:effectRef>
+          <a:fontRef idx="minor">
+            <a:schemeClr val="lt1"/>
+          </a:fontRef>
+        </p:style>
+        <p:txBody>
+          <a:bodyPr rtlCol="0" anchor="ctr"/>
+          <a:lstStyle/>
+          <a:p>
+            <a:pPr algn="ctr"/>
+            <a:endParaRPr lang="en-US"/>
+          </a:p>
+        </p:txBody>
+      </p:sp>
+      <p:sp>
+        <p:nvSpPr>
+          <p:cNvPr id="35" name="Oval 34">
+            <a:extLst>
+              <a:ext uri="{FF2B5EF4-FFF2-40B4-BE49-F238E27FC236}">
+                <a16:creationId xmlns:a16="http://schemas.microsoft.com/office/drawing/2014/main" id="{A15C3F34-650A-448B-A763-FCABE658D45C}"/>
+              </a:ext>
+            </a:extLst>
+          </p:cNvPr>
+          <p:cNvSpPr>
+            <a:spLocks noChangeAspect="1"/>
+          </p:cNvSpPr>
+          <p:nvPr/>
+        </p:nvSpPr>
+        <p:spPr>
+          <a:xfrm>
+            <a:off x="780892" y="736395"/>
+            <a:ext cx="180000" cy="180000"/>
+          </a:xfrm>
+          <a:prstGeom prst="ellipse">
+            <a:avLst/>
+          </a:prstGeom>
+          <a:solidFill>
+            <a:srgbClr val="956333"/>
+          </a:solidFill>
+          <a:ln>
+            <a:noFill/>
+          </a:ln>
+        </p:spPr>
+        <p:style>
+          <a:lnRef idx="2">
+            <a:schemeClr val="accent1">
+              <a:shade val="50000"/>
+            </a:schemeClr>
+          </a:lnRef>
+          <a:fillRef idx="1">
+            <a:schemeClr val="accent1"/>
+          </a:fillRef>
+          <a:effectRef idx="0">
+            <a:schemeClr val="accent1"/>
+          </a:effectRef>
+          <a:fontRef idx="minor">
+            <a:schemeClr val="lt1"/>
+          </a:fontRef>
+        </p:style>
+        <p:txBody>
+          <a:bodyPr rtlCol="0" anchor="ctr"/>
+          <a:lstStyle/>
+          <a:p>
+            <a:pPr algn="ctr"/>
+            <a:endParaRPr lang="en-US"/>
+          </a:p>
+        </p:txBody>
+      </p:sp>
+      <p:cxnSp>
+        <p:nvCxnSpPr>
+          <p:cNvPr id="107" name="Straight Connector 106">
+            <a:extLst>
+              <a:ext uri="{FF2B5EF4-FFF2-40B4-BE49-F238E27FC236}">
+                <a16:creationId xmlns:a16="http://schemas.microsoft.com/office/drawing/2014/main" id="{632E4A0B-44C3-48D6-8182-D2A987AD2751}"/>
+              </a:ext>
+            </a:extLst>
+          </p:cNvPr>
+          <p:cNvCxnSpPr>
+            <a:cxnSpLocks/>
+          </p:cNvCxnSpPr>
+          <p:nvPr/>
+        </p:nvCxnSpPr>
+        <p:spPr>
+          <a:xfrm>
+            <a:off x="6348549" y="5286651"/>
+            <a:ext cx="0" cy="360000"/>
+          </a:xfrm>
+          <a:prstGeom prst="line">
+            <a:avLst/>
+          </a:prstGeom>
+        </p:spPr>
+        <p:style>
+          <a:lnRef idx="1">
+            <a:schemeClr val="accent2"/>
+          </a:lnRef>
+          <a:fillRef idx="0">
+            <a:schemeClr val="accent2"/>
+          </a:fillRef>
+          <a:effectRef idx="0">
+            <a:schemeClr val="accent2"/>
+          </a:effectRef>
+          <a:fontRef idx="minor">
+            <a:schemeClr val="tx1"/>
+          </a:fontRef>
+        </p:style>
+      </p:cxnSp>
+      <p:cxnSp>
+        <p:nvCxnSpPr>
+          <p:cNvPr id="109" name="Straight Connector 108">
+            <a:extLst>
+              <a:ext uri="{FF2B5EF4-FFF2-40B4-BE49-F238E27FC236}">
+                <a16:creationId xmlns:a16="http://schemas.microsoft.com/office/drawing/2014/main" id="{84E77061-90E3-439F-B38A-66DDCFC46F30}"/>
+              </a:ext>
+            </a:extLst>
+          </p:cNvPr>
+          <p:cNvCxnSpPr>
+            <a:cxnSpLocks/>
+          </p:cNvCxnSpPr>
+          <p:nvPr/>
+        </p:nvCxnSpPr>
+        <p:spPr>
+          <a:xfrm rot="-2040000">
+            <a:off x="9605614" y="3093074"/>
+            <a:ext cx="0" cy="360000"/>
+          </a:xfrm>
+          <a:prstGeom prst="line">
+            <a:avLst/>
+          </a:prstGeom>
+        </p:spPr>
+        <p:style>
+          <a:lnRef idx="1">
+            <a:schemeClr val="accent2"/>
+          </a:lnRef>
+          <a:fillRef idx="0">
+            <a:schemeClr val="accent2"/>
+          </a:fillRef>
+          <a:effectRef idx="0">
+            <a:schemeClr val="accent2"/>
+          </a:effectRef>
+          <a:fontRef idx="minor">
+            <a:schemeClr val="tx1"/>
+          </a:fontRef>
+        </p:style>
+      </p:cxnSp>
+      <p:cxnSp>
+        <p:nvCxnSpPr>
+          <p:cNvPr id="111" name="Straight Connector 110">
+            <a:extLst>
+              <a:ext uri="{FF2B5EF4-FFF2-40B4-BE49-F238E27FC236}">
+                <a16:creationId xmlns:a16="http://schemas.microsoft.com/office/drawing/2014/main" id="{F2CEB4C4-0903-4190-9963-B5E6BF721C89}"/>
+              </a:ext>
+            </a:extLst>
+          </p:cNvPr>
+          <p:cNvCxnSpPr>
+            <a:cxnSpLocks/>
+          </p:cNvCxnSpPr>
+          <p:nvPr/>
+        </p:nvCxnSpPr>
+        <p:spPr>
+          <a:xfrm rot="1800000">
+            <a:off x="6258549" y="5262536"/>
+            <a:ext cx="0" cy="360000"/>
+          </a:xfrm>
+          <a:prstGeom prst="line">
+            <a:avLst/>
+          </a:prstGeom>
+        </p:spPr>
+        <p:style>
+          <a:lnRef idx="1">
+            <a:schemeClr val="accent2"/>
+          </a:lnRef>
+          <a:fillRef idx="0">
+            <a:schemeClr val="accent2"/>
+          </a:fillRef>
+          <a:effectRef idx="0">
+            <a:schemeClr val="accent2"/>
+          </a:effectRef>
+          <a:fontRef idx="minor">
+            <a:schemeClr val="tx1"/>
+          </a:fontRef>
+        </p:style>
+      </p:cxnSp>
+      <p:cxnSp>
+        <p:nvCxnSpPr>
+          <p:cNvPr id="112" name="Straight Connector 111">
+            <a:extLst>
+              <a:ext uri="{FF2B5EF4-FFF2-40B4-BE49-F238E27FC236}">
+                <a16:creationId xmlns:a16="http://schemas.microsoft.com/office/drawing/2014/main" id="{4289EC38-ADC6-42FD-954D-950E11EB13D6}"/>
+              </a:ext>
+            </a:extLst>
+          </p:cNvPr>
+          <p:cNvCxnSpPr>
+            <a:cxnSpLocks/>
+          </p:cNvCxnSpPr>
+          <p:nvPr/>
+        </p:nvCxnSpPr>
+        <p:spPr>
+          <a:xfrm rot="1800000">
+            <a:off x="2959118" y="3232887"/>
+            <a:ext cx="0" cy="360000"/>
+          </a:xfrm>
+          <a:prstGeom prst="line">
+            <a:avLst/>
+          </a:prstGeom>
+        </p:spPr>
+        <p:style>
+          <a:lnRef idx="1">
+            <a:schemeClr val="accent2"/>
+          </a:lnRef>
+          <a:fillRef idx="0">
+            <a:schemeClr val="accent2"/>
+          </a:fillRef>
+          <a:effectRef idx="0">
+            <a:schemeClr val="accent2"/>
+          </a:effectRef>
+          <a:fontRef idx="minor">
+            <a:schemeClr val="tx1"/>
+          </a:fontRef>
+        </p:style>
+      </p:cxnSp>
+      <p:cxnSp>
+        <p:nvCxnSpPr>
+          <p:cNvPr id="113" name="Straight Connector 112">
+            <a:extLst>
+              <a:ext uri="{FF2B5EF4-FFF2-40B4-BE49-F238E27FC236}">
+                <a16:creationId xmlns:a16="http://schemas.microsoft.com/office/drawing/2014/main" id="{8392E735-AF7E-4873-8093-5E4F093E17CD}"/>
+              </a:ext>
+            </a:extLst>
+          </p:cNvPr>
+          <p:cNvCxnSpPr>
+            <a:cxnSpLocks/>
+          </p:cNvCxnSpPr>
+          <p:nvPr/>
+        </p:nvCxnSpPr>
+        <p:spPr>
+          <a:xfrm rot="3420000">
+            <a:off x="2898718" y="3175038"/>
+            <a:ext cx="0" cy="360000"/>
+          </a:xfrm>
+          <a:prstGeom prst="line">
+            <a:avLst/>
+          </a:prstGeom>
+        </p:spPr>
+        <p:style>
+          <a:lnRef idx="1">
+            <a:schemeClr val="accent2"/>
+          </a:lnRef>
+          <a:fillRef idx="0">
+            <a:schemeClr val="accent2"/>
+          </a:fillRef>
+          <a:effectRef idx="0">
+            <a:schemeClr val="accent2"/>
+          </a:effectRef>
+          <a:fontRef idx="minor">
+            <a:schemeClr val="tx1"/>
+          </a:fontRef>
+        </p:style>
+      </p:cxnSp>
+      <p:cxnSp>
+        <p:nvCxnSpPr>
+          <p:cNvPr id="114" name="Straight Connector 113">
+            <a:extLst>
+              <a:ext uri="{FF2B5EF4-FFF2-40B4-BE49-F238E27FC236}">
+                <a16:creationId xmlns:a16="http://schemas.microsoft.com/office/drawing/2014/main" id="{E54573F8-0FD5-40AB-80CE-3F623E117634}"/>
+              </a:ext>
+            </a:extLst>
+          </p:cNvPr>
+          <p:cNvCxnSpPr>
+            <a:cxnSpLocks/>
+          </p:cNvCxnSpPr>
+          <p:nvPr/>
+        </p:nvCxnSpPr>
+        <p:spPr>
+          <a:xfrm rot="3420000">
+            <a:off x="1434000" y="884683"/>
+            <a:ext cx="0" cy="360000"/>
+          </a:xfrm>
+          <a:prstGeom prst="line">
+            <a:avLst/>
+          </a:prstGeom>
+        </p:spPr>
+        <p:style>
+          <a:lnRef idx="1">
+            <a:schemeClr val="accent2"/>
+          </a:lnRef>
+          <a:fillRef idx="0">
+            <a:schemeClr val="accent2"/>
+          </a:fillRef>
+          <a:effectRef idx="0">
+            <a:schemeClr val="accent2"/>
+          </a:effectRef>
+          <a:fontRef idx="minor">
+            <a:schemeClr val="tx1"/>
+          </a:fontRef>
+        </p:style>
+      </p:cxnSp>
+      <p:cxnSp>
+        <p:nvCxnSpPr>
+          <p:cNvPr id="116" name="Straight Connector 115">
+            <a:extLst>
+              <a:ext uri="{FF2B5EF4-FFF2-40B4-BE49-F238E27FC236}">
+                <a16:creationId xmlns:a16="http://schemas.microsoft.com/office/drawing/2014/main" id="{A2B96A5E-ADFC-4254-B813-7C1AF00F5B6A}"/>
+              </a:ext>
+            </a:extLst>
+          </p:cNvPr>
+          <p:cNvCxnSpPr>
+            <a:cxnSpLocks/>
+          </p:cNvCxnSpPr>
+          <p:nvPr/>
+        </p:nvCxnSpPr>
+        <p:spPr>
+          <a:xfrm rot="-1800000">
+            <a:off x="6438550" y="5262535"/>
+            <a:ext cx="0" cy="360000"/>
+          </a:xfrm>
+          <a:prstGeom prst="line">
+            <a:avLst/>
+          </a:prstGeom>
+        </p:spPr>
+        <p:style>
+          <a:lnRef idx="1">
+            <a:schemeClr val="accent2"/>
+          </a:lnRef>
+          <a:fillRef idx="0">
+            <a:schemeClr val="accent2"/>
+          </a:fillRef>
+          <a:effectRef idx="0">
+            <a:schemeClr val="accent2"/>
+          </a:effectRef>
+          <a:fontRef idx="minor">
+            <a:schemeClr val="tx1"/>
+          </a:fontRef>
+        </p:style>
+      </p:cxnSp>
+      <p:cxnSp>
+        <p:nvCxnSpPr>
+          <p:cNvPr id="118" name="Straight Connector 117">
+            <a:extLst>
+              <a:ext uri="{FF2B5EF4-FFF2-40B4-BE49-F238E27FC236}">
+                <a16:creationId xmlns:a16="http://schemas.microsoft.com/office/drawing/2014/main" id="{946E5244-4670-4869-8297-92740B39FC85}"/>
+              </a:ext>
+            </a:extLst>
+          </p:cNvPr>
+          <p:cNvCxnSpPr/>
+          <p:nvPr/>
+        </p:nvCxnSpPr>
+        <p:spPr>
+          <a:xfrm>
+            <a:off x="1283039" y="1162723"/>
+            <a:ext cx="1464718" cy="2290351"/>
+          </a:xfrm>
+          <a:prstGeom prst="line">
+            <a:avLst/>
+          </a:prstGeom>
+        </p:spPr>
+        <p:style>
+          <a:lnRef idx="1">
+            <a:schemeClr val="accent1"/>
+          </a:lnRef>
+          <a:fillRef idx="0">
+            <a:schemeClr val="accent1"/>
+          </a:fillRef>
+          <a:effectRef idx="0">
+            <a:schemeClr val="accent1"/>
+          </a:effectRef>
+          <a:fontRef idx="minor">
+            <a:schemeClr val="tx1"/>
+          </a:fontRef>
+        </p:style>
+      </p:cxnSp>
+      <p:cxnSp>
+        <p:nvCxnSpPr>
+          <p:cNvPr id="120" name="Straight Connector 119">
+            <a:extLst>
+              <a:ext uri="{FF2B5EF4-FFF2-40B4-BE49-F238E27FC236}">
+                <a16:creationId xmlns:a16="http://schemas.microsoft.com/office/drawing/2014/main" id="{F49634D1-56B1-4B67-8FDC-65E476C9129A}"/>
+              </a:ext>
+            </a:extLst>
+          </p:cNvPr>
+          <p:cNvCxnSpPr/>
+          <p:nvPr/>
+        </p:nvCxnSpPr>
+        <p:spPr>
+          <a:xfrm>
+            <a:off x="2869118" y="3568772"/>
+            <a:ext cx="3299431" cy="2029648"/>
+          </a:xfrm>
+          <a:prstGeom prst="line">
+            <a:avLst/>
+          </a:prstGeom>
+        </p:spPr>
+        <p:style>
+          <a:lnRef idx="1">
+            <a:schemeClr val="accent1"/>
+          </a:lnRef>
+          <a:fillRef idx="0">
+            <a:schemeClr val="accent1"/>
+          </a:fillRef>
+          <a:effectRef idx="0">
+            <a:schemeClr val="accent1"/>
+          </a:effectRef>
+          <a:fontRef idx="minor">
+            <a:schemeClr val="tx1"/>
+          </a:fontRef>
+        </p:style>
+      </p:cxnSp>
+      <p:cxnSp>
+        <p:nvCxnSpPr>
+          <p:cNvPr id="126" name="Straight Connector 125">
+            <a:extLst>
+              <a:ext uri="{FF2B5EF4-FFF2-40B4-BE49-F238E27FC236}">
+                <a16:creationId xmlns:a16="http://schemas.microsoft.com/office/drawing/2014/main" id="{B368C576-22D7-42F3-B293-13E7A86E65BF}"/>
+              </a:ext>
+            </a:extLst>
+          </p:cNvPr>
+          <p:cNvCxnSpPr/>
+          <p:nvPr/>
+        </p:nvCxnSpPr>
+        <p:spPr>
+          <a:xfrm flipV="1">
+            <a:off x="6528550" y="3429000"/>
+            <a:ext cx="3177719" cy="2169420"/>
+          </a:xfrm>
+          <a:prstGeom prst="line">
+            <a:avLst/>
+          </a:prstGeom>
+        </p:spPr>
+        <p:style>
+          <a:lnRef idx="1">
+            <a:schemeClr val="accent1"/>
+          </a:lnRef>
+          <a:fillRef idx="0">
+            <a:schemeClr val="accent1"/>
+          </a:fillRef>
+          <a:effectRef idx="0">
+            <a:schemeClr val="accent1"/>
+          </a:effectRef>
+          <a:fontRef idx="minor">
+            <a:schemeClr val="tx1"/>
+          </a:fontRef>
+        </p:style>
+      </p:cxnSp>
+      <p:sp>
+        <p:nvSpPr>
+          <p:cNvPr id="129" name="Oval 128">
+            <a:extLst>
+              <a:ext uri="{FF2B5EF4-FFF2-40B4-BE49-F238E27FC236}">
+                <a16:creationId xmlns:a16="http://schemas.microsoft.com/office/drawing/2014/main" id="{C2AB23D1-00AB-4488-B967-F233FD4EF43D}"/>
+              </a:ext>
+            </a:extLst>
+          </p:cNvPr>
+          <p:cNvSpPr>
+            <a:spLocks noChangeAspect="1"/>
+          </p:cNvSpPr>
+          <p:nvPr/>
+        </p:nvSpPr>
+        <p:spPr>
+          <a:xfrm>
+            <a:off x="2316278" y="1299973"/>
+            <a:ext cx="180000" cy="180000"/>
+          </a:xfrm>
+          <a:prstGeom prst="ellipse">
+            <a:avLst/>
+          </a:prstGeom>
+          <a:solidFill>
+            <a:srgbClr val="956333"/>
+          </a:solidFill>
+          <a:ln>
+            <a:noFill/>
+          </a:ln>
+        </p:spPr>
+        <p:style>
+          <a:lnRef idx="2">
+            <a:schemeClr val="accent1">
+              <a:shade val="50000"/>
+            </a:schemeClr>
+          </a:lnRef>
+          <a:fillRef idx="1">
+            <a:schemeClr val="accent1"/>
+          </a:fillRef>
+          <a:effectRef idx="0">
+            <a:schemeClr val="accent1"/>
+          </a:effectRef>
+          <a:fontRef idx="minor">
+            <a:schemeClr val="lt1"/>
+          </a:fontRef>
+        </p:style>
+        <p:txBody>
+          <a:bodyPr rtlCol="0" anchor="ctr"/>
+          <a:lstStyle/>
+          <a:p>
+            <a:pPr algn="ctr"/>
+            <a:endParaRPr lang="en-US"/>
+          </a:p>
+        </p:txBody>
+      </p:sp>
+      <p:sp>
+        <p:nvSpPr>
+          <p:cNvPr id="130" name="Oval 129">
+            <a:extLst>
+              <a:ext uri="{FF2B5EF4-FFF2-40B4-BE49-F238E27FC236}">
+                <a16:creationId xmlns:a16="http://schemas.microsoft.com/office/drawing/2014/main" id="{2C5DF737-C2B2-418A-9859-647EE26BD30B}"/>
+              </a:ext>
+            </a:extLst>
+          </p:cNvPr>
+          <p:cNvSpPr>
+            <a:spLocks noChangeAspect="1"/>
+          </p:cNvSpPr>
+          <p:nvPr/>
+        </p:nvSpPr>
+        <p:spPr>
+          <a:xfrm>
+            <a:off x="2837757" y="2424773"/>
+            <a:ext cx="180000" cy="180000"/>
+          </a:xfrm>
+          <a:prstGeom prst="ellipse">
+            <a:avLst/>
+          </a:prstGeom>
+          <a:solidFill>
+            <a:srgbClr val="956333"/>
+          </a:solidFill>
+          <a:ln>
+            <a:noFill/>
+          </a:ln>
+        </p:spPr>
+        <p:style>
+          <a:lnRef idx="2">
+            <a:schemeClr val="accent1">
+              <a:shade val="50000"/>
+            </a:schemeClr>
+          </a:lnRef>
+          <a:fillRef idx="1">
+            <a:schemeClr val="accent1"/>
+          </a:fillRef>
+          <a:effectRef idx="0">
+            <a:schemeClr val="accent1"/>
+          </a:effectRef>
+          <a:fontRef idx="minor">
+            <a:schemeClr val="lt1"/>
+          </a:fontRef>
+        </p:style>
+        <p:txBody>
+          <a:bodyPr rtlCol="0" anchor="ctr"/>
+          <a:lstStyle/>
+          <a:p>
+            <a:pPr algn="ctr"/>
+            <a:endParaRPr lang="en-US"/>
+          </a:p>
+        </p:txBody>
+      </p:sp>
+      <p:sp>
+        <p:nvSpPr>
+          <p:cNvPr id="131" name="Oval 130">
+            <a:extLst>
+              <a:ext uri="{FF2B5EF4-FFF2-40B4-BE49-F238E27FC236}">
+                <a16:creationId xmlns:a16="http://schemas.microsoft.com/office/drawing/2014/main" id="{0D7C0B14-6743-48F0-A8D1-93F7AD5C90C8}"/>
+              </a:ext>
+            </a:extLst>
+          </p:cNvPr>
+          <p:cNvSpPr>
+            <a:spLocks noChangeAspect="1"/>
+          </p:cNvSpPr>
+          <p:nvPr/>
+        </p:nvSpPr>
+        <p:spPr>
+          <a:xfrm>
+            <a:off x="3165751" y="2604946"/>
+            <a:ext cx="180000" cy="180000"/>
+          </a:xfrm>
+          <a:prstGeom prst="ellipse">
+            <a:avLst/>
+          </a:prstGeom>
+          <a:solidFill>
+            <a:srgbClr val="956333"/>
+          </a:solidFill>
+          <a:ln>
+            <a:noFill/>
+          </a:ln>
+        </p:spPr>
+        <p:style>
+          <a:lnRef idx="2">
+            <a:schemeClr val="accent1">
+              <a:shade val="50000"/>
+            </a:schemeClr>
+          </a:lnRef>
+          <a:fillRef idx="1">
+            <a:schemeClr val="accent1"/>
+          </a:fillRef>
+          <a:effectRef idx="0">
+            <a:schemeClr val="accent1"/>
+          </a:effectRef>
+          <a:fontRef idx="minor">
+            <a:schemeClr val="lt1"/>
+          </a:fontRef>
+        </p:style>
+        <p:txBody>
+          <a:bodyPr rtlCol="0" anchor="ctr"/>
+          <a:lstStyle/>
+          <a:p>
+            <a:pPr algn="ctr"/>
+            <a:endParaRPr lang="en-US"/>
+          </a:p>
+        </p:txBody>
+      </p:sp>
+      <p:sp>
+        <p:nvSpPr>
+          <p:cNvPr id="132" name="Oval 131">
+            <a:extLst>
+              <a:ext uri="{FF2B5EF4-FFF2-40B4-BE49-F238E27FC236}">
+                <a16:creationId xmlns:a16="http://schemas.microsoft.com/office/drawing/2014/main" id="{4E5DA3BA-969D-43EA-889F-668BABF07061}"/>
+              </a:ext>
+            </a:extLst>
+          </p:cNvPr>
+          <p:cNvSpPr>
+            <a:spLocks noChangeAspect="1"/>
+          </p:cNvSpPr>
+          <p:nvPr/>
+        </p:nvSpPr>
+        <p:spPr>
+          <a:xfrm>
+            <a:off x="3360160" y="3044843"/>
+            <a:ext cx="180000" cy="180000"/>
+          </a:xfrm>
+          <a:prstGeom prst="ellipse">
+            <a:avLst/>
+          </a:prstGeom>
+          <a:solidFill>
+            <a:srgbClr val="956333"/>
+          </a:solidFill>
+          <a:ln>
+            <a:noFill/>
+          </a:ln>
+        </p:spPr>
+        <p:style>
+          <a:lnRef idx="2">
+            <a:schemeClr val="accent1">
+              <a:shade val="50000"/>
+            </a:schemeClr>
+          </a:lnRef>
+          <a:fillRef idx="1">
+            <a:schemeClr val="accent1"/>
+          </a:fillRef>
+          <a:effectRef idx="0">
+            <a:schemeClr val="accent1"/>
+          </a:effectRef>
+          <a:fontRef idx="minor">
+            <a:schemeClr val="lt1"/>
+          </a:fontRef>
+        </p:style>
+        <p:txBody>
+          <a:bodyPr rtlCol="0" anchor="ctr"/>
+          <a:lstStyle/>
+          <a:p>
+            <a:pPr algn="ctr"/>
+            <a:endParaRPr lang="en-US"/>
+          </a:p>
+        </p:txBody>
+      </p:sp>
+      <p:sp>
+        <p:nvSpPr>
+          <p:cNvPr id="133" name="Oval 132">
+            <a:extLst>
+              <a:ext uri="{FF2B5EF4-FFF2-40B4-BE49-F238E27FC236}">
+                <a16:creationId xmlns:a16="http://schemas.microsoft.com/office/drawing/2014/main" id="{8480C6A0-9FF4-4AC6-BE0C-3A54DC91641B}"/>
+              </a:ext>
+            </a:extLst>
+          </p:cNvPr>
+          <p:cNvSpPr>
+            <a:spLocks noChangeAspect="1"/>
+          </p:cNvSpPr>
+          <p:nvPr/>
+        </p:nvSpPr>
+        <p:spPr>
+          <a:xfrm>
+            <a:off x="3614990" y="3118772"/>
+            <a:ext cx="180000" cy="180000"/>
+          </a:xfrm>
+          <a:prstGeom prst="ellipse">
+            <a:avLst/>
+          </a:prstGeom>
+          <a:solidFill>
+            <a:srgbClr val="956333"/>
+          </a:solidFill>
+          <a:ln>
+            <a:noFill/>
+          </a:ln>
+        </p:spPr>
+        <p:style>
+          <a:lnRef idx="2">
+            <a:schemeClr val="accent1">
+              <a:shade val="50000"/>
+            </a:schemeClr>
+          </a:lnRef>
+          <a:fillRef idx="1">
+            <a:schemeClr val="accent1"/>
+          </a:fillRef>
+          <a:effectRef idx="0">
+            <a:schemeClr val="accent1"/>
+          </a:effectRef>
+          <a:fontRef idx="minor">
+            <a:schemeClr val="lt1"/>
+          </a:fontRef>
+        </p:style>
+        <p:txBody>
+          <a:bodyPr rtlCol="0" anchor="ctr"/>
+          <a:lstStyle/>
+          <a:p>
+            <a:pPr algn="ctr"/>
+            <a:endParaRPr lang="en-US"/>
+          </a:p>
+        </p:txBody>
+      </p:sp>
+      <p:sp>
+        <p:nvSpPr>
+          <p:cNvPr id="134" name="Oval 133">
+            <a:extLst>
+              <a:ext uri="{FF2B5EF4-FFF2-40B4-BE49-F238E27FC236}">
+                <a16:creationId xmlns:a16="http://schemas.microsoft.com/office/drawing/2014/main" id="{05073CD1-F714-4D96-9AB5-93D7A31B3CA8}"/>
+              </a:ext>
+            </a:extLst>
+          </p:cNvPr>
+          <p:cNvSpPr>
+            <a:spLocks noChangeAspect="1"/>
+          </p:cNvSpPr>
+          <p:nvPr/>
+        </p:nvSpPr>
+        <p:spPr>
+          <a:xfrm>
+            <a:off x="3824459" y="3298772"/>
+            <a:ext cx="180000" cy="180000"/>
+          </a:xfrm>
+          <a:prstGeom prst="ellipse">
+            <a:avLst/>
+          </a:prstGeom>
+          <a:solidFill>
+            <a:srgbClr val="956333"/>
+          </a:solidFill>
+          <a:ln>
+            <a:noFill/>
+          </a:ln>
+        </p:spPr>
+        <p:style>
+          <a:lnRef idx="2">
+            <a:schemeClr val="accent1">
+              <a:shade val="50000"/>
+            </a:schemeClr>
+          </a:lnRef>
+          <a:fillRef idx="1">
+            <a:schemeClr val="accent1"/>
+          </a:fillRef>
+          <a:effectRef idx="0">
+            <a:schemeClr val="accent1"/>
+          </a:effectRef>
+          <a:fontRef idx="minor">
+            <a:schemeClr val="lt1"/>
+          </a:fontRef>
+        </p:style>
+        <p:txBody>
+          <a:bodyPr rtlCol="0" anchor="ctr"/>
+          <a:lstStyle/>
+          <a:p>
+            <a:pPr algn="ctr"/>
+            <a:endParaRPr lang="en-US"/>
+          </a:p>
+        </p:txBody>
+      </p:sp>
+      <p:sp>
+        <p:nvSpPr>
+          <p:cNvPr id="135" name="Oval 134">
+            <a:extLst>
+              <a:ext uri="{FF2B5EF4-FFF2-40B4-BE49-F238E27FC236}">
+                <a16:creationId xmlns:a16="http://schemas.microsoft.com/office/drawing/2014/main" id="{62F47514-128D-43F1-A737-5BB48095CE3E}"/>
+              </a:ext>
+            </a:extLst>
+          </p:cNvPr>
+          <p:cNvSpPr>
+            <a:spLocks noChangeAspect="1"/>
+          </p:cNvSpPr>
+          <p:nvPr/>
+        </p:nvSpPr>
+        <p:spPr>
+          <a:xfrm>
+            <a:off x="4176425" y="3535754"/>
+            <a:ext cx="180000" cy="180000"/>
+          </a:xfrm>
+          <a:prstGeom prst="ellipse">
+            <a:avLst/>
+          </a:prstGeom>
+          <a:solidFill>
+            <a:srgbClr val="956333"/>
+          </a:solidFill>
+          <a:ln>
+            <a:noFill/>
+          </a:ln>
+        </p:spPr>
+        <p:style>
+          <a:lnRef idx="2">
+            <a:schemeClr val="accent1">
+              <a:shade val="50000"/>
+            </a:schemeClr>
+          </a:lnRef>
+          <a:fillRef idx="1">
+            <a:schemeClr val="accent1"/>
+          </a:fillRef>
+          <a:effectRef idx="0">
+            <a:schemeClr val="accent1"/>
+          </a:effectRef>
+          <a:fontRef idx="minor">
+            <a:schemeClr val="lt1"/>
+          </a:fontRef>
+        </p:style>
+        <p:txBody>
+          <a:bodyPr rtlCol="0" anchor="ctr"/>
+          <a:lstStyle/>
+          <a:p>
+            <a:pPr algn="ctr"/>
+            <a:endParaRPr lang="en-US"/>
+          </a:p>
+        </p:txBody>
+      </p:sp>
+      <p:sp>
+        <p:nvSpPr>
+          <p:cNvPr id="136" name="Oval 135">
+            <a:extLst>
+              <a:ext uri="{FF2B5EF4-FFF2-40B4-BE49-F238E27FC236}">
+                <a16:creationId xmlns:a16="http://schemas.microsoft.com/office/drawing/2014/main" id="{CEC83941-9AD4-4A2D-B59C-FDEF75F980D3}"/>
+              </a:ext>
+            </a:extLst>
+          </p:cNvPr>
+          <p:cNvSpPr>
+            <a:spLocks noChangeAspect="1"/>
+          </p:cNvSpPr>
+          <p:nvPr/>
+        </p:nvSpPr>
+        <p:spPr>
+          <a:xfrm>
+            <a:off x="4333324" y="3721117"/>
+            <a:ext cx="180000" cy="180000"/>
+          </a:xfrm>
+          <a:prstGeom prst="ellipse">
+            <a:avLst/>
+          </a:prstGeom>
+          <a:solidFill>
+            <a:srgbClr val="956333"/>
+          </a:solidFill>
+          <a:ln>
+            <a:noFill/>
+          </a:ln>
+        </p:spPr>
+        <p:style>
+          <a:lnRef idx="2">
+            <a:schemeClr val="accent1">
+              <a:shade val="50000"/>
+            </a:schemeClr>
+          </a:lnRef>
+          <a:fillRef idx="1">
+            <a:schemeClr val="accent1"/>
+          </a:fillRef>
+          <a:effectRef idx="0">
+            <a:schemeClr val="accent1"/>
+          </a:effectRef>
+          <a:fontRef idx="minor">
+            <a:schemeClr val="lt1"/>
+          </a:fontRef>
+        </p:style>
+        <p:txBody>
+          <a:bodyPr rtlCol="0" anchor="ctr"/>
+          <a:lstStyle/>
+          <a:p>
+            <a:pPr algn="ctr"/>
+            <a:endParaRPr lang="en-US"/>
+          </a:p>
+        </p:txBody>
+      </p:sp>
+      <p:sp>
+        <p:nvSpPr>
+          <p:cNvPr id="137" name="Oval 136">
+            <a:extLst>
+              <a:ext uri="{FF2B5EF4-FFF2-40B4-BE49-F238E27FC236}">
+                <a16:creationId xmlns:a16="http://schemas.microsoft.com/office/drawing/2014/main" id="{571E9353-9B68-43EF-8FB6-58E8AD87D5F3}"/>
+              </a:ext>
+            </a:extLst>
+          </p:cNvPr>
+          <p:cNvSpPr>
+            <a:spLocks noChangeAspect="1"/>
+          </p:cNvSpPr>
+          <p:nvPr/>
+        </p:nvSpPr>
+        <p:spPr>
+          <a:xfrm>
+            <a:off x="4541189" y="3507263"/>
+            <a:ext cx="180000" cy="180000"/>
+          </a:xfrm>
+          <a:prstGeom prst="ellipse">
+            <a:avLst/>
+          </a:prstGeom>
+          <a:solidFill>
+            <a:srgbClr val="956333"/>
+          </a:solidFill>
+          <a:ln>
+            <a:noFill/>
+          </a:ln>
+        </p:spPr>
+        <p:style>
+          <a:lnRef idx="2">
+            <a:schemeClr val="accent1">
+              <a:shade val="50000"/>
+            </a:schemeClr>
+          </a:lnRef>
+          <a:fillRef idx="1">
+            <a:schemeClr val="accent1"/>
+          </a:fillRef>
+          <a:effectRef idx="0">
+            <a:schemeClr val="accent1"/>
+          </a:effectRef>
+          <a:fontRef idx="minor">
+            <a:schemeClr val="lt1"/>
+          </a:fontRef>
+        </p:style>
+        <p:txBody>
+          <a:bodyPr rtlCol="0" anchor="ctr"/>
+          <a:lstStyle/>
+          <a:p>
+            <a:pPr algn="ctr"/>
+            <a:endParaRPr lang="en-US"/>
+          </a:p>
+        </p:txBody>
+      </p:sp>
+      <p:sp>
+        <p:nvSpPr>
+          <p:cNvPr id="138" name="Oval 137">
+            <a:extLst>
+              <a:ext uri="{FF2B5EF4-FFF2-40B4-BE49-F238E27FC236}">
+                <a16:creationId xmlns:a16="http://schemas.microsoft.com/office/drawing/2014/main" id="{09EED934-50A1-417B-809A-499E739B5AB5}"/>
+              </a:ext>
+            </a:extLst>
+          </p:cNvPr>
+          <p:cNvSpPr>
+            <a:spLocks noChangeAspect="1"/>
+          </p:cNvSpPr>
+          <p:nvPr/>
+        </p:nvSpPr>
+        <p:spPr>
+          <a:xfrm>
+            <a:off x="5417004" y="3721824"/>
+            <a:ext cx="180000" cy="180000"/>
+          </a:xfrm>
+          <a:prstGeom prst="ellipse">
+            <a:avLst/>
+          </a:prstGeom>
+          <a:solidFill>
+            <a:srgbClr val="956333"/>
+          </a:solidFill>
+          <a:ln>
+            <a:noFill/>
+          </a:ln>
+        </p:spPr>
+        <p:style>
+          <a:lnRef idx="2">
+            <a:schemeClr val="accent1">
+              <a:shade val="50000"/>
+            </a:schemeClr>
+          </a:lnRef>
+          <a:fillRef idx="1">
+            <a:schemeClr val="accent1"/>
+          </a:fillRef>
+          <a:effectRef idx="0">
+            <a:schemeClr val="accent1"/>
+          </a:effectRef>
+          <a:fontRef idx="minor">
+            <a:schemeClr val="lt1"/>
+          </a:fontRef>
+        </p:style>
+        <p:txBody>
+          <a:bodyPr rtlCol="0" anchor="ctr"/>
+          <a:lstStyle/>
+          <a:p>
+            <a:pPr algn="ctr"/>
+            <a:endParaRPr lang="en-US"/>
+          </a:p>
+        </p:txBody>
+      </p:sp>
+      <p:sp>
+        <p:nvSpPr>
+          <p:cNvPr id="139" name="Oval 138">
+            <a:extLst>
+              <a:ext uri="{FF2B5EF4-FFF2-40B4-BE49-F238E27FC236}">
+                <a16:creationId xmlns:a16="http://schemas.microsoft.com/office/drawing/2014/main" id="{C26BD72F-08C6-4799-B8FF-EE5A718A9F0A}"/>
+              </a:ext>
+            </a:extLst>
+          </p:cNvPr>
+          <p:cNvSpPr>
+            <a:spLocks noChangeAspect="1"/>
+          </p:cNvSpPr>
+          <p:nvPr/>
+        </p:nvSpPr>
+        <p:spPr>
+          <a:xfrm>
+            <a:off x="5201396" y="4022406"/>
+            <a:ext cx="180000" cy="180000"/>
+          </a:xfrm>
+          <a:prstGeom prst="ellipse">
+            <a:avLst/>
+          </a:prstGeom>
+          <a:solidFill>
+            <a:srgbClr val="956333"/>
+          </a:solidFill>
+          <a:ln>
+            <a:noFill/>
+          </a:ln>
+        </p:spPr>
+        <p:style>
+          <a:lnRef idx="2">
+            <a:schemeClr val="accent1">
+              <a:shade val="50000"/>
+            </a:schemeClr>
+          </a:lnRef>
+          <a:fillRef idx="1">
+            <a:schemeClr val="accent1"/>
+          </a:fillRef>
+          <a:effectRef idx="0">
+            <a:schemeClr val="accent1"/>
+          </a:effectRef>
+          <a:fontRef idx="minor">
+            <a:schemeClr val="lt1"/>
+          </a:fontRef>
+        </p:style>
+        <p:txBody>
+          <a:bodyPr rtlCol="0" anchor="ctr"/>
+          <a:lstStyle/>
+          <a:p>
+            <a:pPr algn="ctr"/>
+            <a:endParaRPr lang="en-US"/>
+          </a:p>
+        </p:txBody>
+      </p:sp>
+      <p:sp>
+        <p:nvSpPr>
+          <p:cNvPr id="140" name="Oval 139">
+            <a:extLst>
+              <a:ext uri="{FF2B5EF4-FFF2-40B4-BE49-F238E27FC236}">
+                <a16:creationId xmlns:a16="http://schemas.microsoft.com/office/drawing/2014/main" id="{7829C3CB-D709-4B25-8C62-F3C5066FE90C}"/>
+              </a:ext>
+            </a:extLst>
+          </p:cNvPr>
+          <p:cNvSpPr>
+            <a:spLocks noChangeAspect="1"/>
+          </p:cNvSpPr>
+          <p:nvPr/>
+        </p:nvSpPr>
+        <p:spPr>
+          <a:xfrm>
+            <a:off x="5369981" y="4403596"/>
+            <a:ext cx="180000" cy="180000"/>
+          </a:xfrm>
+          <a:prstGeom prst="ellipse">
+            <a:avLst/>
+          </a:prstGeom>
+          <a:solidFill>
+            <a:srgbClr val="956333"/>
+          </a:solidFill>
+          <a:ln>
+            <a:noFill/>
+          </a:ln>
+        </p:spPr>
+        <p:style>
+          <a:lnRef idx="2">
+            <a:schemeClr val="accent1">
+              <a:shade val="50000"/>
+            </a:schemeClr>
+          </a:lnRef>
+          <a:fillRef idx="1">
+            <a:schemeClr val="accent1"/>
+          </a:fillRef>
+          <a:effectRef idx="0">
+            <a:schemeClr val="accent1"/>
+          </a:effectRef>
+          <a:fontRef idx="minor">
+            <a:schemeClr val="lt1"/>
+          </a:fontRef>
+        </p:style>
+        <p:txBody>
+          <a:bodyPr rtlCol="0" anchor="ctr"/>
+          <a:lstStyle/>
+          <a:p>
+            <a:pPr algn="ctr"/>
+            <a:endParaRPr lang="en-US"/>
+          </a:p>
+        </p:txBody>
+      </p:sp>
+      <p:sp>
+        <p:nvSpPr>
+          <p:cNvPr id="141" name="Oval 140">
+            <a:extLst>
+              <a:ext uri="{FF2B5EF4-FFF2-40B4-BE49-F238E27FC236}">
+                <a16:creationId xmlns:a16="http://schemas.microsoft.com/office/drawing/2014/main" id="{BF219F4B-8B77-499B-8336-9C097EC3D01E}"/>
+              </a:ext>
+            </a:extLst>
+          </p:cNvPr>
+          <p:cNvSpPr>
+            <a:spLocks noChangeAspect="1"/>
+          </p:cNvSpPr>
+          <p:nvPr/>
+        </p:nvSpPr>
+        <p:spPr>
+          <a:xfrm>
+            <a:off x="5918156" y="4492508"/>
+            <a:ext cx="180000" cy="180000"/>
+          </a:xfrm>
+          <a:prstGeom prst="ellipse">
+            <a:avLst/>
+          </a:prstGeom>
+          <a:solidFill>
+            <a:srgbClr val="956333"/>
+          </a:solidFill>
+          <a:ln>
+            <a:noFill/>
+          </a:ln>
+        </p:spPr>
+        <p:style>
+          <a:lnRef idx="2">
+            <a:schemeClr val="accent1">
+              <a:shade val="50000"/>
+            </a:schemeClr>
+          </a:lnRef>
+          <a:fillRef idx="1">
+            <a:schemeClr val="accent1"/>
+          </a:fillRef>
+          <a:effectRef idx="0">
+            <a:schemeClr val="accent1"/>
+          </a:effectRef>
+          <a:fontRef idx="minor">
+            <a:schemeClr val="lt1"/>
+          </a:fontRef>
+        </p:style>
+        <p:txBody>
+          <a:bodyPr rtlCol="0" anchor="ctr"/>
+          <a:lstStyle/>
+          <a:p>
+            <a:pPr algn="ctr"/>
+            <a:endParaRPr lang="en-US"/>
+          </a:p>
+        </p:txBody>
+      </p:sp>
+      <p:sp>
+        <p:nvSpPr>
+          <p:cNvPr id="142" name="Oval 141">
+            <a:extLst>
+              <a:ext uri="{FF2B5EF4-FFF2-40B4-BE49-F238E27FC236}">
+                <a16:creationId xmlns:a16="http://schemas.microsoft.com/office/drawing/2014/main" id="{A337F277-1F75-4AA8-B672-508BDE193FFB}"/>
+              </a:ext>
+            </a:extLst>
+          </p:cNvPr>
+          <p:cNvSpPr>
+            <a:spLocks noChangeAspect="1"/>
+          </p:cNvSpPr>
+          <p:nvPr/>
+        </p:nvSpPr>
+        <p:spPr>
+          <a:xfrm>
+            <a:off x="5880498" y="4799579"/>
+            <a:ext cx="180000" cy="180000"/>
+          </a:xfrm>
+          <a:prstGeom prst="ellipse">
+            <a:avLst/>
+          </a:prstGeom>
+          <a:solidFill>
+            <a:srgbClr val="956333"/>
+          </a:solidFill>
+          <a:ln>
+            <a:noFill/>
+          </a:ln>
+        </p:spPr>
+        <p:style>
+          <a:lnRef idx="2">
+            <a:schemeClr val="accent1">
+              <a:shade val="50000"/>
+            </a:schemeClr>
+          </a:lnRef>
+          <a:fillRef idx="1">
+            <a:schemeClr val="accent1"/>
+          </a:fillRef>
+          <a:effectRef idx="0">
+            <a:schemeClr val="accent1"/>
+          </a:effectRef>
+          <a:fontRef idx="minor">
+            <a:schemeClr val="lt1"/>
+          </a:fontRef>
+        </p:style>
+        <p:txBody>
+          <a:bodyPr rtlCol="0" anchor="ctr"/>
+          <a:lstStyle/>
+          <a:p>
+            <a:pPr algn="ctr"/>
+            <a:endParaRPr lang="en-US"/>
+          </a:p>
+        </p:txBody>
+      </p:sp>
+      <p:sp>
+        <p:nvSpPr>
+          <p:cNvPr id="143" name="Oval 142">
+            <a:extLst>
+              <a:ext uri="{FF2B5EF4-FFF2-40B4-BE49-F238E27FC236}">
+                <a16:creationId xmlns:a16="http://schemas.microsoft.com/office/drawing/2014/main" id="{294464D7-C678-4D48-990D-B760E0BDDB7D}"/>
+              </a:ext>
+            </a:extLst>
+          </p:cNvPr>
+          <p:cNvSpPr>
+            <a:spLocks noChangeAspect="1"/>
+          </p:cNvSpPr>
+          <p:nvPr/>
+        </p:nvSpPr>
+        <p:spPr>
+          <a:xfrm>
+            <a:off x="6187051" y="4915920"/>
+            <a:ext cx="180000" cy="180000"/>
+          </a:xfrm>
+          <a:prstGeom prst="ellipse">
+            <a:avLst/>
+          </a:prstGeom>
+          <a:solidFill>
+            <a:srgbClr val="956333"/>
+          </a:solidFill>
+          <a:ln>
+            <a:noFill/>
+          </a:ln>
+        </p:spPr>
+        <p:style>
+          <a:lnRef idx="2">
+            <a:schemeClr val="accent1">
+              <a:shade val="50000"/>
+            </a:schemeClr>
+          </a:lnRef>
+          <a:fillRef idx="1">
+            <a:schemeClr val="accent1"/>
+          </a:fillRef>
+          <a:effectRef idx="0">
+            <a:schemeClr val="accent1"/>
+          </a:effectRef>
+          <a:fontRef idx="minor">
+            <a:schemeClr val="lt1"/>
+          </a:fontRef>
+        </p:style>
+        <p:txBody>
+          <a:bodyPr rtlCol="0" anchor="ctr"/>
+          <a:lstStyle/>
+          <a:p>
+            <a:pPr algn="ctr"/>
+            <a:endParaRPr lang="en-US"/>
+          </a:p>
+        </p:txBody>
+      </p:sp>
+      <p:sp>
+        <p:nvSpPr>
+          <p:cNvPr id="144" name="Oval 143">
+            <a:extLst>
+              <a:ext uri="{FF2B5EF4-FFF2-40B4-BE49-F238E27FC236}">
+                <a16:creationId xmlns:a16="http://schemas.microsoft.com/office/drawing/2014/main" id="{BA6D541F-BA6D-4BAD-BBA8-9D6D3E695051}"/>
+              </a:ext>
+            </a:extLst>
+          </p:cNvPr>
+          <p:cNvSpPr>
+            <a:spLocks noChangeAspect="1"/>
+          </p:cNvSpPr>
+          <p:nvPr/>
+        </p:nvSpPr>
+        <p:spPr>
+          <a:xfrm>
+            <a:off x="6458141" y="4926650"/>
+            <a:ext cx="180000" cy="180000"/>
+          </a:xfrm>
+          <a:prstGeom prst="ellipse">
+            <a:avLst/>
+          </a:prstGeom>
+          <a:solidFill>
+            <a:srgbClr val="956333"/>
+          </a:solidFill>
+          <a:ln>
+            <a:noFill/>
+          </a:ln>
+        </p:spPr>
+        <p:style>
+          <a:lnRef idx="2">
+            <a:schemeClr val="accent1">
+              <a:shade val="50000"/>
+            </a:schemeClr>
+          </a:lnRef>
+          <a:fillRef idx="1">
+            <a:schemeClr val="accent1"/>
+          </a:fillRef>
+          <a:effectRef idx="0">
+            <a:schemeClr val="accent1"/>
+          </a:effectRef>
+          <a:fontRef idx="minor">
+            <a:schemeClr val="lt1"/>
+          </a:fontRef>
+        </p:style>
+        <p:txBody>
+          <a:bodyPr rtlCol="0" anchor="ctr"/>
+          <a:lstStyle/>
+          <a:p>
+            <a:pPr algn="ctr"/>
+            <a:endParaRPr lang="en-US"/>
+          </a:p>
+        </p:txBody>
+      </p:sp>
+      <p:sp>
+        <p:nvSpPr>
+          <p:cNvPr id="145" name="Oval 144">
+            <a:extLst>
+              <a:ext uri="{FF2B5EF4-FFF2-40B4-BE49-F238E27FC236}">
+                <a16:creationId xmlns:a16="http://schemas.microsoft.com/office/drawing/2014/main" id="{1884343F-2C42-47BD-9AD4-2A11F9CDC218}"/>
+              </a:ext>
+            </a:extLst>
+          </p:cNvPr>
+          <p:cNvSpPr>
+            <a:spLocks noChangeAspect="1"/>
+          </p:cNvSpPr>
+          <p:nvPr/>
+        </p:nvSpPr>
+        <p:spPr>
+          <a:xfrm>
+            <a:off x="6744651" y="4624874"/>
+            <a:ext cx="180000" cy="180000"/>
+          </a:xfrm>
+          <a:prstGeom prst="ellipse">
+            <a:avLst/>
+          </a:prstGeom>
+          <a:solidFill>
+            <a:srgbClr val="956333"/>
+          </a:solidFill>
+          <a:ln>
+            <a:noFill/>
+          </a:ln>
+        </p:spPr>
+        <p:style>
+          <a:lnRef idx="2">
+            <a:schemeClr val="accent1">
+              <a:shade val="50000"/>
+            </a:schemeClr>
+          </a:lnRef>
+          <a:fillRef idx="1">
+            <a:schemeClr val="accent1"/>
+          </a:fillRef>
+          <a:effectRef idx="0">
+            <a:schemeClr val="accent1"/>
+          </a:effectRef>
+          <a:fontRef idx="minor">
+            <a:schemeClr val="lt1"/>
+          </a:fontRef>
+        </p:style>
+        <p:txBody>
+          <a:bodyPr rtlCol="0" anchor="ctr"/>
+          <a:lstStyle/>
+          <a:p>
+            <a:pPr algn="ctr"/>
+            <a:endParaRPr lang="en-US"/>
+          </a:p>
+        </p:txBody>
+      </p:sp>
+    </p:spTree>
+    <p:extLst>
+      <p:ext uri="{BB962C8B-B14F-4D97-AF65-F5344CB8AC3E}">
+        <p14:creationId xmlns:p14="http://schemas.microsoft.com/office/powerpoint/2010/main" val="533227737"/>
+      </p:ext>
+    </p:extLst>
+  </p:cSld>
+  <p:clrMapOvr>
+    <a:masterClrMapping/>
+  </p:clrMapOvr>
+</p:sld>
+</file>
+
 <file path=ppt/theme/theme1.xml><?xml version="1.0" encoding="utf-8"?>
 <a:theme xmlns:a="http://schemas.openxmlformats.org/drawingml/2006/main" name="Office Theme">
   <a:themeElements>

--- a/data/draft.pptx
+++ b/data/draft.pptx
@@ -275,7 +275,7 @@
           <a:p>
             <a:fld id="{8837BD83-C95D-452A-8A03-A9CBA33557B0}" type="datetimeFigureOut">
               <a:rPr lang="en-GB" smtClean="0"/>
-              <a:t>05/08/2022</a:t>
+              <a:t>07/08/2022</a:t>
             </a:fld>
             <a:endParaRPr lang="en-GB"/>
           </a:p>
@@ -475,7 +475,7 @@
           <a:p>
             <a:fld id="{8837BD83-C95D-452A-8A03-A9CBA33557B0}" type="datetimeFigureOut">
               <a:rPr lang="en-GB" smtClean="0"/>
-              <a:t>05/08/2022</a:t>
+              <a:t>07/08/2022</a:t>
             </a:fld>
             <a:endParaRPr lang="en-GB"/>
           </a:p>
@@ -685,7 +685,7 @@
           <a:p>
             <a:fld id="{8837BD83-C95D-452A-8A03-A9CBA33557B0}" type="datetimeFigureOut">
               <a:rPr lang="en-GB" smtClean="0"/>
-              <a:t>05/08/2022</a:t>
+              <a:t>07/08/2022</a:t>
             </a:fld>
             <a:endParaRPr lang="en-GB"/>
           </a:p>
@@ -885,7 +885,7 @@
           <a:p>
             <a:fld id="{8837BD83-C95D-452A-8A03-A9CBA33557B0}" type="datetimeFigureOut">
               <a:rPr lang="en-GB" smtClean="0"/>
-              <a:t>05/08/2022</a:t>
+              <a:t>07/08/2022</a:t>
             </a:fld>
             <a:endParaRPr lang="en-GB"/>
           </a:p>
@@ -1161,7 +1161,7 @@
           <a:p>
             <a:fld id="{8837BD83-C95D-452A-8A03-A9CBA33557B0}" type="datetimeFigureOut">
               <a:rPr lang="en-GB" smtClean="0"/>
-              <a:t>05/08/2022</a:t>
+              <a:t>07/08/2022</a:t>
             </a:fld>
             <a:endParaRPr lang="en-GB"/>
           </a:p>
@@ -1429,7 +1429,7 @@
           <a:p>
             <a:fld id="{8837BD83-C95D-452A-8A03-A9CBA33557B0}" type="datetimeFigureOut">
               <a:rPr lang="en-GB" smtClean="0"/>
-              <a:t>05/08/2022</a:t>
+              <a:t>07/08/2022</a:t>
             </a:fld>
             <a:endParaRPr lang="en-GB"/>
           </a:p>
@@ -1844,7 +1844,7 @@
           <a:p>
             <a:fld id="{8837BD83-C95D-452A-8A03-A9CBA33557B0}" type="datetimeFigureOut">
               <a:rPr lang="en-GB" smtClean="0"/>
-              <a:t>05/08/2022</a:t>
+              <a:t>07/08/2022</a:t>
             </a:fld>
             <a:endParaRPr lang="en-GB"/>
           </a:p>
@@ -1986,7 +1986,7 @@
           <a:p>
             <a:fld id="{8837BD83-C95D-452A-8A03-A9CBA33557B0}" type="datetimeFigureOut">
               <a:rPr lang="en-GB" smtClean="0"/>
-              <a:t>05/08/2022</a:t>
+              <a:t>07/08/2022</a:t>
             </a:fld>
             <a:endParaRPr lang="en-GB"/>
           </a:p>
@@ -2099,7 +2099,7 @@
           <a:p>
             <a:fld id="{8837BD83-C95D-452A-8A03-A9CBA33557B0}" type="datetimeFigureOut">
               <a:rPr lang="en-GB" smtClean="0"/>
-              <a:t>05/08/2022</a:t>
+              <a:t>07/08/2022</a:t>
             </a:fld>
             <a:endParaRPr lang="en-GB"/>
           </a:p>
@@ -2412,7 +2412,7 @@
           <a:p>
             <a:fld id="{8837BD83-C95D-452A-8A03-A9CBA33557B0}" type="datetimeFigureOut">
               <a:rPr lang="en-GB" smtClean="0"/>
-              <a:t>05/08/2022</a:t>
+              <a:t>07/08/2022</a:t>
             </a:fld>
             <a:endParaRPr lang="en-GB"/>
           </a:p>
@@ -2701,7 +2701,7 @@
           <a:p>
             <a:fld id="{8837BD83-C95D-452A-8A03-A9CBA33557B0}" type="datetimeFigureOut">
               <a:rPr lang="en-GB" smtClean="0"/>
-              <a:t>05/08/2022</a:t>
+              <a:t>07/08/2022</a:t>
             </a:fld>
             <a:endParaRPr lang="en-GB"/>
           </a:p>
@@ -2944,7 +2944,7 @@
           <a:p>
             <a:fld id="{8837BD83-C95D-452A-8A03-A9CBA33557B0}" type="datetimeFigureOut">
               <a:rPr lang="en-GB" smtClean="0"/>
-              <a:t>05/08/2022</a:t>
+              <a:t>07/08/2022</a:t>
             </a:fld>
             <a:endParaRPr lang="en-GB"/>
           </a:p>
@@ -13024,6 +13024,78 @@
           </a:p>
         </p:txBody>
       </p:sp>
+      <p:cxnSp>
+        <p:nvCxnSpPr>
+          <p:cNvPr id="3" name="Straight Connector 2">
+            <a:extLst>
+              <a:ext uri="{FF2B5EF4-FFF2-40B4-BE49-F238E27FC236}">
+                <a16:creationId xmlns:a16="http://schemas.microsoft.com/office/drawing/2014/main" id="{4E5EB67C-24DF-DA2C-8026-9C44674419B4}"/>
+              </a:ext>
+            </a:extLst>
+          </p:cNvPr>
+          <p:cNvCxnSpPr/>
+          <p:nvPr/>
+        </p:nvCxnSpPr>
+        <p:spPr>
+          <a:xfrm>
+            <a:off x="2747757" y="3453074"/>
+            <a:ext cx="121361" cy="115698"/>
+          </a:xfrm>
+          <a:prstGeom prst="line">
+            <a:avLst/>
+          </a:prstGeom>
+        </p:spPr>
+        <p:style>
+          <a:lnRef idx="1">
+            <a:schemeClr val="accent2"/>
+          </a:lnRef>
+          <a:fillRef idx="0">
+            <a:schemeClr val="accent2"/>
+          </a:fillRef>
+          <a:effectRef idx="0">
+            <a:schemeClr val="accent2"/>
+          </a:effectRef>
+          <a:fontRef idx="minor">
+            <a:schemeClr val="tx1"/>
+          </a:fontRef>
+        </p:style>
+      </p:cxnSp>
+      <p:cxnSp>
+        <p:nvCxnSpPr>
+          <p:cNvPr id="6" name="Straight Connector 5">
+            <a:extLst>
+              <a:ext uri="{FF2B5EF4-FFF2-40B4-BE49-F238E27FC236}">
+                <a16:creationId xmlns:a16="http://schemas.microsoft.com/office/drawing/2014/main" id="{CBF376C2-319E-98CB-C68F-D615E6228E53}"/>
+              </a:ext>
+            </a:extLst>
+          </p:cNvPr>
+          <p:cNvCxnSpPr/>
+          <p:nvPr/>
+        </p:nvCxnSpPr>
+        <p:spPr>
+          <a:xfrm>
+            <a:off x="6168549" y="5598420"/>
+            <a:ext cx="360001" cy="0"/>
+          </a:xfrm>
+          <a:prstGeom prst="line">
+            <a:avLst/>
+          </a:prstGeom>
+        </p:spPr>
+        <p:style>
+          <a:lnRef idx="1">
+            <a:schemeClr val="accent2"/>
+          </a:lnRef>
+          <a:fillRef idx="0">
+            <a:schemeClr val="accent2"/>
+          </a:fillRef>
+          <a:effectRef idx="0">
+            <a:schemeClr val="accent2"/>
+          </a:effectRef>
+          <a:fontRef idx="minor">
+            <a:schemeClr val="tx1"/>
+          </a:fontRef>
+        </p:style>
+      </p:cxnSp>
     </p:spTree>
     <p:extLst>
       <p:ext uri="{BB962C8B-B14F-4D97-AF65-F5344CB8AC3E}">

--- a/data/draft.pptx
+++ b/data/draft.pptx
@@ -6,9 +6,12 @@
   </p:sldMasterIdLst>
   <p:sldIdLst>
     <p:sldId id="257" r:id="rId2"/>
-    <p:sldId id="258" r:id="rId3"/>
-    <p:sldId id="259" r:id="rId4"/>
-    <p:sldId id="260" r:id="rId5"/>
+    <p:sldId id="261" r:id="rId3"/>
+    <p:sldId id="258" r:id="rId4"/>
+    <p:sldId id="259" r:id="rId5"/>
+    <p:sldId id="260" r:id="rId6"/>
+    <p:sldId id="262" r:id="rId7"/>
+    <p:sldId id="263" r:id="rId8"/>
   </p:sldIdLst>
   <p:sldSz cx="12192000" cy="6858000"/>
   <p:notesSz cx="6797675" cy="9926638"/>
@@ -275,7 +278,7 @@
           <a:p>
             <a:fld id="{8837BD83-C95D-452A-8A03-A9CBA33557B0}" type="datetimeFigureOut">
               <a:rPr lang="en-GB" smtClean="0"/>
-              <a:t>07/08/2022</a:t>
+              <a:t>08/08/2022</a:t>
             </a:fld>
             <a:endParaRPr lang="en-GB"/>
           </a:p>
@@ -475,7 +478,7 @@
           <a:p>
             <a:fld id="{8837BD83-C95D-452A-8A03-A9CBA33557B0}" type="datetimeFigureOut">
               <a:rPr lang="en-GB" smtClean="0"/>
-              <a:t>07/08/2022</a:t>
+              <a:t>08/08/2022</a:t>
             </a:fld>
             <a:endParaRPr lang="en-GB"/>
           </a:p>
@@ -685,7 +688,7 @@
           <a:p>
             <a:fld id="{8837BD83-C95D-452A-8A03-A9CBA33557B0}" type="datetimeFigureOut">
               <a:rPr lang="en-GB" smtClean="0"/>
-              <a:t>07/08/2022</a:t>
+              <a:t>08/08/2022</a:t>
             </a:fld>
             <a:endParaRPr lang="en-GB"/>
           </a:p>
@@ -885,7 +888,7 @@
           <a:p>
             <a:fld id="{8837BD83-C95D-452A-8A03-A9CBA33557B0}" type="datetimeFigureOut">
               <a:rPr lang="en-GB" smtClean="0"/>
-              <a:t>07/08/2022</a:t>
+              <a:t>08/08/2022</a:t>
             </a:fld>
             <a:endParaRPr lang="en-GB"/>
           </a:p>
@@ -1161,7 +1164,7 @@
           <a:p>
             <a:fld id="{8837BD83-C95D-452A-8A03-A9CBA33557B0}" type="datetimeFigureOut">
               <a:rPr lang="en-GB" smtClean="0"/>
-              <a:t>07/08/2022</a:t>
+              <a:t>08/08/2022</a:t>
             </a:fld>
             <a:endParaRPr lang="en-GB"/>
           </a:p>
@@ -1429,7 +1432,7 @@
           <a:p>
             <a:fld id="{8837BD83-C95D-452A-8A03-A9CBA33557B0}" type="datetimeFigureOut">
               <a:rPr lang="en-GB" smtClean="0"/>
-              <a:t>07/08/2022</a:t>
+              <a:t>08/08/2022</a:t>
             </a:fld>
             <a:endParaRPr lang="en-GB"/>
           </a:p>
@@ -1844,7 +1847,7 @@
           <a:p>
             <a:fld id="{8837BD83-C95D-452A-8A03-A9CBA33557B0}" type="datetimeFigureOut">
               <a:rPr lang="en-GB" smtClean="0"/>
-              <a:t>07/08/2022</a:t>
+              <a:t>08/08/2022</a:t>
             </a:fld>
             <a:endParaRPr lang="en-GB"/>
           </a:p>
@@ -1986,7 +1989,7 @@
           <a:p>
             <a:fld id="{8837BD83-C95D-452A-8A03-A9CBA33557B0}" type="datetimeFigureOut">
               <a:rPr lang="en-GB" smtClean="0"/>
-              <a:t>07/08/2022</a:t>
+              <a:t>08/08/2022</a:t>
             </a:fld>
             <a:endParaRPr lang="en-GB"/>
           </a:p>
@@ -2099,7 +2102,7 @@
           <a:p>
             <a:fld id="{8837BD83-C95D-452A-8A03-A9CBA33557B0}" type="datetimeFigureOut">
               <a:rPr lang="en-GB" smtClean="0"/>
-              <a:t>07/08/2022</a:t>
+              <a:t>08/08/2022</a:t>
             </a:fld>
             <a:endParaRPr lang="en-GB"/>
           </a:p>
@@ -2412,7 +2415,7 @@
           <a:p>
             <a:fld id="{8837BD83-C95D-452A-8A03-A9CBA33557B0}" type="datetimeFigureOut">
               <a:rPr lang="en-GB" smtClean="0"/>
-              <a:t>07/08/2022</a:t>
+              <a:t>08/08/2022</a:t>
             </a:fld>
             <a:endParaRPr lang="en-GB"/>
           </a:p>
@@ -2701,7 +2704,7 @@
           <a:p>
             <a:fld id="{8837BD83-C95D-452A-8A03-A9CBA33557B0}" type="datetimeFigureOut">
               <a:rPr lang="en-GB" smtClean="0"/>
-              <a:t>07/08/2022</a:t>
+              <a:t>08/08/2022</a:t>
             </a:fld>
             <a:endParaRPr lang="en-GB"/>
           </a:p>
@@ -2944,7 +2947,7 @@
           <a:p>
             <a:fld id="{8837BD83-C95D-452A-8A03-A9CBA33557B0}" type="datetimeFigureOut">
               <a:rPr lang="en-GB" smtClean="0"/>
-              <a:t>07/08/2022</a:t>
+              <a:t>08/08/2022</a:t>
             </a:fld>
             <a:endParaRPr lang="en-GB"/>
           </a:p>
@@ -3423,6 +3426,71 @@
       </p:grpSpPr>
       <p:pic>
         <p:nvPicPr>
+          <p:cNvPr id="3" name="Picture 2">
+            <a:extLst>
+              <a:ext uri="{FF2B5EF4-FFF2-40B4-BE49-F238E27FC236}">
+                <a16:creationId xmlns:a16="http://schemas.microsoft.com/office/drawing/2014/main" id="{1AE380AA-09DB-412B-8C99-7371222B24C4}"/>
+              </a:ext>
+            </a:extLst>
+          </p:cNvPr>
+          <p:cNvPicPr>
+            <a:picLocks noChangeAspect="1"/>
+          </p:cNvPicPr>
+          <p:nvPr/>
+        </p:nvPicPr>
+        <p:blipFill rotWithShape="1">
+          <a:blip r:embed="rId2">
+            <a:extLst>
+              <a:ext uri="{28A0092B-C50C-407E-A947-70E740481C1C}">
+                <a14:useLocalDpi xmlns:a14="http://schemas.microsoft.com/office/drawing/2010/main" val="0"/>
+              </a:ext>
+            </a:extLst>
+          </a:blip>
+          <a:srcRect t="52849" b="1"/>
+          <a:stretch/>
+        </p:blipFill>
+        <p:spPr>
+          <a:xfrm>
+            <a:off x="972937" y="1013461"/>
+            <a:ext cx="10246125" cy="4831078"/>
+          </a:xfrm>
+          <a:prstGeom prst="rect">
+            <a:avLst/>
+          </a:prstGeom>
+        </p:spPr>
+      </p:pic>
+    </p:spTree>
+    <p:extLst>
+      <p:ext uri="{BB962C8B-B14F-4D97-AF65-F5344CB8AC3E}">
+        <p14:creationId xmlns:p14="http://schemas.microsoft.com/office/powerpoint/2010/main" val="720631105"/>
+      </p:ext>
+    </p:extLst>
+  </p:cSld>
+  <p:clrMapOvr>
+    <a:masterClrMapping/>
+  </p:clrMapOvr>
+</p:sld>
+</file>
+
+<file path=ppt/slides/slide3.xml><?xml version="1.0" encoding="utf-8"?>
+<p:sld xmlns:a="http://schemas.openxmlformats.org/drawingml/2006/main" xmlns:r="http://schemas.openxmlformats.org/officeDocument/2006/relationships" xmlns:p="http://schemas.openxmlformats.org/presentationml/2006/main">
+  <p:cSld>
+    <p:spTree>
+      <p:nvGrpSpPr>
+        <p:cNvPr id="1" name=""/>
+        <p:cNvGrpSpPr/>
+        <p:nvPr/>
+      </p:nvGrpSpPr>
+      <p:grpSpPr>
+        <a:xfrm>
+          <a:off x="0" y="0"/>
+          <a:ext cx="0" cy="0"/>
+          <a:chOff x="0" y="0"/>
+          <a:chExt cx="0" cy="0"/>
+        </a:xfrm>
+      </p:grpSpPr>
+      <p:pic>
+        <p:nvPicPr>
           <p:cNvPr id="2" name="Picture 1">
             <a:extLst>
               <a:ext uri="{FF2B5EF4-FFF2-40B4-BE49-F238E27FC236}">
@@ -4936,7 +5004,7 @@
 </p:sld>
 </file>
 
-<file path=ppt/slides/slide3.xml><?xml version="1.0" encoding="utf-8"?>
+<file path=ppt/slides/slide4.xml><?xml version="1.0" encoding="utf-8"?>
 <p:sld xmlns:a="http://schemas.openxmlformats.org/drawingml/2006/main" xmlns:r="http://schemas.openxmlformats.org/officeDocument/2006/relationships" xmlns:p="http://schemas.openxmlformats.org/presentationml/2006/main">
   <p:cSld>
     <p:spTree>
@@ -11255,7 +11323,7 @@
 </p:sld>
 </file>
 
-<file path=ppt/slides/slide4.xml><?xml version="1.0" encoding="utf-8"?>
+<file path=ppt/slides/slide5.xml><?xml version="1.0" encoding="utf-8"?>
 <p:sld xmlns:a="http://schemas.openxmlformats.org/drawingml/2006/main" xmlns:r="http://schemas.openxmlformats.org/officeDocument/2006/relationships" xmlns:p="http://schemas.openxmlformats.org/presentationml/2006/main">
   <p:cSld>
     <p:spTree>
@@ -13100,6 +13168,707 @@
     <p:extLst>
       <p:ext uri="{BB962C8B-B14F-4D97-AF65-F5344CB8AC3E}">
         <p14:creationId xmlns:p14="http://schemas.microsoft.com/office/powerpoint/2010/main" val="533227737"/>
+      </p:ext>
+    </p:extLst>
+  </p:cSld>
+  <p:clrMapOvr>
+    <a:masterClrMapping/>
+  </p:clrMapOvr>
+</p:sld>
+</file>
+
+<file path=ppt/slides/slide6.xml><?xml version="1.0" encoding="utf-8"?>
+<p:sld xmlns:a="http://schemas.openxmlformats.org/drawingml/2006/main" xmlns:r="http://schemas.openxmlformats.org/officeDocument/2006/relationships" xmlns:p="http://schemas.openxmlformats.org/presentationml/2006/main">
+  <p:cSld>
+    <p:spTree>
+      <p:nvGrpSpPr>
+        <p:cNvPr id="1" name=""/>
+        <p:cNvGrpSpPr/>
+        <p:nvPr/>
+      </p:nvGrpSpPr>
+      <p:grpSpPr>
+        <a:xfrm>
+          <a:off x="0" y="0"/>
+          <a:ext cx="0" cy="0"/>
+          <a:chOff x="0" y="0"/>
+          <a:chExt cx="0" cy="0"/>
+        </a:xfrm>
+      </p:grpSpPr>
+      <p:pic>
+        <p:nvPicPr>
+          <p:cNvPr id="3" name="Picture 2">
+            <a:extLst>
+              <a:ext uri="{FF2B5EF4-FFF2-40B4-BE49-F238E27FC236}">
+                <a16:creationId xmlns:a16="http://schemas.microsoft.com/office/drawing/2014/main" id="{E0C696AD-0E89-4729-A420-B2FB77F80632}"/>
+              </a:ext>
+            </a:extLst>
+          </p:cNvPr>
+          <p:cNvPicPr>
+            <a:picLocks noChangeAspect="1"/>
+          </p:cNvPicPr>
+          <p:nvPr/>
+        </p:nvPicPr>
+        <p:blipFill>
+          <a:blip r:embed="rId2"/>
+          <a:stretch>
+            <a:fillRect/>
+          </a:stretch>
+        </p:blipFill>
+        <p:spPr>
+          <a:xfrm>
+            <a:off x="210224" y="534473"/>
+            <a:ext cx="5055367" cy="2675701"/>
+          </a:xfrm>
+          <a:prstGeom prst="rect">
+            <a:avLst/>
+          </a:prstGeom>
+        </p:spPr>
+      </p:pic>
+      <p:pic>
+        <p:nvPicPr>
+          <p:cNvPr id="4" name="Picture 3">
+            <a:extLst>
+              <a:ext uri="{FF2B5EF4-FFF2-40B4-BE49-F238E27FC236}">
+                <a16:creationId xmlns:a16="http://schemas.microsoft.com/office/drawing/2014/main" id="{B072BDCB-C078-41FA-B2C2-04EC3C16A177}"/>
+              </a:ext>
+            </a:extLst>
+          </p:cNvPr>
+          <p:cNvPicPr>
+            <a:picLocks noChangeAspect="1"/>
+          </p:cNvPicPr>
+          <p:nvPr/>
+        </p:nvPicPr>
+        <p:blipFill>
+          <a:blip r:embed="rId3"/>
+          <a:stretch>
+            <a:fillRect/>
+          </a:stretch>
+        </p:blipFill>
+        <p:spPr>
+          <a:xfrm>
+            <a:off x="5320141" y="629159"/>
+            <a:ext cx="6784772" cy="2556000"/>
+          </a:xfrm>
+          <a:prstGeom prst="rect">
+            <a:avLst/>
+          </a:prstGeom>
+        </p:spPr>
+      </p:pic>
+      <p:pic>
+        <p:nvPicPr>
+          <p:cNvPr id="18" name="Picture 17">
+            <a:extLst>
+              <a:ext uri="{FF2B5EF4-FFF2-40B4-BE49-F238E27FC236}">
+                <a16:creationId xmlns:a16="http://schemas.microsoft.com/office/drawing/2014/main" id="{CE122D5E-CEB1-47CA-90CC-61F4A3C6DB32}"/>
+              </a:ext>
+            </a:extLst>
+          </p:cNvPr>
+          <p:cNvPicPr>
+            <a:picLocks noChangeAspect="1"/>
+          </p:cNvPicPr>
+          <p:nvPr/>
+        </p:nvPicPr>
+        <p:blipFill>
+          <a:blip r:embed="rId3"/>
+          <a:stretch>
+            <a:fillRect/>
+          </a:stretch>
+        </p:blipFill>
+        <p:spPr>
+          <a:xfrm>
+            <a:off x="5320141" y="3429000"/>
+            <a:ext cx="6784772" cy="2556000"/>
+          </a:xfrm>
+          <a:prstGeom prst="rect">
+            <a:avLst/>
+          </a:prstGeom>
+        </p:spPr>
+      </p:pic>
+      <p:sp>
+        <p:nvSpPr>
+          <p:cNvPr id="19" name="Oval 18">
+            <a:extLst>
+              <a:ext uri="{FF2B5EF4-FFF2-40B4-BE49-F238E27FC236}">
+                <a16:creationId xmlns:a16="http://schemas.microsoft.com/office/drawing/2014/main" id="{E5EEBB59-47FD-4F4F-BA26-C78E014F48A2}"/>
+              </a:ext>
+            </a:extLst>
+          </p:cNvPr>
+          <p:cNvSpPr>
+            <a:spLocks noChangeAspect="1"/>
+          </p:cNvSpPr>
+          <p:nvPr/>
+        </p:nvSpPr>
+        <p:spPr>
+          <a:xfrm>
+            <a:off x="7463246" y="5499498"/>
+            <a:ext cx="72000" cy="72000"/>
+          </a:xfrm>
+          <a:prstGeom prst="ellipse">
+            <a:avLst/>
+          </a:prstGeom>
+          <a:ln>
+            <a:noFill/>
+          </a:ln>
+        </p:spPr>
+        <p:style>
+          <a:lnRef idx="2">
+            <a:schemeClr val="accent1">
+              <a:shade val="50000"/>
+            </a:schemeClr>
+          </a:lnRef>
+          <a:fillRef idx="1">
+            <a:schemeClr val="accent1"/>
+          </a:fillRef>
+          <a:effectRef idx="0">
+            <a:schemeClr val="accent1"/>
+          </a:effectRef>
+          <a:fontRef idx="minor">
+            <a:schemeClr val="lt1"/>
+          </a:fontRef>
+        </p:style>
+        <p:txBody>
+          <a:bodyPr rtlCol="0" anchor="ctr"/>
+          <a:lstStyle/>
+          <a:p>
+            <a:pPr algn="ctr"/>
+            <a:endParaRPr lang="en-US"/>
+          </a:p>
+        </p:txBody>
+      </p:sp>
+      <p:sp>
+        <p:nvSpPr>
+          <p:cNvPr id="20" name="Oval 19">
+            <a:extLst>
+              <a:ext uri="{FF2B5EF4-FFF2-40B4-BE49-F238E27FC236}">
+                <a16:creationId xmlns:a16="http://schemas.microsoft.com/office/drawing/2014/main" id="{B30E6F39-7C76-4E8A-B43F-3ED329660329}"/>
+              </a:ext>
+            </a:extLst>
+          </p:cNvPr>
+          <p:cNvSpPr>
+            <a:spLocks noChangeAspect="1"/>
+          </p:cNvSpPr>
+          <p:nvPr/>
+        </p:nvSpPr>
+        <p:spPr>
+          <a:xfrm>
+            <a:off x="7266078" y="5264367"/>
+            <a:ext cx="72000" cy="72000"/>
+          </a:xfrm>
+          <a:prstGeom prst="ellipse">
+            <a:avLst/>
+          </a:prstGeom>
+          <a:ln>
+            <a:noFill/>
+          </a:ln>
+        </p:spPr>
+        <p:style>
+          <a:lnRef idx="2">
+            <a:schemeClr val="accent1">
+              <a:shade val="50000"/>
+            </a:schemeClr>
+          </a:lnRef>
+          <a:fillRef idx="1">
+            <a:schemeClr val="accent1"/>
+          </a:fillRef>
+          <a:effectRef idx="0">
+            <a:schemeClr val="accent1"/>
+          </a:effectRef>
+          <a:fontRef idx="minor">
+            <a:schemeClr val="lt1"/>
+          </a:fontRef>
+        </p:style>
+        <p:txBody>
+          <a:bodyPr rtlCol="0" anchor="ctr"/>
+          <a:lstStyle/>
+          <a:p>
+            <a:pPr algn="ctr"/>
+            <a:endParaRPr lang="en-US"/>
+          </a:p>
+        </p:txBody>
+      </p:sp>
+      <p:sp>
+        <p:nvSpPr>
+          <p:cNvPr id="21" name="Oval 20">
+            <a:extLst>
+              <a:ext uri="{FF2B5EF4-FFF2-40B4-BE49-F238E27FC236}">
+                <a16:creationId xmlns:a16="http://schemas.microsoft.com/office/drawing/2014/main" id="{7EA60A8C-F927-4A15-987F-C5E901D2E14F}"/>
+              </a:ext>
+            </a:extLst>
+          </p:cNvPr>
+          <p:cNvSpPr>
+            <a:spLocks noChangeAspect="1"/>
+          </p:cNvSpPr>
+          <p:nvPr/>
+        </p:nvSpPr>
+        <p:spPr>
+          <a:xfrm>
+            <a:off x="7160079" y="5163792"/>
+            <a:ext cx="72000" cy="72000"/>
+          </a:xfrm>
+          <a:prstGeom prst="ellipse">
+            <a:avLst/>
+          </a:prstGeom>
+          <a:ln>
+            <a:noFill/>
+          </a:ln>
+        </p:spPr>
+        <p:style>
+          <a:lnRef idx="2">
+            <a:schemeClr val="accent1">
+              <a:shade val="50000"/>
+            </a:schemeClr>
+          </a:lnRef>
+          <a:fillRef idx="1">
+            <a:schemeClr val="accent1"/>
+          </a:fillRef>
+          <a:effectRef idx="0">
+            <a:schemeClr val="accent1"/>
+          </a:effectRef>
+          <a:fontRef idx="minor">
+            <a:schemeClr val="lt1"/>
+          </a:fontRef>
+        </p:style>
+        <p:txBody>
+          <a:bodyPr rtlCol="0" anchor="ctr"/>
+          <a:lstStyle/>
+          <a:p>
+            <a:pPr algn="ctr"/>
+            <a:endParaRPr lang="en-US"/>
+          </a:p>
+        </p:txBody>
+      </p:sp>
+      <p:sp>
+        <p:nvSpPr>
+          <p:cNvPr id="22" name="Oval 21">
+            <a:extLst>
+              <a:ext uri="{FF2B5EF4-FFF2-40B4-BE49-F238E27FC236}">
+                <a16:creationId xmlns:a16="http://schemas.microsoft.com/office/drawing/2014/main" id="{8D12C415-628B-4A2B-98E1-8CEDDC2F0A61}"/>
+              </a:ext>
+            </a:extLst>
+          </p:cNvPr>
+          <p:cNvSpPr>
+            <a:spLocks noChangeAspect="1"/>
+          </p:cNvSpPr>
+          <p:nvPr/>
+        </p:nvSpPr>
+        <p:spPr>
+          <a:xfrm>
+            <a:off x="6933189" y="4964176"/>
+            <a:ext cx="72000" cy="72000"/>
+          </a:xfrm>
+          <a:prstGeom prst="ellipse">
+            <a:avLst/>
+          </a:prstGeom>
+          <a:ln>
+            <a:noFill/>
+          </a:ln>
+        </p:spPr>
+        <p:style>
+          <a:lnRef idx="2">
+            <a:schemeClr val="accent1">
+              <a:shade val="50000"/>
+            </a:schemeClr>
+          </a:lnRef>
+          <a:fillRef idx="1">
+            <a:schemeClr val="accent1"/>
+          </a:fillRef>
+          <a:effectRef idx="0">
+            <a:schemeClr val="accent1"/>
+          </a:effectRef>
+          <a:fontRef idx="minor">
+            <a:schemeClr val="lt1"/>
+          </a:fontRef>
+        </p:style>
+        <p:txBody>
+          <a:bodyPr rtlCol="0" anchor="ctr"/>
+          <a:lstStyle/>
+          <a:p>
+            <a:pPr algn="ctr"/>
+            <a:endParaRPr lang="en-US"/>
+          </a:p>
+        </p:txBody>
+      </p:sp>
+      <p:sp>
+        <p:nvSpPr>
+          <p:cNvPr id="23" name="Oval 22">
+            <a:extLst>
+              <a:ext uri="{FF2B5EF4-FFF2-40B4-BE49-F238E27FC236}">
+                <a16:creationId xmlns:a16="http://schemas.microsoft.com/office/drawing/2014/main" id="{98B64643-199D-46B3-A48E-9692CE7A52A4}"/>
+              </a:ext>
+            </a:extLst>
+          </p:cNvPr>
+          <p:cNvSpPr>
+            <a:spLocks noChangeAspect="1"/>
+          </p:cNvSpPr>
+          <p:nvPr/>
+        </p:nvSpPr>
+        <p:spPr>
+          <a:xfrm>
+            <a:off x="6840258" y="4892176"/>
+            <a:ext cx="72000" cy="72000"/>
+          </a:xfrm>
+          <a:prstGeom prst="ellipse">
+            <a:avLst/>
+          </a:prstGeom>
+          <a:ln>
+            <a:noFill/>
+          </a:ln>
+        </p:spPr>
+        <p:style>
+          <a:lnRef idx="2">
+            <a:schemeClr val="accent1">
+              <a:shade val="50000"/>
+            </a:schemeClr>
+          </a:lnRef>
+          <a:fillRef idx="1">
+            <a:schemeClr val="accent1"/>
+          </a:fillRef>
+          <a:effectRef idx="0">
+            <a:schemeClr val="accent1"/>
+          </a:effectRef>
+          <a:fontRef idx="minor">
+            <a:schemeClr val="lt1"/>
+          </a:fontRef>
+        </p:style>
+        <p:txBody>
+          <a:bodyPr rtlCol="0" anchor="ctr"/>
+          <a:lstStyle/>
+          <a:p>
+            <a:pPr algn="ctr"/>
+            <a:endParaRPr lang="en-US"/>
+          </a:p>
+        </p:txBody>
+      </p:sp>
+      <p:sp>
+        <p:nvSpPr>
+          <p:cNvPr id="24" name="Oval 23">
+            <a:extLst>
+              <a:ext uri="{FF2B5EF4-FFF2-40B4-BE49-F238E27FC236}">
+                <a16:creationId xmlns:a16="http://schemas.microsoft.com/office/drawing/2014/main" id="{F671BDBE-CE19-4FEA-ABBF-E01E317B048B}"/>
+              </a:ext>
+            </a:extLst>
+          </p:cNvPr>
+          <p:cNvSpPr>
+            <a:spLocks noChangeAspect="1"/>
+          </p:cNvSpPr>
+          <p:nvPr/>
+        </p:nvSpPr>
+        <p:spPr>
+          <a:xfrm>
+            <a:off x="6513890" y="4600164"/>
+            <a:ext cx="72000" cy="72000"/>
+          </a:xfrm>
+          <a:prstGeom prst="ellipse">
+            <a:avLst/>
+          </a:prstGeom>
+          <a:ln>
+            <a:noFill/>
+          </a:ln>
+        </p:spPr>
+        <p:style>
+          <a:lnRef idx="2">
+            <a:schemeClr val="accent1">
+              <a:shade val="50000"/>
+            </a:schemeClr>
+          </a:lnRef>
+          <a:fillRef idx="1">
+            <a:schemeClr val="accent1"/>
+          </a:fillRef>
+          <a:effectRef idx="0">
+            <a:schemeClr val="accent1"/>
+          </a:effectRef>
+          <a:fontRef idx="minor">
+            <a:schemeClr val="lt1"/>
+          </a:fontRef>
+        </p:style>
+        <p:txBody>
+          <a:bodyPr rtlCol="0" anchor="ctr"/>
+          <a:lstStyle/>
+          <a:p>
+            <a:pPr algn="ctr"/>
+            <a:endParaRPr lang="en-US"/>
+          </a:p>
+        </p:txBody>
+      </p:sp>
+      <p:sp>
+        <p:nvSpPr>
+          <p:cNvPr id="25" name="Oval 24">
+            <a:extLst>
+              <a:ext uri="{FF2B5EF4-FFF2-40B4-BE49-F238E27FC236}">
+                <a16:creationId xmlns:a16="http://schemas.microsoft.com/office/drawing/2014/main" id="{7FDE9A44-E686-4664-A00A-68C435757448}"/>
+              </a:ext>
+            </a:extLst>
+          </p:cNvPr>
+          <p:cNvSpPr>
+            <a:spLocks noChangeAspect="1"/>
+          </p:cNvSpPr>
+          <p:nvPr/>
+        </p:nvSpPr>
+        <p:spPr>
+          <a:xfrm>
+            <a:off x="6170990" y="4359658"/>
+            <a:ext cx="72000" cy="72000"/>
+          </a:xfrm>
+          <a:prstGeom prst="ellipse">
+            <a:avLst/>
+          </a:prstGeom>
+          <a:ln>
+            <a:noFill/>
+          </a:ln>
+        </p:spPr>
+        <p:style>
+          <a:lnRef idx="2">
+            <a:schemeClr val="accent1">
+              <a:shade val="50000"/>
+            </a:schemeClr>
+          </a:lnRef>
+          <a:fillRef idx="1">
+            <a:schemeClr val="accent1"/>
+          </a:fillRef>
+          <a:effectRef idx="0">
+            <a:schemeClr val="accent1"/>
+          </a:effectRef>
+          <a:fontRef idx="minor">
+            <a:schemeClr val="lt1"/>
+          </a:fontRef>
+        </p:style>
+        <p:txBody>
+          <a:bodyPr rtlCol="0" anchor="ctr"/>
+          <a:lstStyle/>
+          <a:p>
+            <a:pPr algn="ctr"/>
+            <a:endParaRPr lang="en-US"/>
+          </a:p>
+        </p:txBody>
+      </p:sp>
+      <p:sp>
+        <p:nvSpPr>
+          <p:cNvPr id="26" name="Oval 25">
+            <a:extLst>
+              <a:ext uri="{FF2B5EF4-FFF2-40B4-BE49-F238E27FC236}">
+                <a16:creationId xmlns:a16="http://schemas.microsoft.com/office/drawing/2014/main" id="{1E4D0A21-55BB-4809-B8B0-DBC37B4561E7}"/>
+              </a:ext>
+            </a:extLst>
+          </p:cNvPr>
+          <p:cNvSpPr>
+            <a:spLocks noChangeAspect="1"/>
+          </p:cNvSpPr>
+          <p:nvPr/>
+        </p:nvSpPr>
+        <p:spPr>
+          <a:xfrm>
+            <a:off x="6064762" y="4271551"/>
+            <a:ext cx="72000" cy="72000"/>
+          </a:xfrm>
+          <a:prstGeom prst="ellipse">
+            <a:avLst/>
+          </a:prstGeom>
+          <a:ln>
+            <a:noFill/>
+          </a:ln>
+        </p:spPr>
+        <p:style>
+          <a:lnRef idx="2">
+            <a:schemeClr val="accent1">
+              <a:shade val="50000"/>
+            </a:schemeClr>
+          </a:lnRef>
+          <a:fillRef idx="1">
+            <a:schemeClr val="accent1"/>
+          </a:fillRef>
+          <a:effectRef idx="0">
+            <a:schemeClr val="accent1"/>
+          </a:effectRef>
+          <a:fontRef idx="minor">
+            <a:schemeClr val="lt1"/>
+          </a:fontRef>
+        </p:style>
+        <p:txBody>
+          <a:bodyPr rtlCol="0" anchor="ctr"/>
+          <a:lstStyle/>
+          <a:p>
+            <a:pPr algn="ctr"/>
+            <a:endParaRPr lang="en-US"/>
+          </a:p>
+        </p:txBody>
+      </p:sp>
+      <p:sp>
+        <p:nvSpPr>
+          <p:cNvPr id="27" name="Freeform: Shape 26">
+            <a:extLst>
+              <a:ext uri="{FF2B5EF4-FFF2-40B4-BE49-F238E27FC236}">
+                <a16:creationId xmlns:a16="http://schemas.microsoft.com/office/drawing/2014/main" id="{D6BFD26E-3B9E-4107-9708-EEED99B2F2C7}"/>
+              </a:ext>
+            </a:extLst>
+          </p:cNvPr>
+          <p:cNvSpPr/>
+          <p:nvPr/>
+        </p:nvSpPr>
+        <p:spPr>
+          <a:xfrm>
+            <a:off x="6096000" y="4307172"/>
+            <a:ext cx="1526381" cy="1321594"/>
+          </a:xfrm>
+          <a:custGeom>
+            <a:avLst/>
+            <a:gdLst>
+              <a:gd name="connsiteX0" fmla="*/ 0 w 1526381"/>
+              <a:gd name="connsiteY0" fmla="*/ 0 h 1321594"/>
+              <a:gd name="connsiteX1" fmla="*/ 109538 w 1526381"/>
+              <a:gd name="connsiteY1" fmla="*/ 90488 h 1321594"/>
+              <a:gd name="connsiteX2" fmla="*/ 457200 w 1526381"/>
+              <a:gd name="connsiteY2" fmla="*/ 328613 h 1321594"/>
+              <a:gd name="connsiteX3" fmla="*/ 781050 w 1526381"/>
+              <a:gd name="connsiteY3" fmla="*/ 623888 h 1321594"/>
+              <a:gd name="connsiteX4" fmla="*/ 876300 w 1526381"/>
+              <a:gd name="connsiteY4" fmla="*/ 697707 h 1321594"/>
+              <a:gd name="connsiteX5" fmla="*/ 1100138 w 1526381"/>
+              <a:gd name="connsiteY5" fmla="*/ 895350 h 1321594"/>
+              <a:gd name="connsiteX6" fmla="*/ 1212056 w 1526381"/>
+              <a:gd name="connsiteY6" fmla="*/ 1000125 h 1321594"/>
+              <a:gd name="connsiteX7" fmla="*/ 1409700 w 1526381"/>
+              <a:gd name="connsiteY7" fmla="*/ 1233488 h 1321594"/>
+              <a:gd name="connsiteX8" fmla="*/ 1526381 w 1526381"/>
+              <a:gd name="connsiteY8" fmla="*/ 1321594 h 1321594"/>
+            </a:gdLst>
+            <a:ahLst/>
+            <a:cxnLst>
+              <a:cxn ang="0">
+                <a:pos x="connsiteX0" y="connsiteY0"/>
+              </a:cxn>
+              <a:cxn ang="0">
+                <a:pos x="connsiteX1" y="connsiteY1"/>
+              </a:cxn>
+              <a:cxn ang="0">
+                <a:pos x="connsiteX2" y="connsiteY2"/>
+              </a:cxn>
+              <a:cxn ang="0">
+                <a:pos x="connsiteX3" y="connsiteY3"/>
+              </a:cxn>
+              <a:cxn ang="0">
+                <a:pos x="connsiteX4" y="connsiteY4"/>
+              </a:cxn>
+              <a:cxn ang="0">
+                <a:pos x="connsiteX5" y="connsiteY5"/>
+              </a:cxn>
+              <a:cxn ang="0">
+                <a:pos x="connsiteX6" y="connsiteY6"/>
+              </a:cxn>
+              <a:cxn ang="0">
+                <a:pos x="connsiteX7" y="connsiteY7"/>
+              </a:cxn>
+              <a:cxn ang="0">
+                <a:pos x="connsiteX8" y="connsiteY8"/>
+              </a:cxn>
+            </a:cxnLst>
+            <a:rect l="l" t="t" r="r" b="b"/>
+            <a:pathLst>
+              <a:path w="1526381" h="1321594">
+                <a:moveTo>
+                  <a:pt x="0" y="0"/>
+                </a:moveTo>
+                <a:cubicBezTo>
+                  <a:pt x="16669" y="17859"/>
+                  <a:pt x="33338" y="35719"/>
+                  <a:pt x="109538" y="90488"/>
+                </a:cubicBezTo>
+                <a:cubicBezTo>
+                  <a:pt x="185738" y="145257"/>
+                  <a:pt x="345281" y="239713"/>
+                  <a:pt x="457200" y="328613"/>
+                </a:cubicBezTo>
+                <a:cubicBezTo>
+                  <a:pt x="569119" y="417513"/>
+                  <a:pt x="711200" y="562372"/>
+                  <a:pt x="781050" y="623888"/>
+                </a:cubicBezTo>
+                <a:cubicBezTo>
+                  <a:pt x="850900" y="685404"/>
+                  <a:pt x="823119" y="652463"/>
+                  <a:pt x="876300" y="697707"/>
+                </a:cubicBezTo>
+                <a:cubicBezTo>
+                  <a:pt x="929481" y="742951"/>
+                  <a:pt x="1044179" y="844947"/>
+                  <a:pt x="1100138" y="895350"/>
+                </a:cubicBezTo>
+                <a:cubicBezTo>
+                  <a:pt x="1156097" y="945753"/>
+                  <a:pt x="1160462" y="943769"/>
+                  <a:pt x="1212056" y="1000125"/>
+                </a:cubicBezTo>
+                <a:cubicBezTo>
+                  <a:pt x="1263650" y="1056481"/>
+                  <a:pt x="1357312" y="1179910"/>
+                  <a:pt x="1409700" y="1233488"/>
+                </a:cubicBezTo>
+                <a:cubicBezTo>
+                  <a:pt x="1462088" y="1287066"/>
+                  <a:pt x="1494234" y="1304330"/>
+                  <a:pt x="1526381" y="1321594"/>
+                </a:cubicBezTo>
+              </a:path>
+            </a:pathLst>
+          </a:custGeom>
+          <a:ln w="19050"/>
+        </p:spPr>
+        <p:style>
+          <a:lnRef idx="1">
+            <a:schemeClr val="accent2"/>
+          </a:lnRef>
+          <a:fillRef idx="0">
+            <a:schemeClr val="accent2"/>
+          </a:fillRef>
+          <a:effectRef idx="0">
+            <a:schemeClr val="accent2"/>
+          </a:effectRef>
+          <a:fontRef idx="minor">
+            <a:schemeClr val="tx1"/>
+          </a:fontRef>
+        </p:style>
+        <p:txBody>
+          <a:bodyPr rtlCol="0" anchor="ctr"/>
+          <a:lstStyle/>
+          <a:p>
+            <a:pPr algn="ctr"/>
+            <a:endParaRPr lang="en-US"/>
+          </a:p>
+        </p:txBody>
+      </p:sp>
+    </p:spTree>
+    <p:extLst>
+      <p:ext uri="{BB962C8B-B14F-4D97-AF65-F5344CB8AC3E}">
+        <p14:creationId xmlns:p14="http://schemas.microsoft.com/office/powerpoint/2010/main" val="375635390"/>
+      </p:ext>
+    </p:extLst>
+  </p:cSld>
+  <p:clrMapOvr>
+    <a:masterClrMapping/>
+  </p:clrMapOvr>
+</p:sld>
+</file>
+
+<file path=ppt/slides/slide7.xml><?xml version="1.0" encoding="utf-8"?>
+<p:sld xmlns:a="http://schemas.openxmlformats.org/drawingml/2006/main" xmlns:r="http://schemas.openxmlformats.org/officeDocument/2006/relationships" xmlns:p="http://schemas.openxmlformats.org/presentationml/2006/main">
+  <p:cSld>
+    <p:spTree>
+      <p:nvGrpSpPr>
+        <p:cNvPr id="1" name=""/>
+        <p:cNvGrpSpPr/>
+        <p:nvPr/>
+      </p:nvGrpSpPr>
+      <p:grpSpPr>
+        <a:xfrm>
+          <a:off x="0" y="0"/>
+          <a:ext cx="0" cy="0"/>
+          <a:chOff x="0" y="0"/>
+          <a:chExt cx="0" cy="0"/>
+        </a:xfrm>
+      </p:grpSpPr>
+    </p:spTree>
+    <p:extLst>
+      <p:ext uri="{BB962C8B-B14F-4D97-AF65-F5344CB8AC3E}">
+        <p14:creationId xmlns:p14="http://schemas.microsoft.com/office/powerpoint/2010/main" val="3218597126"/>
       </p:ext>
     </p:extLst>
   </p:cSld>

--- a/data/draft.pptx
+++ b/data/draft.pptx
@@ -11,7 +11,8 @@
     <p:sldId id="259" r:id="rId5"/>
     <p:sldId id="260" r:id="rId6"/>
     <p:sldId id="262" r:id="rId7"/>
-    <p:sldId id="263" r:id="rId8"/>
+    <p:sldId id="264" r:id="rId8"/>
+    <p:sldId id="263" r:id="rId9"/>
   </p:sldIdLst>
   <p:sldSz cx="12192000" cy="6858000"/>
   <p:notesSz cx="6797675" cy="9926638"/>
@@ -278,7 +279,7 @@
           <a:p>
             <a:fld id="{8837BD83-C95D-452A-8A03-A9CBA33557B0}" type="datetimeFigureOut">
               <a:rPr lang="en-GB" smtClean="0"/>
-              <a:t>08/08/2022</a:t>
+              <a:t>12/09/2022</a:t>
             </a:fld>
             <a:endParaRPr lang="en-GB"/>
           </a:p>
@@ -478,7 +479,7 @@
           <a:p>
             <a:fld id="{8837BD83-C95D-452A-8A03-A9CBA33557B0}" type="datetimeFigureOut">
               <a:rPr lang="en-GB" smtClean="0"/>
-              <a:t>08/08/2022</a:t>
+              <a:t>12/09/2022</a:t>
             </a:fld>
             <a:endParaRPr lang="en-GB"/>
           </a:p>
@@ -688,7 +689,7 @@
           <a:p>
             <a:fld id="{8837BD83-C95D-452A-8A03-A9CBA33557B0}" type="datetimeFigureOut">
               <a:rPr lang="en-GB" smtClean="0"/>
-              <a:t>08/08/2022</a:t>
+              <a:t>12/09/2022</a:t>
             </a:fld>
             <a:endParaRPr lang="en-GB"/>
           </a:p>
@@ -888,7 +889,7 @@
           <a:p>
             <a:fld id="{8837BD83-C95D-452A-8A03-A9CBA33557B0}" type="datetimeFigureOut">
               <a:rPr lang="en-GB" smtClean="0"/>
-              <a:t>08/08/2022</a:t>
+              <a:t>12/09/2022</a:t>
             </a:fld>
             <a:endParaRPr lang="en-GB"/>
           </a:p>
@@ -1164,7 +1165,7 @@
           <a:p>
             <a:fld id="{8837BD83-C95D-452A-8A03-A9CBA33557B0}" type="datetimeFigureOut">
               <a:rPr lang="en-GB" smtClean="0"/>
-              <a:t>08/08/2022</a:t>
+              <a:t>12/09/2022</a:t>
             </a:fld>
             <a:endParaRPr lang="en-GB"/>
           </a:p>
@@ -1432,7 +1433,7 @@
           <a:p>
             <a:fld id="{8837BD83-C95D-452A-8A03-A9CBA33557B0}" type="datetimeFigureOut">
               <a:rPr lang="en-GB" smtClean="0"/>
-              <a:t>08/08/2022</a:t>
+              <a:t>12/09/2022</a:t>
             </a:fld>
             <a:endParaRPr lang="en-GB"/>
           </a:p>
@@ -1847,7 +1848,7 @@
           <a:p>
             <a:fld id="{8837BD83-C95D-452A-8A03-A9CBA33557B0}" type="datetimeFigureOut">
               <a:rPr lang="en-GB" smtClean="0"/>
-              <a:t>08/08/2022</a:t>
+              <a:t>12/09/2022</a:t>
             </a:fld>
             <a:endParaRPr lang="en-GB"/>
           </a:p>
@@ -1989,7 +1990,7 @@
           <a:p>
             <a:fld id="{8837BD83-C95D-452A-8A03-A9CBA33557B0}" type="datetimeFigureOut">
               <a:rPr lang="en-GB" smtClean="0"/>
-              <a:t>08/08/2022</a:t>
+              <a:t>12/09/2022</a:t>
             </a:fld>
             <a:endParaRPr lang="en-GB"/>
           </a:p>
@@ -2102,7 +2103,7 @@
           <a:p>
             <a:fld id="{8837BD83-C95D-452A-8A03-A9CBA33557B0}" type="datetimeFigureOut">
               <a:rPr lang="en-GB" smtClean="0"/>
-              <a:t>08/08/2022</a:t>
+              <a:t>12/09/2022</a:t>
             </a:fld>
             <a:endParaRPr lang="en-GB"/>
           </a:p>
@@ -2415,7 +2416,7 @@
           <a:p>
             <a:fld id="{8837BD83-C95D-452A-8A03-A9CBA33557B0}" type="datetimeFigureOut">
               <a:rPr lang="en-GB" smtClean="0"/>
-              <a:t>08/08/2022</a:t>
+              <a:t>12/09/2022</a:t>
             </a:fld>
             <a:endParaRPr lang="en-GB"/>
           </a:p>
@@ -2704,7 +2705,7 @@
           <a:p>
             <a:fld id="{8837BD83-C95D-452A-8A03-A9CBA33557B0}" type="datetimeFigureOut">
               <a:rPr lang="en-GB" smtClean="0"/>
-              <a:t>08/08/2022</a:t>
+              <a:t>12/09/2022</a:t>
             </a:fld>
             <a:endParaRPr lang="en-GB"/>
           </a:p>
@@ -2947,7 +2948,7 @@
           <a:p>
             <a:fld id="{8837BD83-C95D-452A-8A03-A9CBA33557B0}" type="datetimeFigureOut">
               <a:rPr lang="en-GB" smtClean="0"/>
-              <a:t>08/08/2022</a:t>
+              <a:t>12/09/2022</a:t>
             </a:fld>
             <a:endParaRPr lang="en-GB"/>
           </a:p>
@@ -13865,6 +13866,1423 @@
           <a:chExt cx="0" cy="0"/>
         </a:xfrm>
       </p:grpSpPr>
+      <p:pic>
+        <p:nvPicPr>
+          <p:cNvPr id="7" name="Picture 6">
+            <a:extLst>
+              <a:ext uri="{FF2B5EF4-FFF2-40B4-BE49-F238E27FC236}">
+                <a16:creationId xmlns:a16="http://schemas.microsoft.com/office/drawing/2014/main" id="{C58D0FF0-5F1E-1D9E-00D7-951A731FBCC1}"/>
+              </a:ext>
+            </a:extLst>
+          </p:cNvPr>
+          <p:cNvPicPr>
+            <a:picLocks noChangeAspect="1"/>
+          </p:cNvPicPr>
+          <p:nvPr/>
+        </p:nvPicPr>
+        <p:blipFill>
+          <a:blip r:embed="rId2"/>
+          <a:stretch>
+            <a:fillRect/>
+          </a:stretch>
+        </p:blipFill>
+        <p:spPr>
+          <a:xfrm>
+            <a:off x="-76613" y="1478993"/>
+            <a:ext cx="3657788" cy="3657788"/>
+          </a:xfrm>
+          <a:prstGeom prst="rect">
+            <a:avLst/>
+          </a:prstGeom>
+        </p:spPr>
+      </p:pic>
+      <p:pic>
+        <p:nvPicPr>
+          <p:cNvPr id="15" name="Picture 14">
+            <a:extLst>
+              <a:ext uri="{FF2B5EF4-FFF2-40B4-BE49-F238E27FC236}">
+                <a16:creationId xmlns:a16="http://schemas.microsoft.com/office/drawing/2014/main" id="{7FA5D3B7-5159-2663-6E80-7BE358CA3320}"/>
+              </a:ext>
+            </a:extLst>
+          </p:cNvPr>
+          <p:cNvPicPr>
+            <a:picLocks noChangeAspect="1"/>
+          </p:cNvPicPr>
+          <p:nvPr/>
+        </p:nvPicPr>
+        <p:blipFill>
+          <a:blip r:embed="rId3"/>
+          <a:stretch>
+            <a:fillRect/>
+          </a:stretch>
+        </p:blipFill>
+        <p:spPr>
+          <a:xfrm>
+            <a:off x="2374391" y="1478993"/>
+            <a:ext cx="3657788" cy="3657788"/>
+          </a:xfrm>
+          <a:prstGeom prst="rect">
+            <a:avLst/>
+          </a:prstGeom>
+        </p:spPr>
+      </p:pic>
+      <p:graphicFrame>
+        <p:nvGraphicFramePr>
+          <p:cNvPr id="2" name="Table 1">
+            <a:extLst>
+              <a:ext uri="{FF2B5EF4-FFF2-40B4-BE49-F238E27FC236}">
+                <a16:creationId xmlns:a16="http://schemas.microsoft.com/office/drawing/2014/main" id="{F9E05D45-7BCC-A5ED-72A1-38E2F8803178}"/>
+              </a:ext>
+            </a:extLst>
+          </p:cNvPr>
+          <p:cNvGraphicFramePr>
+            <a:graphicFrameLocks noGrp="1"/>
+          </p:cNvGraphicFramePr>
+          <p:nvPr/>
+        </p:nvGraphicFramePr>
+        <p:xfrm>
+          <a:off x="0" y="0"/>
+          <a:ext cx="4267200" cy="1289050"/>
+        </p:xfrm>
+        <a:graphic>
+          <a:graphicData uri="http://schemas.openxmlformats.org/drawingml/2006/table">
+            <a:tbl>
+              <a:tblPr>
+                <a:tableStyleId>{93296810-A885-4BE3-A3E7-6D5BEEA58F35}</a:tableStyleId>
+              </a:tblPr>
+              <a:tblGrid>
+                <a:gridCol w="609600">
+                  <a:extLst>
+                    <a:ext uri="{9D8B030D-6E8A-4147-A177-3AD203B41FA5}">
+                      <a16:colId xmlns:a16="http://schemas.microsoft.com/office/drawing/2014/main" val="75815607"/>
+                    </a:ext>
+                  </a:extLst>
+                </a:gridCol>
+                <a:gridCol w="609600">
+                  <a:extLst>
+                    <a:ext uri="{9D8B030D-6E8A-4147-A177-3AD203B41FA5}">
+                      <a16:colId xmlns:a16="http://schemas.microsoft.com/office/drawing/2014/main" val="1907419939"/>
+                    </a:ext>
+                  </a:extLst>
+                </a:gridCol>
+                <a:gridCol w="609600">
+                  <a:extLst>
+                    <a:ext uri="{9D8B030D-6E8A-4147-A177-3AD203B41FA5}">
+                      <a16:colId xmlns:a16="http://schemas.microsoft.com/office/drawing/2014/main" val="2219341483"/>
+                    </a:ext>
+                  </a:extLst>
+                </a:gridCol>
+                <a:gridCol w="609600">
+                  <a:extLst>
+                    <a:ext uri="{9D8B030D-6E8A-4147-A177-3AD203B41FA5}">
+                      <a16:colId xmlns:a16="http://schemas.microsoft.com/office/drawing/2014/main" val="3970234215"/>
+                    </a:ext>
+                  </a:extLst>
+                </a:gridCol>
+                <a:gridCol w="609600">
+                  <a:extLst>
+                    <a:ext uri="{9D8B030D-6E8A-4147-A177-3AD203B41FA5}">
+                      <a16:colId xmlns:a16="http://schemas.microsoft.com/office/drawing/2014/main" val="4281731642"/>
+                    </a:ext>
+                  </a:extLst>
+                </a:gridCol>
+                <a:gridCol w="609600">
+                  <a:extLst>
+                    <a:ext uri="{9D8B030D-6E8A-4147-A177-3AD203B41FA5}">
+                      <a16:colId xmlns:a16="http://schemas.microsoft.com/office/drawing/2014/main" val="3113271008"/>
+                    </a:ext>
+                  </a:extLst>
+                </a:gridCol>
+                <a:gridCol w="609600">
+                  <a:extLst>
+                    <a:ext uri="{9D8B030D-6E8A-4147-A177-3AD203B41FA5}">
+                      <a16:colId xmlns:a16="http://schemas.microsoft.com/office/drawing/2014/main" val="2478660917"/>
+                    </a:ext>
+                  </a:extLst>
+                </a:gridCol>
+              </a:tblGrid>
+              <a:tr h="184150">
+                <a:tc>
+                  <a:txBody>
+                    <a:bodyPr/>
+                    <a:lstStyle/>
+                    <a:p>
+                      <a:pPr algn="l" fontAlgn="b"/>
+                      <a:endParaRPr lang="en-GB" sz="1100" b="0" i="0" u="none" strike="noStrike">
+                        <a:solidFill>
+                          <a:srgbClr val="000000"/>
+                        </a:solidFill>
+                        <a:effectLst/>
+                        <a:latin typeface="Calibri" panose="020F0502020204030204" pitchFamily="34" charset="0"/>
+                      </a:endParaRPr>
+                    </a:p>
+                  </a:txBody>
+                  <a:tcPr marL="6350" marR="6350" marT="6350" marB="0" anchor="b"/>
+                </a:tc>
+                <a:tc>
+                  <a:txBody>
+                    <a:bodyPr/>
+                    <a:lstStyle/>
+                    <a:p>
+                      <a:pPr algn="l" fontAlgn="b"/>
+                      <a:r>
+                        <a:rPr lang="en-GB" sz="1100" u="none" strike="noStrike">
+                          <a:effectLst/>
+                        </a:rPr>
+                        <a:t>x</a:t>
+                      </a:r>
+                      <a:endParaRPr lang="en-GB" sz="1100" b="0" i="0" u="none" strike="noStrike">
+                        <a:solidFill>
+                          <a:srgbClr val="000000"/>
+                        </a:solidFill>
+                        <a:effectLst/>
+                        <a:latin typeface="Calibri" panose="020F0502020204030204" pitchFamily="34" charset="0"/>
+                      </a:endParaRPr>
+                    </a:p>
+                  </a:txBody>
+                  <a:tcPr marL="6350" marR="6350" marT="6350" marB="0" anchor="b"/>
+                </a:tc>
+                <a:tc>
+                  <a:txBody>
+                    <a:bodyPr/>
+                    <a:lstStyle/>
+                    <a:p>
+                      <a:pPr algn="l" fontAlgn="b"/>
+                      <a:r>
+                        <a:rPr lang="en-GB" sz="1100" u="none" strike="noStrike">
+                          <a:effectLst/>
+                        </a:rPr>
+                        <a:t>y</a:t>
+                      </a:r>
+                      <a:endParaRPr lang="en-GB" sz="1100" b="0" i="0" u="none" strike="noStrike">
+                        <a:solidFill>
+                          <a:srgbClr val="000000"/>
+                        </a:solidFill>
+                        <a:effectLst/>
+                        <a:latin typeface="Calibri" panose="020F0502020204030204" pitchFamily="34" charset="0"/>
+                      </a:endParaRPr>
+                    </a:p>
+                  </a:txBody>
+                  <a:tcPr marL="6350" marR="6350" marT="6350" marB="0" anchor="b"/>
+                </a:tc>
+                <a:tc>
+                  <a:txBody>
+                    <a:bodyPr/>
+                    <a:lstStyle/>
+                    <a:p>
+                      <a:pPr algn="l" fontAlgn="b"/>
+                      <a:r>
+                        <a:rPr lang="en-GB" sz="1100" u="none" strike="noStrike">
+                          <a:effectLst/>
+                        </a:rPr>
+                        <a:t>fvx</a:t>
+                      </a:r>
+                      <a:endParaRPr lang="en-GB" sz="1100" b="0" i="0" u="none" strike="noStrike">
+                        <a:solidFill>
+                          <a:srgbClr val="000000"/>
+                        </a:solidFill>
+                        <a:effectLst/>
+                        <a:latin typeface="Calibri" panose="020F0502020204030204" pitchFamily="34" charset="0"/>
+                      </a:endParaRPr>
+                    </a:p>
+                  </a:txBody>
+                  <a:tcPr marL="6350" marR="6350" marT="6350" marB="0" anchor="b"/>
+                </a:tc>
+                <a:tc>
+                  <a:txBody>
+                    <a:bodyPr/>
+                    <a:lstStyle/>
+                    <a:p>
+                      <a:pPr algn="l" fontAlgn="b"/>
+                      <a:r>
+                        <a:rPr lang="en-GB" sz="1100" u="none" strike="noStrike">
+                          <a:effectLst/>
+                        </a:rPr>
+                        <a:t>fvy</a:t>
+                      </a:r>
+                      <a:endParaRPr lang="en-GB" sz="1100" b="0" i="0" u="none" strike="noStrike">
+                        <a:solidFill>
+                          <a:srgbClr val="000000"/>
+                        </a:solidFill>
+                        <a:effectLst/>
+                        <a:latin typeface="Calibri" panose="020F0502020204030204" pitchFamily="34" charset="0"/>
+                      </a:endParaRPr>
+                    </a:p>
+                  </a:txBody>
+                  <a:tcPr marL="6350" marR="6350" marT="6350" marB="0" anchor="b"/>
+                </a:tc>
+                <a:tc>
+                  <a:txBody>
+                    <a:bodyPr/>
+                    <a:lstStyle/>
+                    <a:p>
+                      <a:pPr algn="l" fontAlgn="b"/>
+                      <a:r>
+                        <a:rPr lang="en-GB" sz="1100" u="none" strike="noStrike">
+                          <a:effectLst/>
+                        </a:rPr>
+                        <a:t>fgvxx</a:t>
+                      </a:r>
+                      <a:endParaRPr lang="en-GB" sz="1100" b="0" i="0" u="none" strike="noStrike">
+                        <a:solidFill>
+                          <a:srgbClr val="000000"/>
+                        </a:solidFill>
+                        <a:effectLst/>
+                        <a:latin typeface="Calibri" panose="020F0502020204030204" pitchFamily="34" charset="0"/>
+                      </a:endParaRPr>
+                    </a:p>
+                  </a:txBody>
+                  <a:tcPr marL="6350" marR="6350" marT="6350" marB="0" anchor="b"/>
+                </a:tc>
+                <a:tc>
+                  <a:txBody>
+                    <a:bodyPr/>
+                    <a:lstStyle/>
+                    <a:p>
+                      <a:pPr algn="l" fontAlgn="b"/>
+                      <a:r>
+                        <a:rPr lang="en-GB" sz="1100" u="none" strike="noStrike" dirty="0" err="1">
+                          <a:effectLst/>
+                        </a:rPr>
+                        <a:t>fgvyy</a:t>
+                      </a:r>
+                      <a:endParaRPr lang="en-GB" sz="1100" b="0" i="0" u="none" strike="noStrike" dirty="0">
+                        <a:solidFill>
+                          <a:srgbClr val="000000"/>
+                        </a:solidFill>
+                        <a:effectLst/>
+                        <a:latin typeface="Calibri" panose="020F0502020204030204" pitchFamily="34" charset="0"/>
+                      </a:endParaRPr>
+                    </a:p>
+                  </a:txBody>
+                  <a:tcPr marL="6350" marR="6350" marT="6350" marB="0" anchor="b"/>
+                </a:tc>
+                <a:extLst>
+                  <a:ext uri="{0D108BD9-81ED-4DB2-BD59-A6C34878D82A}">
+                    <a16:rowId xmlns:a16="http://schemas.microsoft.com/office/drawing/2014/main" val="2350249116"/>
+                  </a:ext>
+                </a:extLst>
+              </a:tr>
+              <a:tr h="184150">
+                <a:tc>
+                  <a:txBody>
+                    <a:bodyPr/>
+                    <a:lstStyle/>
+                    <a:p>
+                      <a:pPr algn="l" fontAlgn="b"/>
+                      <a:endParaRPr lang="en-GB" sz="1100" b="0" i="0" u="none" strike="noStrike">
+                        <a:solidFill>
+                          <a:srgbClr val="000000"/>
+                        </a:solidFill>
+                        <a:effectLst/>
+                        <a:latin typeface="Calibri" panose="020F0502020204030204" pitchFamily="34" charset="0"/>
+                      </a:endParaRPr>
+                    </a:p>
+                  </a:txBody>
+                  <a:tcPr marL="6350" marR="6350" marT="6350" marB="0" anchor="b"/>
+                </a:tc>
+                <a:tc>
+                  <a:txBody>
+                    <a:bodyPr/>
+                    <a:lstStyle/>
+                    <a:p>
+                      <a:pPr algn="r" fontAlgn="b"/>
+                      <a:r>
+                        <a:rPr lang="en-GB" sz="1100" u="none" strike="noStrike">
+                          <a:effectLst/>
+                        </a:rPr>
+                        <a:t>0</a:t>
+                      </a:r>
+                      <a:endParaRPr lang="en-GB" sz="1100" b="0" i="0" u="none" strike="noStrike">
+                        <a:solidFill>
+                          <a:srgbClr val="000000"/>
+                        </a:solidFill>
+                        <a:effectLst/>
+                        <a:latin typeface="Calibri" panose="020F0502020204030204" pitchFamily="34" charset="0"/>
+                      </a:endParaRPr>
+                    </a:p>
+                  </a:txBody>
+                  <a:tcPr marL="6350" marR="6350" marT="6350" marB="0" anchor="b"/>
+                </a:tc>
+                <a:tc>
+                  <a:txBody>
+                    <a:bodyPr/>
+                    <a:lstStyle/>
+                    <a:p>
+                      <a:pPr algn="r" fontAlgn="b"/>
+                      <a:r>
+                        <a:rPr lang="en-GB" sz="1100" u="none" strike="noStrike">
+                          <a:effectLst/>
+                        </a:rPr>
+                        <a:t>0</a:t>
+                      </a:r>
+                      <a:endParaRPr lang="en-GB" sz="1100" b="0" i="0" u="none" strike="noStrike">
+                        <a:solidFill>
+                          <a:srgbClr val="000000"/>
+                        </a:solidFill>
+                        <a:effectLst/>
+                        <a:latin typeface="Calibri" panose="020F0502020204030204" pitchFamily="34" charset="0"/>
+                      </a:endParaRPr>
+                    </a:p>
+                  </a:txBody>
+                  <a:tcPr marL="6350" marR="6350" marT="6350" marB="0" anchor="b"/>
+                </a:tc>
+                <a:tc>
+                  <a:txBody>
+                    <a:bodyPr/>
+                    <a:lstStyle/>
+                    <a:p>
+                      <a:pPr algn="r" fontAlgn="b"/>
+                      <a:r>
+                        <a:rPr lang="en-GB" sz="1100" u="none" strike="noStrike">
+                          <a:effectLst/>
+                        </a:rPr>
+                        <a:t>0.2</a:t>
+                      </a:r>
+                      <a:endParaRPr lang="en-GB" sz="1100" b="0" i="0" u="none" strike="noStrike">
+                        <a:solidFill>
+                          <a:srgbClr val="000000"/>
+                        </a:solidFill>
+                        <a:effectLst/>
+                        <a:latin typeface="Calibri" panose="020F0502020204030204" pitchFamily="34" charset="0"/>
+                      </a:endParaRPr>
+                    </a:p>
+                  </a:txBody>
+                  <a:tcPr marL="6350" marR="6350" marT="6350" marB="0" anchor="b"/>
+                </a:tc>
+                <a:tc>
+                  <a:txBody>
+                    <a:bodyPr/>
+                    <a:lstStyle/>
+                    <a:p>
+                      <a:pPr algn="r" fontAlgn="b"/>
+                      <a:r>
+                        <a:rPr lang="en-GB" sz="1100" u="none" strike="noStrike">
+                          <a:effectLst/>
+                        </a:rPr>
+                        <a:t>0</a:t>
+                      </a:r>
+                      <a:endParaRPr lang="en-GB" sz="1100" b="0" i="0" u="none" strike="noStrike">
+                        <a:solidFill>
+                          <a:srgbClr val="000000"/>
+                        </a:solidFill>
+                        <a:effectLst/>
+                        <a:latin typeface="Calibri" panose="020F0502020204030204" pitchFamily="34" charset="0"/>
+                      </a:endParaRPr>
+                    </a:p>
+                  </a:txBody>
+                  <a:tcPr marL="6350" marR="6350" marT="6350" marB="0" anchor="b"/>
+                </a:tc>
+                <a:tc>
+                  <a:txBody>
+                    <a:bodyPr/>
+                    <a:lstStyle/>
+                    <a:p>
+                      <a:pPr algn="r" fontAlgn="b"/>
+                      <a:r>
+                        <a:rPr lang="en-GB" sz="1100" u="none" strike="noStrike">
+                          <a:effectLst/>
+                        </a:rPr>
+                        <a:t>0.04</a:t>
+                      </a:r>
+                      <a:endParaRPr lang="en-GB" sz="1100" b="0" i="0" u="none" strike="noStrike">
+                        <a:solidFill>
+                          <a:srgbClr val="000000"/>
+                        </a:solidFill>
+                        <a:effectLst/>
+                        <a:latin typeface="Calibri" panose="020F0502020204030204" pitchFamily="34" charset="0"/>
+                      </a:endParaRPr>
+                    </a:p>
+                  </a:txBody>
+                  <a:tcPr marL="6350" marR="6350" marT="6350" marB="0" anchor="b"/>
+                </a:tc>
+                <a:tc>
+                  <a:txBody>
+                    <a:bodyPr/>
+                    <a:lstStyle/>
+                    <a:p>
+                      <a:pPr algn="r" fontAlgn="b"/>
+                      <a:r>
+                        <a:rPr lang="en-GB" sz="1100" u="none" strike="noStrike">
+                          <a:effectLst/>
+                        </a:rPr>
+                        <a:t>-0.1</a:t>
+                      </a:r>
+                      <a:endParaRPr lang="en-GB" sz="1100" b="0" i="0" u="none" strike="noStrike">
+                        <a:solidFill>
+                          <a:srgbClr val="000000"/>
+                        </a:solidFill>
+                        <a:effectLst/>
+                        <a:latin typeface="Calibri" panose="020F0502020204030204" pitchFamily="34" charset="0"/>
+                      </a:endParaRPr>
+                    </a:p>
+                  </a:txBody>
+                  <a:tcPr marL="6350" marR="6350" marT="6350" marB="0" anchor="b"/>
+                </a:tc>
+                <a:extLst>
+                  <a:ext uri="{0D108BD9-81ED-4DB2-BD59-A6C34878D82A}">
+                    <a16:rowId xmlns:a16="http://schemas.microsoft.com/office/drawing/2014/main" val="4168356419"/>
+                  </a:ext>
+                </a:extLst>
+              </a:tr>
+              <a:tr h="184150">
+                <a:tc>
+                  <a:txBody>
+                    <a:bodyPr/>
+                    <a:lstStyle/>
+                    <a:p>
+                      <a:pPr algn="r" fontAlgn="b"/>
+                      <a:r>
+                        <a:rPr lang="en-GB" sz="1100" u="none" strike="noStrike">
+                          <a:effectLst/>
+                        </a:rPr>
+                        <a:t>366</a:t>
+                      </a:r>
+                      <a:endParaRPr lang="en-GB" sz="1100" b="0" i="0" u="none" strike="noStrike">
+                        <a:solidFill>
+                          <a:srgbClr val="000000"/>
+                        </a:solidFill>
+                        <a:effectLst/>
+                        <a:latin typeface="Calibri" panose="020F0502020204030204" pitchFamily="34" charset="0"/>
+                      </a:endParaRPr>
+                    </a:p>
+                  </a:txBody>
+                  <a:tcPr marL="6350" marR="6350" marT="6350" marB="0" anchor="b"/>
+                </a:tc>
+                <a:tc>
+                  <a:txBody>
+                    <a:bodyPr/>
+                    <a:lstStyle/>
+                    <a:p>
+                      <a:pPr algn="r" fontAlgn="b"/>
+                      <a:r>
+                        <a:rPr lang="en-GB" sz="1100" u="none" strike="noStrike">
+                          <a:effectLst/>
+                        </a:rPr>
+                        <a:t>0.1</a:t>
+                      </a:r>
+                      <a:endParaRPr lang="en-GB" sz="1100" b="0" i="0" u="none" strike="noStrike">
+                        <a:solidFill>
+                          <a:srgbClr val="000000"/>
+                        </a:solidFill>
+                        <a:effectLst/>
+                        <a:latin typeface="Calibri" panose="020F0502020204030204" pitchFamily="34" charset="0"/>
+                      </a:endParaRPr>
+                    </a:p>
+                  </a:txBody>
+                  <a:tcPr marL="6350" marR="6350" marT="6350" marB="0" anchor="b"/>
+                </a:tc>
+                <a:tc>
+                  <a:txBody>
+                    <a:bodyPr/>
+                    <a:lstStyle/>
+                    <a:p>
+                      <a:pPr algn="r" fontAlgn="b"/>
+                      <a:r>
+                        <a:rPr lang="en-GB" sz="1100" u="none" strike="noStrike">
+                          <a:effectLst/>
+                        </a:rPr>
+                        <a:t>0.1</a:t>
+                      </a:r>
+                      <a:endParaRPr lang="en-GB" sz="1100" b="0" i="0" u="none" strike="noStrike">
+                        <a:solidFill>
+                          <a:srgbClr val="000000"/>
+                        </a:solidFill>
+                        <a:effectLst/>
+                        <a:latin typeface="Calibri" panose="020F0502020204030204" pitchFamily="34" charset="0"/>
+                      </a:endParaRPr>
+                    </a:p>
+                  </a:txBody>
+                  <a:tcPr marL="6350" marR="6350" marT="6350" marB="0" anchor="b"/>
+                </a:tc>
+                <a:tc>
+                  <a:txBody>
+                    <a:bodyPr/>
+                    <a:lstStyle/>
+                    <a:p>
+                      <a:pPr algn="r" fontAlgn="b"/>
+                      <a:r>
+                        <a:rPr lang="en-GB" sz="1100" u="none" strike="noStrike" dirty="0">
+                          <a:effectLst/>
+                        </a:rPr>
+                        <a:t>0.204</a:t>
+                      </a:r>
+                      <a:endParaRPr lang="en-GB" sz="1100" b="0" i="0" u="none" strike="noStrike" dirty="0">
+                        <a:solidFill>
+                          <a:srgbClr val="000000"/>
+                        </a:solidFill>
+                        <a:effectLst/>
+                        <a:latin typeface="Calibri" panose="020F0502020204030204" pitchFamily="34" charset="0"/>
+                      </a:endParaRPr>
+                    </a:p>
+                  </a:txBody>
+                  <a:tcPr marL="6350" marR="6350" marT="6350" marB="0" anchor="b"/>
+                </a:tc>
+                <a:tc>
+                  <a:txBody>
+                    <a:bodyPr/>
+                    <a:lstStyle/>
+                    <a:p>
+                      <a:pPr algn="r" fontAlgn="b"/>
+                      <a:r>
+                        <a:rPr lang="en-GB" sz="1100" u="none" strike="noStrike">
+                          <a:effectLst/>
+                        </a:rPr>
+                        <a:t>-0.01</a:t>
+                      </a:r>
+                      <a:endParaRPr lang="en-GB" sz="1100" b="0" i="0" u="none" strike="noStrike">
+                        <a:solidFill>
+                          <a:srgbClr val="000000"/>
+                        </a:solidFill>
+                        <a:effectLst/>
+                        <a:latin typeface="Calibri" panose="020F0502020204030204" pitchFamily="34" charset="0"/>
+                      </a:endParaRPr>
+                    </a:p>
+                  </a:txBody>
+                  <a:tcPr marL="6350" marR="6350" marT="6350" marB="0" anchor="b"/>
+                </a:tc>
+                <a:tc>
+                  <a:txBody>
+                    <a:bodyPr/>
+                    <a:lstStyle/>
+                    <a:p>
+                      <a:pPr algn="r" fontAlgn="b"/>
+                      <a:r>
+                        <a:rPr lang="en-GB" sz="1100" u="none" strike="noStrike">
+                          <a:effectLst/>
+                        </a:rPr>
+                        <a:t>0.042</a:t>
+                      </a:r>
+                      <a:endParaRPr lang="en-GB" sz="1100" b="0" i="0" u="none" strike="noStrike">
+                        <a:solidFill>
+                          <a:srgbClr val="000000"/>
+                        </a:solidFill>
+                        <a:effectLst/>
+                        <a:latin typeface="Calibri" panose="020F0502020204030204" pitchFamily="34" charset="0"/>
+                      </a:endParaRPr>
+                    </a:p>
+                  </a:txBody>
+                  <a:tcPr marL="6350" marR="6350" marT="6350" marB="0" anchor="b"/>
+                </a:tc>
+                <a:tc>
+                  <a:txBody>
+                    <a:bodyPr/>
+                    <a:lstStyle/>
+                    <a:p>
+                      <a:pPr algn="r" fontAlgn="b"/>
+                      <a:r>
+                        <a:rPr lang="en-GB" sz="1100" u="none" strike="noStrike" dirty="0">
+                          <a:effectLst/>
+                        </a:rPr>
+                        <a:t>-0.1</a:t>
+                      </a:r>
+                      <a:endParaRPr lang="en-GB" sz="1100" b="0" i="0" u="none" strike="noStrike" dirty="0">
+                        <a:solidFill>
+                          <a:srgbClr val="000000"/>
+                        </a:solidFill>
+                        <a:effectLst/>
+                        <a:latin typeface="Calibri" panose="020F0502020204030204" pitchFamily="34" charset="0"/>
+                      </a:endParaRPr>
+                    </a:p>
+                  </a:txBody>
+                  <a:tcPr marL="6350" marR="6350" marT="6350" marB="0" anchor="b"/>
+                </a:tc>
+                <a:extLst>
+                  <a:ext uri="{0D108BD9-81ED-4DB2-BD59-A6C34878D82A}">
+                    <a16:rowId xmlns:a16="http://schemas.microsoft.com/office/drawing/2014/main" val="1375864454"/>
+                  </a:ext>
+                </a:extLst>
+              </a:tr>
+              <a:tr h="184150">
+                <a:tc>
+                  <a:txBody>
+                    <a:bodyPr/>
+                    <a:lstStyle/>
+                    <a:p>
+                      <a:pPr algn="r" fontAlgn="b"/>
+                      <a:r>
+                        <a:rPr lang="en-GB" sz="1100" u="none" strike="noStrike">
+                          <a:effectLst/>
+                        </a:rPr>
+                        <a:t>576</a:t>
+                      </a:r>
+                      <a:endParaRPr lang="en-GB" sz="1100" b="0" i="0" u="none" strike="noStrike">
+                        <a:solidFill>
+                          <a:srgbClr val="000000"/>
+                        </a:solidFill>
+                        <a:effectLst/>
+                        <a:latin typeface="Calibri" panose="020F0502020204030204" pitchFamily="34" charset="0"/>
+                      </a:endParaRPr>
+                    </a:p>
+                  </a:txBody>
+                  <a:tcPr marL="6350" marR="6350" marT="6350" marB="0" anchor="b"/>
+                </a:tc>
+                <a:tc>
+                  <a:txBody>
+                    <a:bodyPr/>
+                    <a:lstStyle/>
+                    <a:p>
+                      <a:pPr algn="r" fontAlgn="b"/>
+                      <a:r>
+                        <a:rPr lang="en-GB" sz="1100" u="none" strike="noStrike">
+                          <a:effectLst/>
+                        </a:rPr>
+                        <a:t>2.1</a:t>
+                      </a:r>
+                      <a:endParaRPr lang="en-GB" sz="1100" b="0" i="0" u="none" strike="noStrike">
+                        <a:solidFill>
+                          <a:srgbClr val="000000"/>
+                        </a:solidFill>
+                        <a:effectLst/>
+                        <a:latin typeface="Calibri" panose="020F0502020204030204" pitchFamily="34" charset="0"/>
+                      </a:endParaRPr>
+                    </a:p>
+                  </a:txBody>
+                  <a:tcPr marL="6350" marR="6350" marT="6350" marB="0" anchor="b"/>
+                </a:tc>
+                <a:tc>
+                  <a:txBody>
+                    <a:bodyPr/>
+                    <a:lstStyle/>
+                    <a:p>
+                      <a:pPr algn="r" fontAlgn="b"/>
+                      <a:r>
+                        <a:rPr lang="en-GB" sz="1100" u="none" strike="noStrike">
+                          <a:effectLst/>
+                        </a:rPr>
+                        <a:t>2.1</a:t>
+                      </a:r>
+                      <a:endParaRPr lang="en-GB" sz="1100" b="0" i="0" u="none" strike="noStrike">
+                        <a:solidFill>
+                          <a:srgbClr val="000000"/>
+                        </a:solidFill>
+                        <a:effectLst/>
+                        <a:latin typeface="Calibri" panose="020F0502020204030204" pitchFamily="34" charset="0"/>
+                      </a:endParaRPr>
+                    </a:p>
+                  </a:txBody>
+                  <a:tcPr marL="6350" marR="6350" marT="6350" marB="0" anchor="b"/>
+                </a:tc>
+                <a:tc>
+                  <a:txBody>
+                    <a:bodyPr/>
+                    <a:lstStyle/>
+                    <a:p>
+                      <a:pPr algn="r" fontAlgn="b"/>
+                      <a:r>
+                        <a:rPr lang="en-GB" sz="1100" u="none" strike="noStrike">
+                          <a:effectLst/>
+                        </a:rPr>
+                        <a:t>0.345</a:t>
+                      </a:r>
+                      <a:endParaRPr lang="en-GB" sz="1100" b="0" i="0" u="none" strike="noStrike">
+                        <a:solidFill>
+                          <a:srgbClr val="000000"/>
+                        </a:solidFill>
+                        <a:effectLst/>
+                        <a:latin typeface="Calibri" panose="020F0502020204030204" pitchFamily="34" charset="0"/>
+                      </a:endParaRPr>
+                    </a:p>
+                  </a:txBody>
+                  <a:tcPr marL="6350" marR="6350" marT="6350" marB="0" anchor="b"/>
+                </a:tc>
+                <a:tc>
+                  <a:txBody>
+                    <a:bodyPr/>
+                    <a:lstStyle/>
+                    <a:p>
+                      <a:pPr algn="r" fontAlgn="b"/>
+                      <a:r>
+                        <a:rPr lang="en-GB" sz="1100" u="none" strike="noStrike">
+                          <a:effectLst/>
+                        </a:rPr>
+                        <a:t>-0.21</a:t>
+                      </a:r>
+                      <a:endParaRPr lang="en-GB" sz="1100" b="0" i="0" u="none" strike="noStrike">
+                        <a:solidFill>
+                          <a:srgbClr val="000000"/>
+                        </a:solidFill>
+                        <a:effectLst/>
+                        <a:latin typeface="Calibri" panose="020F0502020204030204" pitchFamily="34" charset="0"/>
+                      </a:endParaRPr>
+                    </a:p>
+                  </a:txBody>
+                  <a:tcPr marL="6350" marR="6350" marT="6350" marB="0" anchor="b"/>
+                </a:tc>
+                <a:tc>
+                  <a:txBody>
+                    <a:bodyPr/>
+                    <a:lstStyle/>
+                    <a:p>
+                      <a:pPr algn="r" fontAlgn="b"/>
+                      <a:r>
+                        <a:rPr lang="en-GB" sz="1100" u="none" strike="noStrike" dirty="0">
+                          <a:effectLst/>
+                        </a:rPr>
+                        <a:t>0.119</a:t>
+                      </a:r>
+                      <a:endParaRPr lang="en-GB" sz="1100" b="0" i="0" u="none" strike="noStrike" dirty="0">
+                        <a:solidFill>
+                          <a:srgbClr val="000000"/>
+                        </a:solidFill>
+                        <a:effectLst/>
+                        <a:latin typeface="Calibri" panose="020F0502020204030204" pitchFamily="34" charset="0"/>
+                      </a:endParaRPr>
+                    </a:p>
+                  </a:txBody>
+                  <a:tcPr marL="6350" marR="6350" marT="6350" marB="0" anchor="b"/>
+                </a:tc>
+                <a:tc>
+                  <a:txBody>
+                    <a:bodyPr/>
+                    <a:lstStyle/>
+                    <a:p>
+                      <a:pPr algn="r" fontAlgn="b"/>
+                      <a:r>
+                        <a:rPr lang="en-GB" sz="1100" u="none" strike="noStrike">
+                          <a:effectLst/>
+                        </a:rPr>
+                        <a:t>-0.1</a:t>
+                      </a:r>
+                      <a:endParaRPr lang="en-GB" sz="1100" b="0" i="0" u="none" strike="noStrike">
+                        <a:solidFill>
+                          <a:srgbClr val="000000"/>
+                        </a:solidFill>
+                        <a:effectLst/>
+                        <a:latin typeface="Calibri" panose="020F0502020204030204" pitchFamily="34" charset="0"/>
+                      </a:endParaRPr>
+                    </a:p>
+                  </a:txBody>
+                  <a:tcPr marL="6350" marR="6350" marT="6350" marB="0" anchor="b"/>
+                </a:tc>
+                <a:extLst>
+                  <a:ext uri="{0D108BD9-81ED-4DB2-BD59-A6C34878D82A}">
+                    <a16:rowId xmlns:a16="http://schemas.microsoft.com/office/drawing/2014/main" val="1342378684"/>
+                  </a:ext>
+                </a:extLst>
+              </a:tr>
+              <a:tr h="184150">
+                <a:tc>
+                  <a:txBody>
+                    <a:bodyPr/>
+                    <a:lstStyle/>
+                    <a:p>
+                      <a:pPr algn="r" fontAlgn="b"/>
+                      <a:r>
+                        <a:rPr lang="en-GB" sz="1100" u="none" strike="noStrike">
+                          <a:effectLst/>
+                        </a:rPr>
+                        <a:t>746</a:t>
+                      </a:r>
+                      <a:endParaRPr lang="en-GB" sz="1100" b="0" i="0" u="none" strike="noStrike">
+                        <a:solidFill>
+                          <a:srgbClr val="000000"/>
+                        </a:solidFill>
+                        <a:effectLst/>
+                        <a:latin typeface="Calibri" panose="020F0502020204030204" pitchFamily="34" charset="0"/>
+                      </a:endParaRPr>
+                    </a:p>
+                  </a:txBody>
+                  <a:tcPr marL="6350" marR="6350" marT="6350" marB="0" anchor="b"/>
+                </a:tc>
+                <a:tc>
+                  <a:txBody>
+                    <a:bodyPr/>
+                    <a:lstStyle/>
+                    <a:p>
+                      <a:pPr algn="r" fontAlgn="b"/>
+                      <a:r>
+                        <a:rPr lang="en-GB" sz="1100" u="none" strike="noStrike">
+                          <a:effectLst/>
+                        </a:rPr>
+                        <a:t>3.9</a:t>
+                      </a:r>
+                      <a:endParaRPr lang="en-GB" sz="1100" b="0" i="0" u="none" strike="noStrike">
+                        <a:solidFill>
+                          <a:srgbClr val="000000"/>
+                        </a:solidFill>
+                        <a:effectLst/>
+                        <a:latin typeface="Calibri" panose="020F0502020204030204" pitchFamily="34" charset="0"/>
+                      </a:endParaRPr>
+                    </a:p>
+                  </a:txBody>
+                  <a:tcPr marL="6350" marR="6350" marT="6350" marB="0" anchor="b"/>
+                </a:tc>
+                <a:tc>
+                  <a:txBody>
+                    <a:bodyPr/>
+                    <a:lstStyle/>
+                    <a:p>
+                      <a:pPr algn="r" fontAlgn="b"/>
+                      <a:r>
+                        <a:rPr lang="en-GB" sz="1100" u="none" strike="noStrike" dirty="0">
+                          <a:effectLst/>
+                        </a:rPr>
+                        <a:t>0.1</a:t>
+                      </a:r>
+                      <a:endParaRPr lang="en-GB" sz="1100" b="0" i="0" u="none" strike="noStrike" dirty="0">
+                        <a:solidFill>
+                          <a:srgbClr val="000000"/>
+                        </a:solidFill>
+                        <a:effectLst/>
+                        <a:latin typeface="Calibri" panose="020F0502020204030204" pitchFamily="34" charset="0"/>
+                      </a:endParaRPr>
+                    </a:p>
+                  </a:txBody>
+                  <a:tcPr marL="6350" marR="6350" marT="6350" marB="0" anchor="b"/>
+                </a:tc>
+                <a:tc>
+                  <a:txBody>
+                    <a:bodyPr/>
+                    <a:lstStyle/>
+                    <a:p>
+                      <a:pPr algn="r" fontAlgn="b"/>
+                      <a:r>
+                        <a:rPr lang="en-GB" sz="1100" u="none" strike="noStrike">
+                          <a:effectLst/>
+                        </a:rPr>
+                        <a:t>0.909</a:t>
+                      </a:r>
+                      <a:endParaRPr lang="en-GB" sz="1100" b="0" i="0" u="none" strike="noStrike">
+                        <a:solidFill>
+                          <a:srgbClr val="000000"/>
+                        </a:solidFill>
+                        <a:effectLst/>
+                        <a:latin typeface="Calibri" panose="020F0502020204030204" pitchFamily="34" charset="0"/>
+                      </a:endParaRPr>
+                    </a:p>
+                  </a:txBody>
+                  <a:tcPr marL="6350" marR="6350" marT="6350" marB="0" anchor="b"/>
+                </a:tc>
+                <a:tc>
+                  <a:txBody>
+                    <a:bodyPr/>
+                    <a:lstStyle/>
+                    <a:p>
+                      <a:pPr algn="r" fontAlgn="b"/>
+                      <a:r>
+                        <a:rPr lang="en-GB" sz="1100" u="none" strike="noStrike">
+                          <a:effectLst/>
+                        </a:rPr>
+                        <a:t>-0.01</a:t>
+                      </a:r>
+                      <a:endParaRPr lang="en-GB" sz="1100" b="0" i="0" u="none" strike="noStrike">
+                        <a:solidFill>
+                          <a:srgbClr val="000000"/>
+                        </a:solidFill>
+                        <a:effectLst/>
+                        <a:latin typeface="Calibri" panose="020F0502020204030204" pitchFamily="34" charset="0"/>
+                      </a:endParaRPr>
+                    </a:p>
+                  </a:txBody>
+                  <a:tcPr marL="6350" marR="6350" marT="6350" marB="0" anchor="b"/>
+                </a:tc>
+                <a:tc>
+                  <a:txBody>
+                    <a:bodyPr/>
+                    <a:lstStyle/>
+                    <a:p>
+                      <a:pPr algn="r" fontAlgn="b"/>
+                      <a:r>
+                        <a:rPr lang="en-GB" sz="1100" u="none" strike="noStrike">
+                          <a:effectLst/>
+                        </a:rPr>
+                        <a:t>0.826</a:t>
+                      </a:r>
+                      <a:endParaRPr lang="en-GB" sz="1100" b="0" i="0" u="none" strike="noStrike">
+                        <a:solidFill>
+                          <a:srgbClr val="000000"/>
+                        </a:solidFill>
+                        <a:effectLst/>
+                        <a:latin typeface="Calibri" panose="020F0502020204030204" pitchFamily="34" charset="0"/>
+                      </a:endParaRPr>
+                    </a:p>
+                  </a:txBody>
+                  <a:tcPr marL="6350" marR="6350" marT="6350" marB="0" anchor="b"/>
+                </a:tc>
+                <a:tc>
+                  <a:txBody>
+                    <a:bodyPr/>
+                    <a:lstStyle/>
+                    <a:p>
+                      <a:pPr algn="r" fontAlgn="b"/>
+                      <a:r>
+                        <a:rPr lang="en-GB" sz="1100" u="none" strike="noStrike">
+                          <a:effectLst/>
+                        </a:rPr>
+                        <a:t>-0.1</a:t>
+                      </a:r>
+                      <a:endParaRPr lang="en-GB" sz="1100" b="0" i="0" u="none" strike="noStrike">
+                        <a:solidFill>
+                          <a:srgbClr val="000000"/>
+                        </a:solidFill>
+                        <a:effectLst/>
+                        <a:latin typeface="Calibri" panose="020F0502020204030204" pitchFamily="34" charset="0"/>
+                      </a:endParaRPr>
+                    </a:p>
+                  </a:txBody>
+                  <a:tcPr marL="6350" marR="6350" marT="6350" marB="0" anchor="b"/>
+                </a:tc>
+                <a:extLst>
+                  <a:ext uri="{0D108BD9-81ED-4DB2-BD59-A6C34878D82A}">
+                    <a16:rowId xmlns:a16="http://schemas.microsoft.com/office/drawing/2014/main" val="3173969845"/>
+                  </a:ext>
+                </a:extLst>
+              </a:tr>
+              <a:tr h="184150">
+                <a:tc>
+                  <a:txBody>
+                    <a:bodyPr/>
+                    <a:lstStyle/>
+                    <a:p>
+                      <a:pPr algn="r" fontAlgn="b"/>
+                      <a:r>
+                        <a:rPr lang="en-GB" sz="1100" u="none" strike="noStrike">
+                          <a:effectLst/>
+                        </a:rPr>
+                        <a:t>765</a:t>
+                      </a:r>
+                      <a:endParaRPr lang="en-GB" sz="1100" b="0" i="0" u="none" strike="noStrike">
+                        <a:solidFill>
+                          <a:srgbClr val="000000"/>
+                        </a:solidFill>
+                        <a:effectLst/>
+                        <a:latin typeface="Calibri" panose="020F0502020204030204" pitchFamily="34" charset="0"/>
+                      </a:endParaRPr>
+                    </a:p>
+                  </a:txBody>
+                  <a:tcPr marL="6350" marR="6350" marT="6350" marB="0" anchor="b"/>
+                </a:tc>
+                <a:tc>
+                  <a:txBody>
+                    <a:bodyPr/>
+                    <a:lstStyle/>
+                    <a:p>
+                      <a:pPr algn="r" fontAlgn="b"/>
+                      <a:r>
+                        <a:rPr lang="en-GB" sz="1100" u="none" strike="noStrike">
+                          <a:effectLst/>
+                        </a:rPr>
+                        <a:t>3.9</a:t>
+                      </a:r>
+                      <a:endParaRPr lang="en-GB" sz="1100" b="0" i="0" u="none" strike="noStrike">
+                        <a:solidFill>
+                          <a:srgbClr val="000000"/>
+                        </a:solidFill>
+                        <a:effectLst/>
+                        <a:latin typeface="Calibri" panose="020F0502020204030204" pitchFamily="34" charset="0"/>
+                      </a:endParaRPr>
+                    </a:p>
+                  </a:txBody>
+                  <a:tcPr marL="6350" marR="6350" marT="6350" marB="0" anchor="b"/>
+                </a:tc>
+                <a:tc>
+                  <a:txBody>
+                    <a:bodyPr/>
+                    <a:lstStyle/>
+                    <a:p>
+                      <a:pPr algn="r" fontAlgn="b"/>
+                      <a:r>
+                        <a:rPr lang="en-GB" sz="1100" u="none" strike="noStrike" dirty="0">
+                          <a:effectLst/>
+                        </a:rPr>
+                        <a:t>3.9</a:t>
+                      </a:r>
+                      <a:endParaRPr lang="en-GB" sz="1100" b="0" i="0" u="none" strike="noStrike" dirty="0">
+                        <a:solidFill>
+                          <a:srgbClr val="000000"/>
+                        </a:solidFill>
+                        <a:effectLst/>
+                        <a:latin typeface="Calibri" panose="020F0502020204030204" pitchFamily="34" charset="0"/>
+                      </a:endParaRPr>
+                    </a:p>
+                  </a:txBody>
+                  <a:tcPr marL="6350" marR="6350" marT="6350" marB="0" anchor="b"/>
+                </a:tc>
+                <a:tc>
+                  <a:txBody>
+                    <a:bodyPr/>
+                    <a:lstStyle/>
+                    <a:p>
+                      <a:pPr algn="r" fontAlgn="b"/>
+                      <a:r>
+                        <a:rPr lang="en-GB" sz="1100" u="none" strike="noStrike">
+                          <a:effectLst/>
+                        </a:rPr>
+                        <a:t>0.909</a:t>
+                      </a:r>
+                      <a:endParaRPr lang="en-GB" sz="1100" b="0" i="0" u="none" strike="noStrike">
+                        <a:solidFill>
+                          <a:srgbClr val="000000"/>
+                        </a:solidFill>
+                        <a:effectLst/>
+                        <a:latin typeface="Calibri" panose="020F0502020204030204" pitchFamily="34" charset="0"/>
+                      </a:endParaRPr>
+                    </a:p>
+                  </a:txBody>
+                  <a:tcPr marL="6350" marR="6350" marT="6350" marB="0" anchor="b"/>
+                </a:tc>
+                <a:tc>
+                  <a:txBody>
+                    <a:bodyPr/>
+                    <a:lstStyle/>
+                    <a:p>
+                      <a:pPr algn="r" fontAlgn="b"/>
+                      <a:r>
+                        <a:rPr lang="en-GB" sz="1100" u="none" strike="noStrike">
+                          <a:effectLst/>
+                        </a:rPr>
+                        <a:t>-0.39</a:t>
+                      </a:r>
+                      <a:endParaRPr lang="en-GB" sz="1100" b="0" i="0" u="none" strike="noStrike">
+                        <a:solidFill>
+                          <a:srgbClr val="000000"/>
+                        </a:solidFill>
+                        <a:effectLst/>
+                        <a:latin typeface="Calibri" panose="020F0502020204030204" pitchFamily="34" charset="0"/>
+                      </a:endParaRPr>
+                    </a:p>
+                  </a:txBody>
+                  <a:tcPr marL="6350" marR="6350" marT="6350" marB="0" anchor="b"/>
+                </a:tc>
+                <a:tc>
+                  <a:txBody>
+                    <a:bodyPr/>
+                    <a:lstStyle/>
+                    <a:p>
+                      <a:pPr algn="r" fontAlgn="b"/>
+                      <a:r>
+                        <a:rPr lang="en-GB" sz="1100" u="none" strike="noStrike">
+                          <a:effectLst/>
+                        </a:rPr>
+                        <a:t>0.826</a:t>
+                      </a:r>
+                      <a:endParaRPr lang="en-GB" sz="1100" b="0" i="0" u="none" strike="noStrike">
+                        <a:solidFill>
+                          <a:srgbClr val="000000"/>
+                        </a:solidFill>
+                        <a:effectLst/>
+                        <a:latin typeface="Calibri" panose="020F0502020204030204" pitchFamily="34" charset="0"/>
+                      </a:endParaRPr>
+                    </a:p>
+                  </a:txBody>
+                  <a:tcPr marL="6350" marR="6350" marT="6350" marB="0" anchor="b"/>
+                </a:tc>
+                <a:tc>
+                  <a:txBody>
+                    <a:bodyPr/>
+                    <a:lstStyle/>
+                    <a:p>
+                      <a:pPr algn="r" fontAlgn="b"/>
+                      <a:r>
+                        <a:rPr lang="en-GB" sz="1100" u="none" strike="noStrike">
+                          <a:effectLst/>
+                        </a:rPr>
+                        <a:t>-0.1</a:t>
+                      </a:r>
+                      <a:endParaRPr lang="en-GB" sz="1100" b="0" i="0" u="none" strike="noStrike">
+                        <a:solidFill>
+                          <a:srgbClr val="000000"/>
+                        </a:solidFill>
+                        <a:effectLst/>
+                        <a:latin typeface="Calibri" panose="020F0502020204030204" pitchFamily="34" charset="0"/>
+                      </a:endParaRPr>
+                    </a:p>
+                  </a:txBody>
+                  <a:tcPr marL="6350" marR="6350" marT="6350" marB="0" anchor="b"/>
+                </a:tc>
+                <a:extLst>
+                  <a:ext uri="{0D108BD9-81ED-4DB2-BD59-A6C34878D82A}">
+                    <a16:rowId xmlns:a16="http://schemas.microsoft.com/office/drawing/2014/main" val="2367600982"/>
+                  </a:ext>
+                </a:extLst>
+              </a:tr>
+              <a:tr h="184150">
+                <a:tc>
+                  <a:txBody>
+                    <a:bodyPr/>
+                    <a:lstStyle/>
+                    <a:p>
+                      <a:pPr algn="l" fontAlgn="b"/>
+                      <a:endParaRPr lang="en-GB" sz="1100" b="0" i="0" u="none" strike="noStrike">
+                        <a:solidFill>
+                          <a:srgbClr val="000000"/>
+                        </a:solidFill>
+                        <a:effectLst/>
+                        <a:latin typeface="Calibri" panose="020F0502020204030204" pitchFamily="34" charset="0"/>
+                      </a:endParaRPr>
+                    </a:p>
+                  </a:txBody>
+                  <a:tcPr marL="6350" marR="6350" marT="6350" marB="0" anchor="b"/>
+                </a:tc>
+                <a:tc>
+                  <a:txBody>
+                    <a:bodyPr/>
+                    <a:lstStyle/>
+                    <a:p>
+                      <a:pPr algn="r" fontAlgn="b"/>
+                      <a:r>
+                        <a:rPr lang="en-GB" sz="1100" u="none" strike="noStrike">
+                          <a:effectLst/>
+                        </a:rPr>
+                        <a:t>4</a:t>
+                      </a:r>
+                      <a:endParaRPr lang="en-GB" sz="1100" b="0" i="0" u="none" strike="noStrike">
+                        <a:solidFill>
+                          <a:srgbClr val="000000"/>
+                        </a:solidFill>
+                        <a:effectLst/>
+                        <a:latin typeface="Calibri" panose="020F0502020204030204" pitchFamily="34" charset="0"/>
+                      </a:endParaRPr>
+                    </a:p>
+                  </a:txBody>
+                  <a:tcPr marL="6350" marR="6350" marT="6350" marB="0" anchor="b"/>
+                </a:tc>
+                <a:tc>
+                  <a:txBody>
+                    <a:bodyPr/>
+                    <a:lstStyle/>
+                    <a:p>
+                      <a:pPr algn="r" fontAlgn="b"/>
+                      <a:r>
+                        <a:rPr lang="en-GB" sz="1100" u="none" strike="noStrike">
+                          <a:effectLst/>
+                        </a:rPr>
+                        <a:t>4</a:t>
+                      </a:r>
+                      <a:endParaRPr lang="en-GB" sz="1100" b="0" i="0" u="none" strike="noStrike">
+                        <a:solidFill>
+                          <a:srgbClr val="000000"/>
+                        </a:solidFill>
+                        <a:effectLst/>
+                        <a:latin typeface="Calibri" panose="020F0502020204030204" pitchFamily="34" charset="0"/>
+                      </a:endParaRPr>
+                    </a:p>
+                  </a:txBody>
+                  <a:tcPr marL="6350" marR="6350" marT="6350" marB="0" anchor="b"/>
+                </a:tc>
+                <a:tc>
+                  <a:txBody>
+                    <a:bodyPr/>
+                    <a:lstStyle/>
+                    <a:p>
+                      <a:pPr algn="r" fontAlgn="b"/>
+                      <a:r>
+                        <a:rPr lang="en-GB" sz="1100" u="none" strike="noStrike">
+                          <a:effectLst/>
+                        </a:rPr>
+                        <a:t>1</a:t>
+                      </a:r>
+                      <a:endParaRPr lang="en-GB" sz="1100" b="0" i="0" u="none" strike="noStrike">
+                        <a:solidFill>
+                          <a:srgbClr val="000000"/>
+                        </a:solidFill>
+                        <a:effectLst/>
+                        <a:latin typeface="Calibri" panose="020F0502020204030204" pitchFamily="34" charset="0"/>
+                      </a:endParaRPr>
+                    </a:p>
+                  </a:txBody>
+                  <a:tcPr marL="6350" marR="6350" marT="6350" marB="0" anchor="b"/>
+                </a:tc>
+                <a:tc>
+                  <a:txBody>
+                    <a:bodyPr/>
+                    <a:lstStyle/>
+                    <a:p>
+                      <a:pPr algn="r" fontAlgn="b"/>
+                      <a:r>
+                        <a:rPr lang="en-GB" sz="1100" u="none" strike="noStrike">
+                          <a:effectLst/>
+                        </a:rPr>
+                        <a:t>-0.4</a:t>
+                      </a:r>
+                      <a:endParaRPr lang="en-GB" sz="1100" b="0" i="0" u="none" strike="noStrike">
+                        <a:solidFill>
+                          <a:srgbClr val="000000"/>
+                        </a:solidFill>
+                        <a:effectLst/>
+                        <a:latin typeface="Calibri" panose="020F0502020204030204" pitchFamily="34" charset="0"/>
+                      </a:endParaRPr>
+                    </a:p>
+                  </a:txBody>
+                  <a:tcPr marL="6350" marR="6350" marT="6350" marB="0" anchor="b"/>
+                </a:tc>
+                <a:tc>
+                  <a:txBody>
+                    <a:bodyPr/>
+                    <a:lstStyle/>
+                    <a:p>
+                      <a:pPr algn="r" fontAlgn="b"/>
+                      <a:r>
+                        <a:rPr lang="en-GB" sz="1100" u="none" strike="noStrike">
+                          <a:effectLst/>
+                        </a:rPr>
+                        <a:t>1</a:t>
+                      </a:r>
+                      <a:endParaRPr lang="en-GB" sz="1100" b="0" i="0" u="none" strike="noStrike">
+                        <a:solidFill>
+                          <a:srgbClr val="000000"/>
+                        </a:solidFill>
+                        <a:effectLst/>
+                        <a:latin typeface="Calibri" panose="020F0502020204030204" pitchFamily="34" charset="0"/>
+                      </a:endParaRPr>
+                    </a:p>
+                  </a:txBody>
+                  <a:tcPr marL="6350" marR="6350" marT="6350" marB="0" anchor="b"/>
+                </a:tc>
+                <a:tc>
+                  <a:txBody>
+                    <a:bodyPr/>
+                    <a:lstStyle/>
+                    <a:p>
+                      <a:pPr algn="r" fontAlgn="b"/>
+                      <a:r>
+                        <a:rPr lang="en-GB" sz="1100" u="none" strike="noStrike" dirty="0">
+                          <a:effectLst/>
+                        </a:rPr>
+                        <a:t>-0.1</a:t>
+                      </a:r>
+                      <a:endParaRPr lang="en-GB" sz="1100" b="0" i="0" u="none" strike="noStrike" dirty="0">
+                        <a:solidFill>
+                          <a:srgbClr val="000000"/>
+                        </a:solidFill>
+                        <a:effectLst/>
+                        <a:latin typeface="Calibri" panose="020F0502020204030204" pitchFamily="34" charset="0"/>
+                      </a:endParaRPr>
+                    </a:p>
+                  </a:txBody>
+                  <a:tcPr marL="6350" marR="6350" marT="6350" marB="0" anchor="b"/>
+                </a:tc>
+                <a:extLst>
+                  <a:ext uri="{0D108BD9-81ED-4DB2-BD59-A6C34878D82A}">
+                    <a16:rowId xmlns:a16="http://schemas.microsoft.com/office/drawing/2014/main" val="1432509674"/>
+                  </a:ext>
+                </a:extLst>
+              </a:tr>
+            </a:tbl>
+          </a:graphicData>
+        </a:graphic>
+      </p:graphicFrame>
+      <p:pic>
+        <p:nvPicPr>
+          <p:cNvPr id="5" name="Picture 4">
+            <a:extLst>
+              <a:ext uri="{FF2B5EF4-FFF2-40B4-BE49-F238E27FC236}">
+                <a16:creationId xmlns:a16="http://schemas.microsoft.com/office/drawing/2014/main" id="{970AAE11-CCE2-9526-54BB-EC9EF8E11200}"/>
+              </a:ext>
+            </a:extLst>
+          </p:cNvPr>
+          <p:cNvPicPr>
+            <a:picLocks noChangeAspect="1"/>
+          </p:cNvPicPr>
+          <p:nvPr/>
+        </p:nvPicPr>
+        <p:blipFill>
+          <a:blip r:embed="rId4"/>
+          <a:stretch>
+            <a:fillRect/>
+          </a:stretch>
+        </p:blipFill>
+        <p:spPr>
+          <a:xfrm>
+            <a:off x="4872388" y="1478993"/>
+            <a:ext cx="3657788" cy="3657788"/>
+          </a:xfrm>
+          <a:prstGeom prst="rect">
+            <a:avLst/>
+          </a:prstGeom>
+        </p:spPr>
+      </p:pic>
+      <p:pic>
+        <p:nvPicPr>
+          <p:cNvPr id="11" name="Picture 10">
+            <a:extLst>
+              <a:ext uri="{FF2B5EF4-FFF2-40B4-BE49-F238E27FC236}">
+                <a16:creationId xmlns:a16="http://schemas.microsoft.com/office/drawing/2014/main" id="{0C12F12E-E3F7-883E-0DB5-31A85BB44591}"/>
+              </a:ext>
+            </a:extLst>
+          </p:cNvPr>
+          <p:cNvPicPr>
+            <a:picLocks noChangeAspect="1"/>
+          </p:cNvPicPr>
+          <p:nvPr/>
+        </p:nvPicPr>
+        <p:blipFill>
+          <a:blip r:embed="rId5"/>
+          <a:stretch>
+            <a:fillRect/>
+          </a:stretch>
+        </p:blipFill>
+        <p:spPr>
+          <a:xfrm>
+            <a:off x="7323392" y="1478993"/>
+            <a:ext cx="3657788" cy="3657788"/>
+          </a:xfrm>
+          <a:prstGeom prst="rect">
+            <a:avLst/>
+          </a:prstGeom>
+        </p:spPr>
+      </p:pic>
+      <p:pic>
+        <p:nvPicPr>
+          <p:cNvPr id="13" name="Picture 12">
+            <a:extLst>
+              <a:ext uri="{FF2B5EF4-FFF2-40B4-BE49-F238E27FC236}">
+                <a16:creationId xmlns:a16="http://schemas.microsoft.com/office/drawing/2014/main" id="{75211DFF-2320-EAFB-1D52-0A1C309EA45D}"/>
+              </a:ext>
+            </a:extLst>
+          </p:cNvPr>
+          <p:cNvPicPr>
+            <a:picLocks noChangeAspect="1"/>
+          </p:cNvPicPr>
+          <p:nvPr/>
+        </p:nvPicPr>
+        <p:blipFill>
+          <a:blip r:embed="rId6"/>
+          <a:stretch>
+            <a:fillRect/>
+          </a:stretch>
+        </p:blipFill>
+        <p:spPr>
+          <a:xfrm>
+            <a:off x="9817609" y="1478993"/>
+            <a:ext cx="3657788" cy="3657788"/>
+          </a:xfrm>
+          <a:prstGeom prst="rect">
+            <a:avLst/>
+          </a:prstGeom>
+        </p:spPr>
+      </p:pic>
+    </p:spTree>
+    <p:extLst>
+      <p:ext uri="{BB962C8B-B14F-4D97-AF65-F5344CB8AC3E}">
+        <p14:creationId xmlns:p14="http://schemas.microsoft.com/office/powerpoint/2010/main" val="2466100826"/>
+      </p:ext>
+    </p:extLst>
+  </p:cSld>
+  <p:clrMapOvr>
+    <a:masterClrMapping/>
+  </p:clrMapOvr>
+</p:sld>
+</file>
+
+<file path=ppt/slides/slide8.xml><?xml version="1.0" encoding="utf-8"?>
+<p:sld xmlns:a="http://schemas.openxmlformats.org/drawingml/2006/main" xmlns:r="http://schemas.openxmlformats.org/officeDocument/2006/relationships" xmlns:p="http://schemas.openxmlformats.org/presentationml/2006/main">
+  <p:cSld>
+    <p:spTree>
+      <p:nvGrpSpPr>
+        <p:cNvPr id="1" name=""/>
+        <p:cNvGrpSpPr/>
+        <p:nvPr/>
+      </p:nvGrpSpPr>
+      <p:grpSpPr>
+        <a:xfrm>
+          <a:off x="0" y="0"/>
+          <a:ext cx="0" cy="0"/>
+          <a:chOff x="0" y="0"/>
+          <a:chExt cx="0" cy="0"/>
+        </a:xfrm>
+      </p:grpSpPr>
     </p:spTree>
     <p:extLst>
       <p:ext uri="{BB962C8B-B14F-4D97-AF65-F5344CB8AC3E}">
